--- a/results/figures/pptx/psychological_symptoms_burden.pptx
+++ b/results/figures/pptx/psychological_symptoms_burden.pptx
@@ -2271,15 +2271,15 @@
           </p:nvSpPr>
           <p:spPr>
             <a:xfrm>
-              <a:off x="3323505" y="1802384"/>
-              <a:ext cx="0" cy="7213325"/>
+              <a:off x="3323505" y="1488875"/>
+              <a:ext cx="0" cy="7526833"/>
             </a:xfrm>
             <a:custGeom>
               <a:avLst/>
               <a:pathLst>
-                <a:path w="0" h="7213325">
+                <a:path w="0" h="7526833">
                   <a:moveTo>
-                    <a:pt x="0" y="7213325"/>
+                    <a:pt x="0" y="7526833"/>
                   </a:moveTo>
                   <a:lnTo>
                     <a:pt x="0" y="0"/>
@@ -2314,15 +2314,15 @@
           </p:nvSpPr>
           <p:spPr>
             <a:xfrm>
-              <a:off x="3623891" y="1802384"/>
-              <a:ext cx="0" cy="7213325"/>
+              <a:off x="3623891" y="1488875"/>
+              <a:ext cx="0" cy="7526833"/>
             </a:xfrm>
             <a:custGeom>
               <a:avLst/>
               <a:pathLst>
-                <a:path w="0" h="7213325">
+                <a:path w="0" h="7526833">
                   <a:moveTo>
-                    <a:pt x="0" y="7213325"/>
+                    <a:pt x="0" y="7526833"/>
                   </a:moveTo>
                   <a:lnTo>
                     <a:pt x="0" y="0"/>
@@ -2357,15 +2357,15 @@
           </p:nvSpPr>
           <p:spPr>
             <a:xfrm>
-              <a:off x="3924276" y="1802384"/>
-              <a:ext cx="0" cy="7213325"/>
+              <a:off x="3924276" y="1488875"/>
+              <a:ext cx="0" cy="7526833"/>
             </a:xfrm>
             <a:custGeom>
               <a:avLst/>
               <a:pathLst>
-                <a:path w="0" h="7213325">
+                <a:path w="0" h="7526833">
                   <a:moveTo>
-                    <a:pt x="0" y="7213325"/>
+                    <a:pt x="0" y="7526833"/>
                   </a:moveTo>
                   <a:lnTo>
                     <a:pt x="0" y="0"/>
@@ -2400,15 +2400,15 @@
           </p:nvSpPr>
           <p:spPr>
             <a:xfrm>
-              <a:off x="4224662" y="1802384"/>
-              <a:ext cx="0" cy="7213325"/>
+              <a:off x="4224662" y="1488875"/>
+              <a:ext cx="0" cy="7526833"/>
             </a:xfrm>
             <a:custGeom>
               <a:avLst/>
               <a:pathLst>
-                <a:path w="0" h="7213325">
+                <a:path w="0" h="7526833">
                   <a:moveTo>
-                    <a:pt x="0" y="7213325"/>
+                    <a:pt x="0" y="7526833"/>
                   </a:moveTo>
                   <a:lnTo>
                     <a:pt x="0" y="0"/>
@@ -2443,15 +2443,15 @@
           </p:nvSpPr>
           <p:spPr>
             <a:xfrm>
-              <a:off x="4525048" y="1802384"/>
-              <a:ext cx="0" cy="7213325"/>
+              <a:off x="4525048" y="1488875"/>
+              <a:ext cx="0" cy="7526833"/>
             </a:xfrm>
             <a:custGeom>
               <a:avLst/>
               <a:pathLst>
-                <a:path w="0" h="7213325">
+                <a:path w="0" h="7526833">
                   <a:moveTo>
-                    <a:pt x="0" y="7213325"/>
+                    <a:pt x="0" y="7526833"/>
                   </a:moveTo>
                   <a:lnTo>
                     <a:pt x="0" y="0"/>
@@ -2486,15 +2486,15 @@
           </p:nvSpPr>
           <p:spPr>
             <a:xfrm>
-              <a:off x="4825434" y="1802384"/>
-              <a:ext cx="0" cy="7213325"/>
+              <a:off x="4825434" y="1488875"/>
+              <a:ext cx="0" cy="7526833"/>
             </a:xfrm>
             <a:custGeom>
               <a:avLst/>
               <a:pathLst>
-                <a:path w="0" h="7213325">
+                <a:path w="0" h="7526833">
                   <a:moveTo>
-                    <a:pt x="0" y="7213325"/>
+                    <a:pt x="0" y="7526833"/>
                   </a:moveTo>
                   <a:lnTo>
                     <a:pt x="0" y="0"/>
@@ -2529,15 +2529,15 @@
           </p:nvSpPr>
           <p:spPr>
             <a:xfrm>
-              <a:off x="5125819" y="1802384"/>
-              <a:ext cx="0" cy="7213325"/>
+              <a:off x="5125819" y="1488875"/>
+              <a:ext cx="0" cy="7526833"/>
             </a:xfrm>
             <a:custGeom>
               <a:avLst/>
               <a:pathLst>
-                <a:path w="0" h="7213325">
+                <a:path w="0" h="7526833">
                   <a:moveTo>
-                    <a:pt x="0" y="7213325"/>
+                    <a:pt x="0" y="7526833"/>
                   </a:moveTo>
                   <a:lnTo>
                     <a:pt x="0" y="0"/>
@@ -2572,15 +2572,15 @@
           </p:nvSpPr>
           <p:spPr>
             <a:xfrm>
-              <a:off x="5426205" y="1802384"/>
-              <a:ext cx="0" cy="7213325"/>
+              <a:off x="5426205" y="1488875"/>
+              <a:ext cx="0" cy="7526833"/>
             </a:xfrm>
             <a:custGeom>
               <a:avLst/>
               <a:pathLst>
-                <a:path w="0" h="7213325">
+                <a:path w="0" h="7526833">
                   <a:moveTo>
-                    <a:pt x="0" y="7213325"/>
+                    <a:pt x="0" y="7526833"/>
                   </a:moveTo>
                   <a:lnTo>
                     <a:pt x="0" y="0"/>
@@ -2615,15 +2615,15 @@
           </p:nvSpPr>
           <p:spPr>
             <a:xfrm>
-              <a:off x="5726591" y="1802384"/>
-              <a:ext cx="0" cy="7213325"/>
+              <a:off x="5726591" y="1488875"/>
+              <a:ext cx="0" cy="7526833"/>
             </a:xfrm>
             <a:custGeom>
               <a:avLst/>
               <a:pathLst>
-                <a:path w="0" h="7213325">
+                <a:path w="0" h="7526833">
                   <a:moveTo>
-                    <a:pt x="0" y="7213325"/>
+                    <a:pt x="0" y="7526833"/>
                   </a:moveTo>
                   <a:lnTo>
                     <a:pt x="0" y="0"/>
@@ -2658,15 +2658,15 @@
           </p:nvSpPr>
           <p:spPr>
             <a:xfrm>
-              <a:off x="6026977" y="1802384"/>
-              <a:ext cx="0" cy="7213325"/>
+              <a:off x="6026977" y="1488875"/>
+              <a:ext cx="0" cy="7526833"/>
             </a:xfrm>
             <a:custGeom>
               <a:avLst/>
               <a:pathLst>
-                <a:path w="0" h="7213325">
+                <a:path w="0" h="7526833">
                   <a:moveTo>
-                    <a:pt x="0" y="7213325"/>
+                    <a:pt x="0" y="7526833"/>
                   </a:moveTo>
                   <a:lnTo>
                     <a:pt x="0" y="0"/>
@@ -2701,15 +2701,15 @@
           </p:nvSpPr>
           <p:spPr>
             <a:xfrm>
-              <a:off x="6327362" y="1802384"/>
-              <a:ext cx="0" cy="7213325"/>
+              <a:off x="6327362" y="1488875"/>
+              <a:ext cx="0" cy="7526833"/>
             </a:xfrm>
             <a:custGeom>
               <a:avLst/>
               <a:pathLst>
-                <a:path w="0" h="7213325">
+                <a:path w="0" h="7526833">
                   <a:moveTo>
-                    <a:pt x="0" y="7213325"/>
+                    <a:pt x="0" y="7526833"/>
                   </a:moveTo>
                   <a:lnTo>
                     <a:pt x="0" y="0"/>
@@ -2744,15 +2744,15 @@
           </p:nvSpPr>
           <p:spPr>
             <a:xfrm>
-              <a:off x="6627748" y="1802384"/>
-              <a:ext cx="0" cy="7213325"/>
+              <a:off x="6627748" y="1488875"/>
+              <a:ext cx="0" cy="7526833"/>
             </a:xfrm>
             <a:custGeom>
               <a:avLst/>
               <a:pathLst>
-                <a:path w="0" h="7213325">
+                <a:path w="0" h="7526833">
                   <a:moveTo>
-                    <a:pt x="0" y="7213325"/>
+                    <a:pt x="0" y="7526833"/>
                   </a:moveTo>
                   <a:lnTo>
                     <a:pt x="0" y="0"/>
@@ -2787,15 +2787,15 @@
           </p:nvSpPr>
           <p:spPr>
             <a:xfrm>
-              <a:off x="6928134" y="1802384"/>
-              <a:ext cx="0" cy="7213325"/>
+              <a:off x="6928134" y="1488875"/>
+              <a:ext cx="0" cy="7526833"/>
             </a:xfrm>
             <a:custGeom>
               <a:avLst/>
               <a:pathLst>
-                <a:path w="0" h="7213325">
+                <a:path w="0" h="7526833">
                   <a:moveTo>
-                    <a:pt x="0" y="7213325"/>
+                    <a:pt x="0" y="7526833"/>
                   </a:moveTo>
                   <a:lnTo>
                     <a:pt x="0" y="0"/>
@@ -2830,15 +2830,15 @@
           </p:nvSpPr>
           <p:spPr>
             <a:xfrm>
-              <a:off x="7228520" y="1802384"/>
-              <a:ext cx="0" cy="7213325"/>
+              <a:off x="7228520" y="1488875"/>
+              <a:ext cx="0" cy="7526833"/>
             </a:xfrm>
             <a:custGeom>
               <a:avLst/>
               <a:pathLst>
-                <a:path w="0" h="7213325">
+                <a:path w="0" h="7526833">
                   <a:moveTo>
-                    <a:pt x="0" y="7213325"/>
+                    <a:pt x="0" y="7526833"/>
                   </a:moveTo>
                   <a:lnTo>
                     <a:pt x="0" y="0"/>
@@ -2873,15 +2873,15 @@
           </p:nvSpPr>
           <p:spPr>
             <a:xfrm>
-              <a:off x="7528905" y="1802384"/>
-              <a:ext cx="0" cy="7213325"/>
+              <a:off x="7528905" y="1488875"/>
+              <a:ext cx="0" cy="7526833"/>
             </a:xfrm>
             <a:custGeom>
               <a:avLst/>
               <a:pathLst>
-                <a:path w="0" h="7213325">
+                <a:path w="0" h="7526833">
                   <a:moveTo>
-                    <a:pt x="0" y="7213325"/>
+                    <a:pt x="0" y="7526833"/>
                   </a:moveTo>
                   <a:lnTo>
                     <a:pt x="0" y="0"/>
@@ -2916,8 +2916,34 @@
           </p:nvSpPr>
           <p:spPr>
             <a:xfrm>
-              <a:off x="6958172" y="8599555"/>
-              <a:ext cx="750964" cy="356702"/>
+              <a:off x="7468828" y="4032283"/>
+              <a:ext cx="240308" cy="372206"/>
+            </a:xfrm>
+            <a:prstGeom prst="rect">
+              <a:avLst/>
+            </a:prstGeom>
+            <a:solidFill>
+              <a:srgbClr val="B0BEC5">
+                <a:alpha val="100000"/>
+              </a:srgbClr>
+            </a:solidFill>
+          </p:spPr>
+          <p:txBody>
+            <a:bodyPr/>
+            <a:lstStyle/>
+            <a:p/>
+          </p:txBody>
+        </p:sp>
+        <p:sp>
+          <p:nvSpPr>
+            <p:cNvPr id="20" name="rc20"/>
+            <p:cNvSpPr/>
+            <p:nvPr/>
+          </p:nvSpPr>
+          <p:spPr>
+            <a:xfrm>
+              <a:off x="6717864" y="4032283"/>
+              <a:ext cx="750964" cy="372206"/>
             </a:xfrm>
             <a:prstGeom prst="rect">
               <a:avLst/>
@@ -2936,46 +2962,20 @@
         </p:sp>
         <p:sp>
           <p:nvSpPr>
-            <p:cNvPr id="20" name="rc20"/>
-            <p:cNvSpPr/>
-            <p:nvPr/>
-          </p:nvSpPr>
-          <p:spPr>
-            <a:xfrm>
-              <a:off x="6777941" y="8599555"/>
-              <a:ext cx="180231" cy="356702"/>
-            </a:xfrm>
-            <a:prstGeom prst="rect">
-              <a:avLst/>
-            </a:prstGeom>
-            <a:solidFill>
-              <a:srgbClr val="3DA686">
-                <a:alpha val="100000"/>
-              </a:srgbClr>
-            </a:solidFill>
-          </p:spPr>
-          <p:txBody>
-            <a:bodyPr/>
-            <a:lstStyle/>
-            <a:p/>
-          </p:txBody>
-        </p:sp>
-        <p:sp>
-          <p:nvSpPr>
             <p:cNvPr id="21" name="rc21"/>
             <p:cNvSpPr/>
             <p:nvPr/>
           </p:nvSpPr>
           <p:spPr>
             <a:xfrm>
-              <a:off x="5996938" y="8599555"/>
-              <a:ext cx="781002" cy="356702"/>
-            </a:xfrm>
-            <a:prstGeom prst="rect">
-              <a:avLst/>
-            </a:prstGeom>
-            <a:solidFill>
-              <a:srgbClr val="87B537">
+              <a:off x="6537632" y="4032283"/>
+              <a:ext cx="180231" cy="372206"/>
+            </a:xfrm>
+            <a:prstGeom prst="rect">
+              <a:avLst/>
+            </a:prstGeom>
+            <a:solidFill>
+              <a:srgbClr val="4CAF50">
                 <a:alpha val="100000"/>
               </a:srgbClr>
             </a:solidFill>
@@ -2994,8 +2994,34 @@
           </p:nvSpPr>
           <p:spPr>
             <a:xfrm>
-              <a:off x="5426205" y="8599555"/>
-              <a:ext cx="570732" cy="356702"/>
+              <a:off x="5756629" y="4032283"/>
+              <a:ext cx="781002" cy="372206"/>
+            </a:xfrm>
+            <a:prstGeom prst="rect">
+              <a:avLst/>
+            </a:prstGeom>
+            <a:solidFill>
+              <a:srgbClr val="8BC34A">
+                <a:alpha val="100000"/>
+              </a:srgbClr>
+            </a:solidFill>
+          </p:spPr>
+          <p:txBody>
+            <a:bodyPr/>
+            <a:lstStyle/>
+            <a:p/>
+          </p:txBody>
+        </p:sp>
+        <p:sp>
+          <p:nvSpPr>
+            <p:cNvPr id="23" name="rc23"/>
+            <p:cNvSpPr/>
+            <p:nvPr/>
+          </p:nvSpPr>
+          <p:spPr>
+            <a:xfrm>
+              <a:off x="5185896" y="4032283"/>
+              <a:ext cx="570732" cy="372206"/>
             </a:xfrm>
             <a:prstGeom prst="rect">
               <a:avLst/>
@@ -3014,46 +3040,20 @@
         </p:sp>
         <p:sp>
           <p:nvSpPr>
-            <p:cNvPr id="23" name="rc23"/>
-            <p:cNvSpPr/>
-            <p:nvPr/>
-          </p:nvSpPr>
-          <p:spPr>
-            <a:xfrm>
-              <a:off x="4284739" y="8599555"/>
-              <a:ext cx="1141465" cy="356702"/>
-            </a:xfrm>
-            <a:prstGeom prst="rect">
-              <a:avLst/>
-            </a:prstGeom>
-            <a:solidFill>
-              <a:srgbClr val="BD5A77">
-                <a:alpha val="100000"/>
-              </a:srgbClr>
-            </a:solidFill>
-          </p:spPr>
-          <p:txBody>
-            <a:bodyPr/>
-            <a:lstStyle/>
-            <a:p/>
-          </p:txBody>
-        </p:sp>
-        <p:sp>
-          <p:nvSpPr>
             <p:cNvPr id="24" name="rc24"/>
             <p:cNvSpPr/>
             <p:nvPr/>
           </p:nvSpPr>
           <p:spPr>
             <a:xfrm>
-              <a:off x="3563813" y="8599555"/>
-              <a:ext cx="720925" cy="356702"/>
-            </a:xfrm>
-            <a:prstGeom prst="rect">
-              <a:avLst/>
-            </a:prstGeom>
-            <a:solidFill>
-              <a:srgbClr val="B93087">
+              <a:off x="4044431" y="4032283"/>
+              <a:ext cx="1141465" cy="372206"/>
+            </a:xfrm>
+            <a:prstGeom prst="rect">
+              <a:avLst/>
+            </a:prstGeom>
+            <a:solidFill>
+              <a:srgbClr val="FF9800">
                 <a:alpha val="100000"/>
               </a:srgbClr>
             </a:solidFill>
@@ -3072,8 +3072,8 @@
           </p:nvSpPr>
           <p:spPr>
             <a:xfrm>
-              <a:off x="3323505" y="8599555"/>
-              <a:ext cx="240308" cy="356702"/>
+              <a:off x="3323505" y="4032283"/>
+              <a:ext cx="720925" cy="372206"/>
             </a:xfrm>
             <a:prstGeom prst="rect">
               <a:avLst/>
@@ -3098,8 +3098,34 @@
           </p:nvSpPr>
           <p:spPr>
             <a:xfrm>
-              <a:off x="5486282" y="8203219"/>
-              <a:ext cx="2222854" cy="356702"/>
+              <a:off x="6117092" y="8581468"/>
+              <a:ext cx="1592044" cy="372206"/>
+            </a:xfrm>
+            <a:prstGeom prst="rect">
+              <a:avLst/>
+            </a:prstGeom>
+            <a:solidFill>
+              <a:srgbClr val="B0BEC5">
+                <a:alpha val="100000"/>
+              </a:srgbClr>
+            </a:solidFill>
+          </p:spPr>
+          <p:txBody>
+            <a:bodyPr/>
+            <a:lstStyle/>
+            <a:p/>
+          </p:txBody>
+        </p:sp>
+        <p:sp>
+          <p:nvSpPr>
+            <p:cNvPr id="27" name="rc27"/>
+            <p:cNvSpPr/>
+            <p:nvPr/>
+          </p:nvSpPr>
+          <p:spPr>
+            <a:xfrm>
+              <a:off x="3894238" y="8581468"/>
+              <a:ext cx="2222854" cy="372206"/>
             </a:xfrm>
             <a:prstGeom prst="rect">
               <a:avLst/>
@@ -3118,40 +3144,40 @@
         </p:sp>
         <p:sp>
           <p:nvSpPr>
-            <p:cNvPr id="27" name="rc27"/>
-            <p:cNvSpPr/>
-            <p:nvPr/>
-          </p:nvSpPr>
-          <p:spPr>
-            <a:xfrm>
-              <a:off x="5426205" y="8203219"/>
-              <a:ext cx="60077" cy="356702"/>
-            </a:xfrm>
-            <a:prstGeom prst="rect">
-              <a:avLst/>
-            </a:prstGeom>
-            <a:solidFill>
-              <a:srgbClr val="3DA686">
-                <a:alpha val="100000"/>
-              </a:srgbClr>
-            </a:solidFill>
-          </p:spPr>
-          <p:txBody>
-            <a:bodyPr/>
-            <a:lstStyle/>
-            <a:p/>
-          </p:txBody>
-        </p:sp>
-        <p:sp>
-          <p:nvSpPr>
             <p:cNvPr id="28" name="rc28"/>
             <p:cNvSpPr/>
             <p:nvPr/>
           </p:nvSpPr>
           <p:spPr>
             <a:xfrm>
-              <a:off x="5366128" y="8203219"/>
-              <a:ext cx="60077" cy="356702"/>
+              <a:off x="3834161" y="8581468"/>
+              <a:ext cx="60077" cy="372206"/>
+            </a:xfrm>
+            <a:prstGeom prst="rect">
+              <a:avLst/>
+            </a:prstGeom>
+            <a:solidFill>
+              <a:srgbClr val="4CAF50">
+                <a:alpha val="100000"/>
+              </a:srgbClr>
+            </a:solidFill>
+          </p:spPr>
+          <p:txBody>
+            <a:bodyPr/>
+            <a:lstStyle/>
+            <a:p/>
+          </p:txBody>
+        </p:sp>
+        <p:sp>
+          <p:nvSpPr>
+            <p:cNvPr id="29" name="rc29"/>
+            <p:cNvSpPr/>
+            <p:nvPr/>
+          </p:nvSpPr>
+          <p:spPr>
+            <a:xfrm>
+              <a:off x="3774083" y="8581468"/>
+              <a:ext cx="60077" cy="372206"/>
             </a:xfrm>
             <a:prstGeom prst="rect">
               <a:avLst/>
@@ -3170,46 +3196,20 @@
         </p:sp>
         <p:sp>
           <p:nvSpPr>
-            <p:cNvPr id="29" name="rc29"/>
-            <p:cNvSpPr/>
-            <p:nvPr/>
-          </p:nvSpPr>
-          <p:spPr>
-            <a:xfrm>
-              <a:off x="5125819" y="8203219"/>
-              <a:ext cx="240308" cy="356702"/>
-            </a:xfrm>
-            <a:prstGeom prst="rect">
-              <a:avLst/>
-            </a:prstGeom>
-            <a:solidFill>
-              <a:srgbClr val="BD5A77">
-                <a:alpha val="100000"/>
-              </a:srgbClr>
-            </a:solidFill>
-          </p:spPr>
-          <p:txBody>
-            <a:bodyPr/>
-            <a:lstStyle/>
-            <a:p/>
-          </p:txBody>
-        </p:sp>
-        <p:sp>
-          <p:nvSpPr>
             <p:cNvPr id="30" name="rc30"/>
             <p:cNvSpPr/>
             <p:nvPr/>
           </p:nvSpPr>
           <p:spPr>
             <a:xfrm>
-              <a:off x="4915549" y="8203219"/>
-              <a:ext cx="210270" cy="356702"/>
-            </a:xfrm>
-            <a:prstGeom prst="rect">
-              <a:avLst/>
-            </a:prstGeom>
-            <a:solidFill>
-              <a:srgbClr val="B93087">
+              <a:off x="3533775" y="8581468"/>
+              <a:ext cx="240308" cy="372206"/>
+            </a:xfrm>
+            <a:prstGeom prst="rect">
+              <a:avLst/>
+            </a:prstGeom>
+            <a:solidFill>
+              <a:srgbClr val="FF9800">
                 <a:alpha val="100000"/>
               </a:srgbClr>
             </a:solidFill>
@@ -3228,8 +3228,8 @@
           </p:nvSpPr>
           <p:spPr>
             <a:xfrm>
-              <a:off x="3323505" y="8203219"/>
-              <a:ext cx="1592044" cy="356702"/>
+              <a:off x="3323505" y="8581468"/>
+              <a:ext cx="210270" cy="372206"/>
             </a:xfrm>
             <a:prstGeom prst="rect">
               <a:avLst/>
@@ -3254,8 +3254,34 @@
           </p:nvSpPr>
           <p:spPr>
             <a:xfrm>
-              <a:off x="5486282" y="7806882"/>
-              <a:ext cx="2222854" cy="356702"/>
+              <a:off x="7528905" y="8167906"/>
+              <a:ext cx="180231" cy="372206"/>
+            </a:xfrm>
+            <a:prstGeom prst="rect">
+              <a:avLst/>
+            </a:prstGeom>
+            <a:solidFill>
+              <a:srgbClr val="B0BEC5">
+                <a:alpha val="100000"/>
+              </a:srgbClr>
+            </a:solidFill>
+          </p:spPr>
+          <p:txBody>
+            <a:bodyPr/>
+            <a:lstStyle/>
+            <a:p/>
+          </p:txBody>
+        </p:sp>
+        <p:sp>
+          <p:nvSpPr>
+            <p:cNvPr id="33" name="rc33"/>
+            <p:cNvSpPr/>
+            <p:nvPr/>
+          </p:nvSpPr>
+          <p:spPr>
+            <a:xfrm>
+              <a:off x="5306051" y="8167906"/>
+              <a:ext cx="2222854" cy="372206"/>
             </a:xfrm>
             <a:prstGeom prst="rect">
               <a:avLst/>
@@ -3274,46 +3300,20 @@
         </p:sp>
         <p:sp>
           <p:nvSpPr>
-            <p:cNvPr id="33" name="rc33"/>
-            <p:cNvSpPr/>
-            <p:nvPr/>
-          </p:nvSpPr>
-          <p:spPr>
-            <a:xfrm>
-              <a:off x="4975626" y="7806882"/>
-              <a:ext cx="510655" cy="356702"/>
-            </a:xfrm>
-            <a:prstGeom prst="rect">
-              <a:avLst/>
-            </a:prstGeom>
-            <a:solidFill>
-              <a:srgbClr val="3DA686">
-                <a:alpha val="100000"/>
-              </a:srgbClr>
-            </a:solidFill>
-          </p:spPr>
-          <p:txBody>
-            <a:bodyPr/>
-            <a:lstStyle/>
-            <a:p/>
-          </p:txBody>
-        </p:sp>
-        <p:sp>
-          <p:nvSpPr>
             <p:cNvPr id="34" name="rc34"/>
             <p:cNvSpPr/>
             <p:nvPr/>
           </p:nvSpPr>
           <p:spPr>
             <a:xfrm>
-              <a:off x="4495009" y="7806882"/>
-              <a:ext cx="480617" cy="356702"/>
-            </a:xfrm>
-            <a:prstGeom prst="rect">
-              <a:avLst/>
-            </a:prstGeom>
-            <a:solidFill>
-              <a:srgbClr val="87B537">
+              <a:off x="4795395" y="8167906"/>
+              <a:ext cx="510655" cy="372206"/>
+            </a:xfrm>
+            <a:prstGeom prst="rect">
+              <a:avLst/>
+            </a:prstGeom>
+            <a:solidFill>
+              <a:srgbClr val="4CAF50">
                 <a:alpha val="100000"/>
               </a:srgbClr>
             </a:solidFill>
@@ -3332,8 +3332,34 @@
           </p:nvSpPr>
           <p:spPr>
             <a:xfrm>
-              <a:off x="4194624" y="7806882"/>
-              <a:ext cx="300385" cy="356702"/>
+              <a:off x="4314778" y="8167906"/>
+              <a:ext cx="480617" cy="372206"/>
+            </a:xfrm>
+            <a:prstGeom prst="rect">
+              <a:avLst/>
+            </a:prstGeom>
+            <a:solidFill>
+              <a:srgbClr val="8BC34A">
+                <a:alpha val="100000"/>
+              </a:srgbClr>
+            </a:solidFill>
+          </p:spPr>
+          <p:txBody>
+            <a:bodyPr/>
+            <a:lstStyle/>
+            <a:p/>
+          </p:txBody>
+        </p:sp>
+        <p:sp>
+          <p:nvSpPr>
+            <p:cNvPr id="36" name="rc36"/>
+            <p:cNvSpPr/>
+            <p:nvPr/>
+          </p:nvSpPr>
+          <p:spPr>
+            <a:xfrm>
+              <a:off x="4014392" y="8167906"/>
+              <a:ext cx="300385" cy="372206"/>
             </a:xfrm>
             <a:prstGeom prst="rect">
               <a:avLst/>
@@ -3352,46 +3378,20 @@
         </p:sp>
         <p:sp>
           <p:nvSpPr>
-            <p:cNvPr id="36" name="rc36"/>
-            <p:cNvSpPr/>
-            <p:nvPr/>
-          </p:nvSpPr>
-          <p:spPr>
-            <a:xfrm>
-              <a:off x="3924276" y="7806882"/>
-              <a:ext cx="270347" cy="356702"/>
-            </a:xfrm>
-            <a:prstGeom prst="rect">
-              <a:avLst/>
-            </a:prstGeom>
-            <a:solidFill>
-              <a:srgbClr val="BD5A77">
-                <a:alpha val="100000"/>
-              </a:srgbClr>
-            </a:solidFill>
-          </p:spPr>
-          <p:txBody>
-            <a:bodyPr/>
-            <a:lstStyle/>
-            <a:p/>
-          </p:txBody>
-        </p:sp>
-        <p:sp>
-          <p:nvSpPr>
             <p:cNvPr id="37" name="rc37"/>
             <p:cNvSpPr/>
             <p:nvPr/>
           </p:nvSpPr>
           <p:spPr>
             <a:xfrm>
-              <a:off x="3503736" y="7806882"/>
-              <a:ext cx="420540" cy="356702"/>
-            </a:xfrm>
-            <a:prstGeom prst="rect">
-              <a:avLst/>
-            </a:prstGeom>
-            <a:solidFill>
-              <a:srgbClr val="B93087">
+              <a:off x="3744045" y="8167906"/>
+              <a:ext cx="270347" cy="372206"/>
+            </a:xfrm>
+            <a:prstGeom prst="rect">
+              <a:avLst/>
+            </a:prstGeom>
+            <a:solidFill>
+              <a:srgbClr val="FF9800">
                 <a:alpha val="100000"/>
               </a:srgbClr>
             </a:solidFill>
@@ -3410,8 +3410,8 @@
           </p:nvSpPr>
           <p:spPr>
             <a:xfrm>
-              <a:off x="3323505" y="7806882"/>
-              <a:ext cx="180231" cy="356702"/>
+              <a:off x="3323505" y="8167906"/>
+              <a:ext cx="420540" cy="372206"/>
             </a:xfrm>
             <a:prstGeom prst="rect">
               <a:avLst/>
@@ -3436,8 +3436,34 @@
           </p:nvSpPr>
           <p:spPr>
             <a:xfrm>
-              <a:off x="6207208" y="7410546"/>
-              <a:ext cx="1501928" cy="356702"/>
+              <a:off x="7498867" y="6927219"/>
+              <a:ext cx="210270" cy="372206"/>
+            </a:xfrm>
+            <a:prstGeom prst="rect">
+              <a:avLst/>
+            </a:prstGeom>
+            <a:solidFill>
+              <a:srgbClr val="B0BEC5">
+                <a:alpha val="100000"/>
+              </a:srgbClr>
+            </a:solidFill>
+          </p:spPr>
+          <p:txBody>
+            <a:bodyPr/>
+            <a:lstStyle/>
+            <a:p/>
+          </p:txBody>
+        </p:sp>
+        <p:sp>
+          <p:nvSpPr>
+            <p:cNvPr id="40" name="rc40"/>
+            <p:cNvSpPr/>
+            <p:nvPr/>
+          </p:nvSpPr>
+          <p:spPr>
+            <a:xfrm>
+              <a:off x="5996938" y="6927219"/>
+              <a:ext cx="1501928" cy="372206"/>
             </a:xfrm>
             <a:prstGeom prst="rect">
               <a:avLst/>
@@ -3456,46 +3482,20 @@
         </p:sp>
         <p:sp>
           <p:nvSpPr>
-            <p:cNvPr id="40" name="rc40"/>
-            <p:cNvSpPr/>
-            <p:nvPr/>
-          </p:nvSpPr>
-          <p:spPr>
-            <a:xfrm>
-              <a:off x="5846745" y="7410546"/>
-              <a:ext cx="360462" cy="356702"/>
-            </a:xfrm>
-            <a:prstGeom prst="rect">
-              <a:avLst/>
-            </a:prstGeom>
-            <a:solidFill>
-              <a:srgbClr val="3DA686">
-                <a:alpha val="100000"/>
-              </a:srgbClr>
-            </a:solidFill>
-          </p:spPr>
-          <p:txBody>
-            <a:bodyPr/>
-            <a:lstStyle/>
-            <a:p/>
-          </p:txBody>
-        </p:sp>
-        <p:sp>
-          <p:nvSpPr>
             <p:cNvPr id="41" name="rc41"/>
             <p:cNvSpPr/>
             <p:nvPr/>
           </p:nvSpPr>
           <p:spPr>
             <a:xfrm>
-              <a:off x="5276012" y="7410546"/>
-              <a:ext cx="570732" cy="356702"/>
-            </a:xfrm>
-            <a:prstGeom prst="rect">
-              <a:avLst/>
-            </a:prstGeom>
-            <a:solidFill>
-              <a:srgbClr val="87B537">
+              <a:off x="5636475" y="6927219"/>
+              <a:ext cx="360462" cy="372206"/>
+            </a:xfrm>
+            <a:prstGeom prst="rect">
+              <a:avLst/>
+            </a:prstGeom>
+            <a:solidFill>
+              <a:srgbClr val="4CAF50">
                 <a:alpha val="100000"/>
               </a:srgbClr>
             </a:solidFill>
@@ -3514,8 +3514,34 @@
           </p:nvSpPr>
           <p:spPr>
             <a:xfrm>
-              <a:off x="4915549" y="7410546"/>
-              <a:ext cx="360462" cy="356702"/>
+              <a:off x="5065742" y="6927219"/>
+              <a:ext cx="570732" cy="372206"/>
+            </a:xfrm>
+            <a:prstGeom prst="rect">
+              <a:avLst/>
+            </a:prstGeom>
+            <a:solidFill>
+              <a:srgbClr val="8BC34A">
+                <a:alpha val="100000"/>
+              </a:srgbClr>
+            </a:solidFill>
+          </p:spPr>
+          <p:txBody>
+            <a:bodyPr/>
+            <a:lstStyle/>
+            <a:p/>
+          </p:txBody>
+        </p:sp>
+        <p:sp>
+          <p:nvSpPr>
+            <p:cNvPr id="43" name="rc43"/>
+            <p:cNvSpPr/>
+            <p:nvPr/>
+          </p:nvSpPr>
+          <p:spPr>
+            <a:xfrm>
+              <a:off x="4705279" y="6927219"/>
+              <a:ext cx="360462" cy="372206"/>
             </a:xfrm>
             <a:prstGeom prst="rect">
               <a:avLst/>
@@ -3534,46 +3560,20 @@
         </p:sp>
         <p:sp>
           <p:nvSpPr>
-            <p:cNvPr id="43" name="rc43"/>
-            <p:cNvSpPr/>
-            <p:nvPr/>
-          </p:nvSpPr>
-          <p:spPr>
-            <a:xfrm>
-              <a:off x="4374855" y="7410546"/>
-              <a:ext cx="540694" cy="356702"/>
-            </a:xfrm>
-            <a:prstGeom prst="rect">
-              <a:avLst/>
-            </a:prstGeom>
-            <a:solidFill>
-              <a:srgbClr val="BD5A77">
-                <a:alpha val="100000"/>
-              </a:srgbClr>
-            </a:solidFill>
-          </p:spPr>
-          <p:txBody>
-            <a:bodyPr/>
-            <a:lstStyle/>
-            <a:p/>
-          </p:txBody>
-        </p:sp>
-        <p:sp>
-          <p:nvSpPr>
             <p:cNvPr id="44" name="rc44"/>
             <p:cNvSpPr/>
             <p:nvPr/>
           </p:nvSpPr>
           <p:spPr>
             <a:xfrm>
-              <a:off x="3533775" y="7410546"/>
-              <a:ext cx="841080" cy="356702"/>
-            </a:xfrm>
-            <a:prstGeom prst="rect">
-              <a:avLst/>
-            </a:prstGeom>
-            <a:solidFill>
-              <a:srgbClr val="B93087">
+              <a:off x="4164585" y="6927219"/>
+              <a:ext cx="540694" cy="372206"/>
+            </a:xfrm>
+            <a:prstGeom prst="rect">
+              <a:avLst/>
+            </a:prstGeom>
+            <a:solidFill>
+              <a:srgbClr val="FF9800">
                 <a:alpha val="100000"/>
               </a:srgbClr>
             </a:solidFill>
@@ -3592,8 +3592,8 @@
           </p:nvSpPr>
           <p:spPr>
             <a:xfrm>
-              <a:off x="3323505" y="7410546"/>
-              <a:ext cx="210270" cy="356702"/>
+              <a:off x="3323505" y="6927219"/>
+              <a:ext cx="841080" cy="372206"/>
             </a:xfrm>
             <a:prstGeom prst="rect">
               <a:avLst/>
@@ -3618,8 +3618,34 @@
           </p:nvSpPr>
           <p:spPr>
             <a:xfrm>
-              <a:off x="6447517" y="7014209"/>
-              <a:ext cx="1261620" cy="356702"/>
+              <a:off x="7498867" y="6513657"/>
+              <a:ext cx="210270" cy="372206"/>
+            </a:xfrm>
+            <a:prstGeom prst="rect">
+              <a:avLst/>
+            </a:prstGeom>
+            <a:solidFill>
+              <a:srgbClr val="B0BEC5">
+                <a:alpha val="100000"/>
+              </a:srgbClr>
+            </a:solidFill>
+          </p:spPr>
+          <p:txBody>
+            <a:bodyPr/>
+            <a:lstStyle/>
+            <a:p/>
+          </p:txBody>
+        </p:sp>
+        <p:sp>
+          <p:nvSpPr>
+            <p:cNvPr id="47" name="rc47"/>
+            <p:cNvSpPr/>
+            <p:nvPr/>
+          </p:nvSpPr>
+          <p:spPr>
+            <a:xfrm>
+              <a:off x="6237247" y="6513657"/>
+              <a:ext cx="1261620" cy="372206"/>
             </a:xfrm>
             <a:prstGeom prst="rect">
               <a:avLst/>
@@ -3638,46 +3664,20 @@
         </p:sp>
         <p:sp>
           <p:nvSpPr>
-            <p:cNvPr id="47" name="rc47"/>
-            <p:cNvSpPr/>
-            <p:nvPr/>
-          </p:nvSpPr>
-          <p:spPr>
-            <a:xfrm>
-              <a:off x="6177169" y="7014209"/>
-              <a:ext cx="270347" cy="356702"/>
-            </a:xfrm>
-            <a:prstGeom prst="rect">
-              <a:avLst/>
-            </a:prstGeom>
-            <a:solidFill>
-              <a:srgbClr val="3DA686">
-                <a:alpha val="100000"/>
-              </a:srgbClr>
-            </a:solidFill>
-          </p:spPr>
-          <p:txBody>
-            <a:bodyPr/>
-            <a:lstStyle/>
-            <a:p/>
-          </p:txBody>
-        </p:sp>
-        <p:sp>
-          <p:nvSpPr>
             <p:cNvPr id="48" name="rc48"/>
             <p:cNvSpPr/>
             <p:nvPr/>
           </p:nvSpPr>
           <p:spPr>
             <a:xfrm>
-              <a:off x="5696552" y="7014209"/>
-              <a:ext cx="480617" cy="356702"/>
-            </a:xfrm>
-            <a:prstGeom prst="rect">
-              <a:avLst/>
-            </a:prstGeom>
-            <a:solidFill>
-              <a:srgbClr val="87B537">
+              <a:off x="5966899" y="6513657"/>
+              <a:ext cx="270347" cy="372206"/>
+            </a:xfrm>
+            <a:prstGeom prst="rect">
+              <a:avLst/>
+            </a:prstGeom>
+            <a:solidFill>
+              <a:srgbClr val="4CAF50">
                 <a:alpha val="100000"/>
               </a:srgbClr>
             </a:solidFill>
@@ -3696,8 +3696,34 @@
           </p:nvSpPr>
           <p:spPr>
             <a:xfrm>
-              <a:off x="5035704" y="7014209"/>
-              <a:ext cx="660848" cy="356702"/>
+              <a:off x="5486282" y="6513657"/>
+              <a:ext cx="480617" cy="372206"/>
+            </a:xfrm>
+            <a:prstGeom prst="rect">
+              <a:avLst/>
+            </a:prstGeom>
+            <a:solidFill>
+              <a:srgbClr val="8BC34A">
+                <a:alpha val="100000"/>
+              </a:srgbClr>
+            </a:solidFill>
+          </p:spPr>
+          <p:txBody>
+            <a:bodyPr/>
+            <a:lstStyle/>
+            <a:p/>
+          </p:txBody>
+        </p:sp>
+        <p:sp>
+          <p:nvSpPr>
+            <p:cNvPr id="50" name="rc50"/>
+            <p:cNvSpPr/>
+            <p:nvPr/>
+          </p:nvSpPr>
+          <p:spPr>
+            <a:xfrm>
+              <a:off x="4825434" y="6513657"/>
+              <a:ext cx="660848" cy="372206"/>
             </a:xfrm>
             <a:prstGeom prst="rect">
               <a:avLst/>
@@ -3716,46 +3742,20 @@
         </p:sp>
         <p:sp>
           <p:nvSpPr>
-            <p:cNvPr id="50" name="rc50"/>
-            <p:cNvSpPr/>
-            <p:nvPr/>
-          </p:nvSpPr>
-          <p:spPr>
-            <a:xfrm>
-              <a:off x="4194624" y="7014209"/>
-              <a:ext cx="841080" cy="356702"/>
-            </a:xfrm>
-            <a:prstGeom prst="rect">
-              <a:avLst/>
-            </a:prstGeom>
-            <a:solidFill>
-              <a:srgbClr val="BD5A77">
-                <a:alpha val="100000"/>
-              </a:srgbClr>
-            </a:solidFill>
-          </p:spPr>
-          <p:txBody>
-            <a:bodyPr/>
-            <a:lstStyle/>
-            <a:p/>
-          </p:txBody>
-        </p:sp>
-        <p:sp>
-          <p:nvSpPr>
             <p:cNvPr id="51" name="rc51"/>
             <p:cNvSpPr/>
             <p:nvPr/>
           </p:nvSpPr>
           <p:spPr>
             <a:xfrm>
-              <a:off x="3533775" y="7014209"/>
-              <a:ext cx="660848" cy="356702"/>
-            </a:xfrm>
-            <a:prstGeom prst="rect">
-              <a:avLst/>
-            </a:prstGeom>
-            <a:solidFill>
-              <a:srgbClr val="B93087">
+              <a:off x="3984353" y="6513657"/>
+              <a:ext cx="841080" cy="372206"/>
+            </a:xfrm>
+            <a:prstGeom prst="rect">
+              <a:avLst/>
+            </a:prstGeom>
+            <a:solidFill>
+              <a:srgbClr val="FF9800">
                 <a:alpha val="100000"/>
               </a:srgbClr>
             </a:solidFill>
@@ -3774,8 +3774,8 @@
           </p:nvSpPr>
           <p:spPr>
             <a:xfrm>
-              <a:off x="3323505" y="7014209"/>
-              <a:ext cx="210270" cy="356702"/>
+              <a:off x="3323505" y="6513657"/>
+              <a:ext cx="660848" cy="372206"/>
             </a:xfrm>
             <a:prstGeom prst="rect">
               <a:avLst/>
@@ -3800,8 +3800,34 @@
           </p:nvSpPr>
           <p:spPr>
             <a:xfrm>
-              <a:off x="6057015" y="6617873"/>
-              <a:ext cx="1652121" cy="356702"/>
+              <a:off x="7498867" y="7340781"/>
+              <a:ext cx="210270" cy="372206"/>
+            </a:xfrm>
+            <a:prstGeom prst="rect">
+              <a:avLst/>
+            </a:prstGeom>
+            <a:solidFill>
+              <a:srgbClr val="B0BEC5">
+                <a:alpha val="100000"/>
+              </a:srgbClr>
+            </a:solidFill>
+          </p:spPr>
+          <p:txBody>
+            <a:bodyPr/>
+            <a:lstStyle/>
+            <a:p/>
+          </p:txBody>
+        </p:sp>
+        <p:sp>
+          <p:nvSpPr>
+            <p:cNvPr id="54" name="rc54"/>
+            <p:cNvSpPr/>
+            <p:nvPr/>
+          </p:nvSpPr>
+          <p:spPr>
+            <a:xfrm>
+              <a:off x="5846745" y="7340781"/>
+              <a:ext cx="1652121" cy="372206"/>
             </a:xfrm>
             <a:prstGeom prst="rect">
               <a:avLst/>
@@ -3820,46 +3846,20 @@
         </p:sp>
         <p:sp>
           <p:nvSpPr>
-            <p:cNvPr id="54" name="rc54"/>
-            <p:cNvSpPr/>
-            <p:nvPr/>
-          </p:nvSpPr>
-          <p:spPr>
-            <a:xfrm>
-              <a:off x="5696552" y="6617873"/>
-              <a:ext cx="360462" cy="356702"/>
-            </a:xfrm>
-            <a:prstGeom prst="rect">
-              <a:avLst/>
-            </a:prstGeom>
-            <a:solidFill>
-              <a:srgbClr val="3DA686">
-                <a:alpha val="100000"/>
-              </a:srgbClr>
-            </a:solidFill>
-          </p:spPr>
-          <p:txBody>
-            <a:bodyPr/>
-            <a:lstStyle/>
-            <a:p/>
-          </p:txBody>
-        </p:sp>
-        <p:sp>
-          <p:nvSpPr>
             <p:cNvPr id="55" name="rc55"/>
             <p:cNvSpPr/>
             <p:nvPr/>
           </p:nvSpPr>
           <p:spPr>
             <a:xfrm>
-              <a:off x="5245974" y="6617873"/>
-              <a:ext cx="450578" cy="356702"/>
-            </a:xfrm>
-            <a:prstGeom prst="rect">
-              <a:avLst/>
-            </a:prstGeom>
-            <a:solidFill>
-              <a:srgbClr val="87B537">
+              <a:off x="5486282" y="7340781"/>
+              <a:ext cx="360462" cy="372206"/>
+            </a:xfrm>
+            <a:prstGeom prst="rect">
+              <a:avLst/>
+            </a:prstGeom>
+            <a:solidFill>
+              <a:srgbClr val="4CAF50">
                 <a:alpha val="100000"/>
               </a:srgbClr>
             </a:solidFill>
@@ -3878,8 +3878,34 @@
           </p:nvSpPr>
           <p:spPr>
             <a:xfrm>
-              <a:off x="4735318" y="6617873"/>
-              <a:ext cx="510655" cy="356702"/>
+              <a:off x="5035704" y="7340781"/>
+              <a:ext cx="450578" cy="372206"/>
+            </a:xfrm>
+            <a:prstGeom prst="rect">
+              <a:avLst/>
+            </a:prstGeom>
+            <a:solidFill>
+              <a:srgbClr val="8BC34A">
+                <a:alpha val="100000"/>
+              </a:srgbClr>
+            </a:solidFill>
+          </p:spPr>
+          <p:txBody>
+            <a:bodyPr/>
+            <a:lstStyle/>
+            <a:p/>
+          </p:txBody>
+        </p:sp>
+        <p:sp>
+          <p:nvSpPr>
+            <p:cNvPr id="57" name="rc57"/>
+            <p:cNvSpPr/>
+            <p:nvPr/>
+          </p:nvSpPr>
+          <p:spPr>
+            <a:xfrm>
+              <a:off x="4525048" y="7340781"/>
+              <a:ext cx="510655" cy="372206"/>
             </a:xfrm>
             <a:prstGeom prst="rect">
               <a:avLst/>
@@ -3898,46 +3924,20 @@
         </p:sp>
         <p:sp>
           <p:nvSpPr>
-            <p:cNvPr id="57" name="rc57"/>
-            <p:cNvSpPr/>
-            <p:nvPr/>
-          </p:nvSpPr>
-          <p:spPr>
-            <a:xfrm>
-              <a:off x="4254701" y="6617873"/>
-              <a:ext cx="480617" cy="356702"/>
-            </a:xfrm>
-            <a:prstGeom prst="rect">
-              <a:avLst/>
-            </a:prstGeom>
-            <a:solidFill>
-              <a:srgbClr val="BD5A77">
-                <a:alpha val="100000"/>
-              </a:srgbClr>
-            </a:solidFill>
-          </p:spPr>
-          <p:txBody>
-            <a:bodyPr/>
-            <a:lstStyle/>
-            <a:p/>
-          </p:txBody>
-        </p:sp>
-        <p:sp>
-          <p:nvSpPr>
             <p:cNvPr id="58" name="rc58"/>
             <p:cNvSpPr/>
             <p:nvPr/>
           </p:nvSpPr>
           <p:spPr>
             <a:xfrm>
-              <a:off x="3533775" y="6617873"/>
-              <a:ext cx="720925" cy="356702"/>
-            </a:xfrm>
-            <a:prstGeom prst="rect">
-              <a:avLst/>
-            </a:prstGeom>
-            <a:solidFill>
-              <a:srgbClr val="B93087">
+              <a:off x="4044431" y="7340781"/>
+              <a:ext cx="480617" cy="372206"/>
+            </a:xfrm>
+            <a:prstGeom prst="rect">
+              <a:avLst/>
+            </a:prstGeom>
+            <a:solidFill>
+              <a:srgbClr val="FF9800">
                 <a:alpha val="100000"/>
               </a:srgbClr>
             </a:solidFill>
@@ -3956,8 +3956,8 @@
           </p:nvSpPr>
           <p:spPr>
             <a:xfrm>
-              <a:off x="3323505" y="6617873"/>
-              <a:ext cx="210270" cy="356702"/>
+              <a:off x="3323505" y="7340781"/>
+              <a:ext cx="720925" cy="372206"/>
             </a:xfrm>
             <a:prstGeom prst="rect">
               <a:avLst/>
@@ -3982,8 +3982,34 @@
           </p:nvSpPr>
           <p:spPr>
             <a:xfrm>
-              <a:off x="7378712" y="6221536"/>
-              <a:ext cx="330424" cy="356702"/>
+              <a:off x="7558944" y="1550909"/>
+              <a:ext cx="150192" cy="372206"/>
+            </a:xfrm>
+            <a:prstGeom prst="rect">
+              <a:avLst/>
+            </a:prstGeom>
+            <a:solidFill>
+              <a:srgbClr val="B0BEC5">
+                <a:alpha val="100000"/>
+              </a:srgbClr>
+            </a:solidFill>
+          </p:spPr>
+          <p:txBody>
+            <a:bodyPr/>
+            <a:lstStyle/>
+            <a:p/>
+          </p:txBody>
+        </p:sp>
+        <p:sp>
+          <p:nvSpPr>
+            <p:cNvPr id="61" name="rc61"/>
+            <p:cNvSpPr/>
+            <p:nvPr/>
+          </p:nvSpPr>
+          <p:spPr>
+            <a:xfrm>
+              <a:off x="7228520" y="1550909"/>
+              <a:ext cx="330424" cy="372206"/>
             </a:xfrm>
             <a:prstGeom prst="rect">
               <a:avLst/>
@@ -4002,46 +4028,20 @@
         </p:sp>
         <p:sp>
           <p:nvSpPr>
-            <p:cNvPr id="61" name="rc61"/>
-            <p:cNvSpPr/>
-            <p:nvPr/>
-          </p:nvSpPr>
-          <p:spPr>
-            <a:xfrm>
-              <a:off x="7108365" y="6221536"/>
-              <a:ext cx="270347" cy="356702"/>
-            </a:xfrm>
-            <a:prstGeom prst="rect">
-              <a:avLst/>
-            </a:prstGeom>
-            <a:solidFill>
-              <a:srgbClr val="3DA686">
-                <a:alpha val="100000"/>
-              </a:srgbClr>
-            </a:solidFill>
-          </p:spPr>
-          <p:txBody>
-            <a:bodyPr/>
-            <a:lstStyle/>
-            <a:p/>
-          </p:txBody>
-        </p:sp>
-        <p:sp>
-          <p:nvSpPr>
             <p:cNvPr id="62" name="rc62"/>
             <p:cNvSpPr/>
             <p:nvPr/>
           </p:nvSpPr>
           <p:spPr>
             <a:xfrm>
-              <a:off x="6387439" y="6221536"/>
-              <a:ext cx="720925" cy="356702"/>
-            </a:xfrm>
-            <a:prstGeom prst="rect">
-              <a:avLst/>
-            </a:prstGeom>
-            <a:solidFill>
-              <a:srgbClr val="87B537">
+              <a:off x="6958172" y="1550909"/>
+              <a:ext cx="270347" cy="372206"/>
+            </a:xfrm>
+            <a:prstGeom prst="rect">
+              <a:avLst/>
+            </a:prstGeom>
+            <a:solidFill>
+              <a:srgbClr val="4CAF50">
                 <a:alpha val="100000"/>
               </a:srgbClr>
             </a:solidFill>
@@ -4060,8 +4060,34 @@
           </p:nvSpPr>
           <p:spPr>
             <a:xfrm>
-              <a:off x="5726591" y="6221536"/>
-              <a:ext cx="660848" cy="356702"/>
+              <a:off x="6237247" y="1550909"/>
+              <a:ext cx="720925" cy="372206"/>
+            </a:xfrm>
+            <a:prstGeom prst="rect">
+              <a:avLst/>
+            </a:prstGeom>
+            <a:solidFill>
+              <a:srgbClr val="8BC34A">
+                <a:alpha val="100000"/>
+              </a:srgbClr>
+            </a:solidFill>
+          </p:spPr>
+          <p:txBody>
+            <a:bodyPr/>
+            <a:lstStyle/>
+            <a:p/>
+          </p:txBody>
+        </p:sp>
+        <p:sp>
+          <p:nvSpPr>
+            <p:cNvPr id="64" name="rc64"/>
+            <p:cNvSpPr/>
+            <p:nvPr/>
+          </p:nvSpPr>
+          <p:spPr>
+            <a:xfrm>
+              <a:off x="5576398" y="1550909"/>
+              <a:ext cx="660848" cy="372206"/>
             </a:xfrm>
             <a:prstGeom prst="rect">
               <a:avLst/>
@@ -4080,46 +4106,20 @@
         </p:sp>
         <p:sp>
           <p:nvSpPr>
-            <p:cNvPr id="64" name="rc64"/>
-            <p:cNvSpPr/>
-            <p:nvPr/>
-          </p:nvSpPr>
-          <p:spPr>
-            <a:xfrm>
-              <a:off x="4525048" y="6221536"/>
-              <a:ext cx="1201542" cy="356702"/>
-            </a:xfrm>
-            <a:prstGeom prst="rect">
-              <a:avLst/>
-            </a:prstGeom>
-            <a:solidFill>
-              <a:srgbClr val="BD5A77">
-                <a:alpha val="100000"/>
-              </a:srgbClr>
-            </a:solidFill>
-          </p:spPr>
-          <p:txBody>
-            <a:bodyPr/>
-            <a:lstStyle/>
-            <a:p/>
-          </p:txBody>
-        </p:sp>
-        <p:sp>
-          <p:nvSpPr>
             <p:cNvPr id="65" name="rc65"/>
             <p:cNvSpPr/>
             <p:nvPr/>
           </p:nvSpPr>
           <p:spPr>
             <a:xfrm>
-              <a:off x="3473698" y="6221536"/>
-              <a:ext cx="1051350" cy="356702"/>
-            </a:xfrm>
-            <a:prstGeom prst="rect">
-              <a:avLst/>
-            </a:prstGeom>
-            <a:solidFill>
-              <a:srgbClr val="B93087">
+              <a:off x="4374855" y="1550909"/>
+              <a:ext cx="1201542" cy="372206"/>
+            </a:xfrm>
+            <a:prstGeom prst="rect">
+              <a:avLst/>
+            </a:prstGeom>
+            <a:solidFill>
+              <a:srgbClr val="FF9800">
                 <a:alpha val="100000"/>
               </a:srgbClr>
             </a:solidFill>
@@ -4138,8 +4138,8 @@
           </p:nvSpPr>
           <p:spPr>
             <a:xfrm>
-              <a:off x="3323505" y="6221536"/>
-              <a:ext cx="150192" cy="356702"/>
+              <a:off x="3323505" y="1550909"/>
+              <a:ext cx="1051350" cy="372206"/>
             </a:xfrm>
             <a:prstGeom prst="rect">
               <a:avLst/>
@@ -4164,8 +4164,34 @@
           </p:nvSpPr>
           <p:spPr>
             <a:xfrm>
-              <a:off x="7138404" y="5825200"/>
-              <a:ext cx="570732" cy="356702"/>
+              <a:off x="7558944" y="2791596"/>
+              <a:ext cx="150192" cy="372206"/>
+            </a:xfrm>
+            <a:prstGeom prst="rect">
+              <a:avLst/>
+            </a:prstGeom>
+            <a:solidFill>
+              <a:srgbClr val="B0BEC5">
+                <a:alpha val="100000"/>
+              </a:srgbClr>
+            </a:solidFill>
+          </p:spPr>
+          <p:txBody>
+            <a:bodyPr/>
+            <a:lstStyle/>
+            <a:p/>
+          </p:txBody>
+        </p:sp>
+        <p:sp>
+          <p:nvSpPr>
+            <p:cNvPr id="68" name="rc68"/>
+            <p:cNvSpPr/>
+            <p:nvPr/>
+          </p:nvSpPr>
+          <p:spPr>
+            <a:xfrm>
+              <a:off x="6988211" y="2791596"/>
+              <a:ext cx="570732" cy="372206"/>
             </a:xfrm>
             <a:prstGeom prst="rect">
               <a:avLst/>
@@ -4184,46 +4210,20 @@
         </p:sp>
         <p:sp>
           <p:nvSpPr>
-            <p:cNvPr id="68" name="rc68"/>
-            <p:cNvSpPr/>
-            <p:nvPr/>
-          </p:nvSpPr>
-          <p:spPr>
-            <a:xfrm>
-              <a:off x="6807979" y="5825200"/>
-              <a:ext cx="330424" cy="356702"/>
-            </a:xfrm>
-            <a:prstGeom prst="rect">
-              <a:avLst/>
-            </a:prstGeom>
-            <a:solidFill>
-              <a:srgbClr val="3DA686">
-                <a:alpha val="100000"/>
-              </a:srgbClr>
-            </a:solidFill>
-          </p:spPr>
-          <p:txBody>
-            <a:bodyPr/>
-            <a:lstStyle/>
-            <a:p/>
-          </p:txBody>
-        </p:sp>
-        <p:sp>
-          <p:nvSpPr>
             <p:cNvPr id="69" name="rc69"/>
             <p:cNvSpPr/>
             <p:nvPr/>
           </p:nvSpPr>
           <p:spPr>
             <a:xfrm>
-              <a:off x="6147131" y="5825200"/>
-              <a:ext cx="660848" cy="356702"/>
-            </a:xfrm>
-            <a:prstGeom prst="rect">
-              <a:avLst/>
-            </a:prstGeom>
-            <a:solidFill>
-              <a:srgbClr val="87B537">
+              <a:off x="6657787" y="2791596"/>
+              <a:ext cx="330424" cy="372206"/>
+            </a:xfrm>
+            <a:prstGeom prst="rect">
+              <a:avLst/>
+            </a:prstGeom>
+            <a:solidFill>
+              <a:srgbClr val="4CAF50">
                 <a:alpha val="100000"/>
               </a:srgbClr>
             </a:solidFill>
@@ -4242,8 +4242,34 @@
           </p:nvSpPr>
           <p:spPr>
             <a:xfrm>
-              <a:off x="5576398" y="5825200"/>
-              <a:ext cx="570732" cy="356702"/>
+              <a:off x="5996938" y="2791596"/>
+              <a:ext cx="660848" cy="372206"/>
+            </a:xfrm>
+            <a:prstGeom prst="rect">
+              <a:avLst/>
+            </a:prstGeom>
+            <a:solidFill>
+              <a:srgbClr val="8BC34A">
+                <a:alpha val="100000"/>
+              </a:srgbClr>
+            </a:solidFill>
+          </p:spPr>
+          <p:txBody>
+            <a:bodyPr/>
+            <a:lstStyle/>
+            <a:p/>
+          </p:txBody>
+        </p:sp>
+        <p:sp>
+          <p:nvSpPr>
+            <p:cNvPr id="71" name="rc71"/>
+            <p:cNvSpPr/>
+            <p:nvPr/>
+          </p:nvSpPr>
+          <p:spPr>
+            <a:xfrm>
+              <a:off x="5426205" y="2791596"/>
+              <a:ext cx="570732" cy="372206"/>
             </a:xfrm>
             <a:prstGeom prst="rect">
               <a:avLst/>
@@ -4262,46 +4288,20 @@
         </p:sp>
         <p:sp>
           <p:nvSpPr>
-            <p:cNvPr id="71" name="rc71"/>
-            <p:cNvSpPr/>
-            <p:nvPr/>
-          </p:nvSpPr>
-          <p:spPr>
-            <a:xfrm>
-              <a:off x="4615164" y="5825200"/>
-              <a:ext cx="961234" cy="356702"/>
-            </a:xfrm>
-            <a:prstGeom prst="rect">
-              <a:avLst/>
-            </a:prstGeom>
-            <a:solidFill>
-              <a:srgbClr val="BD5A77">
-                <a:alpha val="100000"/>
-              </a:srgbClr>
-            </a:solidFill>
-          </p:spPr>
-          <p:txBody>
-            <a:bodyPr/>
-            <a:lstStyle/>
-            <a:p/>
-          </p:txBody>
-        </p:sp>
-        <p:sp>
-          <p:nvSpPr>
             <p:cNvPr id="72" name="rc72"/>
             <p:cNvSpPr/>
             <p:nvPr/>
           </p:nvSpPr>
           <p:spPr>
             <a:xfrm>
-              <a:off x="3473698" y="5825200"/>
-              <a:ext cx="1141465" cy="356702"/>
-            </a:xfrm>
-            <a:prstGeom prst="rect">
-              <a:avLst/>
-            </a:prstGeom>
-            <a:solidFill>
-              <a:srgbClr val="B93087">
+              <a:off x="4464971" y="2791596"/>
+              <a:ext cx="961234" cy="372206"/>
+            </a:xfrm>
+            <a:prstGeom prst="rect">
+              <a:avLst/>
+            </a:prstGeom>
+            <a:solidFill>
+              <a:srgbClr val="FF9800">
                 <a:alpha val="100000"/>
               </a:srgbClr>
             </a:solidFill>
@@ -4320,8 +4320,8 @@
           </p:nvSpPr>
           <p:spPr>
             <a:xfrm>
-              <a:off x="3323505" y="5825200"/>
-              <a:ext cx="150192" cy="356702"/>
+              <a:off x="3323505" y="2791596"/>
+              <a:ext cx="1141465" cy="372206"/>
             </a:xfrm>
             <a:prstGeom prst="rect">
               <a:avLst/>
@@ -4346,8 +4346,34 @@
           </p:nvSpPr>
           <p:spPr>
             <a:xfrm>
-              <a:off x="7108365" y="5428863"/>
-              <a:ext cx="600771" cy="356702"/>
+              <a:off x="7588982" y="3618721"/>
+              <a:ext cx="120154" cy="372206"/>
+            </a:xfrm>
+            <a:prstGeom prst="rect">
+              <a:avLst/>
+            </a:prstGeom>
+            <a:solidFill>
+              <a:srgbClr val="B0BEC5">
+                <a:alpha val="100000"/>
+              </a:srgbClr>
+            </a:solidFill>
+          </p:spPr>
+          <p:txBody>
+            <a:bodyPr/>
+            <a:lstStyle/>
+            <a:p/>
+          </p:txBody>
+        </p:sp>
+        <p:sp>
+          <p:nvSpPr>
+            <p:cNvPr id="75" name="rc75"/>
+            <p:cNvSpPr/>
+            <p:nvPr/>
+          </p:nvSpPr>
+          <p:spPr>
+            <a:xfrm>
+              <a:off x="6988211" y="3618721"/>
+              <a:ext cx="600771" cy="372206"/>
             </a:xfrm>
             <a:prstGeom prst="rect">
               <a:avLst/>
@@ -4366,46 +4392,20 @@
         </p:sp>
         <p:sp>
           <p:nvSpPr>
-            <p:cNvPr id="75" name="rc75"/>
-            <p:cNvSpPr/>
-            <p:nvPr/>
-          </p:nvSpPr>
-          <p:spPr>
-            <a:xfrm>
-              <a:off x="6687825" y="5428863"/>
-              <a:ext cx="420540" cy="356702"/>
-            </a:xfrm>
-            <a:prstGeom prst="rect">
-              <a:avLst/>
-            </a:prstGeom>
-            <a:solidFill>
-              <a:srgbClr val="3DA686">
-                <a:alpha val="100000"/>
-              </a:srgbClr>
-            </a:solidFill>
-          </p:spPr>
-          <p:txBody>
-            <a:bodyPr/>
-            <a:lstStyle/>
-            <a:p/>
-          </p:txBody>
-        </p:sp>
-        <p:sp>
-          <p:nvSpPr>
             <p:cNvPr id="76" name="rc76"/>
             <p:cNvSpPr/>
             <p:nvPr/>
           </p:nvSpPr>
           <p:spPr>
             <a:xfrm>
-              <a:off x="6057015" y="5428863"/>
-              <a:ext cx="630810" cy="356702"/>
-            </a:xfrm>
-            <a:prstGeom prst="rect">
-              <a:avLst/>
-            </a:prstGeom>
-            <a:solidFill>
-              <a:srgbClr val="87B537">
+              <a:off x="6567671" y="3618721"/>
+              <a:ext cx="420540" cy="372206"/>
+            </a:xfrm>
+            <a:prstGeom prst="rect">
+              <a:avLst/>
+            </a:prstGeom>
+            <a:solidFill>
+              <a:srgbClr val="4CAF50">
                 <a:alpha val="100000"/>
               </a:srgbClr>
             </a:solidFill>
@@ -4424,8 +4424,34 @@
           </p:nvSpPr>
           <p:spPr>
             <a:xfrm>
-              <a:off x="5336089" y="5428863"/>
-              <a:ext cx="720925" cy="356702"/>
+              <a:off x="5936861" y="3618721"/>
+              <a:ext cx="630810" cy="372206"/>
+            </a:xfrm>
+            <a:prstGeom prst="rect">
+              <a:avLst/>
+            </a:prstGeom>
+            <a:solidFill>
+              <a:srgbClr val="8BC34A">
+                <a:alpha val="100000"/>
+              </a:srgbClr>
+            </a:solidFill>
+          </p:spPr>
+          <p:txBody>
+            <a:bodyPr/>
+            <a:lstStyle/>
+            <a:p/>
+          </p:txBody>
+        </p:sp>
+        <p:sp>
+          <p:nvSpPr>
+            <p:cNvPr id="78" name="rc78"/>
+            <p:cNvSpPr/>
+            <p:nvPr/>
+          </p:nvSpPr>
+          <p:spPr>
+            <a:xfrm>
+              <a:off x="5215935" y="3618721"/>
+              <a:ext cx="720925" cy="372206"/>
             </a:xfrm>
             <a:prstGeom prst="rect">
               <a:avLst/>
@@ -4444,46 +4470,20 @@
         </p:sp>
         <p:sp>
           <p:nvSpPr>
-            <p:cNvPr id="78" name="rc78"/>
-            <p:cNvSpPr/>
-            <p:nvPr/>
-          </p:nvSpPr>
-          <p:spPr>
-            <a:xfrm>
-              <a:off x="4194624" y="5428863"/>
-              <a:ext cx="1141465" cy="356702"/>
-            </a:xfrm>
-            <a:prstGeom prst="rect">
-              <a:avLst/>
-            </a:prstGeom>
-            <a:solidFill>
-              <a:srgbClr val="BD5A77">
-                <a:alpha val="100000"/>
-              </a:srgbClr>
-            </a:solidFill>
-          </p:spPr>
-          <p:txBody>
-            <a:bodyPr/>
-            <a:lstStyle/>
-            <a:p/>
-          </p:txBody>
-        </p:sp>
-        <p:sp>
-          <p:nvSpPr>
             <p:cNvPr id="79" name="rc79"/>
             <p:cNvSpPr/>
             <p:nvPr/>
           </p:nvSpPr>
           <p:spPr>
             <a:xfrm>
-              <a:off x="3443659" y="5428863"/>
-              <a:ext cx="750964" cy="356702"/>
-            </a:xfrm>
-            <a:prstGeom prst="rect">
-              <a:avLst/>
-            </a:prstGeom>
-            <a:solidFill>
-              <a:srgbClr val="B93087">
+              <a:off x="4074469" y="3618721"/>
+              <a:ext cx="1141465" cy="372206"/>
+            </a:xfrm>
+            <a:prstGeom prst="rect">
+              <a:avLst/>
+            </a:prstGeom>
+            <a:solidFill>
+              <a:srgbClr val="FF9800">
                 <a:alpha val="100000"/>
               </a:srgbClr>
             </a:solidFill>
@@ -4502,8 +4502,8 @@
           </p:nvSpPr>
           <p:spPr>
             <a:xfrm>
-              <a:off x="3323505" y="5428863"/>
-              <a:ext cx="120154" cy="356702"/>
+              <a:off x="3323505" y="3618721"/>
+              <a:ext cx="750964" cy="372206"/>
             </a:xfrm>
             <a:prstGeom prst="rect">
               <a:avLst/>
@@ -4528,8 +4528,34 @@
           </p:nvSpPr>
           <p:spPr>
             <a:xfrm>
-              <a:off x="6237247" y="5032526"/>
-              <a:ext cx="1471890" cy="356702"/>
+              <a:off x="7468828" y="6100095"/>
+              <a:ext cx="240308" cy="372206"/>
+            </a:xfrm>
+            <a:prstGeom prst="rect">
+              <a:avLst/>
+            </a:prstGeom>
+            <a:solidFill>
+              <a:srgbClr val="B0BEC5">
+                <a:alpha val="100000"/>
+              </a:srgbClr>
+            </a:solidFill>
+          </p:spPr>
+          <p:txBody>
+            <a:bodyPr/>
+            <a:lstStyle/>
+            <a:p/>
+          </p:txBody>
+        </p:sp>
+        <p:sp>
+          <p:nvSpPr>
+            <p:cNvPr id="82" name="rc82"/>
+            <p:cNvSpPr/>
+            <p:nvPr/>
+          </p:nvSpPr>
+          <p:spPr>
+            <a:xfrm>
+              <a:off x="5996938" y="6100095"/>
+              <a:ext cx="1471890" cy="372206"/>
             </a:xfrm>
             <a:prstGeom prst="rect">
               <a:avLst/>
@@ -4548,46 +4574,20 @@
         </p:sp>
         <p:sp>
           <p:nvSpPr>
-            <p:cNvPr id="82" name="rc82"/>
-            <p:cNvSpPr/>
-            <p:nvPr/>
-          </p:nvSpPr>
-          <p:spPr>
-            <a:xfrm>
-              <a:off x="5936861" y="5032526"/>
-              <a:ext cx="300385" cy="356702"/>
-            </a:xfrm>
-            <a:prstGeom prst="rect">
-              <a:avLst/>
-            </a:prstGeom>
-            <a:solidFill>
-              <a:srgbClr val="3DA686">
-                <a:alpha val="100000"/>
-              </a:srgbClr>
-            </a:solidFill>
-          </p:spPr>
-          <p:txBody>
-            <a:bodyPr/>
-            <a:lstStyle/>
-            <a:p/>
-          </p:txBody>
-        </p:sp>
-        <p:sp>
-          <p:nvSpPr>
             <p:cNvPr id="83" name="rc83"/>
             <p:cNvSpPr/>
             <p:nvPr/>
           </p:nvSpPr>
           <p:spPr>
             <a:xfrm>
-              <a:off x="5366128" y="5032526"/>
-              <a:ext cx="570732" cy="356702"/>
-            </a:xfrm>
-            <a:prstGeom prst="rect">
-              <a:avLst/>
-            </a:prstGeom>
-            <a:solidFill>
-              <a:srgbClr val="87B537">
+              <a:off x="5696552" y="6100095"/>
+              <a:ext cx="300385" cy="372206"/>
+            </a:xfrm>
+            <a:prstGeom prst="rect">
+              <a:avLst/>
+            </a:prstGeom>
+            <a:solidFill>
+              <a:srgbClr val="4CAF50">
                 <a:alpha val="100000"/>
               </a:srgbClr>
             </a:solidFill>
@@ -4606,8 +4606,34 @@
           </p:nvSpPr>
           <p:spPr>
             <a:xfrm>
-              <a:off x="5065742" y="5032526"/>
-              <a:ext cx="300385" cy="356702"/>
+              <a:off x="5125819" y="6100095"/>
+              <a:ext cx="570732" cy="372206"/>
+            </a:xfrm>
+            <a:prstGeom prst="rect">
+              <a:avLst/>
+            </a:prstGeom>
+            <a:solidFill>
+              <a:srgbClr val="8BC34A">
+                <a:alpha val="100000"/>
+              </a:srgbClr>
+            </a:solidFill>
+          </p:spPr>
+          <p:txBody>
+            <a:bodyPr/>
+            <a:lstStyle/>
+            <a:p/>
+          </p:txBody>
+        </p:sp>
+        <p:sp>
+          <p:nvSpPr>
+            <p:cNvPr id="85" name="rc85"/>
+            <p:cNvSpPr/>
+            <p:nvPr/>
+          </p:nvSpPr>
+          <p:spPr>
+            <a:xfrm>
+              <a:off x="4825434" y="6100095"/>
+              <a:ext cx="300385" cy="372206"/>
             </a:xfrm>
             <a:prstGeom prst="rect">
               <a:avLst/>
@@ -4626,46 +4652,20 @@
         </p:sp>
         <p:sp>
           <p:nvSpPr>
-            <p:cNvPr id="85" name="rc85"/>
-            <p:cNvSpPr/>
-            <p:nvPr/>
-          </p:nvSpPr>
-          <p:spPr>
-            <a:xfrm>
-              <a:off x="4615164" y="5032526"/>
-              <a:ext cx="450578" cy="356702"/>
-            </a:xfrm>
-            <a:prstGeom prst="rect">
-              <a:avLst/>
-            </a:prstGeom>
-            <a:solidFill>
-              <a:srgbClr val="BD5A77">
-                <a:alpha val="100000"/>
-              </a:srgbClr>
-            </a:solidFill>
-          </p:spPr>
-          <p:txBody>
-            <a:bodyPr/>
-            <a:lstStyle/>
-            <a:p/>
-          </p:txBody>
-        </p:sp>
-        <p:sp>
-          <p:nvSpPr>
             <p:cNvPr id="86" name="rc86"/>
             <p:cNvSpPr/>
             <p:nvPr/>
           </p:nvSpPr>
           <p:spPr>
             <a:xfrm>
-              <a:off x="3563813" y="5032526"/>
-              <a:ext cx="1051350" cy="356702"/>
-            </a:xfrm>
-            <a:prstGeom prst="rect">
-              <a:avLst/>
-            </a:prstGeom>
-            <a:solidFill>
-              <a:srgbClr val="B93087">
+              <a:off x="4374855" y="6100095"/>
+              <a:ext cx="450578" cy="372206"/>
+            </a:xfrm>
+            <a:prstGeom prst="rect">
+              <a:avLst/>
+            </a:prstGeom>
+            <a:solidFill>
+              <a:srgbClr val="FF9800">
                 <a:alpha val="100000"/>
               </a:srgbClr>
             </a:solidFill>
@@ -4684,8 +4684,8 @@
           </p:nvSpPr>
           <p:spPr>
             <a:xfrm>
-              <a:off x="3323505" y="5032526"/>
-              <a:ext cx="240308" cy="356702"/>
+              <a:off x="3323505" y="6100095"/>
+              <a:ext cx="1051350" cy="372206"/>
             </a:xfrm>
             <a:prstGeom prst="rect">
               <a:avLst/>
@@ -4710,8 +4710,34 @@
           </p:nvSpPr>
           <p:spPr>
             <a:xfrm>
-              <a:off x="6387439" y="4636190"/>
-              <a:ext cx="1321697" cy="356702"/>
+              <a:off x="7438790" y="5686532"/>
+              <a:ext cx="270347" cy="372206"/>
+            </a:xfrm>
+            <a:prstGeom prst="rect">
+              <a:avLst/>
+            </a:prstGeom>
+            <a:solidFill>
+              <a:srgbClr val="B0BEC5">
+                <a:alpha val="100000"/>
+              </a:srgbClr>
+            </a:solidFill>
+          </p:spPr>
+          <p:txBody>
+            <a:bodyPr/>
+            <a:lstStyle/>
+            <a:p/>
+          </p:txBody>
+        </p:sp>
+        <p:sp>
+          <p:nvSpPr>
+            <p:cNvPr id="89" name="rc89"/>
+            <p:cNvSpPr/>
+            <p:nvPr/>
+          </p:nvSpPr>
+          <p:spPr>
+            <a:xfrm>
+              <a:off x="6117092" y="5686532"/>
+              <a:ext cx="1321697" cy="372206"/>
             </a:xfrm>
             <a:prstGeom prst="rect">
               <a:avLst/>
@@ -4730,46 +4756,20 @@
         </p:sp>
         <p:sp>
           <p:nvSpPr>
-            <p:cNvPr id="89" name="rc89"/>
-            <p:cNvSpPr/>
-            <p:nvPr/>
-          </p:nvSpPr>
-          <p:spPr>
-            <a:xfrm>
-              <a:off x="6087054" y="4636190"/>
-              <a:ext cx="300385" cy="356702"/>
-            </a:xfrm>
-            <a:prstGeom prst="rect">
-              <a:avLst/>
-            </a:prstGeom>
-            <a:solidFill>
-              <a:srgbClr val="3DA686">
-                <a:alpha val="100000"/>
-              </a:srgbClr>
-            </a:solidFill>
-          </p:spPr>
-          <p:txBody>
-            <a:bodyPr/>
-            <a:lstStyle/>
-            <a:p/>
-          </p:txBody>
-        </p:sp>
-        <p:sp>
-          <p:nvSpPr>
             <p:cNvPr id="90" name="rc90"/>
             <p:cNvSpPr/>
             <p:nvPr/>
           </p:nvSpPr>
           <p:spPr>
             <a:xfrm>
-              <a:off x="5846745" y="4636190"/>
-              <a:ext cx="240308" cy="356702"/>
-            </a:xfrm>
-            <a:prstGeom prst="rect">
-              <a:avLst/>
-            </a:prstGeom>
-            <a:solidFill>
-              <a:srgbClr val="87B537">
+              <a:off x="5816707" y="5686532"/>
+              <a:ext cx="300385" cy="372206"/>
+            </a:xfrm>
+            <a:prstGeom prst="rect">
+              <a:avLst/>
+            </a:prstGeom>
+            <a:solidFill>
+              <a:srgbClr val="4CAF50">
                 <a:alpha val="100000"/>
               </a:srgbClr>
             </a:solidFill>
@@ -4788,8 +4788,34 @@
           </p:nvSpPr>
           <p:spPr>
             <a:xfrm>
-              <a:off x="5185896" y="4636190"/>
-              <a:ext cx="660848" cy="356702"/>
+              <a:off x="5576398" y="5686532"/>
+              <a:ext cx="240308" cy="372206"/>
+            </a:xfrm>
+            <a:prstGeom prst="rect">
+              <a:avLst/>
+            </a:prstGeom>
+            <a:solidFill>
+              <a:srgbClr val="8BC34A">
+                <a:alpha val="100000"/>
+              </a:srgbClr>
+            </a:solidFill>
+          </p:spPr>
+          <p:txBody>
+            <a:bodyPr/>
+            <a:lstStyle/>
+            <a:p/>
+          </p:txBody>
+        </p:sp>
+        <p:sp>
+          <p:nvSpPr>
+            <p:cNvPr id="92" name="rc92"/>
+            <p:cNvSpPr/>
+            <p:nvPr/>
+          </p:nvSpPr>
+          <p:spPr>
+            <a:xfrm>
+              <a:off x="4915549" y="5686532"/>
+              <a:ext cx="660848" cy="372206"/>
             </a:xfrm>
             <a:prstGeom prst="rect">
               <a:avLst/>
@@ -4808,46 +4834,20 @@
         </p:sp>
         <p:sp>
           <p:nvSpPr>
-            <p:cNvPr id="92" name="rc92"/>
-            <p:cNvSpPr/>
-            <p:nvPr/>
-          </p:nvSpPr>
-          <p:spPr>
-            <a:xfrm>
-              <a:off x="4585125" y="4636190"/>
-              <a:ext cx="600771" cy="356702"/>
-            </a:xfrm>
-            <a:prstGeom prst="rect">
-              <a:avLst/>
-            </a:prstGeom>
-            <a:solidFill>
-              <a:srgbClr val="BD5A77">
-                <a:alpha val="100000"/>
-              </a:srgbClr>
-            </a:solidFill>
-          </p:spPr>
-          <p:txBody>
-            <a:bodyPr/>
-            <a:lstStyle/>
-            <a:p/>
-          </p:txBody>
-        </p:sp>
-        <p:sp>
-          <p:nvSpPr>
             <p:cNvPr id="93" name="rc93"/>
             <p:cNvSpPr/>
             <p:nvPr/>
           </p:nvSpPr>
           <p:spPr>
             <a:xfrm>
-              <a:off x="3593852" y="4636190"/>
-              <a:ext cx="991272" cy="356702"/>
-            </a:xfrm>
-            <a:prstGeom prst="rect">
-              <a:avLst/>
-            </a:prstGeom>
-            <a:solidFill>
-              <a:srgbClr val="B93087">
+              <a:off x="4314778" y="5686532"/>
+              <a:ext cx="600771" cy="372206"/>
+            </a:xfrm>
+            <a:prstGeom prst="rect">
+              <a:avLst/>
+            </a:prstGeom>
+            <a:solidFill>
+              <a:srgbClr val="FF9800">
                 <a:alpha val="100000"/>
               </a:srgbClr>
             </a:solidFill>
@@ -4866,8 +4866,8 @@
           </p:nvSpPr>
           <p:spPr>
             <a:xfrm>
-              <a:off x="3323505" y="4636190"/>
-              <a:ext cx="270347" cy="356702"/>
+              <a:off x="3323505" y="5686532"/>
+              <a:ext cx="991272" cy="372206"/>
             </a:xfrm>
             <a:prstGeom prst="rect">
               <a:avLst/>
@@ -4892,8 +4892,34 @@
           </p:nvSpPr>
           <p:spPr>
             <a:xfrm>
-              <a:off x="7108365" y="4239853"/>
-              <a:ext cx="600771" cy="356702"/>
+              <a:off x="7528905" y="2378034"/>
+              <a:ext cx="180231" cy="372206"/>
+            </a:xfrm>
+            <a:prstGeom prst="rect">
+              <a:avLst/>
+            </a:prstGeom>
+            <a:solidFill>
+              <a:srgbClr val="B0BEC5">
+                <a:alpha val="100000"/>
+              </a:srgbClr>
+            </a:solidFill>
+          </p:spPr>
+          <p:txBody>
+            <a:bodyPr/>
+            <a:lstStyle/>
+            <a:p/>
+          </p:txBody>
+        </p:sp>
+        <p:sp>
+          <p:nvSpPr>
+            <p:cNvPr id="96" name="rc96"/>
+            <p:cNvSpPr/>
+            <p:nvPr/>
+          </p:nvSpPr>
+          <p:spPr>
+            <a:xfrm>
+              <a:off x="6928134" y="2378034"/>
+              <a:ext cx="600771" cy="372206"/>
             </a:xfrm>
             <a:prstGeom prst="rect">
               <a:avLst/>
@@ -4912,46 +4938,20 @@
         </p:sp>
         <p:sp>
           <p:nvSpPr>
-            <p:cNvPr id="96" name="rc96"/>
-            <p:cNvSpPr/>
-            <p:nvPr/>
-          </p:nvSpPr>
-          <p:spPr>
-            <a:xfrm>
-              <a:off x="6838018" y="4239853"/>
-              <a:ext cx="270347" cy="356702"/>
-            </a:xfrm>
-            <a:prstGeom prst="rect">
-              <a:avLst/>
-            </a:prstGeom>
-            <a:solidFill>
-              <a:srgbClr val="3DA686">
-                <a:alpha val="100000"/>
-              </a:srgbClr>
-            </a:solidFill>
-          </p:spPr>
-          <p:txBody>
-            <a:bodyPr/>
-            <a:lstStyle/>
-            <a:p/>
-          </p:txBody>
-        </p:sp>
-        <p:sp>
-          <p:nvSpPr>
             <p:cNvPr id="97" name="rc97"/>
             <p:cNvSpPr/>
             <p:nvPr/>
           </p:nvSpPr>
           <p:spPr>
             <a:xfrm>
-              <a:off x="6297324" y="4239853"/>
-              <a:ext cx="540694" cy="356702"/>
-            </a:xfrm>
-            <a:prstGeom prst="rect">
-              <a:avLst/>
-            </a:prstGeom>
-            <a:solidFill>
-              <a:srgbClr val="87B537">
+              <a:off x="6657787" y="2378034"/>
+              <a:ext cx="270347" cy="372206"/>
+            </a:xfrm>
+            <a:prstGeom prst="rect">
+              <a:avLst/>
+            </a:prstGeom>
+            <a:solidFill>
+              <a:srgbClr val="4CAF50">
                 <a:alpha val="100000"/>
               </a:srgbClr>
             </a:solidFill>
@@ -4970,8 +4970,34 @@
           </p:nvSpPr>
           <p:spPr>
             <a:xfrm>
-              <a:off x="5636475" y="4239853"/>
-              <a:ext cx="660848" cy="356702"/>
+              <a:off x="6117092" y="2378034"/>
+              <a:ext cx="540694" cy="372206"/>
+            </a:xfrm>
+            <a:prstGeom prst="rect">
+              <a:avLst/>
+            </a:prstGeom>
+            <a:solidFill>
+              <a:srgbClr val="8BC34A">
+                <a:alpha val="100000"/>
+              </a:srgbClr>
+            </a:solidFill>
+          </p:spPr>
+          <p:txBody>
+            <a:bodyPr/>
+            <a:lstStyle/>
+            <a:p/>
+          </p:txBody>
+        </p:sp>
+        <p:sp>
+          <p:nvSpPr>
+            <p:cNvPr id="99" name="rc99"/>
+            <p:cNvSpPr/>
+            <p:nvPr/>
+          </p:nvSpPr>
+          <p:spPr>
+            <a:xfrm>
+              <a:off x="5456244" y="2378034"/>
+              <a:ext cx="660848" cy="372206"/>
             </a:xfrm>
             <a:prstGeom prst="rect">
               <a:avLst/>
@@ -4990,46 +5016,20 @@
         </p:sp>
         <p:sp>
           <p:nvSpPr>
-            <p:cNvPr id="99" name="rc99"/>
-            <p:cNvSpPr/>
-            <p:nvPr/>
-          </p:nvSpPr>
-          <p:spPr>
-            <a:xfrm>
-              <a:off x="4705279" y="4239853"/>
-              <a:ext cx="931195" cy="356702"/>
-            </a:xfrm>
-            <a:prstGeom prst="rect">
-              <a:avLst/>
-            </a:prstGeom>
-            <a:solidFill>
-              <a:srgbClr val="BD5A77">
-                <a:alpha val="100000"/>
-              </a:srgbClr>
-            </a:solidFill>
-          </p:spPr>
-          <p:txBody>
-            <a:bodyPr/>
-            <a:lstStyle/>
-            <a:p/>
-          </p:txBody>
-        </p:sp>
-        <p:sp>
-          <p:nvSpPr>
             <p:cNvPr id="100" name="rc100"/>
             <p:cNvSpPr/>
             <p:nvPr/>
           </p:nvSpPr>
           <p:spPr>
             <a:xfrm>
-              <a:off x="3503736" y="4239853"/>
-              <a:ext cx="1201542" cy="356702"/>
-            </a:xfrm>
-            <a:prstGeom prst="rect">
-              <a:avLst/>
-            </a:prstGeom>
-            <a:solidFill>
-              <a:srgbClr val="B93087">
+              <a:off x="4525048" y="2378034"/>
+              <a:ext cx="931195" cy="372206"/>
+            </a:xfrm>
+            <a:prstGeom prst="rect">
+              <a:avLst/>
+            </a:prstGeom>
+            <a:solidFill>
+              <a:srgbClr val="FF9800">
                 <a:alpha val="100000"/>
               </a:srgbClr>
             </a:solidFill>
@@ -5048,8 +5048,8 @@
           </p:nvSpPr>
           <p:spPr>
             <a:xfrm>
-              <a:off x="3323505" y="4239853"/>
-              <a:ext cx="180231" cy="356702"/>
+              <a:off x="3323505" y="2378034"/>
+              <a:ext cx="1201542" cy="372206"/>
             </a:xfrm>
             <a:prstGeom prst="rect">
               <a:avLst/>
@@ -5074,8 +5074,34 @@
           </p:nvSpPr>
           <p:spPr>
             <a:xfrm>
-              <a:off x="7288597" y="3843517"/>
-              <a:ext cx="420540" cy="356702"/>
+              <a:off x="7588982" y="4859408"/>
+              <a:ext cx="120154" cy="372206"/>
+            </a:xfrm>
+            <a:prstGeom prst="rect">
+              <a:avLst/>
+            </a:prstGeom>
+            <a:solidFill>
+              <a:srgbClr val="B0BEC5">
+                <a:alpha val="100000"/>
+              </a:srgbClr>
+            </a:solidFill>
+          </p:spPr>
+          <p:txBody>
+            <a:bodyPr/>
+            <a:lstStyle/>
+            <a:p/>
+          </p:txBody>
+        </p:sp>
+        <p:sp>
+          <p:nvSpPr>
+            <p:cNvPr id="103" name="rc103"/>
+            <p:cNvSpPr/>
+            <p:nvPr/>
+          </p:nvSpPr>
+          <p:spPr>
+            <a:xfrm>
+              <a:off x="7168442" y="4859408"/>
+              <a:ext cx="420540" cy="372206"/>
             </a:xfrm>
             <a:prstGeom prst="rect">
               <a:avLst/>
@@ -5094,46 +5120,20 @@
         </p:sp>
         <p:sp>
           <p:nvSpPr>
-            <p:cNvPr id="103" name="rc103"/>
-            <p:cNvSpPr/>
-            <p:nvPr/>
-          </p:nvSpPr>
-          <p:spPr>
-            <a:xfrm>
-              <a:off x="6928134" y="3843517"/>
-              <a:ext cx="360462" cy="356702"/>
-            </a:xfrm>
-            <a:prstGeom prst="rect">
-              <a:avLst/>
-            </a:prstGeom>
-            <a:solidFill>
-              <a:srgbClr val="3DA686">
-                <a:alpha val="100000"/>
-              </a:srgbClr>
-            </a:solidFill>
-          </p:spPr>
-          <p:txBody>
-            <a:bodyPr/>
-            <a:lstStyle/>
-            <a:p/>
-          </p:txBody>
-        </p:sp>
-        <p:sp>
-          <p:nvSpPr>
             <p:cNvPr id="104" name="rc104"/>
             <p:cNvSpPr/>
             <p:nvPr/>
           </p:nvSpPr>
           <p:spPr>
             <a:xfrm>
-              <a:off x="6087054" y="3843517"/>
-              <a:ext cx="841080" cy="356702"/>
-            </a:xfrm>
-            <a:prstGeom prst="rect">
-              <a:avLst/>
-            </a:prstGeom>
-            <a:solidFill>
-              <a:srgbClr val="87B537">
+              <a:off x="6807979" y="4859408"/>
+              <a:ext cx="360462" cy="372206"/>
+            </a:xfrm>
+            <a:prstGeom prst="rect">
+              <a:avLst/>
+            </a:prstGeom>
+            <a:solidFill>
+              <a:srgbClr val="4CAF50">
                 <a:alpha val="100000"/>
               </a:srgbClr>
             </a:solidFill>
@@ -5152,8 +5152,34 @@
           </p:nvSpPr>
           <p:spPr>
             <a:xfrm>
-              <a:off x="5185896" y="3843517"/>
-              <a:ext cx="901157" cy="356702"/>
+              <a:off x="5966899" y="4859408"/>
+              <a:ext cx="841080" cy="372206"/>
+            </a:xfrm>
+            <a:prstGeom prst="rect">
+              <a:avLst/>
+            </a:prstGeom>
+            <a:solidFill>
+              <a:srgbClr val="8BC34A">
+                <a:alpha val="100000"/>
+              </a:srgbClr>
+            </a:solidFill>
+          </p:spPr>
+          <p:txBody>
+            <a:bodyPr/>
+            <a:lstStyle/>
+            <a:p/>
+          </p:txBody>
+        </p:sp>
+        <p:sp>
+          <p:nvSpPr>
+            <p:cNvPr id="106" name="rc106"/>
+            <p:cNvSpPr/>
+            <p:nvPr/>
+          </p:nvSpPr>
+          <p:spPr>
+            <a:xfrm>
+              <a:off x="5065742" y="4859408"/>
+              <a:ext cx="901157" cy="372206"/>
             </a:xfrm>
             <a:prstGeom prst="rect">
               <a:avLst/>
@@ -5172,46 +5198,20 @@
         </p:sp>
         <p:sp>
           <p:nvSpPr>
-            <p:cNvPr id="106" name="rc106"/>
-            <p:cNvSpPr/>
-            <p:nvPr/>
-          </p:nvSpPr>
-          <p:spPr>
-            <a:xfrm>
-              <a:off x="4344816" y="3843517"/>
-              <a:ext cx="841080" cy="356702"/>
-            </a:xfrm>
-            <a:prstGeom prst="rect">
-              <a:avLst/>
-            </a:prstGeom>
-            <a:solidFill>
-              <a:srgbClr val="BD5A77">
-                <a:alpha val="100000"/>
-              </a:srgbClr>
-            </a:solidFill>
-          </p:spPr>
-          <p:txBody>
-            <a:bodyPr/>
-            <a:lstStyle/>
-            <a:p/>
-          </p:txBody>
-        </p:sp>
-        <p:sp>
-          <p:nvSpPr>
             <p:cNvPr id="107" name="rc107"/>
             <p:cNvSpPr/>
             <p:nvPr/>
           </p:nvSpPr>
           <p:spPr>
             <a:xfrm>
-              <a:off x="3443659" y="3843517"/>
-              <a:ext cx="901157" cy="356702"/>
-            </a:xfrm>
-            <a:prstGeom prst="rect">
-              <a:avLst/>
-            </a:prstGeom>
-            <a:solidFill>
-              <a:srgbClr val="B93087">
+              <a:off x="4224662" y="4859408"/>
+              <a:ext cx="841080" cy="372206"/>
+            </a:xfrm>
+            <a:prstGeom prst="rect">
+              <a:avLst/>
+            </a:prstGeom>
+            <a:solidFill>
+              <a:srgbClr val="FF9800">
                 <a:alpha val="100000"/>
               </a:srgbClr>
             </a:solidFill>
@@ -5230,8 +5230,8 @@
           </p:nvSpPr>
           <p:spPr>
             <a:xfrm>
-              <a:off x="3323505" y="3843517"/>
-              <a:ext cx="120154" cy="356702"/>
+              <a:off x="3323505" y="4859408"/>
+              <a:ext cx="901157" cy="372206"/>
             </a:xfrm>
             <a:prstGeom prst="rect">
               <a:avLst/>
@@ -5256,8 +5256,34 @@
           </p:nvSpPr>
           <p:spPr>
             <a:xfrm>
-              <a:off x="7288597" y="3447180"/>
-              <a:ext cx="420540" cy="356702"/>
+              <a:off x="7588982" y="4445845"/>
+              <a:ext cx="120154" cy="372206"/>
+            </a:xfrm>
+            <a:prstGeom prst="rect">
+              <a:avLst/>
+            </a:prstGeom>
+            <a:solidFill>
+              <a:srgbClr val="B0BEC5">
+                <a:alpha val="100000"/>
+              </a:srgbClr>
+            </a:solidFill>
+          </p:spPr>
+          <p:txBody>
+            <a:bodyPr/>
+            <a:lstStyle/>
+            <a:p/>
+          </p:txBody>
+        </p:sp>
+        <p:sp>
+          <p:nvSpPr>
+            <p:cNvPr id="110" name="rc110"/>
+            <p:cNvSpPr/>
+            <p:nvPr/>
+          </p:nvSpPr>
+          <p:spPr>
+            <a:xfrm>
+              <a:off x="7168442" y="4445845"/>
+              <a:ext cx="420540" cy="372206"/>
             </a:xfrm>
             <a:prstGeom prst="rect">
               <a:avLst/>
@@ -5276,46 +5302,20 @@
         </p:sp>
         <p:sp>
           <p:nvSpPr>
-            <p:cNvPr id="110" name="rc110"/>
-            <p:cNvSpPr/>
-            <p:nvPr/>
-          </p:nvSpPr>
-          <p:spPr>
-            <a:xfrm>
-              <a:off x="6958172" y="3447180"/>
-              <a:ext cx="330424" cy="356702"/>
-            </a:xfrm>
-            <a:prstGeom prst="rect">
-              <a:avLst/>
-            </a:prstGeom>
-            <a:solidFill>
-              <a:srgbClr val="3DA686">
-                <a:alpha val="100000"/>
-              </a:srgbClr>
-            </a:solidFill>
-          </p:spPr>
-          <p:txBody>
-            <a:bodyPr/>
-            <a:lstStyle/>
-            <a:p/>
-          </p:txBody>
-        </p:sp>
-        <p:sp>
-          <p:nvSpPr>
             <p:cNvPr id="111" name="rc111"/>
             <p:cNvSpPr/>
             <p:nvPr/>
           </p:nvSpPr>
           <p:spPr>
             <a:xfrm>
-              <a:off x="6117092" y="3447180"/>
-              <a:ext cx="841080" cy="356702"/>
-            </a:xfrm>
-            <a:prstGeom prst="rect">
-              <a:avLst/>
-            </a:prstGeom>
-            <a:solidFill>
-              <a:srgbClr val="87B537">
+              <a:off x="6838018" y="4445845"/>
+              <a:ext cx="330424" cy="372206"/>
+            </a:xfrm>
+            <a:prstGeom prst="rect">
+              <a:avLst/>
+            </a:prstGeom>
+            <a:solidFill>
+              <a:srgbClr val="4CAF50">
                 <a:alpha val="100000"/>
               </a:srgbClr>
             </a:solidFill>
@@ -5334,8 +5334,34 @@
           </p:nvSpPr>
           <p:spPr>
             <a:xfrm>
-              <a:off x="5276012" y="3447180"/>
-              <a:ext cx="841080" cy="356702"/>
+              <a:off x="5996938" y="4445845"/>
+              <a:ext cx="841080" cy="372206"/>
+            </a:xfrm>
+            <a:prstGeom prst="rect">
+              <a:avLst/>
+            </a:prstGeom>
+            <a:solidFill>
+              <a:srgbClr val="8BC34A">
+                <a:alpha val="100000"/>
+              </a:srgbClr>
+            </a:solidFill>
+          </p:spPr>
+          <p:txBody>
+            <a:bodyPr/>
+            <a:lstStyle/>
+            <a:p/>
+          </p:txBody>
+        </p:sp>
+        <p:sp>
+          <p:nvSpPr>
+            <p:cNvPr id="113" name="rc113"/>
+            <p:cNvSpPr/>
+            <p:nvPr/>
+          </p:nvSpPr>
+          <p:spPr>
+            <a:xfrm>
+              <a:off x="5155858" y="4445845"/>
+              <a:ext cx="841080" cy="372206"/>
             </a:xfrm>
             <a:prstGeom prst="rect">
               <a:avLst/>
@@ -5354,46 +5380,20 @@
         </p:sp>
         <p:sp>
           <p:nvSpPr>
-            <p:cNvPr id="113" name="rc113"/>
-            <p:cNvSpPr/>
-            <p:nvPr/>
-          </p:nvSpPr>
-          <p:spPr>
-            <a:xfrm>
-              <a:off x="4344816" y="3447180"/>
-              <a:ext cx="931195" cy="356702"/>
-            </a:xfrm>
-            <a:prstGeom prst="rect">
-              <a:avLst/>
-            </a:prstGeom>
-            <a:solidFill>
-              <a:srgbClr val="BD5A77">
-                <a:alpha val="100000"/>
-              </a:srgbClr>
-            </a:solidFill>
-          </p:spPr>
-          <p:txBody>
-            <a:bodyPr/>
-            <a:lstStyle/>
-            <a:p/>
-          </p:txBody>
-        </p:sp>
-        <p:sp>
-          <p:nvSpPr>
             <p:cNvPr id="114" name="rc114"/>
             <p:cNvSpPr/>
             <p:nvPr/>
           </p:nvSpPr>
           <p:spPr>
             <a:xfrm>
-              <a:off x="3443659" y="3447180"/>
-              <a:ext cx="901157" cy="356702"/>
-            </a:xfrm>
-            <a:prstGeom prst="rect">
-              <a:avLst/>
-            </a:prstGeom>
-            <a:solidFill>
-              <a:srgbClr val="B93087">
+              <a:off x="4224662" y="4445845"/>
+              <a:ext cx="931195" cy="372206"/>
+            </a:xfrm>
+            <a:prstGeom prst="rect">
+              <a:avLst/>
+            </a:prstGeom>
+            <a:solidFill>
+              <a:srgbClr val="FF9800">
                 <a:alpha val="100000"/>
               </a:srgbClr>
             </a:solidFill>
@@ -5412,8 +5412,8 @@
           </p:nvSpPr>
           <p:spPr>
             <a:xfrm>
-              <a:off x="3323505" y="3447180"/>
-              <a:ext cx="120154" cy="356702"/>
+              <a:off x="3323505" y="4445845"/>
+              <a:ext cx="901157" cy="372206"/>
             </a:xfrm>
             <a:prstGeom prst="rect">
               <a:avLst/>
@@ -5438,8 +5438,34 @@
           </p:nvSpPr>
           <p:spPr>
             <a:xfrm>
-              <a:off x="5876784" y="3050844"/>
-              <a:ext cx="1832353" cy="356702"/>
+              <a:off x="7438790" y="7754344"/>
+              <a:ext cx="270347" cy="372206"/>
+            </a:xfrm>
+            <a:prstGeom prst="rect">
+              <a:avLst/>
+            </a:prstGeom>
+            <a:solidFill>
+              <a:srgbClr val="B0BEC5">
+                <a:alpha val="100000"/>
+              </a:srgbClr>
+            </a:solidFill>
+          </p:spPr>
+          <p:txBody>
+            <a:bodyPr/>
+            <a:lstStyle/>
+            <a:p/>
+          </p:txBody>
+        </p:sp>
+        <p:sp>
+          <p:nvSpPr>
+            <p:cNvPr id="117" name="rc117"/>
+            <p:cNvSpPr/>
+            <p:nvPr/>
+          </p:nvSpPr>
+          <p:spPr>
+            <a:xfrm>
+              <a:off x="5606437" y="7754344"/>
+              <a:ext cx="1832353" cy="372206"/>
             </a:xfrm>
             <a:prstGeom prst="rect">
               <a:avLst/>
@@ -5458,46 +5484,20 @@
         </p:sp>
         <p:sp>
           <p:nvSpPr>
-            <p:cNvPr id="117" name="rc117"/>
-            <p:cNvSpPr/>
-            <p:nvPr/>
-          </p:nvSpPr>
-          <p:spPr>
-            <a:xfrm>
-              <a:off x="5486282" y="3050844"/>
-              <a:ext cx="390501" cy="356702"/>
-            </a:xfrm>
-            <a:prstGeom prst="rect">
-              <a:avLst/>
-            </a:prstGeom>
-            <a:solidFill>
-              <a:srgbClr val="3DA686">
-                <a:alpha val="100000"/>
-              </a:srgbClr>
-            </a:solidFill>
-          </p:spPr>
-          <p:txBody>
-            <a:bodyPr/>
-            <a:lstStyle/>
-            <a:p/>
-          </p:txBody>
-        </p:sp>
-        <p:sp>
-          <p:nvSpPr>
             <p:cNvPr id="118" name="rc118"/>
             <p:cNvSpPr/>
             <p:nvPr/>
           </p:nvSpPr>
           <p:spPr>
             <a:xfrm>
-              <a:off x="5065742" y="3050844"/>
-              <a:ext cx="420540" cy="356702"/>
-            </a:xfrm>
-            <a:prstGeom prst="rect">
-              <a:avLst/>
-            </a:prstGeom>
-            <a:solidFill>
-              <a:srgbClr val="87B537">
+              <a:off x="5215935" y="7754344"/>
+              <a:ext cx="390501" cy="372206"/>
+            </a:xfrm>
+            <a:prstGeom prst="rect">
+              <a:avLst/>
+            </a:prstGeom>
+            <a:solidFill>
+              <a:srgbClr val="4CAF50">
                 <a:alpha val="100000"/>
               </a:srgbClr>
             </a:solidFill>
@@ -5516,8 +5516,34 @@
           </p:nvSpPr>
           <p:spPr>
             <a:xfrm>
-              <a:off x="4765356" y="3050844"/>
-              <a:ext cx="300385" cy="356702"/>
+              <a:off x="4795395" y="7754344"/>
+              <a:ext cx="420540" cy="372206"/>
+            </a:xfrm>
+            <a:prstGeom prst="rect">
+              <a:avLst/>
+            </a:prstGeom>
+            <a:solidFill>
+              <a:srgbClr val="8BC34A">
+                <a:alpha val="100000"/>
+              </a:srgbClr>
+            </a:solidFill>
+          </p:spPr>
+          <p:txBody>
+            <a:bodyPr/>
+            <a:lstStyle/>
+            <a:p/>
+          </p:txBody>
+        </p:sp>
+        <p:sp>
+          <p:nvSpPr>
+            <p:cNvPr id="120" name="rc120"/>
+            <p:cNvSpPr/>
+            <p:nvPr/>
+          </p:nvSpPr>
+          <p:spPr>
+            <a:xfrm>
+              <a:off x="4495009" y="7754344"/>
+              <a:ext cx="300385" cy="372206"/>
             </a:xfrm>
             <a:prstGeom prst="rect">
               <a:avLst/>
@@ -5536,46 +5562,20 @@
         </p:sp>
         <p:sp>
           <p:nvSpPr>
-            <p:cNvPr id="120" name="rc120"/>
-            <p:cNvSpPr/>
-            <p:nvPr/>
-          </p:nvSpPr>
-          <p:spPr>
-            <a:xfrm>
-              <a:off x="4254701" y="3050844"/>
-              <a:ext cx="510655" cy="356702"/>
-            </a:xfrm>
-            <a:prstGeom prst="rect">
-              <a:avLst/>
-            </a:prstGeom>
-            <a:solidFill>
-              <a:srgbClr val="BD5A77">
-                <a:alpha val="100000"/>
-              </a:srgbClr>
-            </a:solidFill>
-          </p:spPr>
-          <p:txBody>
-            <a:bodyPr/>
-            <a:lstStyle/>
-            <a:p/>
-          </p:txBody>
-        </p:sp>
-        <p:sp>
-          <p:nvSpPr>
             <p:cNvPr id="121" name="rc121"/>
             <p:cNvSpPr/>
             <p:nvPr/>
           </p:nvSpPr>
           <p:spPr>
             <a:xfrm>
-              <a:off x="3593852" y="3050844"/>
-              <a:ext cx="660848" cy="356702"/>
-            </a:xfrm>
-            <a:prstGeom prst="rect">
-              <a:avLst/>
-            </a:prstGeom>
-            <a:solidFill>
-              <a:srgbClr val="B93087">
+              <a:off x="3984353" y="7754344"/>
+              <a:ext cx="510655" cy="372206"/>
+            </a:xfrm>
+            <a:prstGeom prst="rect">
+              <a:avLst/>
+            </a:prstGeom>
+            <a:solidFill>
+              <a:srgbClr val="FF9800">
                 <a:alpha val="100000"/>
               </a:srgbClr>
             </a:solidFill>
@@ -5594,8 +5594,8 @@
           </p:nvSpPr>
           <p:spPr>
             <a:xfrm>
-              <a:off x="3323505" y="3050844"/>
-              <a:ext cx="270347" cy="356702"/>
+              <a:off x="3323505" y="7754344"/>
+              <a:ext cx="660848" cy="372206"/>
             </a:xfrm>
             <a:prstGeom prst="rect">
               <a:avLst/>
@@ -5620,8 +5620,34 @@
           </p:nvSpPr>
           <p:spPr>
             <a:xfrm>
-              <a:off x="7348674" y="2654507"/>
-              <a:ext cx="360462" cy="356702"/>
+              <a:off x="7558944" y="1964472"/>
+              <a:ext cx="150192" cy="372206"/>
+            </a:xfrm>
+            <a:prstGeom prst="rect">
+              <a:avLst/>
+            </a:prstGeom>
+            <a:solidFill>
+              <a:srgbClr val="B0BEC5">
+                <a:alpha val="100000"/>
+              </a:srgbClr>
+            </a:solidFill>
+          </p:spPr>
+          <p:txBody>
+            <a:bodyPr/>
+            <a:lstStyle/>
+            <a:p/>
+          </p:txBody>
+        </p:sp>
+        <p:sp>
+          <p:nvSpPr>
+            <p:cNvPr id="124" name="rc124"/>
+            <p:cNvSpPr/>
+            <p:nvPr/>
+          </p:nvSpPr>
+          <p:spPr>
+            <a:xfrm>
+              <a:off x="7198481" y="1964472"/>
+              <a:ext cx="360462" cy="372206"/>
             </a:xfrm>
             <a:prstGeom prst="rect">
               <a:avLst/>
@@ -5640,46 +5666,20 @@
         </p:sp>
         <p:sp>
           <p:nvSpPr>
-            <p:cNvPr id="124" name="rc124"/>
-            <p:cNvSpPr/>
-            <p:nvPr/>
-          </p:nvSpPr>
-          <p:spPr>
-            <a:xfrm>
-              <a:off x="7138404" y="2654507"/>
-              <a:ext cx="210270" cy="356702"/>
-            </a:xfrm>
-            <a:prstGeom prst="rect">
-              <a:avLst/>
-            </a:prstGeom>
-            <a:solidFill>
-              <a:srgbClr val="3DA686">
-                <a:alpha val="100000"/>
-              </a:srgbClr>
-            </a:solidFill>
-          </p:spPr>
-          <p:txBody>
-            <a:bodyPr/>
-            <a:lstStyle/>
-            <a:p/>
-          </p:txBody>
-        </p:sp>
-        <p:sp>
-          <p:nvSpPr>
             <p:cNvPr id="125" name="rc125"/>
             <p:cNvSpPr/>
             <p:nvPr/>
           </p:nvSpPr>
           <p:spPr>
             <a:xfrm>
-              <a:off x="6447517" y="2654507"/>
-              <a:ext cx="690887" cy="356702"/>
-            </a:xfrm>
-            <a:prstGeom prst="rect">
-              <a:avLst/>
-            </a:prstGeom>
-            <a:solidFill>
-              <a:srgbClr val="87B537">
+              <a:off x="6988211" y="1964472"/>
+              <a:ext cx="210270" cy="372206"/>
+            </a:xfrm>
+            <a:prstGeom prst="rect">
+              <a:avLst/>
+            </a:prstGeom>
+            <a:solidFill>
+              <a:srgbClr val="4CAF50">
                 <a:alpha val="100000"/>
               </a:srgbClr>
             </a:solidFill>
@@ -5698,8 +5698,34 @@
           </p:nvSpPr>
           <p:spPr>
             <a:xfrm>
-              <a:off x="5636475" y="2654507"/>
-              <a:ext cx="811041" cy="356702"/>
+              <a:off x="6297324" y="1964472"/>
+              <a:ext cx="690887" cy="372206"/>
+            </a:xfrm>
+            <a:prstGeom prst="rect">
+              <a:avLst/>
+            </a:prstGeom>
+            <a:solidFill>
+              <a:srgbClr val="8BC34A">
+                <a:alpha val="100000"/>
+              </a:srgbClr>
+            </a:solidFill>
+          </p:spPr>
+          <p:txBody>
+            <a:bodyPr/>
+            <a:lstStyle/>
+            <a:p/>
+          </p:txBody>
+        </p:sp>
+        <p:sp>
+          <p:nvSpPr>
+            <p:cNvPr id="127" name="rc127"/>
+            <p:cNvSpPr/>
+            <p:nvPr/>
+          </p:nvSpPr>
+          <p:spPr>
+            <a:xfrm>
+              <a:off x="5486282" y="1964472"/>
+              <a:ext cx="811041" cy="372206"/>
             </a:xfrm>
             <a:prstGeom prst="rect">
               <a:avLst/>
@@ -5718,46 +5744,20 @@
         </p:sp>
         <p:sp>
           <p:nvSpPr>
-            <p:cNvPr id="127" name="rc127"/>
-            <p:cNvSpPr/>
-            <p:nvPr/>
-          </p:nvSpPr>
-          <p:spPr>
-            <a:xfrm>
-              <a:off x="4464971" y="2654507"/>
-              <a:ext cx="1171504" cy="356702"/>
-            </a:xfrm>
-            <a:prstGeom prst="rect">
-              <a:avLst/>
-            </a:prstGeom>
-            <a:solidFill>
-              <a:srgbClr val="BD5A77">
-                <a:alpha val="100000"/>
-              </a:srgbClr>
-            </a:solidFill>
-          </p:spPr>
-          <p:txBody>
-            <a:bodyPr/>
-            <a:lstStyle/>
-            <a:p/>
-          </p:txBody>
-        </p:sp>
-        <p:sp>
-          <p:nvSpPr>
             <p:cNvPr id="128" name="rc128"/>
             <p:cNvSpPr/>
             <p:nvPr/>
           </p:nvSpPr>
           <p:spPr>
             <a:xfrm>
-              <a:off x="3473698" y="2654507"/>
-              <a:ext cx="991272" cy="356702"/>
-            </a:xfrm>
-            <a:prstGeom prst="rect">
-              <a:avLst/>
-            </a:prstGeom>
-            <a:solidFill>
-              <a:srgbClr val="B93087">
+              <a:off x="4314778" y="1964472"/>
+              <a:ext cx="1171504" cy="372206"/>
+            </a:xfrm>
+            <a:prstGeom prst="rect">
+              <a:avLst/>
+            </a:prstGeom>
+            <a:solidFill>
+              <a:srgbClr val="FF9800">
                 <a:alpha val="100000"/>
               </a:srgbClr>
             </a:solidFill>
@@ -5776,8 +5776,8 @@
           </p:nvSpPr>
           <p:spPr>
             <a:xfrm>
-              <a:off x="3323505" y="2654507"/>
-              <a:ext cx="150192" cy="356702"/>
+              <a:off x="3323505" y="1964472"/>
+              <a:ext cx="991272" cy="372206"/>
             </a:xfrm>
             <a:prstGeom prst="rect">
               <a:avLst/>
@@ -5802,8 +5802,34 @@
           </p:nvSpPr>
           <p:spPr>
             <a:xfrm>
-              <a:off x="6567671" y="2258171"/>
-              <a:ext cx="1141465" cy="356702"/>
+              <a:off x="7498867" y="5272970"/>
+              <a:ext cx="210270" cy="372206"/>
+            </a:xfrm>
+            <a:prstGeom prst="rect">
+              <a:avLst/>
+            </a:prstGeom>
+            <a:solidFill>
+              <a:srgbClr val="B0BEC5">
+                <a:alpha val="100000"/>
+              </a:srgbClr>
+            </a:solidFill>
+          </p:spPr>
+          <p:txBody>
+            <a:bodyPr/>
+            <a:lstStyle/>
+            <a:p/>
+          </p:txBody>
+        </p:sp>
+        <p:sp>
+          <p:nvSpPr>
+            <p:cNvPr id="131" name="rc131"/>
+            <p:cNvSpPr/>
+            <p:nvPr/>
+          </p:nvSpPr>
+          <p:spPr>
+            <a:xfrm>
+              <a:off x="6357401" y="5272970"/>
+              <a:ext cx="1141465" cy="372206"/>
             </a:xfrm>
             <a:prstGeom prst="rect">
               <a:avLst/>
@@ -5822,46 +5848,20 @@
         </p:sp>
         <p:sp>
           <p:nvSpPr>
-            <p:cNvPr id="131" name="rc131"/>
-            <p:cNvSpPr/>
-            <p:nvPr/>
-          </p:nvSpPr>
-          <p:spPr>
-            <a:xfrm>
-              <a:off x="6237247" y="2258171"/>
-              <a:ext cx="330424" cy="356702"/>
-            </a:xfrm>
-            <a:prstGeom prst="rect">
-              <a:avLst/>
-            </a:prstGeom>
-            <a:solidFill>
-              <a:srgbClr val="3DA686">
-                <a:alpha val="100000"/>
-              </a:srgbClr>
-            </a:solidFill>
-          </p:spPr>
-          <p:txBody>
-            <a:bodyPr/>
-            <a:lstStyle/>
-            <a:p/>
-          </p:txBody>
-        </p:sp>
-        <p:sp>
-          <p:nvSpPr>
             <p:cNvPr id="132" name="rc132"/>
             <p:cNvSpPr/>
             <p:nvPr/>
           </p:nvSpPr>
           <p:spPr>
             <a:xfrm>
-              <a:off x="5726591" y="2258171"/>
-              <a:ext cx="510655" cy="356702"/>
-            </a:xfrm>
-            <a:prstGeom prst="rect">
-              <a:avLst/>
-            </a:prstGeom>
-            <a:solidFill>
-              <a:srgbClr val="87B537">
+              <a:off x="6026977" y="5272970"/>
+              <a:ext cx="330424" cy="372206"/>
+            </a:xfrm>
+            <a:prstGeom prst="rect">
+              <a:avLst/>
+            </a:prstGeom>
+            <a:solidFill>
+              <a:srgbClr val="4CAF50">
                 <a:alpha val="100000"/>
               </a:srgbClr>
             </a:solidFill>
@@ -5880,8 +5880,34 @@
           </p:nvSpPr>
           <p:spPr>
             <a:xfrm>
-              <a:off x="5155858" y="2258171"/>
-              <a:ext cx="570732" cy="356702"/>
+              <a:off x="5516321" y="5272970"/>
+              <a:ext cx="510655" cy="372206"/>
+            </a:xfrm>
+            <a:prstGeom prst="rect">
+              <a:avLst/>
+            </a:prstGeom>
+            <a:solidFill>
+              <a:srgbClr val="8BC34A">
+                <a:alpha val="100000"/>
+              </a:srgbClr>
+            </a:solidFill>
+          </p:spPr>
+          <p:txBody>
+            <a:bodyPr/>
+            <a:lstStyle/>
+            <a:p/>
+          </p:txBody>
+        </p:sp>
+        <p:sp>
+          <p:nvSpPr>
+            <p:cNvPr id="134" name="rc134"/>
+            <p:cNvSpPr/>
+            <p:nvPr/>
+          </p:nvSpPr>
+          <p:spPr>
+            <a:xfrm>
+              <a:off x="4945588" y="5272970"/>
+              <a:ext cx="570732" cy="372206"/>
             </a:xfrm>
             <a:prstGeom prst="rect">
               <a:avLst/>
@@ -5900,46 +5926,20 @@
         </p:sp>
         <p:sp>
           <p:nvSpPr>
-            <p:cNvPr id="134" name="rc134"/>
-            <p:cNvSpPr/>
-            <p:nvPr/>
-          </p:nvSpPr>
-          <p:spPr>
-            <a:xfrm>
-              <a:off x="4134546" y="2258171"/>
-              <a:ext cx="1021311" cy="356702"/>
-            </a:xfrm>
-            <a:prstGeom prst="rect">
-              <a:avLst/>
-            </a:prstGeom>
-            <a:solidFill>
-              <a:srgbClr val="BD5A77">
-                <a:alpha val="100000"/>
-              </a:srgbClr>
-            </a:solidFill>
-          </p:spPr>
-          <p:txBody>
-            <a:bodyPr/>
-            <a:lstStyle/>
-            <a:p/>
-          </p:txBody>
-        </p:sp>
-        <p:sp>
-          <p:nvSpPr>
             <p:cNvPr id="135" name="rc135"/>
             <p:cNvSpPr/>
             <p:nvPr/>
           </p:nvSpPr>
           <p:spPr>
             <a:xfrm>
-              <a:off x="3533775" y="2258171"/>
-              <a:ext cx="600771" cy="356702"/>
-            </a:xfrm>
-            <a:prstGeom prst="rect">
-              <a:avLst/>
-            </a:prstGeom>
-            <a:solidFill>
-              <a:srgbClr val="B93087">
+              <a:off x="3924276" y="5272970"/>
+              <a:ext cx="1021311" cy="372206"/>
+            </a:xfrm>
+            <a:prstGeom prst="rect">
+              <a:avLst/>
+            </a:prstGeom>
+            <a:solidFill>
+              <a:srgbClr val="FF9800">
                 <a:alpha val="100000"/>
               </a:srgbClr>
             </a:solidFill>
@@ -5958,8 +5958,8 @@
           </p:nvSpPr>
           <p:spPr>
             <a:xfrm>
-              <a:off x="3323505" y="2258171"/>
-              <a:ext cx="210270" cy="356702"/>
+              <a:off x="3323505" y="5272970"/>
+              <a:ext cx="600771" cy="372206"/>
             </a:xfrm>
             <a:prstGeom prst="rect">
               <a:avLst/>
@@ -5984,8 +5984,34 @@
           </p:nvSpPr>
           <p:spPr>
             <a:xfrm>
-              <a:off x="7228520" y="1861834"/>
-              <a:ext cx="480617" cy="356702"/>
+              <a:off x="7498867" y="3205159"/>
+              <a:ext cx="210270" cy="372206"/>
+            </a:xfrm>
+            <a:prstGeom prst="rect">
+              <a:avLst/>
+            </a:prstGeom>
+            <a:solidFill>
+              <a:srgbClr val="B0BEC5">
+                <a:alpha val="100000"/>
+              </a:srgbClr>
+            </a:solidFill>
+          </p:spPr>
+          <p:txBody>
+            <a:bodyPr/>
+            <a:lstStyle/>
+            <a:p/>
+          </p:txBody>
+        </p:sp>
+        <p:sp>
+          <p:nvSpPr>
+            <p:cNvPr id="138" name="rc138"/>
+            <p:cNvSpPr/>
+            <p:nvPr/>
+          </p:nvSpPr>
+          <p:spPr>
+            <a:xfrm>
+              <a:off x="7018250" y="3205159"/>
+              <a:ext cx="480617" cy="372206"/>
             </a:xfrm>
             <a:prstGeom prst="rect">
               <a:avLst/>
@@ -6004,46 +6030,20 @@
         </p:sp>
         <p:sp>
           <p:nvSpPr>
-            <p:cNvPr id="138" name="rc138"/>
-            <p:cNvSpPr/>
-            <p:nvPr/>
-          </p:nvSpPr>
-          <p:spPr>
-            <a:xfrm>
-              <a:off x="6928134" y="1861834"/>
-              <a:ext cx="300385" cy="356702"/>
-            </a:xfrm>
-            <a:prstGeom prst="rect">
-              <a:avLst/>
-            </a:prstGeom>
-            <a:solidFill>
-              <a:srgbClr val="3DA686">
-                <a:alpha val="100000"/>
-              </a:srgbClr>
-            </a:solidFill>
-          </p:spPr>
-          <p:txBody>
-            <a:bodyPr/>
-            <a:lstStyle/>
-            <a:p/>
-          </p:txBody>
-        </p:sp>
-        <p:sp>
-          <p:nvSpPr>
             <p:cNvPr id="139" name="rc139"/>
             <p:cNvSpPr/>
             <p:nvPr/>
           </p:nvSpPr>
           <p:spPr>
             <a:xfrm>
-              <a:off x="6267285" y="1861834"/>
-              <a:ext cx="660848" cy="356702"/>
-            </a:xfrm>
-            <a:prstGeom prst="rect">
-              <a:avLst/>
-            </a:prstGeom>
-            <a:solidFill>
-              <a:srgbClr val="87B537">
+              <a:off x="6717864" y="3205159"/>
+              <a:ext cx="300385" cy="372206"/>
+            </a:xfrm>
+            <a:prstGeom prst="rect">
+              <a:avLst/>
+            </a:prstGeom>
+            <a:solidFill>
+              <a:srgbClr val="4CAF50">
                 <a:alpha val="100000"/>
               </a:srgbClr>
             </a:solidFill>
@@ -6062,8 +6062,34 @@
           </p:nvSpPr>
           <p:spPr>
             <a:xfrm>
-              <a:off x="5516321" y="1861834"/>
-              <a:ext cx="750964" cy="356702"/>
+              <a:off x="6057015" y="3205159"/>
+              <a:ext cx="660848" cy="372206"/>
+            </a:xfrm>
+            <a:prstGeom prst="rect">
+              <a:avLst/>
+            </a:prstGeom>
+            <a:solidFill>
+              <a:srgbClr val="8BC34A">
+                <a:alpha val="100000"/>
+              </a:srgbClr>
+            </a:solidFill>
+          </p:spPr>
+          <p:txBody>
+            <a:bodyPr/>
+            <a:lstStyle/>
+            <a:p/>
+          </p:txBody>
+        </p:sp>
+        <p:sp>
+          <p:nvSpPr>
+            <p:cNvPr id="141" name="rc141"/>
+            <p:cNvSpPr/>
+            <p:nvPr/>
+          </p:nvSpPr>
+          <p:spPr>
+            <a:xfrm>
+              <a:off x="5306051" y="3205159"/>
+              <a:ext cx="750964" cy="372206"/>
             </a:xfrm>
             <a:prstGeom prst="rect">
               <a:avLst/>
@@ -6082,46 +6108,20 @@
         </p:sp>
         <p:sp>
           <p:nvSpPr>
-            <p:cNvPr id="141" name="rc141"/>
-            <p:cNvSpPr/>
-            <p:nvPr/>
-          </p:nvSpPr>
-          <p:spPr>
-            <a:xfrm>
-              <a:off x="4404894" y="1861834"/>
-              <a:ext cx="1111427" cy="356702"/>
-            </a:xfrm>
-            <a:prstGeom prst="rect">
-              <a:avLst/>
-            </a:prstGeom>
-            <a:solidFill>
-              <a:srgbClr val="BD5A77">
-                <a:alpha val="100000"/>
-              </a:srgbClr>
-            </a:solidFill>
-          </p:spPr>
-          <p:txBody>
-            <a:bodyPr/>
-            <a:lstStyle/>
-            <a:p/>
-          </p:txBody>
-        </p:sp>
-        <p:sp>
-          <p:nvSpPr>
             <p:cNvPr id="142" name="rc142"/>
             <p:cNvSpPr/>
             <p:nvPr/>
           </p:nvSpPr>
           <p:spPr>
             <a:xfrm>
-              <a:off x="3533775" y="1861834"/>
-              <a:ext cx="871118" cy="356702"/>
-            </a:xfrm>
-            <a:prstGeom prst="rect">
-              <a:avLst/>
-            </a:prstGeom>
-            <a:solidFill>
-              <a:srgbClr val="B93087">
+              <a:off x="4194624" y="3205159"/>
+              <a:ext cx="1111427" cy="372206"/>
+            </a:xfrm>
+            <a:prstGeom prst="rect">
+              <a:avLst/>
+            </a:prstGeom>
+            <a:solidFill>
+              <a:srgbClr val="FF9800">
                 <a:alpha val="100000"/>
               </a:srgbClr>
             </a:solidFill>
@@ -6140,8 +6140,8 @@
           </p:nvSpPr>
           <p:spPr>
             <a:xfrm>
-              <a:off x="3323505" y="1861834"/>
-              <a:ext cx="210270" cy="356702"/>
+              <a:off x="3323505" y="3205159"/>
+              <a:ext cx="871118" cy="372206"/>
             </a:xfrm>
             <a:prstGeom prst="rect">
               <a:avLst/>
@@ -6166,15 +6166,15 @@
           </p:nvSpPr>
           <p:spPr>
             <a:xfrm>
-              <a:off x="3323505" y="1802384"/>
-              <a:ext cx="0" cy="7213325"/>
+              <a:off x="3323505" y="1488875"/>
+              <a:ext cx="0" cy="7526833"/>
             </a:xfrm>
             <a:custGeom>
               <a:avLst/>
               <a:pathLst>
-                <a:path w="0" h="7213325">
+                <a:path w="0" h="7526833">
                   <a:moveTo>
-                    <a:pt x="0" y="7213325"/>
+                    <a:pt x="0" y="7526833"/>
                   </a:moveTo>
                   <a:lnTo>
                     <a:pt x="0" y="0"/>
@@ -6206,7 +6206,1663 @@
           </p:nvSpPr>
           <p:spPr>
             <a:xfrm>
-              <a:off x="1624781" y="8716037"/>
+              <a:off x="3004577" y="8727335"/>
+              <a:ext cx="260183" cy="79197"/>
+            </a:xfrm>
+            <a:prstGeom prst="rect">
+              <a:avLst/>
+            </a:prstGeom>
+            <a:noFill/>
+          </p:spPr>
+          <p:txBody>
+            <a:bodyPr lIns="0" rIns="0" tIns="0" bIns="0" anchorCtr="1" anchor="ctr" wrap="none"/>
+            <a:lstStyle/>
+            <a:p>
+              <a:pPr algn="l" marL="0" marR="0" indent="0">
+                <a:lnSpc>
+                  <a:spcPts val="857"/>
+                </a:lnSpc>
+                <a:spcBef>
+                  <a:spcPts val="0"/>
+                </a:spcBef>
+                <a:spcAft>
+                  <a:spcPts val="0"/>
+                </a:spcAft>
+              </a:pPr>
+              <a:r>
+                <a:rPr sz="857">
+                  <a:solidFill>
+                    <a:srgbClr val="000000">
+                      <a:alpha val="100000"/>
+                    </a:srgbClr>
+                  </a:solidFill>
+                  <a:latin typeface="Arial"/>
+                  <a:cs typeface="Arial"/>
+                </a:rPr>
+                <a:t>Autre</a:t>
+              </a:r>
+            </a:p>
+          </p:txBody>
+        </p:sp>
+        <p:sp>
+          <p:nvSpPr>
+            <p:cNvPr id="146" name="tx146"/>
+            <p:cNvSpPr/>
+            <p:nvPr/>
+          </p:nvSpPr>
+          <p:spPr>
+            <a:xfrm>
+              <a:off x="795968" y="8233303"/>
+              <a:ext cx="2468792" cy="100884"/>
+            </a:xfrm>
+            <a:prstGeom prst="rect">
+              <a:avLst/>
+            </a:prstGeom>
+            <a:noFill/>
+          </p:spPr>
+          <p:txBody>
+            <a:bodyPr lIns="0" rIns="0" tIns="0" bIns="0" anchorCtr="1" anchor="ctr" wrap="none"/>
+            <a:lstStyle/>
+            <a:p>
+              <a:pPr algn="l" marL="0" marR="0" indent="0">
+                <a:lnSpc>
+                  <a:spcPts val="857"/>
+                </a:lnSpc>
+                <a:spcBef>
+                  <a:spcPts val="0"/>
+                </a:spcBef>
+                <a:spcAft>
+                  <a:spcPts val="0"/>
+                </a:spcAft>
+              </a:pPr>
+              <a:r>
+                <a:rPr sz="857">
+                  <a:solidFill>
+                    <a:srgbClr val="000000">
+                      <a:alpha val="100000"/>
+                    </a:srgbClr>
+                  </a:solidFill>
+                  <a:latin typeface="Arial"/>
+                  <a:cs typeface="Arial"/>
+                </a:rPr>
+                <a:t>Comportements ou envies de se faire du mal ou de</a:t>
+              </a:r>
+            </a:p>
+          </p:txBody>
+        </p:sp>
+        <p:sp>
+          <p:nvSpPr>
+            <p:cNvPr id="147" name="tx147"/>
+            <p:cNvSpPr/>
+            <p:nvPr/>
+          </p:nvSpPr>
+          <p:spPr>
+            <a:xfrm>
+              <a:off x="2768632" y="8372555"/>
+              <a:ext cx="496129" cy="79197"/>
+            </a:xfrm>
+            <a:prstGeom prst="rect">
+              <a:avLst/>
+            </a:prstGeom>
+            <a:noFill/>
+          </p:spPr>
+          <p:txBody>
+            <a:bodyPr lIns="0" rIns="0" tIns="0" bIns="0" anchorCtr="1" anchor="ctr" wrap="none"/>
+            <a:lstStyle/>
+            <a:p>
+              <a:pPr algn="l" marL="0" marR="0" indent="0">
+                <a:lnSpc>
+                  <a:spcPts val="857"/>
+                </a:lnSpc>
+                <a:spcBef>
+                  <a:spcPts val="0"/>
+                </a:spcBef>
+                <a:spcAft>
+                  <a:spcPts val="0"/>
+                </a:spcAft>
+              </a:pPr>
+              <a:r>
+                <a:rPr sz="857">
+                  <a:solidFill>
+                    <a:srgbClr val="000000">
+                      <a:alpha val="100000"/>
+                    </a:srgbClr>
+                  </a:solidFill>
+                  <a:latin typeface="Arial"/>
+                  <a:cs typeface="Arial"/>
+                </a:rPr>
+                <a:t>se blesser</a:t>
+              </a:r>
+            </a:p>
+          </p:txBody>
+        </p:sp>
+        <p:sp>
+          <p:nvSpPr>
+            <p:cNvPr id="148" name="tx148"/>
+            <p:cNvSpPr/>
+            <p:nvPr/>
+          </p:nvSpPr>
+          <p:spPr>
+            <a:xfrm>
+              <a:off x="1297891" y="7590828"/>
+              <a:ext cx="1966869" cy="94665"/>
+            </a:xfrm>
+            <a:prstGeom prst="rect">
+              <a:avLst/>
+            </a:prstGeom>
+            <a:noFill/>
+          </p:spPr>
+          <p:txBody>
+            <a:bodyPr lIns="0" rIns="0" tIns="0" bIns="0" anchorCtr="1" anchor="ctr" wrap="none"/>
+            <a:lstStyle/>
+            <a:p>
+              <a:pPr algn="l" marL="0" marR="0" indent="0">
+                <a:lnSpc>
+                  <a:spcPts val="857"/>
+                </a:lnSpc>
+                <a:spcBef>
+                  <a:spcPts val="0"/>
+                </a:spcBef>
+                <a:spcAft>
+                  <a:spcPts val="0"/>
+                </a:spcAft>
+              </a:pPr>
+              <a:r>
+                <a:rPr sz="857">
+                  <a:solidFill>
+                    <a:srgbClr val="000000">
+                      <a:alpha val="100000"/>
+                    </a:srgbClr>
+                  </a:solidFill>
+                  <a:latin typeface="Arial"/>
+                  <a:cs typeface="Arial"/>
+                </a:rPr>
+                <a:t>Sensation d’influence, de contrôle, ou de</a:t>
+              </a:r>
+            </a:p>
+          </p:txBody>
+        </p:sp>
+        <p:sp>
+          <p:nvSpPr>
+            <p:cNvPr id="149" name="tx149"/>
+            <p:cNvSpPr/>
+            <p:nvPr/>
+          </p:nvSpPr>
+          <p:spPr>
+            <a:xfrm>
+              <a:off x="924067" y="7703079"/>
+              <a:ext cx="2340694" cy="99980"/>
+            </a:xfrm>
+            <a:prstGeom prst="rect">
+              <a:avLst/>
+            </a:prstGeom>
+            <a:noFill/>
+          </p:spPr>
+          <p:txBody>
+            <a:bodyPr lIns="0" rIns="0" tIns="0" bIns="0" anchorCtr="1" anchor="ctr" wrap="none"/>
+            <a:lstStyle/>
+            <a:p>
+              <a:pPr algn="l" marL="0" marR="0" indent="0">
+                <a:lnSpc>
+                  <a:spcPts val="857"/>
+                </a:lnSpc>
+                <a:spcBef>
+                  <a:spcPts val="0"/>
+                </a:spcBef>
+                <a:spcAft>
+                  <a:spcPts val="0"/>
+                </a:spcAft>
+              </a:pPr>
+              <a:r>
+                <a:rPr sz="857">
+                  <a:solidFill>
+                    <a:srgbClr val="000000">
+                      <a:alpha val="100000"/>
+                    </a:srgbClr>
+                  </a:solidFill>
+                  <a:latin typeface="Arial"/>
+                  <a:cs typeface="Arial"/>
+                </a:rPr>
+                <a:t>passivité. Par exemple, l'impression d'avoir dans</a:t>
+              </a:r>
+            </a:p>
+          </p:txBody>
+        </p:sp>
+        <p:sp>
+          <p:nvSpPr>
+            <p:cNvPr id="150" name="tx150"/>
+            <p:cNvSpPr/>
+            <p:nvPr/>
+          </p:nvSpPr>
+          <p:spPr>
+            <a:xfrm>
+              <a:off x="868362" y="7820644"/>
+              <a:ext cx="2396398" cy="99980"/>
+            </a:xfrm>
+            <a:prstGeom prst="rect">
+              <a:avLst/>
+            </a:prstGeom>
+            <a:noFill/>
+          </p:spPr>
+          <p:txBody>
+            <a:bodyPr lIns="0" rIns="0" tIns="0" bIns="0" anchorCtr="1" anchor="ctr" wrap="none"/>
+            <a:lstStyle/>
+            <a:p>
+              <a:pPr algn="l" marL="0" marR="0" indent="0">
+                <a:lnSpc>
+                  <a:spcPts val="857"/>
+                </a:lnSpc>
+                <a:spcBef>
+                  <a:spcPts val="0"/>
+                </a:spcBef>
+                <a:spcAft>
+                  <a:spcPts val="0"/>
+                </a:spcAft>
+              </a:pPr>
+              <a:r>
+                <a:rPr sz="857">
+                  <a:solidFill>
+                    <a:srgbClr val="000000">
+                      <a:alpha val="100000"/>
+                    </a:srgbClr>
+                  </a:solidFill>
+                  <a:latin typeface="Arial"/>
+                  <a:cs typeface="Arial"/>
+                </a:rPr>
+                <a:t>votre tête des pensées que vous ne reconnaissez</a:t>
+              </a:r>
+            </a:p>
+          </p:txBody>
+        </p:sp>
+        <p:sp>
+          <p:nvSpPr>
+            <p:cNvPr id="151" name="tx151"/>
+            <p:cNvSpPr/>
+            <p:nvPr/>
+          </p:nvSpPr>
+          <p:spPr>
+            <a:xfrm>
+              <a:off x="863632" y="7938210"/>
+              <a:ext cx="2401129" cy="99980"/>
+            </a:xfrm>
+            <a:prstGeom prst="rect">
+              <a:avLst/>
+            </a:prstGeom>
+            <a:noFill/>
+          </p:spPr>
+          <p:txBody>
+            <a:bodyPr lIns="0" rIns="0" tIns="0" bIns="0" anchorCtr="1" anchor="ctr" wrap="none"/>
+            <a:lstStyle/>
+            <a:p>
+              <a:pPr algn="l" marL="0" marR="0" indent="0">
+                <a:lnSpc>
+                  <a:spcPts val="857"/>
+                </a:lnSpc>
+                <a:spcBef>
+                  <a:spcPts val="0"/>
+                </a:spcBef>
+                <a:spcAft>
+                  <a:spcPts val="0"/>
+                </a:spcAft>
+              </a:pPr>
+              <a:r>
+                <a:rPr sz="857">
+                  <a:solidFill>
+                    <a:srgbClr val="000000">
+                      <a:alpha val="100000"/>
+                    </a:srgbClr>
+                  </a:solidFill>
+                  <a:latin typeface="Arial"/>
+                  <a:cs typeface="Arial"/>
+                </a:rPr>
+                <a:t>pas comme les vôtres. L'impression d'être sous le</a:t>
+              </a:r>
+            </a:p>
+          </p:txBody>
+        </p:sp>
+        <p:sp>
+          <p:nvSpPr>
+            <p:cNvPr id="152" name="tx152"/>
+            <p:cNvSpPr/>
+            <p:nvPr/>
+          </p:nvSpPr>
+          <p:spPr>
+            <a:xfrm>
+              <a:off x="989445" y="8054872"/>
+              <a:ext cx="2275316" cy="100884"/>
+            </a:xfrm>
+            <a:prstGeom prst="rect">
+              <a:avLst/>
+            </a:prstGeom>
+            <a:noFill/>
+          </p:spPr>
+          <p:txBody>
+            <a:bodyPr lIns="0" rIns="0" tIns="0" bIns="0" anchorCtr="1" anchor="ctr" wrap="none"/>
+            <a:lstStyle/>
+            <a:p>
+              <a:pPr algn="l" marL="0" marR="0" indent="0">
+                <a:lnSpc>
+                  <a:spcPts val="857"/>
+                </a:lnSpc>
+                <a:spcBef>
+                  <a:spcPts val="0"/>
+                </a:spcBef>
+                <a:spcAft>
+                  <a:spcPts val="0"/>
+                </a:spcAft>
+              </a:pPr>
+              <a:r>
+                <a:rPr sz="857">
+                  <a:solidFill>
+                    <a:srgbClr val="000000">
+                      <a:alpha val="100000"/>
+                    </a:srgbClr>
+                  </a:solidFill>
+                  <a:latin typeface="Arial"/>
+                  <a:cs typeface="Arial"/>
+                </a:rPr>
+                <a:t>contrôle d’une force ou d’un pouvoir extérieur à</a:t>
+              </a:r>
+            </a:p>
+          </p:txBody>
+        </p:sp>
+        <p:sp>
+          <p:nvSpPr>
+            <p:cNvPr id="153" name="tx153"/>
+            <p:cNvSpPr/>
+            <p:nvPr/>
+          </p:nvSpPr>
+          <p:spPr>
+            <a:xfrm>
+              <a:off x="2665887" y="8193699"/>
+              <a:ext cx="598873" cy="79623"/>
+            </a:xfrm>
+            <a:prstGeom prst="rect">
+              <a:avLst/>
+            </a:prstGeom>
+            <a:noFill/>
+          </p:spPr>
+          <p:txBody>
+            <a:bodyPr lIns="0" rIns="0" tIns="0" bIns="0" anchorCtr="1" anchor="ctr" wrap="none"/>
+            <a:lstStyle/>
+            <a:p>
+              <a:pPr algn="l" marL="0" marR="0" indent="0">
+                <a:lnSpc>
+                  <a:spcPts val="857"/>
+                </a:lnSpc>
+                <a:spcBef>
+                  <a:spcPts val="0"/>
+                </a:spcBef>
+                <a:spcAft>
+                  <a:spcPts val="0"/>
+                </a:spcAft>
+              </a:pPr>
+              <a:r>
+                <a:rPr sz="857">
+                  <a:solidFill>
+                    <a:srgbClr val="000000">
+                      <a:alpha val="100000"/>
+                    </a:srgbClr>
+                  </a:solidFill>
+                  <a:latin typeface="Arial"/>
+                  <a:cs typeface="Arial"/>
+                </a:rPr>
+                <a:t>vous-même.</a:t>
+              </a:r>
+            </a:p>
+          </p:txBody>
+        </p:sp>
+        <p:sp>
+          <p:nvSpPr>
+            <p:cNvPr id="154" name="tx154"/>
+            <p:cNvSpPr/>
+            <p:nvPr/>
+          </p:nvSpPr>
+          <p:spPr>
+            <a:xfrm>
+              <a:off x="1074170" y="7231159"/>
+              <a:ext cx="2190590" cy="99555"/>
+            </a:xfrm>
+            <a:prstGeom prst="rect">
+              <a:avLst/>
+            </a:prstGeom>
+            <a:noFill/>
+          </p:spPr>
+          <p:txBody>
+            <a:bodyPr lIns="0" rIns="0" tIns="0" bIns="0" anchorCtr="1" anchor="ctr" wrap="none"/>
+            <a:lstStyle/>
+            <a:p>
+              <a:pPr algn="l" marL="0" marR="0" indent="0">
+                <a:lnSpc>
+                  <a:spcPts val="857"/>
+                </a:lnSpc>
+                <a:spcBef>
+                  <a:spcPts val="0"/>
+                </a:spcBef>
+                <a:spcAft>
+                  <a:spcPts val="0"/>
+                </a:spcAft>
+              </a:pPr>
+              <a:r>
+                <a:rPr sz="857">
+                  <a:solidFill>
+                    <a:srgbClr val="000000">
+                      <a:alpha val="100000"/>
+                    </a:srgbClr>
+                  </a:solidFill>
+                  <a:latin typeface="Arial"/>
+                  <a:cs typeface="Arial"/>
+                </a:rPr>
+                <a:t>Entendre, voir ou ressentir quelque chose qui</a:t>
+              </a:r>
+            </a:p>
+          </p:txBody>
+        </p:sp>
+        <p:sp>
+          <p:nvSpPr>
+            <p:cNvPr id="155" name="tx155"/>
+            <p:cNvSpPr/>
+            <p:nvPr/>
+          </p:nvSpPr>
+          <p:spPr>
+            <a:xfrm>
+              <a:off x="1189087" y="7347927"/>
+              <a:ext cx="2075673" cy="100352"/>
+            </a:xfrm>
+            <a:prstGeom prst="rect">
+              <a:avLst/>
+            </a:prstGeom>
+            <a:noFill/>
+          </p:spPr>
+          <p:txBody>
+            <a:bodyPr lIns="0" rIns="0" tIns="0" bIns="0" anchorCtr="1" anchor="ctr" wrap="none"/>
+            <a:lstStyle/>
+            <a:p>
+              <a:pPr algn="l" marL="0" marR="0" indent="0">
+                <a:lnSpc>
+                  <a:spcPts val="857"/>
+                </a:lnSpc>
+                <a:spcBef>
+                  <a:spcPts val="0"/>
+                </a:spcBef>
+                <a:spcAft>
+                  <a:spcPts val="0"/>
+                </a:spcAft>
+              </a:pPr>
+              <a:r>
+                <a:rPr sz="857">
+                  <a:solidFill>
+                    <a:srgbClr val="000000">
+                      <a:alpha val="100000"/>
+                    </a:srgbClr>
+                  </a:solidFill>
+                  <a:latin typeface="Arial"/>
+                  <a:cs typeface="Arial"/>
+                </a:rPr>
+                <a:t>n’est pas là. Par exemple, entendre une ou</a:t>
+              </a:r>
+            </a:p>
+          </p:txBody>
+        </p:sp>
+        <p:sp>
+          <p:nvSpPr>
+            <p:cNvPr id="156" name="tx156"/>
+            <p:cNvSpPr/>
+            <p:nvPr/>
+          </p:nvSpPr>
+          <p:spPr>
+            <a:xfrm>
+              <a:off x="1286197" y="7463686"/>
+              <a:ext cx="1978563" cy="102159"/>
+            </a:xfrm>
+            <a:prstGeom prst="rect">
+              <a:avLst/>
+            </a:prstGeom>
+            <a:noFill/>
+          </p:spPr>
+          <p:txBody>
+            <a:bodyPr lIns="0" rIns="0" tIns="0" bIns="0" anchorCtr="1" anchor="ctr" wrap="none"/>
+            <a:lstStyle/>
+            <a:p>
+              <a:pPr algn="l" marL="0" marR="0" indent="0">
+                <a:lnSpc>
+                  <a:spcPts val="857"/>
+                </a:lnSpc>
+                <a:spcBef>
+                  <a:spcPts val="0"/>
+                </a:spcBef>
+                <a:spcAft>
+                  <a:spcPts val="0"/>
+                </a:spcAft>
+              </a:pPr>
+              <a:r>
+                <a:rPr sz="857">
+                  <a:solidFill>
+                    <a:srgbClr val="000000">
+                      <a:alpha val="100000"/>
+                    </a:srgbClr>
+                  </a:solidFill>
+                  <a:latin typeface="Arial"/>
+                  <a:cs typeface="Arial"/>
+                </a:rPr>
+                <a:t>plusieurs voix alors que vous êtes tout(e)</a:t>
+              </a:r>
+            </a:p>
+          </p:txBody>
+        </p:sp>
+        <p:sp>
+          <p:nvSpPr>
+            <p:cNvPr id="157" name="tx157"/>
+            <p:cNvSpPr/>
+            <p:nvPr/>
+          </p:nvSpPr>
+          <p:spPr>
+            <a:xfrm>
+              <a:off x="1007729" y="7581251"/>
+              <a:ext cx="2257031" cy="102159"/>
+            </a:xfrm>
+            <a:prstGeom prst="rect">
+              <a:avLst/>
+            </a:prstGeom>
+            <a:noFill/>
+          </p:spPr>
+          <p:txBody>
+            <a:bodyPr lIns="0" rIns="0" tIns="0" bIns="0" anchorCtr="1" anchor="ctr" wrap="none"/>
+            <a:lstStyle/>
+            <a:p>
+              <a:pPr algn="l" marL="0" marR="0" indent="0">
+                <a:lnSpc>
+                  <a:spcPts val="857"/>
+                </a:lnSpc>
+                <a:spcBef>
+                  <a:spcPts val="0"/>
+                </a:spcBef>
+                <a:spcAft>
+                  <a:spcPts val="0"/>
+                </a:spcAft>
+              </a:pPr>
+              <a:r>
+                <a:rPr sz="857">
+                  <a:solidFill>
+                    <a:srgbClr val="000000">
+                      <a:alpha val="100000"/>
+                    </a:srgbClr>
+                  </a:solidFill>
+                  <a:latin typeface="Arial"/>
+                  <a:cs typeface="Arial"/>
+                </a:rPr>
+                <a:t>seul(e) ; voir des objets, des personnes ou des</a:t>
+              </a:r>
+            </a:p>
+          </p:txBody>
+        </p:sp>
+        <p:sp>
+          <p:nvSpPr>
+            <p:cNvPr id="158" name="tx158"/>
+            <p:cNvSpPr/>
+            <p:nvPr/>
+          </p:nvSpPr>
+          <p:spPr>
+            <a:xfrm>
+              <a:off x="892600" y="7701422"/>
+              <a:ext cx="2372160" cy="99555"/>
+            </a:xfrm>
+            <a:prstGeom prst="rect">
+              <a:avLst/>
+            </a:prstGeom>
+            <a:noFill/>
+          </p:spPr>
+          <p:txBody>
+            <a:bodyPr lIns="0" rIns="0" tIns="0" bIns="0" anchorCtr="1" anchor="ctr" wrap="none"/>
+            <a:lstStyle/>
+            <a:p>
+              <a:pPr algn="l" marL="0" marR="0" indent="0">
+                <a:lnSpc>
+                  <a:spcPts val="857"/>
+                </a:lnSpc>
+                <a:spcBef>
+                  <a:spcPts val="0"/>
+                </a:spcBef>
+                <a:spcAft>
+                  <a:spcPts val="0"/>
+                </a:spcAft>
+              </a:pPr>
+              <a:r>
+                <a:rPr sz="857">
+                  <a:solidFill>
+                    <a:srgbClr val="000000">
+                      <a:alpha val="100000"/>
+                    </a:srgbClr>
+                  </a:solidFill>
+                  <a:latin typeface="Arial"/>
+                  <a:cs typeface="Arial"/>
+                </a:rPr>
+                <a:t>animaux que les autres personnes ne voient pas.</a:t>
+              </a:r>
+            </a:p>
+          </p:txBody>
+        </p:sp>
+        <p:sp>
+          <p:nvSpPr>
+            <p:cNvPr id="159" name="tx159"/>
+            <p:cNvSpPr/>
+            <p:nvPr/>
+          </p:nvSpPr>
+          <p:spPr>
+            <a:xfrm>
+              <a:off x="789909" y="6815896"/>
+              <a:ext cx="2474852" cy="101256"/>
+            </a:xfrm>
+            <a:prstGeom prst="rect">
+              <a:avLst/>
+            </a:prstGeom>
+            <a:noFill/>
+          </p:spPr>
+          <p:txBody>
+            <a:bodyPr lIns="0" rIns="0" tIns="0" bIns="0" anchorCtr="1" anchor="ctr" wrap="none"/>
+            <a:lstStyle/>
+            <a:p>
+              <a:pPr algn="l" marL="0" marR="0" indent="0">
+                <a:lnSpc>
+                  <a:spcPts val="857"/>
+                </a:lnSpc>
+                <a:spcBef>
+                  <a:spcPts val="0"/>
+                </a:spcBef>
+                <a:spcAft>
+                  <a:spcPts val="0"/>
+                </a:spcAft>
+              </a:pPr>
+              <a:r>
+                <a:rPr sz="857">
+                  <a:solidFill>
+                    <a:srgbClr val="000000">
+                      <a:alpha val="100000"/>
+                    </a:srgbClr>
+                  </a:solidFill>
+                  <a:latin typeface="Arial"/>
+                  <a:cs typeface="Arial"/>
+                </a:rPr>
+                <a:t>Désorganisation de la pensée, comme le sentiment</a:t>
+              </a:r>
+            </a:p>
+          </p:txBody>
+        </p:sp>
+        <p:sp>
+          <p:nvSpPr>
+            <p:cNvPr id="160" name="tx160"/>
+            <p:cNvSpPr/>
+            <p:nvPr/>
+          </p:nvSpPr>
+          <p:spPr>
+            <a:xfrm>
+              <a:off x="1174736" y="6934365"/>
+              <a:ext cx="2090025" cy="100352"/>
+            </a:xfrm>
+            <a:prstGeom prst="rect">
+              <a:avLst/>
+            </a:prstGeom>
+            <a:noFill/>
+          </p:spPr>
+          <p:txBody>
+            <a:bodyPr lIns="0" rIns="0" tIns="0" bIns="0" anchorCtr="1" anchor="ctr" wrap="none"/>
+            <a:lstStyle/>
+            <a:p>
+              <a:pPr algn="l" marL="0" marR="0" indent="0">
+                <a:lnSpc>
+                  <a:spcPts val="857"/>
+                </a:lnSpc>
+                <a:spcBef>
+                  <a:spcPts val="0"/>
+                </a:spcBef>
+                <a:spcAft>
+                  <a:spcPts val="0"/>
+                </a:spcAft>
+              </a:pPr>
+              <a:r>
+                <a:rPr sz="857">
+                  <a:solidFill>
+                    <a:srgbClr val="000000">
+                      <a:alpha val="100000"/>
+                    </a:srgbClr>
+                  </a:solidFill>
+                  <a:latin typeface="Arial"/>
+                  <a:cs typeface="Arial"/>
+                </a:rPr>
+                <a:t>d’avoir l’esprit vide, ou l'impression que vos</a:t>
+              </a:r>
+            </a:p>
+          </p:txBody>
+        </p:sp>
+        <p:sp>
+          <p:nvSpPr>
+            <p:cNvPr id="161" name="tx161"/>
+            <p:cNvSpPr/>
+            <p:nvPr/>
+          </p:nvSpPr>
+          <p:spPr>
+            <a:xfrm>
+              <a:off x="1007517" y="7052303"/>
+              <a:ext cx="2257244" cy="99980"/>
+            </a:xfrm>
+            <a:prstGeom prst="rect">
+              <a:avLst/>
+            </a:prstGeom>
+            <a:noFill/>
+          </p:spPr>
+          <p:txBody>
+            <a:bodyPr lIns="0" rIns="0" tIns="0" bIns="0" anchorCtr="1" anchor="ctr" wrap="none"/>
+            <a:lstStyle/>
+            <a:p>
+              <a:pPr algn="l" marL="0" marR="0" indent="0">
+                <a:lnSpc>
+                  <a:spcPts val="857"/>
+                </a:lnSpc>
+                <a:spcBef>
+                  <a:spcPts val="0"/>
+                </a:spcBef>
+                <a:spcAft>
+                  <a:spcPts val="0"/>
+                </a:spcAft>
+              </a:pPr>
+              <a:r>
+                <a:rPr sz="857">
+                  <a:solidFill>
+                    <a:srgbClr val="000000">
+                      <a:alpha val="100000"/>
+                    </a:srgbClr>
+                  </a:solidFill>
+                  <a:latin typeface="Arial"/>
+                  <a:cs typeface="Arial"/>
+                </a:rPr>
+                <a:t>pensées ont été enlevées ou extraites de votre</a:t>
+              </a:r>
+            </a:p>
+          </p:txBody>
+        </p:sp>
+        <p:sp>
+          <p:nvSpPr>
+            <p:cNvPr id="162" name="tx162"/>
+            <p:cNvSpPr/>
+            <p:nvPr/>
+          </p:nvSpPr>
+          <p:spPr>
+            <a:xfrm>
+              <a:off x="944318" y="7169868"/>
+              <a:ext cx="2320443" cy="99980"/>
+            </a:xfrm>
+            <a:prstGeom prst="rect">
+              <a:avLst/>
+            </a:prstGeom>
+            <a:noFill/>
+          </p:spPr>
+          <p:txBody>
+            <a:bodyPr lIns="0" rIns="0" tIns="0" bIns="0" anchorCtr="1" anchor="ctr" wrap="none"/>
+            <a:lstStyle/>
+            <a:p>
+              <a:pPr algn="l" marL="0" marR="0" indent="0">
+                <a:lnSpc>
+                  <a:spcPts val="857"/>
+                </a:lnSpc>
+                <a:spcBef>
+                  <a:spcPts val="0"/>
+                </a:spcBef>
+                <a:spcAft>
+                  <a:spcPts val="0"/>
+                </a:spcAft>
+              </a:pPr>
+              <a:r>
+                <a:rPr sz="857">
+                  <a:solidFill>
+                    <a:srgbClr val="000000">
+                      <a:alpha val="100000"/>
+                    </a:srgbClr>
+                  </a:solidFill>
+                  <a:latin typeface="Arial"/>
+                  <a:cs typeface="Arial"/>
+                </a:rPr>
+                <a:t>tête, ou d'avoir dans votre tête des pensées que</a:t>
+              </a:r>
+            </a:p>
+          </p:txBody>
+        </p:sp>
+        <p:sp>
+          <p:nvSpPr>
+            <p:cNvPr id="163" name="tx163"/>
+            <p:cNvSpPr/>
+            <p:nvPr/>
+          </p:nvSpPr>
+          <p:spPr>
+            <a:xfrm>
+              <a:off x="1122912" y="7287434"/>
+              <a:ext cx="2141849" cy="99980"/>
+            </a:xfrm>
+            <a:prstGeom prst="rect">
+              <a:avLst/>
+            </a:prstGeom>
+            <a:noFill/>
+          </p:spPr>
+          <p:txBody>
+            <a:bodyPr lIns="0" rIns="0" tIns="0" bIns="0" anchorCtr="1" anchor="ctr" wrap="none"/>
+            <a:lstStyle/>
+            <a:p>
+              <a:pPr algn="l" marL="0" marR="0" indent="0">
+                <a:lnSpc>
+                  <a:spcPts val="857"/>
+                </a:lnSpc>
+                <a:spcBef>
+                  <a:spcPts val="0"/>
+                </a:spcBef>
+                <a:spcAft>
+                  <a:spcPts val="0"/>
+                </a:spcAft>
+              </a:pPr>
+              <a:r>
+                <a:rPr sz="857">
+                  <a:solidFill>
+                    <a:srgbClr val="000000">
+                      <a:alpha val="100000"/>
+                    </a:srgbClr>
+                  </a:solidFill>
+                  <a:latin typeface="Arial"/>
+                  <a:cs typeface="Arial"/>
+                </a:rPr>
+                <a:t>vous ne reconnaissez pas comme les vôtres</a:t>
+              </a:r>
+            </a:p>
+          </p:txBody>
+        </p:sp>
+        <p:sp>
+          <p:nvSpPr>
+            <p:cNvPr id="164" name="tx164"/>
+            <p:cNvSpPr/>
+            <p:nvPr/>
+          </p:nvSpPr>
+          <p:spPr>
+            <a:xfrm>
+              <a:off x="898925" y="6402333"/>
+              <a:ext cx="2365835" cy="101256"/>
+            </a:xfrm>
+            <a:prstGeom prst="rect">
+              <a:avLst/>
+            </a:prstGeom>
+            <a:noFill/>
+          </p:spPr>
+          <p:txBody>
+            <a:bodyPr lIns="0" rIns="0" tIns="0" bIns="0" anchorCtr="1" anchor="ctr" wrap="none"/>
+            <a:lstStyle/>
+            <a:p>
+              <a:pPr algn="l" marL="0" marR="0" indent="0">
+                <a:lnSpc>
+                  <a:spcPts val="857"/>
+                </a:lnSpc>
+                <a:spcBef>
+                  <a:spcPts val="0"/>
+                </a:spcBef>
+                <a:spcAft>
+                  <a:spcPts val="0"/>
+                </a:spcAft>
+              </a:pPr>
+              <a:r>
+                <a:rPr sz="857">
+                  <a:solidFill>
+                    <a:srgbClr val="000000">
+                      <a:alpha val="100000"/>
+                    </a:srgbClr>
+                  </a:solidFill>
+                  <a:latin typeface="Arial"/>
+                  <a:cs typeface="Arial"/>
+                </a:rPr>
+                <a:t>Désorganisation du comportement. Par exemple,</a:t>
+              </a:r>
+            </a:p>
+          </p:txBody>
+        </p:sp>
+        <p:sp>
+          <p:nvSpPr>
+            <p:cNvPr id="165" name="tx165"/>
+            <p:cNvSpPr/>
+            <p:nvPr/>
+          </p:nvSpPr>
+          <p:spPr>
+            <a:xfrm>
+              <a:off x="953088" y="6519899"/>
+              <a:ext cx="2311672" cy="101256"/>
+            </a:xfrm>
+            <a:prstGeom prst="rect">
+              <a:avLst/>
+            </a:prstGeom>
+            <a:noFill/>
+          </p:spPr>
+          <p:txBody>
+            <a:bodyPr lIns="0" rIns="0" tIns="0" bIns="0" anchorCtr="1" anchor="ctr" wrap="none"/>
+            <a:lstStyle/>
+            <a:p>
+              <a:pPr algn="l" marL="0" marR="0" indent="0">
+                <a:lnSpc>
+                  <a:spcPts val="857"/>
+                </a:lnSpc>
+                <a:spcBef>
+                  <a:spcPts val="0"/>
+                </a:spcBef>
+                <a:spcAft>
+                  <a:spcPts val="0"/>
+                </a:spcAft>
+              </a:pPr>
+              <a:r>
+                <a:rPr sz="857">
+                  <a:solidFill>
+                    <a:srgbClr val="000000">
+                      <a:alpha val="100000"/>
+                    </a:srgbClr>
+                  </a:solidFill>
+                  <a:latin typeface="Arial"/>
+                  <a:cs typeface="Arial"/>
+                </a:rPr>
+                <a:t>le sentiment que vous négligez votre apparence</a:t>
+              </a:r>
+            </a:p>
+          </p:txBody>
+        </p:sp>
+        <p:sp>
+          <p:nvSpPr>
+            <p:cNvPr id="166" name="tx166"/>
+            <p:cNvSpPr/>
+            <p:nvPr/>
+          </p:nvSpPr>
+          <p:spPr>
+            <a:xfrm>
+              <a:off x="1068058" y="6637465"/>
+              <a:ext cx="2196703" cy="101256"/>
+            </a:xfrm>
+            <a:prstGeom prst="rect">
+              <a:avLst/>
+            </a:prstGeom>
+            <a:noFill/>
+          </p:spPr>
+          <p:txBody>
+            <a:bodyPr lIns="0" rIns="0" tIns="0" bIns="0" anchorCtr="1" anchor="ctr" wrap="none"/>
+            <a:lstStyle/>
+            <a:p>
+              <a:pPr algn="l" marL="0" marR="0" indent="0">
+                <a:lnSpc>
+                  <a:spcPts val="857"/>
+                </a:lnSpc>
+                <a:spcBef>
+                  <a:spcPts val="0"/>
+                </a:spcBef>
+                <a:spcAft>
+                  <a:spcPts val="0"/>
+                </a:spcAft>
+              </a:pPr>
+              <a:r>
+                <a:rPr sz="857">
+                  <a:solidFill>
+                    <a:srgbClr val="000000">
+                      <a:alpha val="100000"/>
+                    </a:srgbClr>
+                  </a:solidFill>
+                  <a:latin typeface="Arial"/>
+                  <a:cs typeface="Arial"/>
+                </a:rPr>
+                <a:t>ou votre hygiène personnelle, ou le sentiment</a:t>
+              </a:r>
+            </a:p>
+          </p:txBody>
+        </p:sp>
+        <p:sp>
+          <p:nvSpPr>
+            <p:cNvPr id="167" name="tx167"/>
+            <p:cNvSpPr/>
+            <p:nvPr/>
+          </p:nvSpPr>
+          <p:spPr>
+            <a:xfrm>
+              <a:off x="899031" y="6754658"/>
+              <a:ext cx="2365729" cy="101628"/>
+            </a:xfrm>
+            <a:prstGeom prst="rect">
+              <a:avLst/>
+            </a:prstGeom>
+            <a:noFill/>
+          </p:spPr>
+          <p:txBody>
+            <a:bodyPr lIns="0" rIns="0" tIns="0" bIns="0" anchorCtr="1" anchor="ctr" wrap="none"/>
+            <a:lstStyle/>
+            <a:p>
+              <a:pPr algn="l" marL="0" marR="0" indent="0">
+                <a:lnSpc>
+                  <a:spcPts val="857"/>
+                </a:lnSpc>
+                <a:spcBef>
+                  <a:spcPts val="0"/>
+                </a:spcBef>
+                <a:spcAft>
+                  <a:spcPts val="0"/>
+                </a:spcAft>
+              </a:pPr>
+              <a:r>
+                <a:rPr sz="857">
+                  <a:solidFill>
+                    <a:srgbClr val="000000">
+                      <a:alpha val="100000"/>
+                    </a:srgbClr>
+                  </a:solidFill>
+                  <a:latin typeface="Arial"/>
+                  <a:cs typeface="Arial"/>
+                </a:rPr>
+                <a:t>que vous n’arrivez jamais à terminer ce que vous</a:t>
+              </a:r>
+            </a:p>
+          </p:txBody>
+        </p:sp>
+        <p:sp>
+          <p:nvSpPr>
+            <p:cNvPr id="168" name="tx168"/>
+            <p:cNvSpPr/>
+            <p:nvPr/>
+          </p:nvSpPr>
+          <p:spPr>
+            <a:xfrm>
+              <a:off x="2974333" y="6893326"/>
+              <a:ext cx="290427" cy="80526"/>
+            </a:xfrm>
+            <a:prstGeom prst="rect">
+              <a:avLst/>
+            </a:prstGeom>
+            <a:noFill/>
+          </p:spPr>
+          <p:txBody>
+            <a:bodyPr lIns="0" rIns="0" tIns="0" bIns="0" anchorCtr="1" anchor="ctr" wrap="none"/>
+            <a:lstStyle/>
+            <a:p>
+              <a:pPr algn="l" marL="0" marR="0" indent="0">
+                <a:lnSpc>
+                  <a:spcPts val="857"/>
+                </a:lnSpc>
+                <a:spcBef>
+                  <a:spcPts val="0"/>
+                </a:spcBef>
+                <a:spcAft>
+                  <a:spcPts val="0"/>
+                </a:spcAft>
+              </a:pPr>
+              <a:r>
+                <a:rPr sz="857">
+                  <a:solidFill>
+                    <a:srgbClr val="000000">
+                      <a:alpha val="100000"/>
+                    </a:srgbClr>
+                  </a:solidFill>
+                  <a:latin typeface="Arial"/>
+                  <a:cs typeface="Arial"/>
+                </a:rPr>
+                <a:t>faites.</a:t>
+              </a:r>
+            </a:p>
+          </p:txBody>
+        </p:sp>
+        <p:sp>
+          <p:nvSpPr>
+            <p:cNvPr id="169" name="tx169"/>
+            <p:cNvSpPr/>
+            <p:nvPr/>
+          </p:nvSpPr>
+          <p:spPr>
+            <a:xfrm>
+              <a:off x="1226453" y="6225603"/>
+              <a:ext cx="2038307" cy="99555"/>
+            </a:xfrm>
+            <a:prstGeom prst="rect">
+              <a:avLst/>
+            </a:prstGeom>
+            <a:noFill/>
+          </p:spPr>
+          <p:txBody>
+            <a:bodyPr lIns="0" rIns="0" tIns="0" bIns="0" anchorCtr="1" anchor="ctr" wrap="none"/>
+            <a:lstStyle/>
+            <a:p>
+              <a:pPr algn="l" marL="0" marR="0" indent="0">
+                <a:lnSpc>
+                  <a:spcPts val="857"/>
+                </a:lnSpc>
+                <a:spcBef>
+                  <a:spcPts val="0"/>
+                </a:spcBef>
+                <a:spcAft>
+                  <a:spcPts val="0"/>
+                </a:spcAft>
+              </a:pPr>
+              <a:r>
+                <a:rPr sz="857">
+                  <a:solidFill>
+                    <a:srgbClr val="000000">
+                      <a:alpha val="100000"/>
+                    </a:srgbClr>
+                  </a:solidFill>
+                  <a:latin typeface="Arial"/>
+                  <a:cs typeface="Arial"/>
+                </a:rPr>
+                <a:t>L'impression de n'avoir plus envie de vivre</a:t>
+              </a:r>
+            </a:p>
+          </p:txBody>
+        </p:sp>
+        <p:sp>
+          <p:nvSpPr>
+            <p:cNvPr id="170" name="tx170"/>
+            <p:cNvSpPr/>
+            <p:nvPr/>
+          </p:nvSpPr>
+          <p:spPr>
+            <a:xfrm>
+              <a:off x="1177872" y="5400136"/>
+              <a:ext cx="2086889" cy="99980"/>
+            </a:xfrm>
+            <a:prstGeom prst="rect">
+              <a:avLst/>
+            </a:prstGeom>
+            <a:noFill/>
+          </p:spPr>
+          <p:txBody>
+            <a:bodyPr lIns="0" rIns="0" tIns="0" bIns="0" anchorCtr="1" anchor="ctr" wrap="none"/>
+            <a:lstStyle/>
+            <a:p>
+              <a:pPr algn="l" marL="0" marR="0" indent="0">
+                <a:lnSpc>
+                  <a:spcPts val="857"/>
+                </a:lnSpc>
+                <a:spcBef>
+                  <a:spcPts val="0"/>
+                </a:spcBef>
+                <a:spcAft>
+                  <a:spcPts val="0"/>
+                </a:spcAft>
+              </a:pPr>
+              <a:r>
+                <a:rPr sz="857">
+                  <a:solidFill>
+                    <a:srgbClr val="000000">
+                      <a:alpha val="100000"/>
+                    </a:srgbClr>
+                  </a:solidFill>
+                  <a:latin typeface="Arial"/>
+                  <a:cs typeface="Arial"/>
+                </a:rPr>
+                <a:t>L'impression que l'on dise à la télévision ou</a:t>
+              </a:r>
+            </a:p>
+          </p:txBody>
+        </p:sp>
+        <p:sp>
+          <p:nvSpPr>
+            <p:cNvPr id="171" name="tx171"/>
+            <p:cNvSpPr/>
+            <p:nvPr/>
+          </p:nvSpPr>
+          <p:spPr>
+            <a:xfrm>
+              <a:off x="1101810" y="5516426"/>
+              <a:ext cx="2162951" cy="101256"/>
+            </a:xfrm>
+            <a:prstGeom prst="rect">
+              <a:avLst/>
+            </a:prstGeom>
+            <a:noFill/>
+          </p:spPr>
+          <p:txBody>
+            <a:bodyPr lIns="0" rIns="0" tIns="0" bIns="0" anchorCtr="1" anchor="ctr" wrap="none"/>
+            <a:lstStyle/>
+            <a:p>
+              <a:pPr algn="l" marL="0" marR="0" indent="0">
+                <a:lnSpc>
+                  <a:spcPts val="857"/>
+                </a:lnSpc>
+                <a:spcBef>
+                  <a:spcPts val="0"/>
+                </a:spcBef>
+                <a:spcAft>
+                  <a:spcPts val="0"/>
+                </a:spcAft>
+              </a:pPr>
+              <a:r>
+                <a:rPr sz="857">
+                  <a:solidFill>
+                    <a:srgbClr val="000000">
+                      <a:alpha val="100000"/>
+                    </a:srgbClr>
+                  </a:solidFill>
+                  <a:latin typeface="Arial"/>
+                  <a:cs typeface="Arial"/>
+                </a:rPr>
+                <a:t>que l'on écrive dans les journaux des choses</a:t>
+              </a:r>
+            </a:p>
+          </p:txBody>
+        </p:sp>
+        <p:sp>
+          <p:nvSpPr>
+            <p:cNvPr id="172" name="tx172"/>
+            <p:cNvSpPr/>
+            <p:nvPr/>
+          </p:nvSpPr>
+          <p:spPr>
+            <a:xfrm>
+              <a:off x="1075127" y="5635267"/>
+              <a:ext cx="2189633" cy="99980"/>
+            </a:xfrm>
+            <a:prstGeom prst="rect">
+              <a:avLst/>
+            </a:prstGeom>
+            <a:noFill/>
+          </p:spPr>
+          <p:txBody>
+            <a:bodyPr lIns="0" rIns="0" tIns="0" bIns="0" anchorCtr="1" anchor="ctr" wrap="none"/>
+            <a:lstStyle/>
+            <a:p>
+              <a:pPr algn="l" marL="0" marR="0" indent="0">
+                <a:lnSpc>
+                  <a:spcPts val="857"/>
+                </a:lnSpc>
+                <a:spcBef>
+                  <a:spcPts val="0"/>
+                </a:spcBef>
+                <a:spcAft>
+                  <a:spcPts val="0"/>
+                </a:spcAft>
+              </a:pPr>
+              <a:r>
+                <a:rPr sz="857">
+                  <a:solidFill>
+                    <a:srgbClr val="000000">
+                      <a:alpha val="100000"/>
+                    </a:srgbClr>
+                  </a:solidFill>
+                  <a:latin typeface="Arial"/>
+                  <a:cs typeface="Arial"/>
+                </a:rPr>
+                <a:t>spécialement pour vous, l'impression que l'on</a:t>
+              </a:r>
+            </a:p>
+          </p:txBody>
+        </p:sp>
+        <p:sp>
+          <p:nvSpPr>
+            <p:cNvPr id="173" name="tx173"/>
+            <p:cNvSpPr/>
+            <p:nvPr/>
+          </p:nvSpPr>
+          <p:spPr>
+            <a:xfrm>
+              <a:off x="878196" y="5752833"/>
+              <a:ext cx="2386565" cy="99980"/>
+            </a:xfrm>
+            <a:prstGeom prst="rect">
+              <a:avLst/>
+            </a:prstGeom>
+            <a:noFill/>
+          </p:spPr>
+          <p:txBody>
+            <a:bodyPr lIns="0" rIns="0" tIns="0" bIns="0" anchorCtr="1" anchor="ctr" wrap="none"/>
+            <a:lstStyle/>
+            <a:p>
+              <a:pPr algn="l" marL="0" marR="0" indent="0">
+                <a:lnSpc>
+                  <a:spcPts val="857"/>
+                </a:lnSpc>
+                <a:spcBef>
+                  <a:spcPts val="0"/>
+                </a:spcBef>
+                <a:spcAft>
+                  <a:spcPts val="0"/>
+                </a:spcAft>
+              </a:pPr>
+              <a:r>
+                <a:rPr sz="857">
+                  <a:solidFill>
+                    <a:srgbClr val="000000">
+                      <a:alpha val="100000"/>
+                    </a:srgbClr>
+                  </a:solidFill>
+                  <a:latin typeface="Arial"/>
+                  <a:cs typeface="Arial"/>
+                </a:rPr>
+                <a:t>cherche volontairement à vous nuire, l'impression</a:t>
+              </a:r>
+            </a:p>
+          </p:txBody>
+        </p:sp>
+        <p:sp>
+          <p:nvSpPr>
+            <p:cNvPr id="174" name="tx174"/>
+            <p:cNvSpPr/>
+            <p:nvPr/>
+          </p:nvSpPr>
+          <p:spPr>
+            <a:xfrm>
+              <a:off x="1416634" y="5869123"/>
+              <a:ext cx="1848126" cy="101256"/>
+            </a:xfrm>
+            <a:prstGeom prst="rect">
+              <a:avLst/>
+            </a:prstGeom>
+            <a:noFill/>
+          </p:spPr>
+          <p:txBody>
+            <a:bodyPr lIns="0" rIns="0" tIns="0" bIns="0" anchorCtr="1" anchor="ctr" wrap="none"/>
+            <a:lstStyle/>
+            <a:p>
+              <a:pPr algn="l" marL="0" marR="0" indent="0">
+                <a:lnSpc>
+                  <a:spcPts val="857"/>
+                </a:lnSpc>
+                <a:spcBef>
+                  <a:spcPts val="0"/>
+                </a:spcBef>
+                <a:spcAft>
+                  <a:spcPts val="0"/>
+                </a:spcAft>
+              </a:pPr>
+              <a:r>
+                <a:rPr sz="857">
+                  <a:solidFill>
+                    <a:srgbClr val="000000">
+                      <a:alpha val="100000"/>
+                    </a:srgbClr>
+                  </a:solidFill>
+                  <a:latin typeface="Arial"/>
+                  <a:cs typeface="Arial"/>
+                </a:rPr>
+                <a:t>qu'il y a un complot dirigé contre vous,</a:t>
+              </a:r>
+            </a:p>
+          </p:txBody>
+        </p:sp>
+        <p:sp>
+          <p:nvSpPr>
+            <p:cNvPr id="175" name="tx175"/>
+            <p:cNvSpPr/>
+            <p:nvPr/>
+          </p:nvSpPr>
+          <p:spPr>
+            <a:xfrm>
+              <a:off x="669730" y="5987964"/>
+              <a:ext cx="2595030" cy="99980"/>
+            </a:xfrm>
+            <a:prstGeom prst="rect">
+              <a:avLst/>
+            </a:prstGeom>
+            <a:noFill/>
+          </p:spPr>
+          <p:txBody>
+            <a:bodyPr lIns="0" rIns="0" tIns="0" bIns="0" anchorCtr="1" anchor="ctr" wrap="none"/>
+            <a:lstStyle/>
+            <a:p>
+              <a:pPr algn="l" marL="0" marR="0" indent="0">
+                <a:lnSpc>
+                  <a:spcPts val="857"/>
+                </a:lnSpc>
+                <a:spcBef>
+                  <a:spcPts val="0"/>
+                </a:spcBef>
+                <a:spcAft>
+                  <a:spcPts val="0"/>
+                </a:spcAft>
+              </a:pPr>
+              <a:r>
+                <a:rPr sz="857">
+                  <a:solidFill>
+                    <a:srgbClr val="000000">
+                      <a:alpha val="100000"/>
+                    </a:srgbClr>
+                  </a:solidFill>
+                  <a:latin typeface="Arial"/>
+                  <a:cs typeface="Arial"/>
+                </a:rPr>
+                <a:t>l'impression d'entendre vos pensées répétées comme</a:t>
+              </a:r>
+            </a:p>
+          </p:txBody>
+        </p:sp>
+        <p:sp>
+          <p:nvSpPr>
+            <p:cNvPr id="176" name="tx176"/>
+            <p:cNvSpPr/>
+            <p:nvPr/>
+          </p:nvSpPr>
+          <p:spPr>
+            <a:xfrm>
+              <a:off x="928850" y="6105158"/>
+              <a:ext cx="2335910" cy="100352"/>
+            </a:xfrm>
+            <a:prstGeom prst="rect">
+              <a:avLst/>
+            </a:prstGeom>
+            <a:noFill/>
+          </p:spPr>
+          <p:txBody>
+            <a:bodyPr lIns="0" rIns="0" tIns="0" bIns="0" anchorCtr="1" anchor="ctr" wrap="none"/>
+            <a:lstStyle/>
+            <a:p>
+              <a:pPr algn="l" marL="0" marR="0" indent="0">
+                <a:lnSpc>
+                  <a:spcPts val="857"/>
+                </a:lnSpc>
+                <a:spcBef>
+                  <a:spcPts val="0"/>
+                </a:spcBef>
+                <a:spcAft>
+                  <a:spcPts val="0"/>
+                </a:spcAft>
+              </a:pPr>
+              <a:r>
+                <a:rPr sz="857">
+                  <a:solidFill>
+                    <a:srgbClr val="000000">
+                      <a:alpha val="100000"/>
+                    </a:srgbClr>
+                  </a:solidFill>
+                  <a:latin typeface="Arial"/>
+                  <a:cs typeface="Arial"/>
+                </a:rPr>
+                <a:t>par un écho, ou d’autres perceptions altérées de</a:t>
+              </a:r>
+            </a:p>
+          </p:txBody>
+        </p:sp>
+        <p:sp>
+          <p:nvSpPr>
+            <p:cNvPr id="177" name="tx177"/>
+            <p:cNvSpPr/>
+            <p:nvPr/>
+          </p:nvSpPr>
+          <p:spPr>
+            <a:xfrm>
+              <a:off x="2823060" y="6243453"/>
+              <a:ext cx="441700" cy="79623"/>
+            </a:xfrm>
+            <a:prstGeom prst="rect">
+              <a:avLst/>
+            </a:prstGeom>
+            <a:noFill/>
+          </p:spPr>
+          <p:txBody>
+            <a:bodyPr lIns="0" rIns="0" tIns="0" bIns="0" anchorCtr="1" anchor="ctr" wrap="none"/>
+            <a:lstStyle/>
+            <a:p>
+              <a:pPr algn="l" marL="0" marR="0" indent="0">
+                <a:lnSpc>
+                  <a:spcPts val="857"/>
+                </a:lnSpc>
+                <a:spcBef>
+                  <a:spcPts val="0"/>
+                </a:spcBef>
+                <a:spcAft>
+                  <a:spcPts val="0"/>
+                </a:spcAft>
+              </a:pPr>
+              <a:r>
+                <a:rPr sz="857">
+                  <a:solidFill>
+                    <a:srgbClr val="000000">
+                      <a:alpha val="100000"/>
+                    </a:srgbClr>
+                  </a:solidFill>
+                  <a:latin typeface="Arial"/>
+                  <a:cs typeface="Arial"/>
+                </a:rPr>
+                <a:t>la réalité.</a:t>
+              </a:r>
+            </a:p>
+          </p:txBody>
+        </p:sp>
+        <p:sp>
+          <p:nvSpPr>
+            <p:cNvPr id="178" name="tx178"/>
+            <p:cNvSpPr/>
+            <p:nvPr/>
+          </p:nvSpPr>
+          <p:spPr>
+            <a:xfrm>
+              <a:off x="1080496" y="5395874"/>
+              <a:ext cx="2184265" cy="102159"/>
+            </a:xfrm>
+            <a:prstGeom prst="rect">
+              <a:avLst/>
+            </a:prstGeom>
+            <a:noFill/>
+          </p:spPr>
+          <p:txBody>
+            <a:bodyPr lIns="0" rIns="0" tIns="0" bIns="0" anchorCtr="1" anchor="ctr" wrap="none"/>
+            <a:lstStyle/>
+            <a:p>
+              <a:pPr algn="l" marL="0" marR="0" indent="0">
+                <a:lnSpc>
+                  <a:spcPts val="857"/>
+                </a:lnSpc>
+                <a:spcBef>
+                  <a:spcPts val="0"/>
+                </a:spcBef>
+                <a:spcAft>
+                  <a:spcPts val="0"/>
+                </a:spcAft>
+              </a:pPr>
+              <a:r>
+                <a:rPr sz="857">
+                  <a:solidFill>
+                    <a:srgbClr val="000000">
+                      <a:alpha val="100000"/>
+                    </a:srgbClr>
+                  </a:solidFill>
+                  <a:latin typeface="Arial"/>
+                  <a:cs typeface="Arial"/>
+                </a:rPr>
+                <a:t>Stigmatisation ou sentiment de discrimination</a:t>
+              </a:r>
+            </a:p>
+          </p:txBody>
+        </p:sp>
+        <p:sp>
+          <p:nvSpPr>
+            <p:cNvPr id="179" name="tx179"/>
+            <p:cNvSpPr/>
+            <p:nvPr/>
+          </p:nvSpPr>
+          <p:spPr>
+            <a:xfrm>
+              <a:off x="2502229" y="5004849"/>
+              <a:ext cx="762531" cy="79623"/>
+            </a:xfrm>
+            <a:prstGeom prst="rect">
+              <a:avLst/>
+            </a:prstGeom>
+            <a:noFill/>
+          </p:spPr>
+          <p:txBody>
+            <a:bodyPr lIns="0" rIns="0" tIns="0" bIns="0" anchorCtr="1" anchor="ctr" wrap="none"/>
+            <a:lstStyle/>
+            <a:p>
+              <a:pPr algn="l" marL="0" marR="0" indent="0">
+                <a:lnSpc>
+                  <a:spcPts val="857"/>
+                </a:lnSpc>
+                <a:spcBef>
+                  <a:spcPts val="0"/>
+                </a:spcBef>
+                <a:spcAft>
+                  <a:spcPts val="0"/>
+                </a:spcAft>
+              </a:pPr>
+              <a:r>
+                <a:rPr sz="857">
+                  <a:solidFill>
+                    <a:srgbClr val="000000">
+                      <a:alpha val="100000"/>
+                    </a:srgbClr>
+                  </a:solidFill>
+                  <a:latin typeface="Arial"/>
+                  <a:cs typeface="Arial"/>
+                </a:rPr>
+                <a:t>Peur ou anxiété</a:t>
+              </a:r>
+            </a:p>
+          </p:txBody>
+        </p:sp>
+        <p:sp>
+          <p:nvSpPr>
+            <p:cNvPr id="180" name="tx180"/>
+            <p:cNvSpPr/>
+            <p:nvPr/>
+          </p:nvSpPr>
+          <p:spPr>
+            <a:xfrm>
+              <a:off x="1909309" y="4591286"/>
+              <a:ext cx="1355452" cy="79623"/>
+            </a:xfrm>
+            <a:prstGeom prst="rect">
+              <a:avLst/>
+            </a:prstGeom>
+            <a:noFill/>
+          </p:spPr>
+          <p:txBody>
+            <a:bodyPr lIns="0" rIns="0" tIns="0" bIns="0" anchorCtr="1" anchor="ctr" wrap="none"/>
+            <a:lstStyle/>
+            <a:p>
+              <a:pPr algn="l" marL="0" marR="0" indent="0">
+                <a:lnSpc>
+                  <a:spcPts val="857"/>
+                </a:lnSpc>
+                <a:spcBef>
+                  <a:spcPts val="0"/>
+                </a:spcBef>
+                <a:spcAft>
+                  <a:spcPts val="0"/>
+                </a:spcAft>
+              </a:pPr>
+              <a:r>
+                <a:rPr sz="857">
+                  <a:solidFill>
+                    <a:srgbClr val="000000">
+                      <a:alpha val="100000"/>
+                    </a:srgbClr>
+                  </a:solidFill>
+                  <a:latin typeface="Arial"/>
+                  <a:cs typeface="Arial"/>
+                </a:rPr>
+                <a:t>Problèmes de concentration</a:t>
+              </a:r>
+            </a:p>
+          </p:txBody>
+        </p:sp>
+        <p:sp>
+          <p:nvSpPr>
+            <p:cNvPr id="181" name="tx181"/>
+            <p:cNvSpPr/>
+            <p:nvPr/>
+          </p:nvSpPr>
+          <p:spPr>
+            <a:xfrm>
+              <a:off x="1624781" y="4156516"/>
               <a:ext cx="1639979" cy="100831"/>
             </a:xfrm>
             <a:prstGeom prst="rect">
@@ -6246,14 +7902,14 @@
         </p:sp>
         <p:sp>
           <p:nvSpPr>
-            <p:cNvPr id="146" name="tx146"/>
-            <p:cNvSpPr/>
-            <p:nvPr/>
-          </p:nvSpPr>
-          <p:spPr>
-            <a:xfrm>
-              <a:off x="3004577" y="8341334"/>
-              <a:ext cx="260183" cy="79197"/>
+            <p:cNvPr id="182" name="tx182"/>
+            <p:cNvSpPr/>
+            <p:nvPr/>
+          </p:nvSpPr>
+          <p:spPr>
+            <a:xfrm>
+              <a:off x="1213484" y="3626664"/>
+              <a:ext cx="2051276" cy="99555"/>
             </a:xfrm>
             <a:prstGeom prst="rect">
               <a:avLst/>
@@ -6285,21 +7941,21 @@
                   <a:latin typeface="Arial"/>
                   <a:cs typeface="Arial"/>
                 </a:rPr>
-                <a:t>Autre</a:t>
+                <a:t>Isolement social, ou le sentiment que vous</a:t>
               </a:r>
             </a:p>
           </p:txBody>
         </p:sp>
         <p:sp>
           <p:nvSpPr>
-            <p:cNvPr id="147" name="tx147"/>
-            <p:cNvSpPr/>
-            <p:nvPr/>
-          </p:nvSpPr>
-          <p:spPr>
-            <a:xfrm>
-              <a:off x="795968" y="7864528"/>
-              <a:ext cx="2468792" cy="100884"/>
+            <p:cNvPr id="183" name="tx183"/>
+            <p:cNvSpPr/>
+            <p:nvPr/>
+          </p:nvSpPr>
+          <p:spPr>
+            <a:xfrm>
+              <a:off x="1122646" y="3743432"/>
+              <a:ext cx="2142115" cy="100352"/>
             </a:xfrm>
             <a:prstGeom prst="rect">
               <a:avLst/>
@@ -6331,21 +7987,21 @@
                   <a:latin typeface="Arial"/>
                   <a:cs typeface="Arial"/>
                 </a:rPr>
-                <a:t>Comportements ou envies de se faire du mal ou de</a:t>
+                <a:t>n’éprouvez pas d’intérêt à être avec d’autres</a:t>
               </a:r>
             </a:p>
           </p:txBody>
         </p:sp>
         <p:sp>
           <p:nvSpPr>
-            <p:cNvPr id="148" name="tx148"/>
-            <p:cNvSpPr/>
-            <p:nvPr/>
-          </p:nvSpPr>
-          <p:spPr>
-            <a:xfrm>
-              <a:off x="2768632" y="8003780"/>
-              <a:ext cx="496129" cy="79197"/>
+            <p:cNvPr id="184" name="tx184"/>
+            <p:cNvSpPr/>
+            <p:nvPr/>
+          </p:nvSpPr>
+          <p:spPr>
+            <a:xfrm>
+              <a:off x="2726162" y="3881993"/>
+              <a:ext cx="538598" cy="79357"/>
             </a:xfrm>
             <a:prstGeom prst="rect">
               <a:avLst/>
@@ -6377,21 +8033,21 @@
                   <a:latin typeface="Arial"/>
                   <a:cs typeface="Arial"/>
                 </a:rPr>
-                <a:t>se blesser</a:t>
+                <a:t>personnes.</a:t>
               </a:r>
             </a:p>
           </p:txBody>
         </p:sp>
         <p:sp>
           <p:nvSpPr>
-            <p:cNvPr id="149" name="tx149"/>
-            <p:cNvSpPr/>
-            <p:nvPr/>
-          </p:nvSpPr>
-          <p:spPr>
-            <a:xfrm>
-              <a:off x="789909" y="7291471"/>
-              <a:ext cx="2474852" cy="101256"/>
+            <p:cNvPr id="185" name="tx185"/>
+            <p:cNvSpPr/>
+            <p:nvPr/>
+          </p:nvSpPr>
+          <p:spPr>
+            <a:xfrm>
+              <a:off x="2956261" y="3349643"/>
+              <a:ext cx="308499" cy="80579"/>
             </a:xfrm>
             <a:prstGeom prst="rect">
               <a:avLst/>
@@ -6423,21 +8079,21 @@
                   <a:latin typeface="Arial"/>
                   <a:cs typeface="Arial"/>
                 </a:rPr>
-                <a:t>Désorganisation de la pensée, comme le sentiment</a:t>
+                <a:t>Stress</a:t>
               </a:r>
             </a:p>
           </p:txBody>
         </p:sp>
         <p:sp>
           <p:nvSpPr>
-            <p:cNvPr id="150" name="tx150"/>
-            <p:cNvSpPr/>
-            <p:nvPr/>
-          </p:nvSpPr>
-          <p:spPr>
-            <a:xfrm>
-              <a:off x="1174736" y="7409940"/>
-              <a:ext cx="2090025" cy="100352"/>
+            <p:cNvPr id="186" name="tx186"/>
+            <p:cNvSpPr/>
+            <p:nvPr/>
+          </p:nvSpPr>
+          <p:spPr>
+            <a:xfrm>
+              <a:off x="1037920" y="2798742"/>
+              <a:ext cx="2226840" cy="100352"/>
             </a:xfrm>
             <a:prstGeom prst="rect">
               <a:avLst/>
@@ -6469,21 +8125,21 @@
                   <a:latin typeface="Arial"/>
                   <a:cs typeface="Arial"/>
                 </a:rPr>
-                <a:t>d’avoir l’esprit vide, ou l'impression que vos</a:t>
+                <a:t>Incapacité à éprouver de l’intérêt ou du plaisir,</a:t>
               </a:r>
             </a:p>
           </p:txBody>
         </p:sp>
         <p:sp>
           <p:nvSpPr>
-            <p:cNvPr id="151" name="tx151"/>
-            <p:cNvSpPr/>
-            <p:nvPr/>
-          </p:nvSpPr>
-          <p:spPr>
-            <a:xfrm>
-              <a:off x="1007517" y="7527878"/>
-              <a:ext cx="2257244" cy="99980"/>
+            <p:cNvPr id="187" name="tx187"/>
+            <p:cNvSpPr/>
+            <p:nvPr/>
+          </p:nvSpPr>
+          <p:spPr>
+            <a:xfrm>
+              <a:off x="717195" y="2916308"/>
+              <a:ext cx="2547565" cy="100352"/>
             </a:xfrm>
             <a:prstGeom prst="rect">
               <a:avLst/>
@@ -6515,21 +8171,21 @@
                   <a:latin typeface="Arial"/>
                   <a:cs typeface="Arial"/>
                 </a:rPr>
-                <a:t>pensées ont été enlevées ou extraites de votre</a:t>
+                <a:t>manque de motivation ou d’enthousiasme, sentiment</a:t>
               </a:r>
             </a:p>
           </p:txBody>
         </p:sp>
         <p:sp>
           <p:nvSpPr>
-            <p:cNvPr id="152" name="tx152"/>
-            <p:cNvSpPr/>
-            <p:nvPr/>
-          </p:nvSpPr>
-          <p:spPr>
-            <a:xfrm>
-              <a:off x="944318" y="7645443"/>
-              <a:ext cx="2320443" cy="99980"/>
+            <p:cNvPr id="188" name="tx188"/>
+            <p:cNvSpPr/>
+            <p:nvPr/>
+          </p:nvSpPr>
+          <p:spPr>
+            <a:xfrm>
+              <a:off x="1558393" y="3034245"/>
+              <a:ext cx="1706367" cy="99980"/>
             </a:xfrm>
             <a:prstGeom prst="rect">
               <a:avLst/>
@@ -6561,21 +8217,21 @@
                   <a:latin typeface="Arial"/>
                   <a:cs typeface="Arial"/>
                 </a:rPr>
-                <a:t>tête, ou d'avoir dans votre tête des pensées que</a:t>
+                <a:t>que vos émotions sont émoussées.</a:t>
               </a:r>
             </a:p>
           </p:txBody>
         </p:sp>
         <p:sp>
           <p:nvSpPr>
-            <p:cNvPr id="153" name="tx153"/>
-            <p:cNvSpPr/>
-            <p:nvPr/>
-          </p:nvSpPr>
-          <p:spPr>
-            <a:xfrm>
-              <a:off x="1122912" y="7763009"/>
-              <a:ext cx="2141849" cy="99980"/>
+            <p:cNvPr id="189" name="tx189"/>
+            <p:cNvSpPr/>
+            <p:nvPr/>
+          </p:nvSpPr>
+          <p:spPr>
+            <a:xfrm>
+              <a:off x="2036291" y="2522571"/>
+              <a:ext cx="1228469" cy="80526"/>
             </a:xfrm>
             <a:prstGeom prst="rect">
               <a:avLst/>
@@ -6607,21 +8263,21 @@
                   <a:latin typeface="Arial"/>
                   <a:cs typeface="Arial"/>
                 </a:rPr>
-                <a:t>vous ne reconnaissez pas comme les vôtres</a:t>
+                <a:t>Perte de confiance en soi</a:t>
               </a:r>
             </a:p>
           </p:txBody>
         </p:sp>
         <p:sp>
           <p:nvSpPr>
-            <p:cNvPr id="154" name="tx154"/>
-            <p:cNvSpPr/>
-            <p:nvPr/>
-          </p:nvSpPr>
-          <p:spPr>
-            <a:xfrm>
-              <a:off x="898925" y="6895134"/>
-              <a:ext cx="2365835" cy="101256"/>
+            <p:cNvPr id="190" name="tx190"/>
+            <p:cNvSpPr/>
+            <p:nvPr/>
+          </p:nvSpPr>
+          <p:spPr>
+            <a:xfrm>
+              <a:off x="1180423" y="2029869"/>
+              <a:ext cx="2084337" cy="100884"/>
             </a:xfrm>
             <a:prstGeom prst="rect">
               <a:avLst/>
@@ -6653,21 +8309,21 @@
                   <a:latin typeface="Arial"/>
                   <a:cs typeface="Arial"/>
                 </a:rPr>
-                <a:t>Désorganisation du comportement. Par exemple,</a:t>
+                <a:t>Sentiment d'abattement, de déprime, ou de</a:t>
               </a:r>
             </a:p>
           </p:txBody>
         </p:sp>
         <p:sp>
           <p:nvSpPr>
-            <p:cNvPr id="155" name="tx155"/>
-            <p:cNvSpPr/>
-            <p:nvPr/>
-          </p:nvSpPr>
-          <p:spPr>
-            <a:xfrm>
-              <a:off x="953088" y="7012700"/>
-              <a:ext cx="2311672" cy="101256"/>
+            <p:cNvPr id="191" name="tx191"/>
+            <p:cNvSpPr/>
+            <p:nvPr/>
+          </p:nvSpPr>
+          <p:spPr>
+            <a:xfrm>
+              <a:off x="2859470" y="2169121"/>
+              <a:ext cx="405290" cy="79197"/>
             </a:xfrm>
             <a:prstGeom prst="rect">
               <a:avLst/>
@@ -6699,388 +8355,20 @@
                   <a:latin typeface="Arial"/>
                   <a:cs typeface="Arial"/>
                 </a:rPr>
-                <a:t>le sentiment que vous négligez votre apparence</a:t>
+                <a:t>tristesse</a:t>
               </a:r>
             </a:p>
           </p:txBody>
         </p:sp>
         <p:sp>
           <p:nvSpPr>
-            <p:cNvPr id="156" name="tx156"/>
-            <p:cNvSpPr/>
-            <p:nvPr/>
-          </p:nvSpPr>
-          <p:spPr>
-            <a:xfrm>
-              <a:off x="1068058" y="7130265"/>
-              <a:ext cx="2196703" cy="101256"/>
-            </a:xfrm>
-            <a:prstGeom prst="rect">
-              <a:avLst/>
-            </a:prstGeom>
-            <a:noFill/>
-          </p:spPr>
-          <p:txBody>
-            <a:bodyPr lIns="0" rIns="0" tIns="0" bIns="0" anchorCtr="1" anchor="ctr" wrap="none"/>
-            <a:lstStyle/>
-            <a:p>
-              <a:pPr algn="l" marL="0" marR="0" indent="0">
-                <a:lnSpc>
-                  <a:spcPts val="857"/>
-                </a:lnSpc>
-                <a:spcBef>
-                  <a:spcPts val="0"/>
-                </a:spcBef>
-                <a:spcAft>
-                  <a:spcPts val="0"/>
-                </a:spcAft>
-              </a:pPr>
-              <a:r>
-                <a:rPr sz="857">
-                  <a:solidFill>
-                    <a:srgbClr val="000000">
-                      <a:alpha val="100000"/>
-                    </a:srgbClr>
-                  </a:solidFill>
-                  <a:latin typeface="Arial"/>
-                  <a:cs typeface="Arial"/>
-                </a:rPr>
-                <a:t>ou votre hygiène personnelle, ou le sentiment</a:t>
-              </a:r>
-            </a:p>
-          </p:txBody>
-        </p:sp>
-        <p:sp>
-          <p:nvSpPr>
-            <p:cNvPr id="157" name="tx157"/>
-            <p:cNvSpPr/>
-            <p:nvPr/>
-          </p:nvSpPr>
-          <p:spPr>
-            <a:xfrm>
-              <a:off x="899031" y="7247459"/>
-              <a:ext cx="2365729" cy="101628"/>
-            </a:xfrm>
-            <a:prstGeom prst="rect">
-              <a:avLst/>
-            </a:prstGeom>
-            <a:noFill/>
-          </p:spPr>
-          <p:txBody>
-            <a:bodyPr lIns="0" rIns="0" tIns="0" bIns="0" anchorCtr="1" anchor="ctr" wrap="none"/>
-            <a:lstStyle/>
-            <a:p>
-              <a:pPr algn="l" marL="0" marR="0" indent="0">
-                <a:lnSpc>
-                  <a:spcPts val="857"/>
-                </a:lnSpc>
-                <a:spcBef>
-                  <a:spcPts val="0"/>
-                </a:spcBef>
-                <a:spcAft>
-                  <a:spcPts val="0"/>
-                </a:spcAft>
-              </a:pPr>
-              <a:r>
-                <a:rPr sz="857">
-                  <a:solidFill>
-                    <a:srgbClr val="000000">
-                      <a:alpha val="100000"/>
-                    </a:srgbClr>
-                  </a:solidFill>
-                  <a:latin typeface="Arial"/>
-                  <a:cs typeface="Arial"/>
-                </a:rPr>
-                <a:t>que vous n’arrivez jamais à terminer ce que vous</a:t>
-              </a:r>
-            </a:p>
-          </p:txBody>
-        </p:sp>
-        <p:sp>
-          <p:nvSpPr>
-            <p:cNvPr id="158" name="tx158"/>
-            <p:cNvSpPr/>
-            <p:nvPr/>
-          </p:nvSpPr>
-          <p:spPr>
-            <a:xfrm>
-              <a:off x="2974333" y="7386127"/>
-              <a:ext cx="290427" cy="80526"/>
-            </a:xfrm>
-            <a:prstGeom prst="rect">
-              <a:avLst/>
-            </a:prstGeom>
-            <a:noFill/>
-          </p:spPr>
-          <p:txBody>
-            <a:bodyPr lIns="0" rIns="0" tIns="0" bIns="0" anchorCtr="1" anchor="ctr" wrap="none"/>
-            <a:lstStyle/>
-            <a:p>
-              <a:pPr algn="l" marL="0" marR="0" indent="0">
-                <a:lnSpc>
-                  <a:spcPts val="857"/>
-                </a:lnSpc>
-                <a:spcBef>
-                  <a:spcPts val="0"/>
-                </a:spcBef>
-                <a:spcAft>
-                  <a:spcPts val="0"/>
-                </a:spcAft>
-              </a:pPr>
-              <a:r>
-                <a:rPr sz="857">
-                  <a:solidFill>
-                    <a:srgbClr val="000000">
-                      <a:alpha val="100000"/>
-                    </a:srgbClr>
-                  </a:solidFill>
-                  <a:latin typeface="Arial"/>
-                  <a:cs typeface="Arial"/>
-                </a:rPr>
-                <a:t>faites.</a:t>
-              </a:r>
-            </a:p>
-          </p:txBody>
-        </p:sp>
-        <p:sp>
-          <p:nvSpPr>
-            <p:cNvPr id="159" name="tx159"/>
-            <p:cNvSpPr/>
-            <p:nvPr/>
-          </p:nvSpPr>
-          <p:spPr>
-            <a:xfrm>
-              <a:off x="1074170" y="6500498"/>
-              <a:ext cx="2190590" cy="99555"/>
-            </a:xfrm>
-            <a:prstGeom prst="rect">
-              <a:avLst/>
-            </a:prstGeom>
-            <a:noFill/>
-          </p:spPr>
-          <p:txBody>
-            <a:bodyPr lIns="0" rIns="0" tIns="0" bIns="0" anchorCtr="1" anchor="ctr" wrap="none"/>
-            <a:lstStyle/>
-            <a:p>
-              <a:pPr algn="l" marL="0" marR="0" indent="0">
-                <a:lnSpc>
-                  <a:spcPts val="857"/>
-                </a:lnSpc>
-                <a:spcBef>
-                  <a:spcPts val="0"/>
-                </a:spcBef>
-                <a:spcAft>
-                  <a:spcPts val="0"/>
-                </a:spcAft>
-              </a:pPr>
-              <a:r>
-                <a:rPr sz="857">
-                  <a:solidFill>
-                    <a:srgbClr val="000000">
-                      <a:alpha val="100000"/>
-                    </a:srgbClr>
-                  </a:solidFill>
-                  <a:latin typeface="Arial"/>
-                  <a:cs typeface="Arial"/>
-                </a:rPr>
-                <a:t>Entendre, voir ou ressentir quelque chose qui</a:t>
-              </a:r>
-            </a:p>
-          </p:txBody>
-        </p:sp>
-        <p:sp>
-          <p:nvSpPr>
-            <p:cNvPr id="160" name="tx160"/>
-            <p:cNvSpPr/>
-            <p:nvPr/>
-          </p:nvSpPr>
-          <p:spPr>
-            <a:xfrm>
-              <a:off x="1189087" y="6617267"/>
-              <a:ext cx="2075673" cy="100352"/>
-            </a:xfrm>
-            <a:prstGeom prst="rect">
-              <a:avLst/>
-            </a:prstGeom>
-            <a:noFill/>
-          </p:spPr>
-          <p:txBody>
-            <a:bodyPr lIns="0" rIns="0" tIns="0" bIns="0" anchorCtr="1" anchor="ctr" wrap="none"/>
-            <a:lstStyle/>
-            <a:p>
-              <a:pPr algn="l" marL="0" marR="0" indent="0">
-                <a:lnSpc>
-                  <a:spcPts val="857"/>
-                </a:lnSpc>
-                <a:spcBef>
-                  <a:spcPts val="0"/>
-                </a:spcBef>
-                <a:spcAft>
-                  <a:spcPts val="0"/>
-                </a:spcAft>
-              </a:pPr>
-              <a:r>
-                <a:rPr sz="857">
-                  <a:solidFill>
-                    <a:srgbClr val="000000">
-                      <a:alpha val="100000"/>
-                    </a:srgbClr>
-                  </a:solidFill>
-                  <a:latin typeface="Arial"/>
-                  <a:cs typeface="Arial"/>
-                </a:rPr>
-                <a:t>n’est pas là. Par exemple, entendre une ou</a:t>
-              </a:r>
-            </a:p>
-          </p:txBody>
-        </p:sp>
-        <p:sp>
-          <p:nvSpPr>
-            <p:cNvPr id="161" name="tx161"/>
-            <p:cNvSpPr/>
-            <p:nvPr/>
-          </p:nvSpPr>
-          <p:spPr>
-            <a:xfrm>
-              <a:off x="1286197" y="6733025"/>
-              <a:ext cx="1978563" cy="102159"/>
-            </a:xfrm>
-            <a:prstGeom prst="rect">
-              <a:avLst/>
-            </a:prstGeom>
-            <a:noFill/>
-          </p:spPr>
-          <p:txBody>
-            <a:bodyPr lIns="0" rIns="0" tIns="0" bIns="0" anchorCtr="1" anchor="ctr" wrap="none"/>
-            <a:lstStyle/>
-            <a:p>
-              <a:pPr algn="l" marL="0" marR="0" indent="0">
-                <a:lnSpc>
-                  <a:spcPts val="857"/>
-                </a:lnSpc>
-                <a:spcBef>
-                  <a:spcPts val="0"/>
-                </a:spcBef>
-                <a:spcAft>
-                  <a:spcPts val="0"/>
-                </a:spcAft>
-              </a:pPr>
-              <a:r>
-                <a:rPr sz="857">
-                  <a:solidFill>
-                    <a:srgbClr val="000000">
-                      <a:alpha val="100000"/>
-                    </a:srgbClr>
-                  </a:solidFill>
-                  <a:latin typeface="Arial"/>
-                  <a:cs typeface="Arial"/>
-                </a:rPr>
-                <a:t>plusieurs voix alors que vous êtes tout(e)</a:t>
-              </a:r>
-            </a:p>
-          </p:txBody>
-        </p:sp>
-        <p:sp>
-          <p:nvSpPr>
-            <p:cNvPr id="162" name="tx162"/>
-            <p:cNvSpPr/>
-            <p:nvPr/>
-          </p:nvSpPr>
-          <p:spPr>
-            <a:xfrm>
-              <a:off x="1007729" y="6850591"/>
-              <a:ext cx="2257031" cy="102159"/>
-            </a:xfrm>
-            <a:prstGeom prst="rect">
-              <a:avLst/>
-            </a:prstGeom>
-            <a:noFill/>
-          </p:spPr>
-          <p:txBody>
-            <a:bodyPr lIns="0" rIns="0" tIns="0" bIns="0" anchorCtr="1" anchor="ctr" wrap="none"/>
-            <a:lstStyle/>
-            <a:p>
-              <a:pPr algn="l" marL="0" marR="0" indent="0">
-                <a:lnSpc>
-                  <a:spcPts val="857"/>
-                </a:lnSpc>
-                <a:spcBef>
-                  <a:spcPts val="0"/>
-                </a:spcBef>
-                <a:spcAft>
-                  <a:spcPts val="0"/>
-                </a:spcAft>
-              </a:pPr>
-              <a:r>
-                <a:rPr sz="857">
-                  <a:solidFill>
-                    <a:srgbClr val="000000">
-                      <a:alpha val="100000"/>
-                    </a:srgbClr>
-                  </a:solidFill>
-                  <a:latin typeface="Arial"/>
-                  <a:cs typeface="Arial"/>
-                </a:rPr>
-                <a:t>seul(e) ; voir des objets, des personnes ou des</a:t>
-              </a:r>
-            </a:p>
-          </p:txBody>
-        </p:sp>
-        <p:sp>
-          <p:nvSpPr>
-            <p:cNvPr id="163" name="tx163"/>
-            <p:cNvSpPr/>
-            <p:nvPr/>
-          </p:nvSpPr>
-          <p:spPr>
-            <a:xfrm>
-              <a:off x="892600" y="6970761"/>
-              <a:ext cx="2372160" cy="99555"/>
-            </a:xfrm>
-            <a:prstGeom prst="rect">
-              <a:avLst/>
-            </a:prstGeom>
-            <a:noFill/>
-          </p:spPr>
-          <p:txBody>
-            <a:bodyPr lIns="0" rIns="0" tIns="0" bIns="0" anchorCtr="1" anchor="ctr" wrap="none"/>
-            <a:lstStyle/>
-            <a:p>
-              <a:pPr algn="l" marL="0" marR="0" indent="0">
-                <a:lnSpc>
-                  <a:spcPts val="857"/>
-                </a:lnSpc>
-                <a:spcBef>
-                  <a:spcPts val="0"/>
-                </a:spcBef>
-                <a:spcAft>
-                  <a:spcPts val="0"/>
-                </a:spcAft>
-              </a:pPr>
-              <a:r>
-                <a:rPr sz="857">
-                  <a:solidFill>
-                    <a:srgbClr val="000000">
-                      <a:alpha val="100000"/>
-                    </a:srgbClr>
-                  </a:solidFill>
-                  <a:latin typeface="Arial"/>
-                  <a:cs typeface="Arial"/>
-                </a:rPr>
-                <a:t>animaux que les autres personnes ne voient pas.</a:t>
-              </a:r>
-            </a:p>
-          </p:txBody>
-        </p:sp>
-        <p:sp>
-          <p:nvSpPr>
-            <p:cNvPr id="164" name="tx164"/>
-            <p:cNvSpPr/>
-            <p:nvPr/>
-          </p:nvSpPr>
-          <p:spPr>
-            <a:xfrm>
-              <a:off x="2157320" y="6337592"/>
+            <p:cNvPr id="192" name="tx192"/>
+            <p:cNvSpPr/>
+            <p:nvPr/>
+          </p:nvSpPr>
+          <p:spPr>
+            <a:xfrm>
+              <a:off x="2157320" y="1674717"/>
               <a:ext cx="1107440" cy="101256"/>
             </a:xfrm>
             <a:prstGeom prst="rect">
@@ -7120,1301 +8408,13 @@
         </p:sp>
         <p:sp>
           <p:nvSpPr>
-            <p:cNvPr id="165" name="tx165"/>
-            <p:cNvSpPr/>
-            <p:nvPr/>
-          </p:nvSpPr>
-          <p:spPr>
-            <a:xfrm>
-              <a:off x="1037920" y="5824594"/>
-              <a:ext cx="2226840" cy="100352"/>
-            </a:xfrm>
-            <a:prstGeom prst="rect">
-              <a:avLst/>
-            </a:prstGeom>
-            <a:noFill/>
-          </p:spPr>
-          <p:txBody>
-            <a:bodyPr lIns="0" rIns="0" tIns="0" bIns="0" anchorCtr="1" anchor="ctr" wrap="none"/>
-            <a:lstStyle/>
-            <a:p>
-              <a:pPr algn="l" marL="0" marR="0" indent="0">
-                <a:lnSpc>
-                  <a:spcPts val="857"/>
-                </a:lnSpc>
-                <a:spcBef>
-                  <a:spcPts val="0"/>
-                </a:spcBef>
-                <a:spcAft>
-                  <a:spcPts val="0"/>
-                </a:spcAft>
-              </a:pPr>
-              <a:r>
-                <a:rPr sz="857">
-                  <a:solidFill>
-                    <a:srgbClr val="000000">
-                      <a:alpha val="100000"/>
-                    </a:srgbClr>
-                  </a:solidFill>
-                  <a:latin typeface="Arial"/>
-                  <a:cs typeface="Arial"/>
-                </a:rPr>
-                <a:t>Incapacité à éprouver de l’intérêt ou du plaisir,</a:t>
-              </a:r>
-            </a:p>
-          </p:txBody>
-        </p:sp>
-        <p:sp>
-          <p:nvSpPr>
-            <p:cNvPr id="166" name="tx166"/>
-            <p:cNvSpPr/>
-            <p:nvPr/>
-          </p:nvSpPr>
-          <p:spPr>
-            <a:xfrm>
-              <a:off x="717195" y="5942159"/>
-              <a:ext cx="2547565" cy="100352"/>
-            </a:xfrm>
-            <a:prstGeom prst="rect">
-              <a:avLst/>
-            </a:prstGeom>
-            <a:noFill/>
-          </p:spPr>
-          <p:txBody>
-            <a:bodyPr lIns="0" rIns="0" tIns="0" bIns="0" anchorCtr="1" anchor="ctr" wrap="none"/>
-            <a:lstStyle/>
-            <a:p>
-              <a:pPr algn="l" marL="0" marR="0" indent="0">
-                <a:lnSpc>
-                  <a:spcPts val="857"/>
-                </a:lnSpc>
-                <a:spcBef>
-                  <a:spcPts val="0"/>
-                </a:spcBef>
-                <a:spcAft>
-                  <a:spcPts val="0"/>
-                </a:spcAft>
-              </a:pPr>
-              <a:r>
-                <a:rPr sz="857">
-                  <a:solidFill>
-                    <a:srgbClr val="000000">
-                      <a:alpha val="100000"/>
-                    </a:srgbClr>
-                  </a:solidFill>
-                  <a:latin typeface="Arial"/>
-                  <a:cs typeface="Arial"/>
-                </a:rPr>
-                <a:t>manque de motivation ou d’enthousiasme, sentiment</a:t>
-              </a:r>
-            </a:p>
-          </p:txBody>
-        </p:sp>
-        <p:sp>
-          <p:nvSpPr>
-            <p:cNvPr id="167" name="tx167"/>
-            <p:cNvSpPr/>
-            <p:nvPr/>
-          </p:nvSpPr>
-          <p:spPr>
-            <a:xfrm>
-              <a:off x="1558393" y="6060097"/>
-              <a:ext cx="1706367" cy="99980"/>
-            </a:xfrm>
-            <a:prstGeom prst="rect">
-              <a:avLst/>
-            </a:prstGeom>
-            <a:noFill/>
-          </p:spPr>
-          <p:txBody>
-            <a:bodyPr lIns="0" rIns="0" tIns="0" bIns="0" anchorCtr="1" anchor="ctr" wrap="none"/>
-            <a:lstStyle/>
-            <a:p>
-              <a:pPr algn="l" marL="0" marR="0" indent="0">
-                <a:lnSpc>
-                  <a:spcPts val="857"/>
-                </a:lnSpc>
-                <a:spcBef>
-                  <a:spcPts val="0"/>
-                </a:spcBef>
-                <a:spcAft>
-                  <a:spcPts val="0"/>
-                </a:spcAft>
-              </a:pPr>
-              <a:r>
-                <a:rPr sz="857">
-                  <a:solidFill>
-                    <a:srgbClr val="000000">
-                      <a:alpha val="100000"/>
-                    </a:srgbClr>
-                  </a:solidFill>
-                  <a:latin typeface="Arial"/>
-                  <a:cs typeface="Arial"/>
-                </a:rPr>
-                <a:t>que vos émotions sont émoussées.</a:t>
-              </a:r>
-            </a:p>
-          </p:txBody>
-        </p:sp>
-        <p:sp>
-          <p:nvSpPr>
-            <p:cNvPr id="168" name="tx168"/>
-            <p:cNvSpPr/>
-            <p:nvPr/>
-          </p:nvSpPr>
-          <p:spPr>
-            <a:xfrm>
-              <a:off x="1213484" y="5429054"/>
-              <a:ext cx="2051276" cy="99555"/>
-            </a:xfrm>
-            <a:prstGeom prst="rect">
-              <a:avLst/>
-            </a:prstGeom>
-            <a:noFill/>
-          </p:spPr>
-          <p:txBody>
-            <a:bodyPr lIns="0" rIns="0" tIns="0" bIns="0" anchorCtr="1" anchor="ctr" wrap="none"/>
-            <a:lstStyle/>
-            <a:p>
-              <a:pPr algn="l" marL="0" marR="0" indent="0">
-                <a:lnSpc>
-                  <a:spcPts val="857"/>
-                </a:lnSpc>
-                <a:spcBef>
-                  <a:spcPts val="0"/>
-                </a:spcBef>
-                <a:spcAft>
-                  <a:spcPts val="0"/>
-                </a:spcAft>
-              </a:pPr>
-              <a:r>
-                <a:rPr sz="857">
-                  <a:solidFill>
-                    <a:srgbClr val="000000">
-                      <a:alpha val="100000"/>
-                    </a:srgbClr>
-                  </a:solidFill>
-                  <a:latin typeface="Arial"/>
-                  <a:cs typeface="Arial"/>
-                </a:rPr>
-                <a:t>Isolement social, ou le sentiment que vous</a:t>
-              </a:r>
-            </a:p>
-          </p:txBody>
-        </p:sp>
-        <p:sp>
-          <p:nvSpPr>
-            <p:cNvPr id="169" name="tx169"/>
-            <p:cNvSpPr/>
-            <p:nvPr/>
-          </p:nvSpPr>
-          <p:spPr>
-            <a:xfrm>
-              <a:off x="1122646" y="5545823"/>
-              <a:ext cx="2142115" cy="100352"/>
-            </a:xfrm>
-            <a:prstGeom prst="rect">
-              <a:avLst/>
-            </a:prstGeom>
-            <a:noFill/>
-          </p:spPr>
-          <p:txBody>
-            <a:bodyPr lIns="0" rIns="0" tIns="0" bIns="0" anchorCtr="1" anchor="ctr" wrap="none"/>
-            <a:lstStyle/>
-            <a:p>
-              <a:pPr algn="l" marL="0" marR="0" indent="0">
-                <a:lnSpc>
-                  <a:spcPts val="857"/>
-                </a:lnSpc>
-                <a:spcBef>
-                  <a:spcPts val="0"/>
-                </a:spcBef>
-                <a:spcAft>
-                  <a:spcPts val="0"/>
-                </a:spcAft>
-              </a:pPr>
-              <a:r>
-                <a:rPr sz="857">
-                  <a:solidFill>
-                    <a:srgbClr val="000000">
-                      <a:alpha val="100000"/>
-                    </a:srgbClr>
-                  </a:solidFill>
-                  <a:latin typeface="Arial"/>
-                  <a:cs typeface="Arial"/>
-                </a:rPr>
-                <a:t>n’éprouvez pas d’intérêt à être avec d’autres</a:t>
-              </a:r>
-            </a:p>
-          </p:txBody>
-        </p:sp>
-        <p:sp>
-          <p:nvSpPr>
-            <p:cNvPr id="170" name="tx170"/>
-            <p:cNvSpPr/>
-            <p:nvPr/>
-          </p:nvSpPr>
-          <p:spPr>
-            <a:xfrm>
-              <a:off x="2726162" y="5684384"/>
-              <a:ext cx="538598" cy="79357"/>
-            </a:xfrm>
-            <a:prstGeom prst="rect">
-              <a:avLst/>
-            </a:prstGeom>
-            <a:noFill/>
-          </p:spPr>
-          <p:txBody>
-            <a:bodyPr lIns="0" rIns="0" tIns="0" bIns="0" anchorCtr="1" anchor="ctr" wrap="none"/>
-            <a:lstStyle/>
-            <a:p>
-              <a:pPr algn="l" marL="0" marR="0" indent="0">
-                <a:lnSpc>
-                  <a:spcPts val="857"/>
-                </a:lnSpc>
-                <a:spcBef>
-                  <a:spcPts val="0"/>
-                </a:spcBef>
-                <a:spcAft>
-                  <a:spcPts val="0"/>
-                </a:spcAft>
-              </a:pPr>
-              <a:r>
-                <a:rPr sz="857">
-                  <a:solidFill>
-                    <a:srgbClr val="000000">
-                      <a:alpha val="100000"/>
-                    </a:srgbClr>
-                  </a:solidFill>
-                  <a:latin typeface="Arial"/>
-                  <a:cs typeface="Arial"/>
-                </a:rPr>
-                <a:t>personnes.</a:t>
-              </a:r>
-            </a:p>
-          </p:txBody>
-        </p:sp>
-        <p:sp>
-          <p:nvSpPr>
-            <p:cNvPr id="171" name="tx171"/>
-            <p:cNvSpPr/>
-            <p:nvPr/>
-          </p:nvSpPr>
-          <p:spPr>
-            <a:xfrm>
-              <a:off x="1226453" y="5150284"/>
-              <a:ext cx="2038307" cy="99555"/>
-            </a:xfrm>
-            <a:prstGeom prst="rect">
-              <a:avLst/>
-            </a:prstGeom>
-            <a:noFill/>
-          </p:spPr>
-          <p:txBody>
-            <a:bodyPr lIns="0" rIns="0" tIns="0" bIns="0" anchorCtr="1" anchor="ctr" wrap="none"/>
-            <a:lstStyle/>
-            <a:p>
-              <a:pPr algn="l" marL="0" marR="0" indent="0">
-                <a:lnSpc>
-                  <a:spcPts val="857"/>
-                </a:lnSpc>
-                <a:spcBef>
-                  <a:spcPts val="0"/>
-                </a:spcBef>
-                <a:spcAft>
-                  <a:spcPts val="0"/>
-                </a:spcAft>
-              </a:pPr>
-              <a:r>
-                <a:rPr sz="857">
-                  <a:solidFill>
-                    <a:srgbClr val="000000">
-                      <a:alpha val="100000"/>
-                    </a:srgbClr>
-                  </a:solidFill>
-                  <a:latin typeface="Arial"/>
-                  <a:cs typeface="Arial"/>
-                </a:rPr>
-                <a:t>L'impression de n'avoir plus envie de vivre</a:t>
-              </a:r>
-            </a:p>
-          </p:txBody>
-        </p:sp>
-        <p:sp>
-          <p:nvSpPr>
-            <p:cNvPr id="172" name="tx172"/>
-            <p:cNvSpPr/>
-            <p:nvPr/>
-          </p:nvSpPr>
-          <p:spPr>
-            <a:xfrm>
-              <a:off x="1177872" y="4342042"/>
-              <a:ext cx="2086889" cy="99980"/>
-            </a:xfrm>
-            <a:prstGeom prst="rect">
-              <a:avLst/>
-            </a:prstGeom>
-            <a:noFill/>
-          </p:spPr>
-          <p:txBody>
-            <a:bodyPr lIns="0" rIns="0" tIns="0" bIns="0" anchorCtr="1" anchor="ctr" wrap="none"/>
-            <a:lstStyle/>
-            <a:p>
-              <a:pPr algn="l" marL="0" marR="0" indent="0">
-                <a:lnSpc>
-                  <a:spcPts val="857"/>
-                </a:lnSpc>
-                <a:spcBef>
-                  <a:spcPts val="0"/>
-                </a:spcBef>
-                <a:spcAft>
-                  <a:spcPts val="0"/>
-                </a:spcAft>
-              </a:pPr>
-              <a:r>
-                <a:rPr sz="857">
-                  <a:solidFill>
-                    <a:srgbClr val="000000">
-                      <a:alpha val="100000"/>
-                    </a:srgbClr>
-                  </a:solidFill>
-                  <a:latin typeface="Arial"/>
-                  <a:cs typeface="Arial"/>
-                </a:rPr>
-                <a:t>L'impression que l'on dise à la télévision ou</a:t>
-              </a:r>
-            </a:p>
-          </p:txBody>
-        </p:sp>
-        <p:sp>
-          <p:nvSpPr>
-            <p:cNvPr id="173" name="tx173"/>
-            <p:cNvSpPr/>
-            <p:nvPr/>
-          </p:nvSpPr>
-          <p:spPr>
-            <a:xfrm>
-              <a:off x="1101810" y="4458332"/>
-              <a:ext cx="2162951" cy="101256"/>
-            </a:xfrm>
-            <a:prstGeom prst="rect">
-              <a:avLst/>
-            </a:prstGeom>
-            <a:noFill/>
-          </p:spPr>
-          <p:txBody>
-            <a:bodyPr lIns="0" rIns="0" tIns="0" bIns="0" anchorCtr="1" anchor="ctr" wrap="none"/>
-            <a:lstStyle/>
-            <a:p>
-              <a:pPr algn="l" marL="0" marR="0" indent="0">
-                <a:lnSpc>
-                  <a:spcPts val="857"/>
-                </a:lnSpc>
-                <a:spcBef>
-                  <a:spcPts val="0"/>
-                </a:spcBef>
-                <a:spcAft>
-                  <a:spcPts val="0"/>
-                </a:spcAft>
-              </a:pPr>
-              <a:r>
-                <a:rPr sz="857">
-                  <a:solidFill>
-                    <a:srgbClr val="000000">
-                      <a:alpha val="100000"/>
-                    </a:srgbClr>
-                  </a:solidFill>
-                  <a:latin typeface="Arial"/>
-                  <a:cs typeface="Arial"/>
-                </a:rPr>
-                <a:t>que l'on écrive dans les journaux des choses</a:t>
-              </a:r>
-            </a:p>
-          </p:txBody>
-        </p:sp>
-        <p:sp>
-          <p:nvSpPr>
-            <p:cNvPr id="174" name="tx174"/>
-            <p:cNvSpPr/>
-            <p:nvPr/>
-          </p:nvSpPr>
-          <p:spPr>
-            <a:xfrm>
-              <a:off x="1075127" y="4577173"/>
-              <a:ext cx="2189633" cy="99980"/>
-            </a:xfrm>
-            <a:prstGeom prst="rect">
-              <a:avLst/>
-            </a:prstGeom>
-            <a:noFill/>
-          </p:spPr>
-          <p:txBody>
-            <a:bodyPr lIns="0" rIns="0" tIns="0" bIns="0" anchorCtr="1" anchor="ctr" wrap="none"/>
-            <a:lstStyle/>
-            <a:p>
-              <a:pPr algn="l" marL="0" marR="0" indent="0">
-                <a:lnSpc>
-                  <a:spcPts val="857"/>
-                </a:lnSpc>
-                <a:spcBef>
-                  <a:spcPts val="0"/>
-                </a:spcBef>
-                <a:spcAft>
-                  <a:spcPts val="0"/>
-                </a:spcAft>
-              </a:pPr>
-              <a:r>
-                <a:rPr sz="857">
-                  <a:solidFill>
-                    <a:srgbClr val="000000">
-                      <a:alpha val="100000"/>
-                    </a:srgbClr>
-                  </a:solidFill>
-                  <a:latin typeface="Arial"/>
-                  <a:cs typeface="Arial"/>
-                </a:rPr>
-                <a:t>spécialement pour vous, l'impression que l'on</a:t>
-              </a:r>
-            </a:p>
-          </p:txBody>
-        </p:sp>
-        <p:sp>
-          <p:nvSpPr>
-            <p:cNvPr id="175" name="tx175"/>
-            <p:cNvSpPr/>
-            <p:nvPr/>
-          </p:nvSpPr>
-          <p:spPr>
-            <a:xfrm>
-              <a:off x="878196" y="4694739"/>
-              <a:ext cx="2386565" cy="99980"/>
-            </a:xfrm>
-            <a:prstGeom prst="rect">
-              <a:avLst/>
-            </a:prstGeom>
-            <a:noFill/>
-          </p:spPr>
-          <p:txBody>
-            <a:bodyPr lIns="0" rIns="0" tIns="0" bIns="0" anchorCtr="1" anchor="ctr" wrap="none"/>
-            <a:lstStyle/>
-            <a:p>
-              <a:pPr algn="l" marL="0" marR="0" indent="0">
-                <a:lnSpc>
-                  <a:spcPts val="857"/>
-                </a:lnSpc>
-                <a:spcBef>
-                  <a:spcPts val="0"/>
-                </a:spcBef>
-                <a:spcAft>
-                  <a:spcPts val="0"/>
-                </a:spcAft>
-              </a:pPr>
-              <a:r>
-                <a:rPr sz="857">
-                  <a:solidFill>
-                    <a:srgbClr val="000000">
-                      <a:alpha val="100000"/>
-                    </a:srgbClr>
-                  </a:solidFill>
-                  <a:latin typeface="Arial"/>
-                  <a:cs typeface="Arial"/>
-                </a:rPr>
-                <a:t>cherche volontairement à vous nuire, l'impression</a:t>
-              </a:r>
-            </a:p>
-          </p:txBody>
-        </p:sp>
-        <p:sp>
-          <p:nvSpPr>
-            <p:cNvPr id="176" name="tx176"/>
-            <p:cNvSpPr/>
-            <p:nvPr/>
-          </p:nvSpPr>
-          <p:spPr>
-            <a:xfrm>
-              <a:off x="1416634" y="4811029"/>
-              <a:ext cx="1848126" cy="101256"/>
-            </a:xfrm>
-            <a:prstGeom prst="rect">
-              <a:avLst/>
-            </a:prstGeom>
-            <a:noFill/>
-          </p:spPr>
-          <p:txBody>
-            <a:bodyPr lIns="0" rIns="0" tIns="0" bIns="0" anchorCtr="1" anchor="ctr" wrap="none"/>
-            <a:lstStyle/>
-            <a:p>
-              <a:pPr algn="l" marL="0" marR="0" indent="0">
-                <a:lnSpc>
-                  <a:spcPts val="857"/>
-                </a:lnSpc>
-                <a:spcBef>
-                  <a:spcPts val="0"/>
-                </a:spcBef>
-                <a:spcAft>
-                  <a:spcPts val="0"/>
-                </a:spcAft>
-              </a:pPr>
-              <a:r>
-                <a:rPr sz="857">
-                  <a:solidFill>
-                    <a:srgbClr val="000000">
-                      <a:alpha val="100000"/>
-                    </a:srgbClr>
-                  </a:solidFill>
-                  <a:latin typeface="Arial"/>
-                  <a:cs typeface="Arial"/>
-                </a:rPr>
-                <a:t>qu'il y a un complot dirigé contre vous,</a:t>
-              </a:r>
-            </a:p>
-          </p:txBody>
-        </p:sp>
-        <p:sp>
-          <p:nvSpPr>
-            <p:cNvPr id="177" name="tx177"/>
-            <p:cNvSpPr/>
-            <p:nvPr/>
-          </p:nvSpPr>
-          <p:spPr>
-            <a:xfrm>
-              <a:off x="669730" y="4929870"/>
-              <a:ext cx="2595030" cy="99980"/>
-            </a:xfrm>
-            <a:prstGeom prst="rect">
-              <a:avLst/>
-            </a:prstGeom>
-            <a:noFill/>
-          </p:spPr>
-          <p:txBody>
-            <a:bodyPr lIns="0" rIns="0" tIns="0" bIns="0" anchorCtr="1" anchor="ctr" wrap="none"/>
-            <a:lstStyle/>
-            <a:p>
-              <a:pPr algn="l" marL="0" marR="0" indent="0">
-                <a:lnSpc>
-                  <a:spcPts val="857"/>
-                </a:lnSpc>
-                <a:spcBef>
-                  <a:spcPts val="0"/>
-                </a:spcBef>
-                <a:spcAft>
-                  <a:spcPts val="0"/>
-                </a:spcAft>
-              </a:pPr>
-              <a:r>
-                <a:rPr sz="857">
-                  <a:solidFill>
-                    <a:srgbClr val="000000">
-                      <a:alpha val="100000"/>
-                    </a:srgbClr>
-                  </a:solidFill>
-                  <a:latin typeface="Arial"/>
-                  <a:cs typeface="Arial"/>
-                </a:rPr>
-                <a:t>l'impression d'entendre vos pensées répétées comme</a:t>
-              </a:r>
-            </a:p>
-          </p:txBody>
-        </p:sp>
-        <p:sp>
-          <p:nvSpPr>
-            <p:cNvPr id="178" name="tx178"/>
-            <p:cNvSpPr/>
-            <p:nvPr/>
-          </p:nvSpPr>
-          <p:spPr>
-            <a:xfrm>
-              <a:off x="928850" y="5047064"/>
-              <a:ext cx="2335910" cy="100352"/>
-            </a:xfrm>
-            <a:prstGeom prst="rect">
-              <a:avLst/>
-            </a:prstGeom>
-            <a:noFill/>
-          </p:spPr>
-          <p:txBody>
-            <a:bodyPr lIns="0" rIns="0" tIns="0" bIns="0" anchorCtr="1" anchor="ctr" wrap="none"/>
-            <a:lstStyle/>
-            <a:p>
-              <a:pPr algn="l" marL="0" marR="0" indent="0">
-                <a:lnSpc>
-                  <a:spcPts val="857"/>
-                </a:lnSpc>
-                <a:spcBef>
-                  <a:spcPts val="0"/>
-                </a:spcBef>
-                <a:spcAft>
-                  <a:spcPts val="0"/>
-                </a:spcAft>
-              </a:pPr>
-              <a:r>
-                <a:rPr sz="857">
-                  <a:solidFill>
-                    <a:srgbClr val="000000">
-                      <a:alpha val="100000"/>
-                    </a:srgbClr>
-                  </a:solidFill>
-                  <a:latin typeface="Arial"/>
-                  <a:cs typeface="Arial"/>
-                </a:rPr>
-                <a:t>par un écho, ou d’autres perceptions altérées de</a:t>
-              </a:r>
-            </a:p>
-          </p:txBody>
-        </p:sp>
-        <p:sp>
-          <p:nvSpPr>
-            <p:cNvPr id="179" name="tx179"/>
-            <p:cNvSpPr/>
-            <p:nvPr/>
-          </p:nvSpPr>
-          <p:spPr>
-            <a:xfrm>
-              <a:off x="2823060" y="5185359"/>
-              <a:ext cx="441700" cy="79623"/>
-            </a:xfrm>
-            <a:prstGeom prst="rect">
-              <a:avLst/>
-            </a:prstGeom>
-            <a:noFill/>
-          </p:spPr>
-          <p:txBody>
-            <a:bodyPr lIns="0" rIns="0" tIns="0" bIns="0" anchorCtr="1" anchor="ctr" wrap="none"/>
-            <a:lstStyle/>
-            <a:p>
-              <a:pPr algn="l" marL="0" marR="0" indent="0">
-                <a:lnSpc>
-                  <a:spcPts val="857"/>
-                </a:lnSpc>
-                <a:spcBef>
-                  <a:spcPts val="0"/>
-                </a:spcBef>
-                <a:spcAft>
-                  <a:spcPts val="0"/>
-                </a:spcAft>
-              </a:pPr>
-              <a:r>
-                <a:rPr sz="857">
-                  <a:solidFill>
-                    <a:srgbClr val="000000">
-                      <a:alpha val="100000"/>
-                    </a:srgbClr>
-                  </a:solidFill>
-                  <a:latin typeface="Arial"/>
-                  <a:cs typeface="Arial"/>
-                </a:rPr>
-                <a:t>la réalité.</a:t>
-              </a:r>
-            </a:p>
-          </p:txBody>
-        </p:sp>
-        <p:sp>
-          <p:nvSpPr>
-            <p:cNvPr id="180" name="tx180"/>
-            <p:cNvSpPr/>
-            <p:nvPr/>
-          </p:nvSpPr>
-          <p:spPr>
-            <a:xfrm>
-              <a:off x="2036291" y="4376639"/>
-              <a:ext cx="1228469" cy="80526"/>
-            </a:xfrm>
-            <a:prstGeom prst="rect">
-              <a:avLst/>
-            </a:prstGeom>
-            <a:noFill/>
-          </p:spPr>
-          <p:txBody>
-            <a:bodyPr lIns="0" rIns="0" tIns="0" bIns="0" anchorCtr="1" anchor="ctr" wrap="none"/>
-            <a:lstStyle/>
-            <a:p>
-              <a:pPr algn="l" marL="0" marR="0" indent="0">
-                <a:lnSpc>
-                  <a:spcPts val="857"/>
-                </a:lnSpc>
-                <a:spcBef>
-                  <a:spcPts val="0"/>
-                </a:spcBef>
-                <a:spcAft>
-                  <a:spcPts val="0"/>
-                </a:spcAft>
-              </a:pPr>
-              <a:r>
-                <a:rPr sz="857">
-                  <a:solidFill>
-                    <a:srgbClr val="000000">
-                      <a:alpha val="100000"/>
-                    </a:srgbClr>
-                  </a:solidFill>
-                  <a:latin typeface="Arial"/>
-                  <a:cs typeface="Arial"/>
-                </a:rPr>
-                <a:t>Perte de confiance en soi</a:t>
-              </a:r>
-            </a:p>
-          </p:txBody>
-        </p:sp>
-        <p:sp>
-          <p:nvSpPr>
-            <p:cNvPr id="181" name="tx181"/>
-            <p:cNvSpPr/>
-            <p:nvPr/>
-          </p:nvSpPr>
-          <p:spPr>
-            <a:xfrm>
-              <a:off x="2502229" y="3981206"/>
-              <a:ext cx="762531" cy="79623"/>
-            </a:xfrm>
-            <a:prstGeom prst="rect">
-              <a:avLst/>
-            </a:prstGeom>
-            <a:noFill/>
-          </p:spPr>
-          <p:txBody>
-            <a:bodyPr lIns="0" rIns="0" tIns="0" bIns="0" anchorCtr="1" anchor="ctr" wrap="none"/>
-            <a:lstStyle/>
-            <a:p>
-              <a:pPr algn="l" marL="0" marR="0" indent="0">
-                <a:lnSpc>
-                  <a:spcPts val="857"/>
-                </a:lnSpc>
-                <a:spcBef>
-                  <a:spcPts val="0"/>
-                </a:spcBef>
-                <a:spcAft>
-                  <a:spcPts val="0"/>
-                </a:spcAft>
-              </a:pPr>
-              <a:r>
-                <a:rPr sz="857">
-                  <a:solidFill>
-                    <a:srgbClr val="000000">
-                      <a:alpha val="100000"/>
-                    </a:srgbClr>
-                  </a:solidFill>
-                  <a:latin typeface="Arial"/>
-                  <a:cs typeface="Arial"/>
-                </a:rPr>
-                <a:t>Peur ou anxiété</a:t>
-              </a:r>
-            </a:p>
-          </p:txBody>
-        </p:sp>
-        <p:sp>
-          <p:nvSpPr>
-            <p:cNvPr id="182" name="tx182"/>
-            <p:cNvSpPr/>
-            <p:nvPr/>
-          </p:nvSpPr>
-          <p:spPr>
-            <a:xfrm>
-              <a:off x="1909309" y="3584870"/>
-              <a:ext cx="1355452" cy="79623"/>
-            </a:xfrm>
-            <a:prstGeom prst="rect">
-              <a:avLst/>
-            </a:prstGeom>
-            <a:noFill/>
-          </p:spPr>
-          <p:txBody>
-            <a:bodyPr lIns="0" rIns="0" tIns="0" bIns="0" anchorCtr="1" anchor="ctr" wrap="none"/>
-            <a:lstStyle/>
-            <a:p>
-              <a:pPr algn="l" marL="0" marR="0" indent="0">
-                <a:lnSpc>
-                  <a:spcPts val="857"/>
-                </a:lnSpc>
-                <a:spcBef>
-                  <a:spcPts val="0"/>
-                </a:spcBef>
-                <a:spcAft>
-                  <a:spcPts val="0"/>
-                </a:spcAft>
-              </a:pPr>
-              <a:r>
-                <a:rPr sz="857">
-                  <a:solidFill>
-                    <a:srgbClr val="000000">
-                      <a:alpha val="100000"/>
-                    </a:srgbClr>
-                  </a:solidFill>
-                  <a:latin typeface="Arial"/>
-                  <a:cs typeface="Arial"/>
-                </a:rPr>
-                <a:t>Problèmes de concentration</a:t>
-              </a:r>
-            </a:p>
-          </p:txBody>
-        </p:sp>
-        <p:sp>
-          <p:nvSpPr>
-            <p:cNvPr id="183" name="tx183"/>
-            <p:cNvSpPr/>
-            <p:nvPr/>
-          </p:nvSpPr>
-          <p:spPr>
-            <a:xfrm>
-              <a:off x="1297891" y="2879577"/>
-              <a:ext cx="1966869" cy="94665"/>
-            </a:xfrm>
-            <a:prstGeom prst="rect">
-              <a:avLst/>
-            </a:prstGeom>
-            <a:noFill/>
-          </p:spPr>
-          <p:txBody>
-            <a:bodyPr lIns="0" rIns="0" tIns="0" bIns="0" anchorCtr="1" anchor="ctr" wrap="none"/>
-            <a:lstStyle/>
-            <a:p>
-              <a:pPr algn="l" marL="0" marR="0" indent="0">
-                <a:lnSpc>
-                  <a:spcPts val="857"/>
-                </a:lnSpc>
-                <a:spcBef>
-                  <a:spcPts val="0"/>
-                </a:spcBef>
-                <a:spcAft>
-                  <a:spcPts val="0"/>
-                </a:spcAft>
-              </a:pPr>
-              <a:r>
-                <a:rPr sz="857">
-                  <a:solidFill>
-                    <a:srgbClr val="000000">
-                      <a:alpha val="100000"/>
-                    </a:srgbClr>
-                  </a:solidFill>
-                  <a:latin typeface="Arial"/>
-                  <a:cs typeface="Arial"/>
-                </a:rPr>
-                <a:t>Sensation d’influence, de contrôle, ou de</a:t>
-              </a:r>
-            </a:p>
-          </p:txBody>
-        </p:sp>
-        <p:sp>
-          <p:nvSpPr>
-            <p:cNvPr id="184" name="tx184"/>
-            <p:cNvSpPr/>
-            <p:nvPr/>
-          </p:nvSpPr>
-          <p:spPr>
-            <a:xfrm>
-              <a:off x="924067" y="2991827"/>
-              <a:ext cx="2340694" cy="99980"/>
-            </a:xfrm>
-            <a:prstGeom prst="rect">
-              <a:avLst/>
-            </a:prstGeom>
-            <a:noFill/>
-          </p:spPr>
-          <p:txBody>
-            <a:bodyPr lIns="0" rIns="0" tIns="0" bIns="0" anchorCtr="1" anchor="ctr" wrap="none"/>
-            <a:lstStyle/>
-            <a:p>
-              <a:pPr algn="l" marL="0" marR="0" indent="0">
-                <a:lnSpc>
-                  <a:spcPts val="857"/>
-                </a:lnSpc>
-                <a:spcBef>
-                  <a:spcPts val="0"/>
-                </a:spcBef>
-                <a:spcAft>
-                  <a:spcPts val="0"/>
-                </a:spcAft>
-              </a:pPr>
-              <a:r>
-                <a:rPr sz="857">
-                  <a:solidFill>
-                    <a:srgbClr val="000000">
-                      <a:alpha val="100000"/>
-                    </a:srgbClr>
-                  </a:solidFill>
-                  <a:latin typeface="Arial"/>
-                  <a:cs typeface="Arial"/>
-                </a:rPr>
-                <a:t>passivité. Par exemple, l'impression d'avoir dans</a:t>
-              </a:r>
-            </a:p>
-          </p:txBody>
-        </p:sp>
-        <p:sp>
-          <p:nvSpPr>
-            <p:cNvPr id="185" name="tx185"/>
-            <p:cNvSpPr/>
-            <p:nvPr/>
-          </p:nvSpPr>
-          <p:spPr>
-            <a:xfrm>
-              <a:off x="868362" y="3109393"/>
-              <a:ext cx="2396398" cy="99980"/>
-            </a:xfrm>
-            <a:prstGeom prst="rect">
-              <a:avLst/>
-            </a:prstGeom>
-            <a:noFill/>
-          </p:spPr>
-          <p:txBody>
-            <a:bodyPr lIns="0" rIns="0" tIns="0" bIns="0" anchorCtr="1" anchor="ctr" wrap="none"/>
-            <a:lstStyle/>
-            <a:p>
-              <a:pPr algn="l" marL="0" marR="0" indent="0">
-                <a:lnSpc>
-                  <a:spcPts val="857"/>
-                </a:lnSpc>
-                <a:spcBef>
-                  <a:spcPts val="0"/>
-                </a:spcBef>
-                <a:spcAft>
-                  <a:spcPts val="0"/>
-                </a:spcAft>
-              </a:pPr>
-              <a:r>
-                <a:rPr sz="857">
-                  <a:solidFill>
-                    <a:srgbClr val="000000">
-                      <a:alpha val="100000"/>
-                    </a:srgbClr>
-                  </a:solidFill>
-                  <a:latin typeface="Arial"/>
-                  <a:cs typeface="Arial"/>
-                </a:rPr>
-                <a:t>votre tête des pensées que vous ne reconnaissez</a:t>
-              </a:r>
-            </a:p>
-          </p:txBody>
-        </p:sp>
-        <p:sp>
-          <p:nvSpPr>
-            <p:cNvPr id="186" name="tx186"/>
-            <p:cNvSpPr/>
-            <p:nvPr/>
-          </p:nvSpPr>
-          <p:spPr>
-            <a:xfrm>
-              <a:off x="863632" y="3226958"/>
-              <a:ext cx="2401129" cy="99980"/>
-            </a:xfrm>
-            <a:prstGeom prst="rect">
-              <a:avLst/>
-            </a:prstGeom>
-            <a:noFill/>
-          </p:spPr>
-          <p:txBody>
-            <a:bodyPr lIns="0" rIns="0" tIns="0" bIns="0" anchorCtr="1" anchor="ctr" wrap="none"/>
-            <a:lstStyle/>
-            <a:p>
-              <a:pPr algn="l" marL="0" marR="0" indent="0">
-                <a:lnSpc>
-                  <a:spcPts val="857"/>
-                </a:lnSpc>
-                <a:spcBef>
-                  <a:spcPts val="0"/>
-                </a:spcBef>
-                <a:spcAft>
-                  <a:spcPts val="0"/>
-                </a:spcAft>
-              </a:pPr>
-              <a:r>
-                <a:rPr sz="857">
-                  <a:solidFill>
-                    <a:srgbClr val="000000">
-                      <a:alpha val="100000"/>
-                    </a:srgbClr>
-                  </a:solidFill>
-                  <a:latin typeface="Arial"/>
-                  <a:cs typeface="Arial"/>
-                </a:rPr>
-                <a:t>pas comme les vôtres. L'impression d'être sous le</a:t>
-              </a:r>
-            </a:p>
-          </p:txBody>
-        </p:sp>
-        <p:sp>
-          <p:nvSpPr>
-            <p:cNvPr id="187" name="tx187"/>
-            <p:cNvSpPr/>
-            <p:nvPr/>
-          </p:nvSpPr>
-          <p:spPr>
-            <a:xfrm>
-              <a:off x="989445" y="3343621"/>
-              <a:ext cx="2275316" cy="100884"/>
-            </a:xfrm>
-            <a:prstGeom prst="rect">
-              <a:avLst/>
-            </a:prstGeom>
-            <a:noFill/>
-          </p:spPr>
-          <p:txBody>
-            <a:bodyPr lIns="0" rIns="0" tIns="0" bIns="0" anchorCtr="1" anchor="ctr" wrap="none"/>
-            <a:lstStyle/>
-            <a:p>
-              <a:pPr algn="l" marL="0" marR="0" indent="0">
-                <a:lnSpc>
-                  <a:spcPts val="857"/>
-                </a:lnSpc>
-                <a:spcBef>
-                  <a:spcPts val="0"/>
-                </a:spcBef>
-                <a:spcAft>
-                  <a:spcPts val="0"/>
-                </a:spcAft>
-              </a:pPr>
-              <a:r>
-                <a:rPr sz="857">
-                  <a:solidFill>
-                    <a:srgbClr val="000000">
-                      <a:alpha val="100000"/>
-                    </a:srgbClr>
-                  </a:solidFill>
-                  <a:latin typeface="Arial"/>
-                  <a:cs typeface="Arial"/>
-                </a:rPr>
-                <a:t>contrôle d’une force ou d’un pouvoir extérieur à</a:t>
-              </a:r>
-            </a:p>
-          </p:txBody>
-        </p:sp>
-        <p:sp>
-          <p:nvSpPr>
-            <p:cNvPr id="188" name="tx188"/>
-            <p:cNvSpPr/>
-            <p:nvPr/>
-          </p:nvSpPr>
-          <p:spPr>
-            <a:xfrm>
-              <a:off x="2665887" y="3482447"/>
-              <a:ext cx="598873" cy="79623"/>
-            </a:xfrm>
-            <a:prstGeom prst="rect">
-              <a:avLst/>
-            </a:prstGeom>
-            <a:noFill/>
-          </p:spPr>
-          <p:txBody>
-            <a:bodyPr lIns="0" rIns="0" tIns="0" bIns="0" anchorCtr="1" anchor="ctr" wrap="none"/>
-            <a:lstStyle/>
-            <a:p>
-              <a:pPr algn="l" marL="0" marR="0" indent="0">
-                <a:lnSpc>
-                  <a:spcPts val="857"/>
-                </a:lnSpc>
-                <a:spcBef>
-                  <a:spcPts val="0"/>
-                </a:spcBef>
-                <a:spcAft>
-                  <a:spcPts val="0"/>
-                </a:spcAft>
-              </a:pPr>
-              <a:r>
-                <a:rPr sz="857">
-                  <a:solidFill>
-                    <a:srgbClr val="000000">
-                      <a:alpha val="100000"/>
-                    </a:srgbClr>
-                  </a:solidFill>
-                  <a:latin typeface="Arial"/>
-                  <a:cs typeface="Arial"/>
-                </a:rPr>
-                <a:t>vous-même.</a:t>
-              </a:r>
-            </a:p>
-          </p:txBody>
-        </p:sp>
-        <p:sp>
-          <p:nvSpPr>
-            <p:cNvPr id="189" name="tx189"/>
-            <p:cNvSpPr/>
-            <p:nvPr/>
-          </p:nvSpPr>
-          <p:spPr>
-            <a:xfrm>
-              <a:off x="1180423" y="2712153"/>
-              <a:ext cx="2084337" cy="100884"/>
-            </a:xfrm>
-            <a:prstGeom prst="rect">
-              <a:avLst/>
-            </a:prstGeom>
-            <a:noFill/>
-          </p:spPr>
-          <p:txBody>
-            <a:bodyPr lIns="0" rIns="0" tIns="0" bIns="0" anchorCtr="1" anchor="ctr" wrap="none"/>
-            <a:lstStyle/>
-            <a:p>
-              <a:pPr algn="l" marL="0" marR="0" indent="0">
-                <a:lnSpc>
-                  <a:spcPts val="857"/>
-                </a:lnSpc>
-                <a:spcBef>
-                  <a:spcPts val="0"/>
-                </a:spcBef>
-                <a:spcAft>
-                  <a:spcPts val="0"/>
-                </a:spcAft>
-              </a:pPr>
-              <a:r>
-                <a:rPr sz="857">
-                  <a:solidFill>
-                    <a:srgbClr val="000000">
-                      <a:alpha val="100000"/>
-                    </a:srgbClr>
-                  </a:solidFill>
-                  <a:latin typeface="Arial"/>
-                  <a:cs typeface="Arial"/>
-                </a:rPr>
-                <a:t>Sentiment d'abattement, de déprime, ou de</a:t>
-              </a:r>
-            </a:p>
-          </p:txBody>
-        </p:sp>
-        <p:sp>
-          <p:nvSpPr>
-            <p:cNvPr id="190" name="tx190"/>
-            <p:cNvSpPr/>
-            <p:nvPr/>
-          </p:nvSpPr>
-          <p:spPr>
-            <a:xfrm>
-              <a:off x="2859470" y="2851405"/>
-              <a:ext cx="405290" cy="79197"/>
-            </a:xfrm>
-            <a:prstGeom prst="rect">
-              <a:avLst/>
-            </a:prstGeom>
-            <a:noFill/>
-          </p:spPr>
-          <p:txBody>
-            <a:bodyPr lIns="0" rIns="0" tIns="0" bIns="0" anchorCtr="1" anchor="ctr" wrap="none"/>
-            <a:lstStyle/>
-            <a:p>
-              <a:pPr algn="l" marL="0" marR="0" indent="0">
-                <a:lnSpc>
-                  <a:spcPts val="857"/>
-                </a:lnSpc>
-                <a:spcBef>
-                  <a:spcPts val="0"/>
-                </a:spcBef>
-                <a:spcAft>
-                  <a:spcPts val="0"/>
-                </a:spcAft>
-              </a:pPr>
-              <a:r>
-                <a:rPr sz="857">
-                  <a:solidFill>
-                    <a:srgbClr val="000000">
-                      <a:alpha val="100000"/>
-                    </a:srgbClr>
-                  </a:solidFill>
-                  <a:latin typeface="Arial"/>
-                  <a:cs typeface="Arial"/>
-                </a:rPr>
-                <a:t>tristesse</a:t>
-              </a:r>
-            </a:p>
-          </p:txBody>
-        </p:sp>
-        <p:sp>
-          <p:nvSpPr>
-            <p:cNvPr id="191" name="tx191"/>
-            <p:cNvSpPr/>
-            <p:nvPr/>
-          </p:nvSpPr>
-          <p:spPr>
-            <a:xfrm>
-              <a:off x="1080496" y="2373323"/>
-              <a:ext cx="2184265" cy="102159"/>
-            </a:xfrm>
-            <a:prstGeom prst="rect">
-              <a:avLst/>
-            </a:prstGeom>
-            <a:noFill/>
-          </p:spPr>
-          <p:txBody>
-            <a:bodyPr lIns="0" rIns="0" tIns="0" bIns="0" anchorCtr="1" anchor="ctr" wrap="none"/>
-            <a:lstStyle/>
-            <a:p>
-              <a:pPr algn="l" marL="0" marR="0" indent="0">
-                <a:lnSpc>
-                  <a:spcPts val="857"/>
-                </a:lnSpc>
-                <a:spcBef>
-                  <a:spcPts val="0"/>
-                </a:spcBef>
-                <a:spcAft>
-                  <a:spcPts val="0"/>
-                </a:spcAft>
-              </a:pPr>
-              <a:r>
-                <a:rPr sz="857">
-                  <a:solidFill>
-                    <a:srgbClr val="000000">
-                      <a:alpha val="100000"/>
-                    </a:srgbClr>
-                  </a:solidFill>
-                  <a:latin typeface="Arial"/>
-                  <a:cs typeface="Arial"/>
-                </a:rPr>
-                <a:t>Stigmatisation ou sentiment de discrimination</a:t>
-              </a:r>
-            </a:p>
-          </p:txBody>
-        </p:sp>
-        <p:sp>
-          <p:nvSpPr>
-            <p:cNvPr id="192" name="tx192"/>
-            <p:cNvSpPr/>
-            <p:nvPr/>
-          </p:nvSpPr>
-          <p:spPr>
-            <a:xfrm>
-              <a:off x="2956261" y="1998567"/>
-              <a:ext cx="308499" cy="80579"/>
-            </a:xfrm>
-            <a:prstGeom prst="rect">
-              <a:avLst/>
-            </a:prstGeom>
-            <a:noFill/>
-          </p:spPr>
-          <p:txBody>
-            <a:bodyPr lIns="0" rIns="0" tIns="0" bIns="0" anchorCtr="1" anchor="ctr" wrap="none"/>
-            <a:lstStyle/>
-            <a:p>
-              <a:pPr algn="l" marL="0" marR="0" indent="0">
-                <a:lnSpc>
-                  <a:spcPts val="857"/>
-                </a:lnSpc>
-                <a:spcBef>
-                  <a:spcPts val="0"/>
-                </a:spcBef>
-                <a:spcAft>
-                  <a:spcPts val="0"/>
-                </a:spcAft>
-              </a:pPr>
-              <a:r>
-                <a:rPr sz="857">
-                  <a:solidFill>
-                    <a:srgbClr val="000000">
-                      <a:alpha val="100000"/>
-                    </a:srgbClr>
-                  </a:solidFill>
-                  <a:latin typeface="Arial"/>
-                  <a:cs typeface="Arial"/>
-                </a:rPr>
-                <a:t>Stress</a:t>
-              </a:r>
-            </a:p>
-          </p:txBody>
-        </p:sp>
-        <p:sp>
-          <p:nvSpPr>
             <p:cNvPr id="193" name="pl193"/>
             <p:cNvSpPr/>
             <p:nvPr/>
           </p:nvSpPr>
           <p:spPr>
             <a:xfrm>
-              <a:off x="3291873" y="8777907"/>
+              <a:off x="3291873" y="8767571"/>
               <a:ext cx="31631" cy="0"/>
             </a:xfrm>
             <a:custGeom>
@@ -8454,7 +8454,7 @@
           </p:nvSpPr>
           <p:spPr>
             <a:xfrm>
-              <a:off x="3291873" y="8381570"/>
+              <a:off x="3291873" y="8354009"/>
               <a:ext cx="31631" cy="0"/>
             </a:xfrm>
             <a:custGeom>
@@ -8494,7 +8494,7 @@
           </p:nvSpPr>
           <p:spPr>
             <a:xfrm>
-              <a:off x="3291873" y="7985234"/>
+              <a:off x="3291873" y="7940447"/>
               <a:ext cx="31631" cy="0"/>
             </a:xfrm>
             <a:custGeom>
@@ -8534,7 +8534,7 @@
           </p:nvSpPr>
           <p:spPr>
             <a:xfrm>
-              <a:off x="3291873" y="7588897"/>
+              <a:off x="3291873" y="7526885"/>
               <a:ext cx="31631" cy="0"/>
             </a:xfrm>
             <a:custGeom>
@@ -8574,7 +8574,7 @@
           </p:nvSpPr>
           <p:spPr>
             <a:xfrm>
-              <a:off x="3291873" y="7192561"/>
+              <a:off x="3291873" y="7113322"/>
               <a:ext cx="31631" cy="0"/>
             </a:xfrm>
             <a:custGeom>
@@ -8614,7 +8614,7 @@
           </p:nvSpPr>
           <p:spPr>
             <a:xfrm>
-              <a:off x="3291873" y="6796224"/>
+              <a:off x="3291873" y="6699760"/>
               <a:ext cx="31631" cy="0"/>
             </a:xfrm>
             <a:custGeom>
@@ -8654,7 +8654,7 @@
           </p:nvSpPr>
           <p:spPr>
             <a:xfrm>
-              <a:off x="3291873" y="6399888"/>
+              <a:off x="3291873" y="6286198"/>
               <a:ext cx="31631" cy="0"/>
             </a:xfrm>
             <a:custGeom>
@@ -8694,7 +8694,7 @@
           </p:nvSpPr>
           <p:spPr>
             <a:xfrm>
-              <a:off x="3291873" y="6003551"/>
+              <a:off x="3291873" y="5872635"/>
               <a:ext cx="31631" cy="0"/>
             </a:xfrm>
             <a:custGeom>
@@ -8734,7 +8734,7 @@
           </p:nvSpPr>
           <p:spPr>
             <a:xfrm>
-              <a:off x="3291873" y="5607214"/>
+              <a:off x="3291873" y="5459073"/>
               <a:ext cx="31631" cy="0"/>
             </a:xfrm>
             <a:custGeom>
@@ -8774,7 +8774,7 @@
           </p:nvSpPr>
           <p:spPr>
             <a:xfrm>
-              <a:off x="3291873" y="5210878"/>
+              <a:off x="3291873" y="5045511"/>
               <a:ext cx="31631" cy="0"/>
             </a:xfrm>
             <a:custGeom>
@@ -8814,7 +8814,7 @@
           </p:nvSpPr>
           <p:spPr>
             <a:xfrm>
-              <a:off x="3291873" y="4814541"/>
+              <a:off x="3291873" y="4631948"/>
               <a:ext cx="31631" cy="0"/>
             </a:xfrm>
             <a:custGeom>
@@ -8854,7 +8854,7 @@
           </p:nvSpPr>
           <p:spPr>
             <a:xfrm>
-              <a:off x="3291873" y="4418205"/>
+              <a:off x="3291873" y="4218386"/>
               <a:ext cx="31631" cy="0"/>
             </a:xfrm>
             <a:custGeom>
@@ -8894,7 +8894,7 @@
           </p:nvSpPr>
           <p:spPr>
             <a:xfrm>
-              <a:off x="3291873" y="4021868"/>
+              <a:off x="3291873" y="3804824"/>
               <a:ext cx="31631" cy="0"/>
             </a:xfrm>
             <a:custGeom>
@@ -8934,7 +8934,7 @@
           </p:nvSpPr>
           <p:spPr>
             <a:xfrm>
-              <a:off x="3291873" y="3625532"/>
+              <a:off x="3291873" y="3391262"/>
               <a:ext cx="31631" cy="0"/>
             </a:xfrm>
             <a:custGeom>
@@ -8974,7 +8974,7 @@
           </p:nvSpPr>
           <p:spPr>
             <a:xfrm>
-              <a:off x="3291873" y="3229195"/>
+              <a:off x="3291873" y="2977699"/>
               <a:ext cx="31631" cy="0"/>
             </a:xfrm>
             <a:custGeom>
@@ -9014,7 +9014,7 @@
           </p:nvSpPr>
           <p:spPr>
             <a:xfrm>
-              <a:off x="3291873" y="2832859"/>
+              <a:off x="3291873" y="2564137"/>
               <a:ext cx="31631" cy="0"/>
             </a:xfrm>
             <a:custGeom>
@@ -9054,7 +9054,7 @@
           </p:nvSpPr>
           <p:spPr>
             <a:xfrm>
-              <a:off x="3291873" y="2436522"/>
+              <a:off x="3291873" y="2150575"/>
               <a:ext cx="31631" cy="0"/>
             </a:xfrm>
             <a:custGeom>
@@ -9094,7 +9094,7 @@
           </p:nvSpPr>
           <p:spPr>
             <a:xfrm>
-              <a:off x="3291873" y="2040186"/>
+              <a:off x="3291873" y="1737012"/>
               <a:ext cx="31631" cy="0"/>
             </a:xfrm>
             <a:custGeom>
@@ -10510,13 +10510,39 @@
           </p:nvSpPr>
           <p:spPr>
             <a:xfrm>
-              <a:off x="3395768" y="9460077"/>
+              <a:off x="3332505" y="9460077"/>
               <a:ext cx="121178" cy="121178"/>
             </a:xfrm>
             <a:prstGeom prst="rect">
               <a:avLst/>
             </a:prstGeom>
             <a:solidFill>
+              <a:srgbClr val="B0BEC5">
+                <a:alpha val="100000"/>
+              </a:srgbClr>
+            </a:solidFill>
+          </p:spPr>
+          <p:txBody>
+            <a:bodyPr/>
+            <a:lstStyle/>
+            <a:p/>
+          </p:txBody>
+        </p:sp>
+        <p:sp>
+          <p:nvSpPr>
+            <p:cNvPr id="244" name="rc244"/>
+            <p:cNvSpPr/>
+            <p:nvPr/>
+          </p:nvSpPr>
+          <p:spPr>
+            <a:xfrm>
+              <a:off x="3332505" y="9662518"/>
+              <a:ext cx="121178" cy="121178"/>
+            </a:xfrm>
+            <a:prstGeom prst="rect">
+              <a:avLst/>
+            </a:prstGeom>
+            <a:solidFill>
               <a:srgbClr val="2196F3">
                 <a:alpha val="100000"/>
               </a:srgbClr>
@@ -10530,65 +10556,65 @@
         </p:sp>
         <p:sp>
           <p:nvSpPr>
-            <p:cNvPr id="244" name="rc244"/>
-            <p:cNvSpPr/>
-            <p:nvPr/>
-          </p:nvSpPr>
-          <p:spPr>
-            <a:xfrm>
-              <a:off x="3395768" y="9662518"/>
+            <p:cNvPr id="245" name="rc245"/>
+            <p:cNvSpPr/>
+            <p:nvPr/>
+          </p:nvSpPr>
+          <p:spPr>
+            <a:xfrm>
+              <a:off x="3332505" y="9864959"/>
               <a:ext cx="121178" cy="121178"/>
             </a:xfrm>
             <a:prstGeom prst="rect">
               <a:avLst/>
             </a:prstGeom>
             <a:solidFill>
-              <a:srgbClr val="3DA686">
-                <a:alpha val="100000"/>
-              </a:srgbClr>
-            </a:solidFill>
-          </p:spPr>
-          <p:txBody>
-            <a:bodyPr/>
-            <a:lstStyle/>
-            <a:p/>
-          </p:txBody>
-        </p:sp>
-        <p:sp>
-          <p:nvSpPr>
-            <p:cNvPr id="245" name="rc245"/>
-            <p:cNvSpPr/>
-            <p:nvPr/>
-          </p:nvSpPr>
-          <p:spPr>
-            <a:xfrm>
-              <a:off x="3395768" y="9864959"/>
+              <a:srgbClr val="4CAF50">
+                <a:alpha val="100000"/>
+              </a:srgbClr>
+            </a:solidFill>
+          </p:spPr>
+          <p:txBody>
+            <a:bodyPr/>
+            <a:lstStyle/>
+            <a:p/>
+          </p:txBody>
+        </p:sp>
+        <p:sp>
+          <p:nvSpPr>
+            <p:cNvPr id="246" name="rc246"/>
+            <p:cNvSpPr/>
+            <p:nvPr/>
+          </p:nvSpPr>
+          <p:spPr>
+            <a:xfrm>
+              <a:off x="4768529" y="9460077"/>
               <a:ext cx="121178" cy="121178"/>
             </a:xfrm>
             <a:prstGeom prst="rect">
               <a:avLst/>
             </a:prstGeom>
             <a:solidFill>
-              <a:srgbClr val="87B537">
-                <a:alpha val="100000"/>
-              </a:srgbClr>
-            </a:solidFill>
-          </p:spPr>
-          <p:txBody>
-            <a:bodyPr/>
-            <a:lstStyle/>
-            <a:p/>
-          </p:txBody>
-        </p:sp>
-        <p:sp>
-          <p:nvSpPr>
-            <p:cNvPr id="246" name="rc246"/>
-            <p:cNvSpPr/>
-            <p:nvPr/>
-          </p:nvSpPr>
-          <p:spPr>
-            <a:xfrm>
-              <a:off x="5007356" y="9460077"/>
+              <a:srgbClr val="8BC34A">
+                <a:alpha val="100000"/>
+              </a:srgbClr>
+            </a:solidFill>
+          </p:spPr>
+          <p:txBody>
+            <a:bodyPr/>
+            <a:lstStyle/>
+            <a:p/>
+          </p:txBody>
+        </p:sp>
+        <p:sp>
+          <p:nvSpPr>
+            <p:cNvPr id="247" name="rc247"/>
+            <p:cNvSpPr/>
+            <p:nvPr/>
+          </p:nvSpPr>
+          <p:spPr>
+            <a:xfrm>
+              <a:off x="4768529" y="9662518"/>
               <a:ext cx="121178" cy="121178"/>
             </a:xfrm>
             <a:prstGeom prst="rect">
@@ -10608,71 +10634,45 @@
         </p:sp>
         <p:sp>
           <p:nvSpPr>
-            <p:cNvPr id="247" name="rc247"/>
-            <p:cNvSpPr/>
-            <p:nvPr/>
-          </p:nvSpPr>
-          <p:spPr>
-            <a:xfrm>
-              <a:off x="5007356" y="9662518"/>
+            <p:cNvPr id="248" name="rc248"/>
+            <p:cNvSpPr/>
+            <p:nvPr/>
+          </p:nvSpPr>
+          <p:spPr>
+            <a:xfrm>
+              <a:off x="4768529" y="9864959"/>
               <a:ext cx="121178" cy="121178"/>
             </a:xfrm>
             <a:prstGeom prst="rect">
               <a:avLst/>
             </a:prstGeom>
             <a:solidFill>
-              <a:srgbClr val="BD5A77">
-                <a:alpha val="100000"/>
-              </a:srgbClr>
-            </a:solidFill>
-          </p:spPr>
-          <p:txBody>
-            <a:bodyPr/>
-            <a:lstStyle/>
-            <a:p/>
-          </p:txBody>
-        </p:sp>
-        <p:sp>
-          <p:nvSpPr>
-            <p:cNvPr id="248" name="rc248"/>
-            <p:cNvSpPr/>
-            <p:nvPr/>
-          </p:nvSpPr>
-          <p:spPr>
-            <a:xfrm>
-              <a:off x="5007356" y="9864959"/>
+              <a:srgbClr val="FF9800">
+                <a:alpha val="100000"/>
+              </a:srgbClr>
+            </a:solidFill>
+          </p:spPr>
+          <p:txBody>
+            <a:bodyPr/>
+            <a:lstStyle/>
+            <a:p/>
+          </p:txBody>
+        </p:sp>
+        <p:sp>
+          <p:nvSpPr>
+            <p:cNvPr id="249" name="rc249"/>
+            <p:cNvSpPr/>
+            <p:nvPr/>
+          </p:nvSpPr>
+          <p:spPr>
+            <a:xfrm>
+              <a:off x="6177817" y="9460077"/>
               <a:ext cx="121178" cy="121178"/>
             </a:xfrm>
             <a:prstGeom prst="rect">
               <a:avLst/>
             </a:prstGeom>
             <a:solidFill>
-              <a:srgbClr val="B93087">
-                <a:alpha val="100000"/>
-              </a:srgbClr>
-            </a:solidFill>
-          </p:spPr>
-          <p:txBody>
-            <a:bodyPr/>
-            <a:lstStyle/>
-            <a:p/>
-          </p:txBody>
-        </p:sp>
-        <p:sp>
-          <p:nvSpPr>
-            <p:cNvPr id="249" name="rc249"/>
-            <p:cNvSpPr/>
-            <p:nvPr/>
-          </p:nvSpPr>
-          <p:spPr>
-            <a:xfrm>
-              <a:off x="6301674" y="9460077"/>
-              <a:ext cx="121178" cy="121178"/>
-            </a:xfrm>
-            <a:prstGeom prst="rect">
-              <a:avLst/>
-            </a:prstGeom>
-            <a:solidFill>
               <a:srgbClr val="F44336">
                 <a:alpha val="100000"/>
               </a:srgbClr>
@@ -10692,8 +10692,8 @@
           </p:nvSpPr>
           <p:spPr>
             <a:xfrm>
-              <a:off x="3589208" y="9458371"/>
-              <a:ext cx="1345884" cy="101256"/>
+              <a:off x="3525946" y="9480429"/>
+              <a:ext cx="577506" cy="79197"/>
             </a:xfrm>
             <a:prstGeom prst="rect">
               <a:avLst/>
@@ -10725,7 +10725,7 @@
                   <a:latin typeface="Arial"/>
                   <a:cs typeface="Arial"/>
                 </a:rPr>
-                <a:t>Je n'ai pas eu ce symptôme</a:t>
+                <a:t>I don't know</a:t>
               </a:r>
             </a:p>
           </p:txBody>
@@ -10738,8 +10738,8 @@
           </p:nvSpPr>
           <p:spPr>
             <a:xfrm>
-              <a:off x="3589208" y="9662087"/>
-              <a:ext cx="932036" cy="99980"/>
+              <a:off x="3525946" y="9661237"/>
+              <a:ext cx="1170320" cy="100831"/>
             </a:xfrm>
             <a:prstGeom prst="rect">
               <a:avLst/>
@@ -10771,7 +10771,7 @@
                   <a:latin typeface="Arial"/>
                   <a:cs typeface="Arial"/>
                 </a:rPr>
-                <a:t>Pas du tout pénible</a:t>
+                <a:t>I didn't get this symptom</a:t>
               </a:r>
             </a:p>
           </p:txBody>
@@ -10784,8 +10784,8 @@
           </p:nvSpPr>
           <p:spPr>
             <a:xfrm>
-              <a:off x="3589208" y="9863252"/>
-              <a:ext cx="962280" cy="101256"/>
+              <a:off x="3525946" y="9885311"/>
+              <a:ext cx="1034674" cy="79197"/>
             </a:xfrm>
             <a:prstGeom prst="rect">
               <a:avLst/>
@@ -10817,7 +10817,7 @@
                   <a:latin typeface="Arial"/>
                   <a:cs typeface="Arial"/>
                 </a:rPr>
-                <a:t>Légèrement pénible</a:t>
+                <a:t>Not at all bothersome</a:t>
               </a:r>
             </a:p>
           </p:txBody>
@@ -10830,8 +10830,8 @@
           </p:nvSpPr>
           <p:spPr>
             <a:xfrm>
-              <a:off x="5200797" y="9459646"/>
-              <a:ext cx="992417" cy="99980"/>
+              <a:off x="4961970" y="9457467"/>
+              <a:ext cx="956008" cy="102159"/>
             </a:xfrm>
             <a:prstGeom prst="rect">
               <a:avLst/>
@@ -10863,7 +10863,7 @@
                   <a:latin typeface="Arial"/>
                   <a:cs typeface="Arial"/>
                 </a:rPr>
-                <a:t>Modérément pénible</a:t>
+                <a:t>Slightly bothersome</a:t>
               </a:r>
             </a:p>
           </p:txBody>
@@ -10876,8 +10876,8 @@
           </p:nvSpPr>
           <p:spPr>
             <a:xfrm>
-              <a:off x="5200797" y="9662087"/>
-              <a:ext cx="599033" cy="99980"/>
+              <a:off x="4961970" y="9661237"/>
+              <a:ext cx="1143584" cy="100831"/>
             </a:xfrm>
             <a:prstGeom prst="rect">
               <a:avLst/>
@@ -10909,7 +10909,7 @@
                   <a:latin typeface="Arial"/>
                   <a:cs typeface="Arial"/>
                 </a:rPr>
-                <a:t>Très pénible</a:t>
+                <a:t>Moderately bothersome</a:t>
               </a:r>
             </a:p>
           </p:txBody>
@@ -10922,8 +10922,8 @@
           </p:nvSpPr>
           <p:spPr>
             <a:xfrm>
-              <a:off x="5200797" y="9864528"/>
-              <a:ext cx="1028614" cy="99980"/>
+              <a:off x="4961970" y="9863678"/>
+              <a:ext cx="828919" cy="100831"/>
             </a:xfrm>
             <a:prstGeom prst="rect">
               <a:avLst/>
@@ -10955,7 +10955,7 @@
                   <a:latin typeface="Arial"/>
                   <a:cs typeface="Arial"/>
                 </a:rPr>
-                <a:t>Extrêmement pénible</a:t>
+                <a:t>Very bothersome</a:t>
               </a:r>
             </a:p>
           </p:txBody>
@@ -10968,8 +10968,8 @@
           </p:nvSpPr>
           <p:spPr>
             <a:xfrm>
-              <a:off x="6495115" y="9460072"/>
-              <a:ext cx="695877" cy="99555"/>
+              <a:off x="6371258" y="9458796"/>
+              <a:ext cx="1088996" cy="100831"/>
             </a:xfrm>
             <a:prstGeom prst="rect">
               <a:avLst/>
@@ -11001,7 +11001,7 @@
                   <a:latin typeface="Arial"/>
                   <a:cs typeface="Arial"/>
                 </a:rPr>
-                <a:t>Je ne sais pas</a:t>
+                <a:t>Extremely bothersome</a:t>
               </a:r>
             </a:p>
           </p:txBody>
@@ -11107,7 +11107,7 @@
           <p:spPr>
             <a:xfrm>
               <a:off x="3323505" y="1258854"/>
-              <a:ext cx="2915826" cy="136213"/>
+              <a:ext cx="568736" cy="136213"/>
             </a:xfrm>
             <a:prstGeom prst="rect">
               <a:avLst/>
@@ -11139,99 +11139,7 @@
                   <a:latin typeface="Arial"/>
                   <a:cs typeface="Arial"/>
                 </a:rPr>
-                <a:t>(N=146). Participants could select multiple</a:t>
-              </a:r>
-            </a:p>
-          </p:txBody>
-        </p:sp>
-        <p:sp>
-          <p:nvSpPr>
-            <p:cNvPr id="260" name="tx260"/>
-            <p:cNvSpPr/>
-            <p:nvPr/>
-          </p:nvSpPr>
-          <p:spPr>
-            <a:xfrm>
-              <a:off x="3323505" y="1417522"/>
-              <a:ext cx="3581017" cy="134299"/>
-            </a:xfrm>
-            <a:prstGeom prst="rect">
-              <a:avLst/>
-            </a:prstGeom>
-            <a:noFill/>
-          </p:spPr>
-          <p:txBody>
-            <a:bodyPr lIns="0" rIns="0" tIns="0" bIns="0" anchorCtr="1" anchor="ctr" wrap="none"/>
-            <a:lstStyle/>
-            <a:p>
-              <a:pPr algn="l" marL="0" marR="0" indent="0">
-                <a:lnSpc>
-                  <a:spcPts val="1142"/>
-                </a:lnSpc>
-                <a:spcBef>
-                  <a:spcPts val="0"/>
-                </a:spcBef>
-                <a:spcAft>
-                  <a:spcPts val="0"/>
-                </a:spcAft>
-              </a:pPr>
-              <a:r>
-                <a:rPr sz="1142" b="1">
-                  <a:solidFill>
-                    <a:srgbClr val="000000">
-                      <a:alpha val="100000"/>
-                    </a:srgbClr>
-                  </a:solidFill>
-                  <a:latin typeface="Arial"/>
-                  <a:cs typeface="Arial"/>
-                </a:rPr>
-                <a:t>options; values represent the number of responses,</a:t>
-              </a:r>
-            </a:p>
-          </p:txBody>
-        </p:sp>
-        <p:sp>
-          <p:nvSpPr>
-            <p:cNvPr id="261" name="tx261"/>
-            <p:cNvSpPr/>
-            <p:nvPr/>
-          </p:nvSpPr>
-          <p:spPr>
-            <a:xfrm>
-              <a:off x="3323505" y="1576048"/>
-              <a:ext cx="1846673" cy="132527"/>
-            </a:xfrm>
-            <a:prstGeom prst="rect">
-              <a:avLst/>
-            </a:prstGeom>
-            <a:noFill/>
-          </p:spPr>
-          <p:txBody>
-            <a:bodyPr lIns="0" rIns="0" tIns="0" bIns="0" anchorCtr="1" anchor="ctr" wrap="none"/>
-            <a:lstStyle/>
-            <a:p>
-              <a:pPr algn="l" marL="0" marR="0" indent="0">
-                <a:lnSpc>
-                  <a:spcPts val="1142"/>
-                </a:lnSpc>
-                <a:spcBef>
-                  <a:spcPts val="0"/>
-                </a:spcBef>
-                <a:spcAft>
-                  <a:spcPts val="0"/>
-                </a:spcAft>
-              </a:pPr>
-              <a:r>
-                <a:rPr sz="1142" b="1">
-                  <a:solidFill>
-                    <a:srgbClr val="000000">
-                      <a:alpha val="100000"/>
-                    </a:srgbClr>
-                  </a:solidFill>
-                  <a:latin typeface="Arial"/>
-                  <a:cs typeface="Arial"/>
-                </a:rPr>
-                <a:t>not individual participants.</a:t>
+                <a:t>(N=146).</a:t>
               </a:r>
             </a:p>
           </p:txBody>

--- a/results/figures/pptx/psychological_symptoms_burden.pptx
+++ b/results/figures/pptx/psychological_symptoms_burden.pptx
@@ -2314,7 +2314,7 @@
           </p:nvSpPr>
           <p:spPr>
             <a:xfrm>
-              <a:off x="3623891" y="1488875"/>
+              <a:off x="3612033" y="1488875"/>
               <a:ext cx="0" cy="7526833"/>
             </a:xfrm>
             <a:custGeom>
@@ -2357,7 +2357,7 @@
           </p:nvSpPr>
           <p:spPr>
             <a:xfrm>
-              <a:off x="3924276" y="1488875"/>
+              <a:off x="3900562" y="1488875"/>
               <a:ext cx="0" cy="7526833"/>
             </a:xfrm>
             <a:custGeom>
@@ -2400,7 +2400,7 @@
           </p:nvSpPr>
           <p:spPr>
             <a:xfrm>
-              <a:off x="4224662" y="1488875"/>
+              <a:off x="4189090" y="1488875"/>
               <a:ext cx="0" cy="7526833"/>
             </a:xfrm>
             <a:custGeom>
@@ -2443,7 +2443,7 @@
           </p:nvSpPr>
           <p:spPr>
             <a:xfrm>
-              <a:off x="4525048" y="1488875"/>
+              <a:off x="4477618" y="1488875"/>
               <a:ext cx="0" cy="7526833"/>
             </a:xfrm>
             <a:custGeom>
@@ -2486,7 +2486,7 @@
           </p:nvSpPr>
           <p:spPr>
             <a:xfrm>
-              <a:off x="4825434" y="1488875"/>
+              <a:off x="4766147" y="1488875"/>
               <a:ext cx="0" cy="7526833"/>
             </a:xfrm>
             <a:custGeom>
@@ -2529,7 +2529,7 @@
           </p:nvSpPr>
           <p:spPr>
             <a:xfrm>
-              <a:off x="5125819" y="1488875"/>
+              <a:off x="5054675" y="1488875"/>
               <a:ext cx="0" cy="7526833"/>
             </a:xfrm>
             <a:custGeom>
@@ -2572,7 +2572,7 @@
           </p:nvSpPr>
           <p:spPr>
             <a:xfrm>
-              <a:off x="5426205" y="1488875"/>
+              <a:off x="5343204" y="1488875"/>
               <a:ext cx="0" cy="7526833"/>
             </a:xfrm>
             <a:custGeom>
@@ -2615,7 +2615,7 @@
           </p:nvSpPr>
           <p:spPr>
             <a:xfrm>
-              <a:off x="5726591" y="1488875"/>
+              <a:off x="5631732" y="1488875"/>
               <a:ext cx="0" cy="7526833"/>
             </a:xfrm>
             <a:custGeom>
@@ -2658,7 +2658,7 @@
           </p:nvSpPr>
           <p:spPr>
             <a:xfrm>
-              <a:off x="6026977" y="1488875"/>
+              <a:off x="5920261" y="1488875"/>
               <a:ext cx="0" cy="7526833"/>
             </a:xfrm>
             <a:custGeom>
@@ -2701,7 +2701,7 @@
           </p:nvSpPr>
           <p:spPr>
             <a:xfrm>
-              <a:off x="6327362" y="1488875"/>
+              <a:off x="6208789" y="1488875"/>
               <a:ext cx="0" cy="7526833"/>
             </a:xfrm>
             <a:custGeom>
@@ -2744,7 +2744,7 @@
           </p:nvSpPr>
           <p:spPr>
             <a:xfrm>
-              <a:off x="6627748" y="1488875"/>
+              <a:off x="6497317" y="1488875"/>
               <a:ext cx="0" cy="7526833"/>
             </a:xfrm>
             <a:custGeom>
@@ -2787,7 +2787,7 @@
           </p:nvSpPr>
           <p:spPr>
             <a:xfrm>
-              <a:off x="6928134" y="1488875"/>
+              <a:off x="6785846" y="1488875"/>
               <a:ext cx="0" cy="7526833"/>
             </a:xfrm>
             <a:custGeom>
@@ -2830,7 +2830,7 @@
           </p:nvSpPr>
           <p:spPr>
             <a:xfrm>
-              <a:off x="7228520" y="1488875"/>
+              <a:off x="7074374" y="1488875"/>
               <a:ext cx="0" cy="7526833"/>
             </a:xfrm>
             <a:custGeom>
@@ -2873,7 +2873,7 @@
           </p:nvSpPr>
           <p:spPr>
             <a:xfrm>
-              <a:off x="7528905" y="1488875"/>
+              <a:off x="7362903" y="1488875"/>
               <a:ext cx="0" cy="7526833"/>
             </a:xfrm>
             <a:custGeom>
@@ -2910,14 +2910,57 @@
         </p:sp>
         <p:sp>
           <p:nvSpPr>
-            <p:cNvPr id="19" name="rc19"/>
-            <p:cNvSpPr/>
-            <p:nvPr/>
-          </p:nvSpPr>
-          <p:spPr>
-            <a:xfrm>
-              <a:off x="7468828" y="4032283"/>
-              <a:ext cx="240308" cy="372206"/>
+            <p:cNvPr id="19" name="pl19"/>
+            <p:cNvSpPr/>
+            <p:nvPr/>
+          </p:nvSpPr>
+          <p:spPr>
+            <a:xfrm>
+              <a:off x="7651431" y="1488875"/>
+              <a:ext cx="0" cy="7526833"/>
+            </a:xfrm>
+            <a:custGeom>
+              <a:avLst/>
+              <a:pathLst>
+                <a:path w="0" h="7526833">
+                  <a:moveTo>
+                    <a:pt x="0" y="7526833"/>
+                  </a:moveTo>
+                  <a:lnTo>
+                    <a:pt x="0" y="0"/>
+                  </a:lnTo>
+                  <a:lnTo>
+                    <a:pt x="0" y="0"/>
+                  </a:lnTo>
+                </a:path>
+              </a:pathLst>
+            </a:custGeom>
+            <a:ln w="13550" cap="flat">
+              <a:solidFill>
+                <a:srgbClr val="D3D3D3">
+                  <a:alpha val="100000"/>
+                </a:srgbClr>
+              </a:solidFill>
+              <a:prstDash val="solid"/>
+              <a:round/>
+            </a:ln>
+          </p:spPr>
+          <p:txBody>
+            <a:bodyPr/>
+            <a:lstStyle/>
+            <a:p/>
+          </p:txBody>
+        </p:sp>
+        <p:sp>
+          <p:nvSpPr>
+            <p:cNvPr id="20" name="rc20"/>
+            <p:cNvSpPr/>
+            <p:nvPr/>
+          </p:nvSpPr>
+          <p:spPr>
+            <a:xfrm>
+              <a:off x="7391755" y="4445845"/>
+              <a:ext cx="259675" cy="372206"/>
             </a:xfrm>
             <a:prstGeom prst="rect">
               <a:avLst/>
@@ -2936,14 +2979,14 @@
         </p:sp>
         <p:sp>
           <p:nvSpPr>
-            <p:cNvPr id="20" name="rc20"/>
-            <p:cNvSpPr/>
-            <p:nvPr/>
-          </p:nvSpPr>
-          <p:spPr>
-            <a:xfrm>
-              <a:off x="6717864" y="4032283"/>
-              <a:ext cx="750964" cy="372206"/>
+            <p:cNvPr id="21" name="rc21"/>
+            <p:cNvSpPr/>
+            <p:nvPr/>
+          </p:nvSpPr>
+          <p:spPr>
+            <a:xfrm>
+              <a:off x="6699287" y="4445845"/>
+              <a:ext cx="692468" cy="372206"/>
             </a:xfrm>
             <a:prstGeom prst="rect">
               <a:avLst/>
@@ -2962,14 +3005,14 @@
         </p:sp>
         <p:sp>
           <p:nvSpPr>
-            <p:cNvPr id="21" name="rc21"/>
-            <p:cNvSpPr/>
-            <p:nvPr/>
-          </p:nvSpPr>
-          <p:spPr>
-            <a:xfrm>
-              <a:off x="6537632" y="4032283"/>
-              <a:ext cx="180231" cy="372206"/>
+            <p:cNvPr id="22" name="rc22"/>
+            <p:cNvSpPr/>
+            <p:nvPr/>
+          </p:nvSpPr>
+          <p:spPr>
+            <a:xfrm>
+              <a:off x="6497317" y="4445845"/>
+              <a:ext cx="201969" cy="372206"/>
             </a:xfrm>
             <a:prstGeom prst="rect">
               <a:avLst/>
@@ -2988,14 +3031,14 @@
         </p:sp>
         <p:sp>
           <p:nvSpPr>
-            <p:cNvPr id="22" name="rc22"/>
-            <p:cNvSpPr/>
-            <p:nvPr/>
-          </p:nvSpPr>
-          <p:spPr>
-            <a:xfrm>
-              <a:off x="5756629" y="4032283"/>
-              <a:ext cx="781002" cy="372206"/>
+            <p:cNvPr id="23" name="rc23"/>
+            <p:cNvSpPr/>
+            <p:nvPr/>
+          </p:nvSpPr>
+          <p:spPr>
+            <a:xfrm>
+              <a:off x="5718291" y="4445845"/>
+              <a:ext cx="779026" cy="372206"/>
             </a:xfrm>
             <a:prstGeom prst="rect">
               <a:avLst/>
@@ -3014,14 +3057,14 @@
         </p:sp>
         <p:sp>
           <p:nvSpPr>
-            <p:cNvPr id="23" name="rc23"/>
-            <p:cNvSpPr/>
-            <p:nvPr/>
-          </p:nvSpPr>
-          <p:spPr>
-            <a:xfrm>
-              <a:off x="5185896" y="4032283"/>
-              <a:ext cx="570732" cy="372206"/>
+            <p:cNvPr id="24" name="rc24"/>
+            <p:cNvSpPr/>
+            <p:nvPr/>
+          </p:nvSpPr>
+          <p:spPr>
+            <a:xfrm>
+              <a:off x="5112381" y="4445845"/>
+              <a:ext cx="605909" cy="372206"/>
             </a:xfrm>
             <a:prstGeom prst="rect">
               <a:avLst/>
@@ -3040,14 +3083,14 @@
         </p:sp>
         <p:sp>
           <p:nvSpPr>
-            <p:cNvPr id="24" name="rc24"/>
-            <p:cNvSpPr/>
-            <p:nvPr/>
-          </p:nvSpPr>
-          <p:spPr>
-            <a:xfrm>
-              <a:off x="4044431" y="4032283"/>
-              <a:ext cx="1141465" cy="372206"/>
+            <p:cNvPr id="25" name="rc25"/>
+            <p:cNvSpPr/>
+            <p:nvPr/>
+          </p:nvSpPr>
+          <p:spPr>
+            <a:xfrm>
+              <a:off x="3987120" y="4445845"/>
+              <a:ext cx="1125260" cy="372206"/>
             </a:xfrm>
             <a:prstGeom prst="rect">
               <a:avLst/>
@@ -3066,14 +3109,2354 @@
         </p:sp>
         <p:sp>
           <p:nvSpPr>
-            <p:cNvPr id="25" name="rc25"/>
+            <p:cNvPr id="26" name="rc26"/>
+            <p:cNvSpPr/>
+            <p:nvPr/>
+          </p:nvSpPr>
+          <p:spPr>
+            <a:xfrm>
+              <a:off x="3323505" y="4445845"/>
+              <a:ext cx="663615" cy="372206"/>
+            </a:xfrm>
+            <a:prstGeom prst="rect">
+              <a:avLst/>
+            </a:prstGeom>
+            <a:solidFill>
+              <a:srgbClr val="F44336">
+                <a:alpha val="100000"/>
+              </a:srgbClr>
+            </a:solidFill>
+          </p:spPr>
+          <p:txBody>
+            <a:bodyPr/>
+            <a:lstStyle/>
+            <a:p/>
+          </p:txBody>
+        </p:sp>
+        <p:sp>
+          <p:nvSpPr>
+            <p:cNvPr id="27" name="rc27"/>
+            <p:cNvSpPr/>
+            <p:nvPr/>
+          </p:nvSpPr>
+          <p:spPr>
+            <a:xfrm>
+              <a:off x="6064525" y="8581468"/>
+              <a:ext cx="1586906" cy="372206"/>
+            </a:xfrm>
+            <a:prstGeom prst="rect">
+              <a:avLst/>
+            </a:prstGeom>
+            <a:solidFill>
+              <a:srgbClr val="B0BEC5">
+                <a:alpha val="100000"/>
+              </a:srgbClr>
+            </a:solidFill>
+          </p:spPr>
+          <p:txBody>
+            <a:bodyPr/>
+            <a:lstStyle/>
+            <a:p/>
+          </p:txBody>
+        </p:sp>
+        <p:sp>
+          <p:nvSpPr>
+            <p:cNvPr id="28" name="rc28"/>
+            <p:cNvSpPr/>
+            <p:nvPr/>
+          </p:nvSpPr>
+          <p:spPr>
+            <a:xfrm>
+              <a:off x="3900562" y="8581468"/>
+              <a:ext cx="2163963" cy="372206"/>
+            </a:xfrm>
+            <a:prstGeom prst="rect">
+              <a:avLst/>
+            </a:prstGeom>
+            <a:solidFill>
+              <a:srgbClr val="2196F3">
+                <a:alpha val="100000"/>
+              </a:srgbClr>
+            </a:solidFill>
+          </p:spPr>
+          <p:txBody>
+            <a:bodyPr/>
+            <a:lstStyle/>
+            <a:p/>
+          </p:txBody>
+        </p:sp>
+        <p:sp>
+          <p:nvSpPr>
+            <p:cNvPr id="29" name="rc29"/>
+            <p:cNvSpPr/>
+            <p:nvPr/>
+          </p:nvSpPr>
+          <p:spPr>
+            <a:xfrm>
+              <a:off x="3814003" y="8581468"/>
+              <a:ext cx="86558" cy="372206"/>
+            </a:xfrm>
+            <a:prstGeom prst="rect">
+              <a:avLst/>
+            </a:prstGeom>
+            <a:solidFill>
+              <a:srgbClr val="4CAF50">
+                <a:alpha val="100000"/>
+              </a:srgbClr>
+            </a:solidFill>
+          </p:spPr>
+          <p:txBody>
+            <a:bodyPr/>
+            <a:lstStyle/>
+            <a:p/>
+          </p:txBody>
+        </p:sp>
+        <p:sp>
+          <p:nvSpPr>
+            <p:cNvPr id="30" name="rc30"/>
+            <p:cNvSpPr/>
+            <p:nvPr/>
+          </p:nvSpPr>
+          <p:spPr>
+            <a:xfrm>
+              <a:off x="3756297" y="8581468"/>
+              <a:ext cx="57705" cy="372206"/>
+            </a:xfrm>
+            <a:prstGeom prst="rect">
+              <a:avLst/>
+            </a:prstGeom>
+            <a:solidFill>
+              <a:srgbClr val="FFC107">
+                <a:alpha val="100000"/>
+              </a:srgbClr>
+            </a:solidFill>
+          </p:spPr>
+          <p:txBody>
+            <a:bodyPr/>
+            <a:lstStyle/>
+            <a:p/>
+          </p:txBody>
+        </p:sp>
+        <p:sp>
+          <p:nvSpPr>
+            <p:cNvPr id="31" name="rc31"/>
+            <p:cNvSpPr/>
+            <p:nvPr/>
+          </p:nvSpPr>
+          <p:spPr>
+            <a:xfrm>
+              <a:off x="3525475" y="8581468"/>
+              <a:ext cx="230822" cy="372206"/>
+            </a:xfrm>
+            <a:prstGeom prst="rect">
+              <a:avLst/>
+            </a:prstGeom>
+            <a:solidFill>
+              <a:srgbClr val="FF9800">
+                <a:alpha val="100000"/>
+              </a:srgbClr>
+            </a:solidFill>
+          </p:spPr>
+          <p:txBody>
+            <a:bodyPr/>
+            <a:lstStyle/>
+            <a:p/>
+          </p:txBody>
+        </p:sp>
+        <p:sp>
+          <p:nvSpPr>
+            <p:cNvPr id="32" name="rc32"/>
+            <p:cNvSpPr/>
+            <p:nvPr/>
+          </p:nvSpPr>
+          <p:spPr>
+            <a:xfrm>
+              <a:off x="3323505" y="8581468"/>
+              <a:ext cx="201969" cy="372206"/>
+            </a:xfrm>
+            <a:prstGeom prst="rect">
+              <a:avLst/>
+            </a:prstGeom>
+            <a:solidFill>
+              <a:srgbClr val="F44336">
+                <a:alpha val="100000"/>
+              </a:srgbClr>
+            </a:solidFill>
+          </p:spPr>
+          <p:txBody>
+            <a:bodyPr/>
+            <a:lstStyle/>
+            <a:p/>
+          </p:txBody>
+        </p:sp>
+        <p:sp>
+          <p:nvSpPr>
+            <p:cNvPr id="33" name="rc33"/>
+            <p:cNvSpPr/>
+            <p:nvPr/>
+          </p:nvSpPr>
+          <p:spPr>
+            <a:xfrm>
+              <a:off x="7449461" y="8167906"/>
+              <a:ext cx="201969" cy="372206"/>
+            </a:xfrm>
+            <a:prstGeom prst="rect">
+              <a:avLst/>
+            </a:prstGeom>
+            <a:solidFill>
+              <a:srgbClr val="B0BEC5">
+                <a:alpha val="100000"/>
+              </a:srgbClr>
+            </a:solidFill>
+          </p:spPr>
+          <p:txBody>
+            <a:bodyPr/>
+            <a:lstStyle/>
+            <a:p/>
+          </p:txBody>
+        </p:sp>
+        <p:sp>
+          <p:nvSpPr>
+            <p:cNvPr id="34" name="rc34"/>
+            <p:cNvSpPr/>
+            <p:nvPr/>
+          </p:nvSpPr>
+          <p:spPr>
+            <a:xfrm>
+              <a:off x="5285498" y="8167906"/>
+              <a:ext cx="2163963" cy="372206"/>
+            </a:xfrm>
+            <a:prstGeom prst="rect">
+              <a:avLst/>
+            </a:prstGeom>
+            <a:solidFill>
+              <a:srgbClr val="2196F3">
+                <a:alpha val="100000"/>
+              </a:srgbClr>
+            </a:solidFill>
+          </p:spPr>
+          <p:txBody>
+            <a:bodyPr/>
+            <a:lstStyle/>
+            <a:p/>
+          </p:txBody>
+        </p:sp>
+        <p:sp>
+          <p:nvSpPr>
+            <p:cNvPr id="35" name="rc35"/>
+            <p:cNvSpPr/>
+            <p:nvPr/>
+          </p:nvSpPr>
+          <p:spPr>
+            <a:xfrm>
+              <a:off x="4766147" y="8167906"/>
+              <a:ext cx="519351" cy="372206"/>
+            </a:xfrm>
+            <a:prstGeom prst="rect">
+              <a:avLst/>
+            </a:prstGeom>
+            <a:solidFill>
+              <a:srgbClr val="4CAF50">
+                <a:alpha val="100000"/>
+              </a:srgbClr>
+            </a:solidFill>
+          </p:spPr>
+          <p:txBody>
+            <a:bodyPr/>
+            <a:lstStyle/>
+            <a:p/>
+          </p:txBody>
+        </p:sp>
+        <p:sp>
+          <p:nvSpPr>
+            <p:cNvPr id="36" name="rc36"/>
+            <p:cNvSpPr/>
+            <p:nvPr/>
+          </p:nvSpPr>
+          <p:spPr>
+            <a:xfrm>
+              <a:off x="4217943" y="8167906"/>
+              <a:ext cx="548203" cy="372206"/>
+            </a:xfrm>
+            <a:prstGeom prst="rect">
+              <a:avLst/>
+            </a:prstGeom>
+            <a:solidFill>
+              <a:srgbClr val="8BC34A">
+                <a:alpha val="100000"/>
+              </a:srgbClr>
+            </a:solidFill>
+          </p:spPr>
+          <p:txBody>
+            <a:bodyPr/>
+            <a:lstStyle/>
+            <a:p/>
+          </p:txBody>
+        </p:sp>
+        <p:sp>
+          <p:nvSpPr>
+            <p:cNvPr id="37" name="rc37"/>
+            <p:cNvSpPr/>
+            <p:nvPr/>
+          </p:nvSpPr>
+          <p:spPr>
+            <a:xfrm>
+              <a:off x="3958267" y="8167906"/>
+              <a:ext cx="259675" cy="372206"/>
+            </a:xfrm>
+            <a:prstGeom prst="rect">
+              <a:avLst/>
+            </a:prstGeom>
+            <a:solidFill>
+              <a:srgbClr val="FFC107">
+                <a:alpha val="100000"/>
+              </a:srgbClr>
+            </a:solidFill>
+          </p:spPr>
+          <p:txBody>
+            <a:bodyPr/>
+            <a:lstStyle/>
+            <a:p/>
+          </p:txBody>
+        </p:sp>
+        <p:sp>
+          <p:nvSpPr>
+            <p:cNvPr id="38" name="rc38"/>
+            <p:cNvSpPr/>
+            <p:nvPr/>
+          </p:nvSpPr>
+          <p:spPr>
+            <a:xfrm>
+              <a:off x="3669739" y="8167906"/>
+              <a:ext cx="288528" cy="372206"/>
+            </a:xfrm>
+            <a:prstGeom prst="rect">
+              <a:avLst/>
+            </a:prstGeom>
+            <a:solidFill>
+              <a:srgbClr val="FF9800">
+                <a:alpha val="100000"/>
+              </a:srgbClr>
+            </a:solidFill>
+          </p:spPr>
+          <p:txBody>
+            <a:bodyPr/>
+            <a:lstStyle/>
+            <a:p/>
+          </p:txBody>
+        </p:sp>
+        <p:sp>
+          <p:nvSpPr>
+            <p:cNvPr id="39" name="rc39"/>
+            <p:cNvSpPr/>
+            <p:nvPr/>
+          </p:nvSpPr>
+          <p:spPr>
+            <a:xfrm>
+              <a:off x="3323505" y="8167906"/>
+              <a:ext cx="346234" cy="372206"/>
+            </a:xfrm>
+            <a:prstGeom prst="rect">
+              <a:avLst/>
+            </a:prstGeom>
+            <a:solidFill>
+              <a:srgbClr val="F44336">
+                <a:alpha val="100000"/>
+              </a:srgbClr>
+            </a:solidFill>
+          </p:spPr>
+          <p:txBody>
+            <a:bodyPr/>
+            <a:lstStyle/>
+            <a:p/>
+          </p:txBody>
+        </p:sp>
+        <p:sp>
+          <p:nvSpPr>
+            <p:cNvPr id="40" name="rc40"/>
+            <p:cNvSpPr/>
+            <p:nvPr/>
+          </p:nvSpPr>
+          <p:spPr>
+            <a:xfrm>
+              <a:off x="7391755" y="7340781"/>
+              <a:ext cx="259675" cy="372206"/>
+            </a:xfrm>
+            <a:prstGeom prst="rect">
+              <a:avLst/>
+            </a:prstGeom>
+            <a:solidFill>
+              <a:srgbClr val="B0BEC5">
+                <a:alpha val="100000"/>
+              </a:srgbClr>
+            </a:solidFill>
+          </p:spPr>
+          <p:txBody>
+            <a:bodyPr/>
+            <a:lstStyle/>
+            <a:p/>
+          </p:txBody>
+        </p:sp>
+        <p:sp>
+          <p:nvSpPr>
+            <p:cNvPr id="41" name="rc41"/>
+            <p:cNvSpPr/>
+            <p:nvPr/>
+          </p:nvSpPr>
+          <p:spPr>
+            <a:xfrm>
+              <a:off x="6006819" y="7340781"/>
+              <a:ext cx="1384936" cy="372206"/>
+            </a:xfrm>
+            <a:prstGeom prst="rect">
+              <a:avLst/>
+            </a:prstGeom>
+            <a:solidFill>
+              <a:srgbClr val="2196F3">
+                <a:alpha val="100000"/>
+              </a:srgbClr>
+            </a:solidFill>
+          </p:spPr>
+          <p:txBody>
+            <a:bodyPr/>
+            <a:lstStyle/>
+            <a:p/>
+          </p:txBody>
+        </p:sp>
+        <p:sp>
+          <p:nvSpPr>
+            <p:cNvPr id="42" name="rc42"/>
+            <p:cNvSpPr/>
+            <p:nvPr/>
+          </p:nvSpPr>
+          <p:spPr>
+            <a:xfrm>
+              <a:off x="5631732" y="7340781"/>
+              <a:ext cx="375086" cy="372206"/>
+            </a:xfrm>
+            <a:prstGeom prst="rect">
+              <a:avLst/>
+            </a:prstGeom>
+            <a:solidFill>
+              <a:srgbClr val="4CAF50">
+                <a:alpha val="100000"/>
+              </a:srgbClr>
+            </a:solidFill>
+          </p:spPr>
+          <p:txBody>
+            <a:bodyPr/>
+            <a:lstStyle/>
+            <a:p/>
+          </p:txBody>
+        </p:sp>
+        <p:sp>
+          <p:nvSpPr>
+            <p:cNvPr id="43" name="rc43"/>
+            <p:cNvSpPr/>
+            <p:nvPr/>
+          </p:nvSpPr>
+          <p:spPr>
+            <a:xfrm>
+              <a:off x="4996970" y="7340781"/>
+              <a:ext cx="634762" cy="372206"/>
+            </a:xfrm>
+            <a:prstGeom prst="rect">
+              <a:avLst/>
+            </a:prstGeom>
+            <a:solidFill>
+              <a:srgbClr val="8BC34A">
+                <a:alpha val="100000"/>
+              </a:srgbClr>
+            </a:solidFill>
+          </p:spPr>
+          <p:txBody>
+            <a:bodyPr/>
+            <a:lstStyle/>
+            <a:p/>
+          </p:txBody>
+        </p:sp>
+        <p:sp>
+          <p:nvSpPr>
+            <p:cNvPr id="44" name="rc44"/>
+            <p:cNvSpPr/>
+            <p:nvPr/>
+          </p:nvSpPr>
+          <p:spPr>
+            <a:xfrm>
+              <a:off x="4621883" y="7340781"/>
+              <a:ext cx="375086" cy="372206"/>
+            </a:xfrm>
+            <a:prstGeom prst="rect">
+              <a:avLst/>
+            </a:prstGeom>
+            <a:solidFill>
+              <a:srgbClr val="FFC107">
+                <a:alpha val="100000"/>
+              </a:srgbClr>
+            </a:solidFill>
+          </p:spPr>
+          <p:txBody>
+            <a:bodyPr/>
+            <a:lstStyle/>
+            <a:p/>
+          </p:txBody>
+        </p:sp>
+        <p:sp>
+          <p:nvSpPr>
+            <p:cNvPr id="45" name="rc45"/>
+            <p:cNvSpPr/>
+            <p:nvPr/>
+          </p:nvSpPr>
+          <p:spPr>
+            <a:xfrm>
+              <a:off x="4131384" y="7340781"/>
+              <a:ext cx="490498" cy="372206"/>
+            </a:xfrm>
+            <a:prstGeom prst="rect">
+              <a:avLst/>
+            </a:prstGeom>
+            <a:solidFill>
+              <a:srgbClr val="FF9800">
+                <a:alpha val="100000"/>
+              </a:srgbClr>
+            </a:solidFill>
+          </p:spPr>
+          <p:txBody>
+            <a:bodyPr/>
+            <a:lstStyle/>
+            <a:p/>
+          </p:txBody>
+        </p:sp>
+        <p:sp>
+          <p:nvSpPr>
+            <p:cNvPr id="46" name="rc46"/>
+            <p:cNvSpPr/>
+            <p:nvPr/>
+          </p:nvSpPr>
+          <p:spPr>
+            <a:xfrm>
+              <a:off x="3323505" y="7340781"/>
+              <a:ext cx="807879" cy="372206"/>
+            </a:xfrm>
+            <a:prstGeom prst="rect">
+              <a:avLst/>
+            </a:prstGeom>
+            <a:solidFill>
+              <a:srgbClr val="F44336">
+                <a:alpha val="100000"/>
+              </a:srgbClr>
+            </a:solidFill>
+          </p:spPr>
+          <p:txBody>
+            <a:bodyPr/>
+            <a:lstStyle/>
+            <a:p/>
+          </p:txBody>
+        </p:sp>
+        <p:sp>
+          <p:nvSpPr>
+            <p:cNvPr id="47" name="rc47"/>
+            <p:cNvSpPr/>
+            <p:nvPr/>
+          </p:nvSpPr>
+          <p:spPr>
+            <a:xfrm>
+              <a:off x="7391755" y="6100095"/>
+              <a:ext cx="230822" cy="372206"/>
+            </a:xfrm>
+            <a:prstGeom prst="rect">
+              <a:avLst/>
+            </a:prstGeom>
+            <a:solidFill>
+              <a:srgbClr val="B0BEC5">
+                <a:alpha val="100000"/>
+              </a:srgbClr>
+            </a:solidFill>
+          </p:spPr>
+          <p:txBody>
+            <a:bodyPr/>
+            <a:lstStyle/>
+            <a:p/>
+          </p:txBody>
+        </p:sp>
+        <p:sp>
+          <p:nvSpPr>
+            <p:cNvPr id="48" name="rc48"/>
+            <p:cNvSpPr/>
+            <p:nvPr/>
+          </p:nvSpPr>
+          <p:spPr>
+            <a:xfrm>
+              <a:off x="6237642" y="6100095"/>
+              <a:ext cx="1154113" cy="372206"/>
+            </a:xfrm>
+            <a:prstGeom prst="rect">
+              <a:avLst/>
+            </a:prstGeom>
+            <a:solidFill>
+              <a:srgbClr val="2196F3">
+                <a:alpha val="100000"/>
+              </a:srgbClr>
+            </a:solidFill>
+          </p:spPr>
+          <p:txBody>
+            <a:bodyPr/>
+            <a:lstStyle/>
+            <a:p/>
+          </p:txBody>
+        </p:sp>
+        <p:sp>
+          <p:nvSpPr>
+            <p:cNvPr id="49" name="rc49"/>
+            <p:cNvSpPr/>
+            <p:nvPr/>
+          </p:nvSpPr>
+          <p:spPr>
+            <a:xfrm>
+              <a:off x="5949113" y="6100095"/>
+              <a:ext cx="288528" cy="372206"/>
+            </a:xfrm>
+            <a:prstGeom prst="rect">
+              <a:avLst/>
+            </a:prstGeom>
+            <a:solidFill>
+              <a:srgbClr val="4CAF50">
+                <a:alpha val="100000"/>
+              </a:srgbClr>
+            </a:solidFill>
+          </p:spPr>
+          <p:txBody>
+            <a:bodyPr/>
+            <a:lstStyle/>
+            <a:p/>
+          </p:txBody>
+        </p:sp>
+        <p:sp>
+          <p:nvSpPr>
+            <p:cNvPr id="50" name="rc50"/>
+            <p:cNvSpPr/>
+            <p:nvPr/>
+          </p:nvSpPr>
+          <p:spPr>
+            <a:xfrm>
+              <a:off x="5458615" y="6100095"/>
+              <a:ext cx="490498" cy="372206"/>
+            </a:xfrm>
+            <a:prstGeom prst="rect">
+              <a:avLst/>
+            </a:prstGeom>
+            <a:solidFill>
+              <a:srgbClr val="8BC34A">
+                <a:alpha val="100000"/>
+              </a:srgbClr>
+            </a:solidFill>
+          </p:spPr>
+          <p:txBody>
+            <a:bodyPr/>
+            <a:lstStyle/>
+            <a:p/>
+          </p:txBody>
+        </p:sp>
+        <p:sp>
+          <p:nvSpPr>
+            <p:cNvPr id="51" name="rc51"/>
+            <p:cNvSpPr/>
+            <p:nvPr/>
+          </p:nvSpPr>
+          <p:spPr>
+            <a:xfrm>
+              <a:off x="4737294" y="6100095"/>
+              <a:ext cx="721321" cy="372206"/>
+            </a:xfrm>
+            <a:prstGeom prst="rect">
+              <a:avLst/>
+            </a:prstGeom>
+            <a:solidFill>
+              <a:srgbClr val="FFC107">
+                <a:alpha val="100000"/>
+              </a:srgbClr>
+            </a:solidFill>
+          </p:spPr>
+          <p:txBody>
+            <a:bodyPr/>
+            <a:lstStyle/>
+            <a:p/>
+          </p:txBody>
+        </p:sp>
+        <p:sp>
+          <p:nvSpPr>
+            <p:cNvPr id="52" name="rc52"/>
+            <p:cNvSpPr/>
+            <p:nvPr/>
+          </p:nvSpPr>
+          <p:spPr>
+            <a:xfrm>
+              <a:off x="3958267" y="6100095"/>
+              <a:ext cx="779026" cy="372206"/>
+            </a:xfrm>
+            <a:prstGeom prst="rect">
+              <a:avLst/>
+            </a:prstGeom>
+            <a:solidFill>
+              <a:srgbClr val="FF9800">
+                <a:alpha val="100000"/>
+              </a:srgbClr>
+            </a:solidFill>
+          </p:spPr>
+          <p:txBody>
+            <a:bodyPr/>
+            <a:lstStyle/>
+            <a:p/>
+          </p:txBody>
+        </p:sp>
+        <p:sp>
+          <p:nvSpPr>
+            <p:cNvPr id="53" name="rc53"/>
+            <p:cNvSpPr/>
+            <p:nvPr/>
+          </p:nvSpPr>
+          <p:spPr>
+            <a:xfrm>
+              <a:off x="3323505" y="6100095"/>
+              <a:ext cx="634762" cy="372206"/>
+            </a:xfrm>
+            <a:prstGeom prst="rect">
+              <a:avLst/>
+            </a:prstGeom>
+            <a:solidFill>
+              <a:srgbClr val="F44336">
+                <a:alpha val="100000"/>
+              </a:srgbClr>
+            </a:solidFill>
+          </p:spPr>
+          <p:txBody>
+            <a:bodyPr/>
+            <a:lstStyle/>
+            <a:p/>
+          </p:txBody>
+        </p:sp>
+        <p:sp>
+          <p:nvSpPr>
+            <p:cNvPr id="54" name="rc54"/>
+            <p:cNvSpPr/>
+            <p:nvPr/>
+          </p:nvSpPr>
+          <p:spPr>
+            <a:xfrm>
+              <a:off x="7420608" y="6927219"/>
+              <a:ext cx="288528" cy="372206"/>
+            </a:xfrm>
+            <a:prstGeom prst="rect">
+              <a:avLst/>
+            </a:prstGeom>
+            <a:solidFill>
+              <a:srgbClr val="B0BEC5">
+                <a:alpha val="100000"/>
+              </a:srgbClr>
+            </a:solidFill>
+          </p:spPr>
+          <p:txBody>
+            <a:bodyPr/>
+            <a:lstStyle/>
+            <a:p/>
+          </p:txBody>
+        </p:sp>
+        <p:sp>
+          <p:nvSpPr>
+            <p:cNvPr id="55" name="rc55"/>
+            <p:cNvSpPr/>
+            <p:nvPr/>
+          </p:nvSpPr>
+          <p:spPr>
+            <a:xfrm>
+              <a:off x="5949113" y="6927219"/>
+              <a:ext cx="1471494" cy="372206"/>
+            </a:xfrm>
+            <a:prstGeom prst="rect">
+              <a:avLst/>
+            </a:prstGeom>
+            <a:solidFill>
+              <a:srgbClr val="2196F3">
+                <a:alpha val="100000"/>
+              </a:srgbClr>
+            </a:solidFill>
+          </p:spPr>
+          <p:txBody>
+            <a:bodyPr/>
+            <a:lstStyle/>
+            <a:p/>
+          </p:txBody>
+        </p:sp>
+        <p:sp>
+          <p:nvSpPr>
+            <p:cNvPr id="56" name="rc56"/>
+            <p:cNvSpPr/>
+            <p:nvPr/>
+          </p:nvSpPr>
+          <p:spPr>
+            <a:xfrm>
+              <a:off x="5574026" y="6927219"/>
+              <a:ext cx="375086" cy="372206"/>
+            </a:xfrm>
+            <a:prstGeom prst="rect">
+              <a:avLst/>
+            </a:prstGeom>
+            <a:solidFill>
+              <a:srgbClr val="4CAF50">
+                <a:alpha val="100000"/>
+              </a:srgbClr>
+            </a:solidFill>
+          </p:spPr>
+          <p:txBody>
+            <a:bodyPr/>
+            <a:lstStyle/>
+            <a:p/>
+          </p:txBody>
+        </p:sp>
+        <p:sp>
+          <p:nvSpPr>
+            <p:cNvPr id="57" name="rc57"/>
+            <p:cNvSpPr/>
+            <p:nvPr/>
+          </p:nvSpPr>
+          <p:spPr>
+            <a:xfrm>
+              <a:off x="5054675" y="6927219"/>
+              <a:ext cx="519351" cy="372206"/>
+            </a:xfrm>
+            <a:prstGeom prst="rect">
+              <a:avLst/>
+            </a:prstGeom>
+            <a:solidFill>
+              <a:srgbClr val="8BC34A">
+                <a:alpha val="100000"/>
+              </a:srgbClr>
+            </a:solidFill>
+          </p:spPr>
+          <p:txBody>
+            <a:bodyPr/>
+            <a:lstStyle/>
+            <a:p/>
+          </p:txBody>
+        </p:sp>
+        <p:sp>
+          <p:nvSpPr>
+            <p:cNvPr id="58" name="rc58"/>
+            <p:cNvSpPr/>
+            <p:nvPr/>
+          </p:nvSpPr>
+          <p:spPr>
+            <a:xfrm>
+              <a:off x="4621883" y="6927219"/>
+              <a:ext cx="432792" cy="372206"/>
+            </a:xfrm>
+            <a:prstGeom prst="rect">
+              <a:avLst/>
+            </a:prstGeom>
+            <a:solidFill>
+              <a:srgbClr val="FFC107">
+                <a:alpha val="100000"/>
+              </a:srgbClr>
+            </a:solidFill>
+          </p:spPr>
+          <p:txBody>
+            <a:bodyPr/>
+            <a:lstStyle/>
+            <a:p/>
+          </p:txBody>
+        </p:sp>
+        <p:sp>
+          <p:nvSpPr>
+            <p:cNvPr id="59" name="rc59"/>
+            <p:cNvSpPr/>
+            <p:nvPr/>
+          </p:nvSpPr>
+          <p:spPr>
+            <a:xfrm>
+              <a:off x="4044826" y="6927219"/>
+              <a:ext cx="577056" cy="372206"/>
+            </a:xfrm>
+            <a:prstGeom prst="rect">
+              <a:avLst/>
+            </a:prstGeom>
+            <a:solidFill>
+              <a:srgbClr val="FF9800">
+                <a:alpha val="100000"/>
+              </a:srgbClr>
+            </a:solidFill>
+          </p:spPr>
+          <p:txBody>
+            <a:bodyPr/>
+            <a:lstStyle/>
+            <a:p/>
+          </p:txBody>
+        </p:sp>
+        <p:sp>
+          <p:nvSpPr>
+            <p:cNvPr id="60" name="rc60"/>
+            <p:cNvSpPr/>
+            <p:nvPr/>
+          </p:nvSpPr>
+          <p:spPr>
+            <a:xfrm>
+              <a:off x="3323505" y="6927219"/>
+              <a:ext cx="721321" cy="372206"/>
+            </a:xfrm>
+            <a:prstGeom prst="rect">
+              <a:avLst/>
+            </a:prstGeom>
+            <a:solidFill>
+              <a:srgbClr val="F44336">
+                <a:alpha val="100000"/>
+              </a:srgbClr>
+            </a:solidFill>
+          </p:spPr>
+          <p:txBody>
+            <a:bodyPr/>
+            <a:lstStyle/>
+            <a:p/>
+          </p:txBody>
+        </p:sp>
+        <p:sp>
+          <p:nvSpPr>
+            <p:cNvPr id="61" name="rc61"/>
+            <p:cNvSpPr/>
+            <p:nvPr/>
+          </p:nvSpPr>
+          <p:spPr>
+            <a:xfrm>
+              <a:off x="7507167" y="1550909"/>
+              <a:ext cx="144264" cy="372206"/>
+            </a:xfrm>
+            <a:prstGeom prst="rect">
+              <a:avLst/>
+            </a:prstGeom>
+            <a:solidFill>
+              <a:srgbClr val="B0BEC5">
+                <a:alpha val="100000"/>
+              </a:srgbClr>
+            </a:solidFill>
+          </p:spPr>
+          <p:txBody>
+            <a:bodyPr/>
+            <a:lstStyle/>
+            <a:p/>
+          </p:txBody>
+        </p:sp>
+        <p:sp>
+          <p:nvSpPr>
+            <p:cNvPr id="62" name="rc62"/>
+            <p:cNvSpPr/>
+            <p:nvPr/>
+          </p:nvSpPr>
+          <p:spPr>
+            <a:xfrm>
+              <a:off x="7160933" y="1550909"/>
+              <a:ext cx="346234" cy="372206"/>
+            </a:xfrm>
+            <a:prstGeom prst="rect">
+              <a:avLst/>
+            </a:prstGeom>
+            <a:solidFill>
+              <a:srgbClr val="2196F3">
+                <a:alpha val="100000"/>
+              </a:srgbClr>
+            </a:solidFill>
+          </p:spPr>
+          <p:txBody>
+            <a:bodyPr/>
+            <a:lstStyle/>
+            <a:p/>
+          </p:txBody>
+        </p:sp>
+        <p:sp>
+          <p:nvSpPr>
+            <p:cNvPr id="63" name="rc63"/>
+            <p:cNvSpPr/>
+            <p:nvPr/>
+          </p:nvSpPr>
+          <p:spPr>
+            <a:xfrm>
+              <a:off x="6930110" y="1550909"/>
+              <a:ext cx="230822" cy="372206"/>
+            </a:xfrm>
+            <a:prstGeom prst="rect">
+              <a:avLst/>
+            </a:prstGeom>
+            <a:solidFill>
+              <a:srgbClr val="4CAF50">
+                <a:alpha val="100000"/>
+              </a:srgbClr>
+            </a:solidFill>
+          </p:spPr>
+          <p:txBody>
+            <a:bodyPr/>
+            <a:lstStyle/>
+            <a:p/>
+          </p:txBody>
+        </p:sp>
+        <p:sp>
+          <p:nvSpPr>
+            <p:cNvPr id="64" name="rc64"/>
+            <p:cNvSpPr/>
+            <p:nvPr/>
+          </p:nvSpPr>
+          <p:spPr>
+            <a:xfrm>
+              <a:off x="6237642" y="1550909"/>
+              <a:ext cx="692468" cy="372206"/>
+            </a:xfrm>
+            <a:prstGeom prst="rect">
+              <a:avLst/>
+            </a:prstGeom>
+            <a:solidFill>
+              <a:srgbClr val="8BC34A">
+                <a:alpha val="100000"/>
+              </a:srgbClr>
+            </a:solidFill>
+          </p:spPr>
+          <p:txBody>
+            <a:bodyPr/>
+            <a:lstStyle/>
+            <a:p/>
+          </p:txBody>
+        </p:sp>
+        <p:sp>
+          <p:nvSpPr>
+            <p:cNvPr id="65" name="rc65"/>
+            <p:cNvSpPr/>
+            <p:nvPr/>
+          </p:nvSpPr>
+          <p:spPr>
+            <a:xfrm>
+              <a:off x="5602879" y="1550909"/>
+              <a:ext cx="634762" cy="372206"/>
+            </a:xfrm>
+            <a:prstGeom prst="rect">
+              <a:avLst/>
+            </a:prstGeom>
+            <a:solidFill>
+              <a:srgbClr val="FFC107">
+                <a:alpha val="100000"/>
+              </a:srgbClr>
+            </a:solidFill>
+          </p:spPr>
+          <p:txBody>
+            <a:bodyPr/>
+            <a:lstStyle/>
+            <a:p/>
+          </p:txBody>
+        </p:sp>
+        <p:sp>
+          <p:nvSpPr>
+            <p:cNvPr id="66" name="rc66"/>
+            <p:cNvSpPr/>
+            <p:nvPr/>
+          </p:nvSpPr>
+          <p:spPr>
+            <a:xfrm>
+              <a:off x="4419913" y="1550909"/>
+              <a:ext cx="1182966" cy="372206"/>
+            </a:xfrm>
+            <a:prstGeom prst="rect">
+              <a:avLst/>
+            </a:prstGeom>
+            <a:solidFill>
+              <a:srgbClr val="FF9800">
+                <a:alpha val="100000"/>
+              </a:srgbClr>
+            </a:solidFill>
+          </p:spPr>
+          <p:txBody>
+            <a:bodyPr/>
+            <a:lstStyle/>
+            <a:p/>
+          </p:txBody>
+        </p:sp>
+        <p:sp>
+          <p:nvSpPr>
+            <p:cNvPr id="67" name="rc67"/>
+            <p:cNvSpPr/>
+            <p:nvPr/>
+          </p:nvSpPr>
+          <p:spPr>
+            <a:xfrm>
+              <a:off x="3323505" y="1550909"/>
+              <a:ext cx="1096407" cy="372206"/>
+            </a:xfrm>
+            <a:prstGeom prst="rect">
+              <a:avLst/>
+            </a:prstGeom>
+            <a:solidFill>
+              <a:srgbClr val="F44336">
+                <a:alpha val="100000"/>
+              </a:srgbClr>
+            </a:solidFill>
+          </p:spPr>
+          <p:txBody>
+            <a:bodyPr/>
+            <a:lstStyle/>
+            <a:p/>
+          </p:txBody>
+        </p:sp>
+        <p:sp>
+          <p:nvSpPr>
+            <p:cNvPr id="68" name="rc68"/>
+            <p:cNvSpPr/>
+            <p:nvPr/>
+          </p:nvSpPr>
+          <p:spPr>
+            <a:xfrm>
+              <a:off x="7478314" y="2791596"/>
+              <a:ext cx="173117" cy="372206"/>
+            </a:xfrm>
+            <a:prstGeom prst="rect">
+              <a:avLst/>
+            </a:prstGeom>
+            <a:solidFill>
+              <a:srgbClr val="B0BEC5">
+                <a:alpha val="100000"/>
+              </a:srgbClr>
+            </a:solidFill>
+          </p:spPr>
+          <p:txBody>
+            <a:bodyPr/>
+            <a:lstStyle/>
+            <a:p/>
+          </p:txBody>
+        </p:sp>
+        <p:sp>
+          <p:nvSpPr>
+            <p:cNvPr id="69" name="rc69"/>
+            <p:cNvSpPr/>
+            <p:nvPr/>
+          </p:nvSpPr>
+          <p:spPr>
+            <a:xfrm>
+              <a:off x="6872404" y="2791596"/>
+              <a:ext cx="605909" cy="372206"/>
+            </a:xfrm>
+            <a:prstGeom prst="rect">
+              <a:avLst/>
+            </a:prstGeom>
+            <a:solidFill>
+              <a:srgbClr val="2196F3">
+                <a:alpha val="100000"/>
+              </a:srgbClr>
+            </a:solidFill>
+          </p:spPr>
+          <p:txBody>
+            <a:bodyPr/>
+            <a:lstStyle/>
+            <a:p/>
+          </p:txBody>
+        </p:sp>
+        <p:sp>
+          <p:nvSpPr>
+            <p:cNvPr id="70" name="rc70"/>
+            <p:cNvSpPr/>
+            <p:nvPr/>
+          </p:nvSpPr>
+          <p:spPr>
+            <a:xfrm>
+              <a:off x="6583876" y="2791596"/>
+              <a:ext cx="288528" cy="372206"/>
+            </a:xfrm>
+            <a:prstGeom prst="rect">
+              <a:avLst/>
+            </a:prstGeom>
+            <a:solidFill>
+              <a:srgbClr val="4CAF50">
+                <a:alpha val="100000"/>
+              </a:srgbClr>
+            </a:solidFill>
+          </p:spPr>
+          <p:txBody>
+            <a:bodyPr/>
+            <a:lstStyle/>
+            <a:p/>
+          </p:txBody>
+        </p:sp>
+        <p:sp>
+          <p:nvSpPr>
+            <p:cNvPr id="71" name="rc71"/>
+            <p:cNvSpPr/>
+            <p:nvPr/>
+          </p:nvSpPr>
+          <p:spPr>
+            <a:xfrm>
+              <a:off x="5891408" y="2791596"/>
+              <a:ext cx="692468" cy="372206"/>
+            </a:xfrm>
+            <a:prstGeom prst="rect">
+              <a:avLst/>
+            </a:prstGeom>
+            <a:solidFill>
+              <a:srgbClr val="8BC34A">
+                <a:alpha val="100000"/>
+              </a:srgbClr>
+            </a:solidFill>
+          </p:spPr>
+          <p:txBody>
+            <a:bodyPr/>
+            <a:lstStyle/>
+            <a:p/>
+          </p:txBody>
+        </p:sp>
+        <p:sp>
+          <p:nvSpPr>
+            <p:cNvPr id="72" name="rc72"/>
+            <p:cNvSpPr/>
+            <p:nvPr/>
+          </p:nvSpPr>
+          <p:spPr>
+            <a:xfrm>
+              <a:off x="5314351" y="2791596"/>
+              <a:ext cx="577056" cy="372206"/>
+            </a:xfrm>
+            <a:prstGeom prst="rect">
+              <a:avLst/>
+            </a:prstGeom>
+            <a:solidFill>
+              <a:srgbClr val="FFC107">
+                <a:alpha val="100000"/>
+              </a:srgbClr>
+            </a:solidFill>
+          </p:spPr>
+          <p:txBody>
+            <a:bodyPr/>
+            <a:lstStyle/>
+            <a:p/>
+          </p:txBody>
+        </p:sp>
+        <p:sp>
+          <p:nvSpPr>
+            <p:cNvPr id="73" name="rc73"/>
+            <p:cNvSpPr/>
+            <p:nvPr/>
+          </p:nvSpPr>
+          <p:spPr>
+            <a:xfrm>
+              <a:off x="4362207" y="2791596"/>
+              <a:ext cx="952143" cy="372206"/>
+            </a:xfrm>
+            <a:prstGeom prst="rect">
+              <a:avLst/>
+            </a:prstGeom>
+            <a:solidFill>
+              <a:srgbClr val="FF9800">
+                <a:alpha val="100000"/>
+              </a:srgbClr>
+            </a:solidFill>
+          </p:spPr>
+          <p:txBody>
+            <a:bodyPr/>
+            <a:lstStyle/>
+            <a:p/>
+          </p:txBody>
+        </p:sp>
+        <p:sp>
+          <p:nvSpPr>
+            <p:cNvPr id="74" name="rc74"/>
+            <p:cNvSpPr/>
+            <p:nvPr/>
+          </p:nvSpPr>
+          <p:spPr>
+            <a:xfrm>
+              <a:off x="3323505" y="2791596"/>
+              <a:ext cx="1038702" cy="372206"/>
+            </a:xfrm>
+            <a:prstGeom prst="rect">
+              <a:avLst/>
+            </a:prstGeom>
+            <a:solidFill>
+              <a:srgbClr val="F44336">
+                <a:alpha val="100000"/>
+              </a:srgbClr>
+            </a:solidFill>
+          </p:spPr>
+          <p:txBody>
+            <a:bodyPr/>
+            <a:lstStyle/>
+            <a:p/>
+          </p:txBody>
+        </p:sp>
+        <p:sp>
+          <p:nvSpPr>
+            <p:cNvPr id="75" name="rc75"/>
+            <p:cNvSpPr/>
+            <p:nvPr/>
+          </p:nvSpPr>
+          <p:spPr>
+            <a:xfrm>
+              <a:off x="7478314" y="4859408"/>
+              <a:ext cx="173117" cy="372206"/>
+            </a:xfrm>
+            <a:prstGeom prst="rect">
+              <a:avLst/>
+            </a:prstGeom>
+            <a:solidFill>
+              <a:srgbClr val="B0BEC5">
+                <a:alpha val="100000"/>
+              </a:srgbClr>
+            </a:solidFill>
+          </p:spPr>
+          <p:txBody>
+            <a:bodyPr/>
+            <a:lstStyle/>
+            <a:p/>
+          </p:txBody>
+        </p:sp>
+        <p:sp>
+          <p:nvSpPr>
+            <p:cNvPr id="76" name="rc76"/>
+            <p:cNvSpPr/>
+            <p:nvPr/>
+          </p:nvSpPr>
+          <p:spPr>
+            <a:xfrm>
+              <a:off x="6872404" y="4859408"/>
+              <a:ext cx="605909" cy="372206"/>
+            </a:xfrm>
+            <a:prstGeom prst="rect">
+              <a:avLst/>
+            </a:prstGeom>
+            <a:solidFill>
+              <a:srgbClr val="2196F3">
+                <a:alpha val="100000"/>
+              </a:srgbClr>
+            </a:solidFill>
+          </p:spPr>
+          <p:txBody>
+            <a:bodyPr/>
+            <a:lstStyle/>
+            <a:p/>
+          </p:txBody>
+        </p:sp>
+        <p:sp>
+          <p:nvSpPr>
+            <p:cNvPr id="77" name="rc77"/>
+            <p:cNvSpPr/>
+            <p:nvPr/>
+          </p:nvSpPr>
+          <p:spPr>
+            <a:xfrm>
+              <a:off x="6439612" y="4859408"/>
+              <a:ext cx="432792" cy="372206"/>
+            </a:xfrm>
+            <a:prstGeom prst="rect">
+              <a:avLst/>
+            </a:prstGeom>
+            <a:solidFill>
+              <a:srgbClr val="4CAF50">
+                <a:alpha val="100000"/>
+              </a:srgbClr>
+            </a:solidFill>
+          </p:spPr>
+          <p:txBody>
+            <a:bodyPr/>
+            <a:lstStyle/>
+            <a:p/>
+          </p:txBody>
+        </p:sp>
+        <p:sp>
+          <p:nvSpPr>
+            <p:cNvPr id="78" name="rc78"/>
+            <p:cNvSpPr/>
+            <p:nvPr/>
+          </p:nvSpPr>
+          <p:spPr>
+            <a:xfrm>
+              <a:off x="5747144" y="4859408"/>
+              <a:ext cx="692468" cy="372206"/>
+            </a:xfrm>
+            <a:prstGeom prst="rect">
+              <a:avLst/>
+            </a:prstGeom>
+            <a:solidFill>
+              <a:srgbClr val="8BC34A">
+                <a:alpha val="100000"/>
+              </a:srgbClr>
+            </a:solidFill>
+          </p:spPr>
+          <p:txBody>
+            <a:bodyPr/>
+            <a:lstStyle/>
+            <a:p/>
+          </p:txBody>
+        </p:sp>
+        <p:sp>
+          <p:nvSpPr>
+            <p:cNvPr id="79" name="rc79"/>
+            <p:cNvSpPr/>
+            <p:nvPr/>
+          </p:nvSpPr>
+          <p:spPr>
+            <a:xfrm>
+              <a:off x="5054675" y="4859408"/>
+              <a:ext cx="692468" cy="372206"/>
+            </a:xfrm>
+            <a:prstGeom prst="rect">
+              <a:avLst/>
+            </a:prstGeom>
+            <a:solidFill>
+              <a:srgbClr val="FFC107">
+                <a:alpha val="100000"/>
+              </a:srgbClr>
+            </a:solidFill>
+          </p:spPr>
+          <p:txBody>
+            <a:bodyPr/>
+            <a:lstStyle/>
+            <a:p/>
+          </p:txBody>
+        </p:sp>
+        <p:sp>
+          <p:nvSpPr>
+            <p:cNvPr id="80" name="rc80"/>
+            <p:cNvSpPr/>
+            <p:nvPr/>
+          </p:nvSpPr>
+          <p:spPr>
+            <a:xfrm>
+              <a:off x="4015973" y="4859408"/>
+              <a:ext cx="1038702" cy="372206"/>
+            </a:xfrm>
+            <a:prstGeom prst="rect">
+              <a:avLst/>
+            </a:prstGeom>
+            <a:solidFill>
+              <a:srgbClr val="FF9800">
+                <a:alpha val="100000"/>
+              </a:srgbClr>
+            </a:solidFill>
+          </p:spPr>
+          <p:txBody>
+            <a:bodyPr/>
+            <a:lstStyle/>
+            <a:p/>
+          </p:txBody>
+        </p:sp>
+        <p:sp>
+          <p:nvSpPr>
+            <p:cNvPr id="81" name="rc81"/>
+            <p:cNvSpPr/>
+            <p:nvPr/>
+          </p:nvSpPr>
+          <p:spPr>
+            <a:xfrm>
+              <a:off x="3323505" y="4859408"/>
+              <a:ext cx="692468" cy="372206"/>
+            </a:xfrm>
+            <a:prstGeom prst="rect">
+              <a:avLst/>
+            </a:prstGeom>
+            <a:solidFill>
+              <a:srgbClr val="F44336">
+                <a:alpha val="100000"/>
+              </a:srgbClr>
+            </a:solidFill>
+          </p:spPr>
+          <p:txBody>
+            <a:bodyPr/>
+            <a:lstStyle/>
+            <a:p/>
+          </p:txBody>
+        </p:sp>
+        <p:sp>
+          <p:nvSpPr>
+            <p:cNvPr id="82" name="rc82"/>
+            <p:cNvSpPr/>
+            <p:nvPr/>
+          </p:nvSpPr>
+          <p:spPr>
+            <a:xfrm>
+              <a:off x="7391755" y="6513657"/>
+              <a:ext cx="259675" cy="372206"/>
+            </a:xfrm>
+            <a:prstGeom prst="rect">
+              <a:avLst/>
+            </a:prstGeom>
+            <a:solidFill>
+              <a:srgbClr val="B0BEC5">
+                <a:alpha val="100000"/>
+              </a:srgbClr>
+            </a:solidFill>
+          </p:spPr>
+          <p:txBody>
+            <a:bodyPr/>
+            <a:lstStyle/>
+            <a:p/>
+          </p:txBody>
+        </p:sp>
+        <p:sp>
+          <p:nvSpPr>
+            <p:cNvPr id="83" name="rc83"/>
+            <p:cNvSpPr/>
+            <p:nvPr/>
+          </p:nvSpPr>
+          <p:spPr>
+            <a:xfrm>
+              <a:off x="5949113" y="6513657"/>
+              <a:ext cx="1442642" cy="372206"/>
+            </a:xfrm>
+            <a:prstGeom prst="rect">
+              <a:avLst/>
+            </a:prstGeom>
+            <a:solidFill>
+              <a:srgbClr val="2196F3">
+                <a:alpha val="100000"/>
+              </a:srgbClr>
+            </a:solidFill>
+          </p:spPr>
+          <p:txBody>
+            <a:bodyPr/>
+            <a:lstStyle/>
+            <a:p/>
+          </p:txBody>
+        </p:sp>
+        <p:sp>
+          <p:nvSpPr>
+            <p:cNvPr id="84" name="rc84"/>
+            <p:cNvSpPr/>
+            <p:nvPr/>
+          </p:nvSpPr>
+          <p:spPr>
+            <a:xfrm>
+              <a:off x="5660585" y="6513657"/>
+              <a:ext cx="288528" cy="372206"/>
+            </a:xfrm>
+            <a:prstGeom prst="rect">
+              <a:avLst/>
+            </a:prstGeom>
+            <a:solidFill>
+              <a:srgbClr val="4CAF50">
+                <a:alpha val="100000"/>
+              </a:srgbClr>
+            </a:solidFill>
+          </p:spPr>
+          <p:txBody>
+            <a:bodyPr/>
+            <a:lstStyle/>
+            <a:p/>
+          </p:txBody>
+        </p:sp>
+        <p:sp>
+          <p:nvSpPr>
+            <p:cNvPr id="85" name="rc85"/>
+            <p:cNvSpPr/>
+            <p:nvPr/>
+          </p:nvSpPr>
+          <p:spPr>
+            <a:xfrm>
+              <a:off x="5083528" y="6513657"/>
+              <a:ext cx="577056" cy="372206"/>
+            </a:xfrm>
+            <a:prstGeom prst="rect">
+              <a:avLst/>
+            </a:prstGeom>
+            <a:solidFill>
+              <a:srgbClr val="8BC34A">
+                <a:alpha val="100000"/>
+              </a:srgbClr>
+            </a:solidFill>
+          </p:spPr>
+          <p:txBody>
+            <a:bodyPr/>
+            <a:lstStyle/>
+            <a:p/>
+          </p:txBody>
+        </p:sp>
+        <p:sp>
+          <p:nvSpPr>
+            <p:cNvPr id="86" name="rc86"/>
+            <p:cNvSpPr/>
+            <p:nvPr/>
+          </p:nvSpPr>
+          <p:spPr>
+            <a:xfrm>
+              <a:off x="4708441" y="6513657"/>
+              <a:ext cx="375086" cy="372206"/>
+            </a:xfrm>
+            <a:prstGeom prst="rect">
+              <a:avLst/>
+            </a:prstGeom>
+            <a:solidFill>
+              <a:srgbClr val="FFC107">
+                <a:alpha val="100000"/>
+              </a:srgbClr>
+            </a:solidFill>
+          </p:spPr>
+          <p:txBody>
+            <a:bodyPr/>
+            <a:lstStyle/>
+            <a:p/>
+          </p:txBody>
+        </p:sp>
+        <p:sp>
+          <p:nvSpPr>
+            <p:cNvPr id="87" name="rc87"/>
+            <p:cNvSpPr/>
+            <p:nvPr/>
+          </p:nvSpPr>
+          <p:spPr>
+            <a:xfrm>
+              <a:off x="4275649" y="6513657"/>
+              <a:ext cx="432792" cy="372206"/>
+            </a:xfrm>
+            <a:prstGeom prst="rect">
+              <a:avLst/>
+            </a:prstGeom>
+            <a:solidFill>
+              <a:srgbClr val="FF9800">
+                <a:alpha val="100000"/>
+              </a:srgbClr>
+            </a:solidFill>
+          </p:spPr>
+          <p:txBody>
+            <a:bodyPr/>
+            <a:lstStyle/>
+            <a:p/>
+          </p:txBody>
+        </p:sp>
+        <p:sp>
+          <p:nvSpPr>
+            <p:cNvPr id="88" name="rc88"/>
+            <p:cNvSpPr/>
+            <p:nvPr/>
+          </p:nvSpPr>
+          <p:spPr>
+            <a:xfrm>
+              <a:off x="3323505" y="6513657"/>
+              <a:ext cx="952143" cy="372206"/>
+            </a:xfrm>
+            <a:prstGeom prst="rect">
+              <a:avLst/>
+            </a:prstGeom>
+            <a:solidFill>
+              <a:srgbClr val="F44336">
+                <a:alpha val="100000"/>
+              </a:srgbClr>
+            </a:solidFill>
+          </p:spPr>
+          <p:txBody>
+            <a:bodyPr/>
+            <a:lstStyle/>
+            <a:p/>
+          </p:txBody>
+        </p:sp>
+        <p:sp>
+          <p:nvSpPr>
+            <p:cNvPr id="89" name="rc89"/>
+            <p:cNvSpPr/>
+            <p:nvPr/>
+          </p:nvSpPr>
+          <p:spPr>
+            <a:xfrm>
+              <a:off x="7362903" y="5686532"/>
+              <a:ext cx="346234" cy="372206"/>
+            </a:xfrm>
+            <a:prstGeom prst="rect">
+              <a:avLst/>
+            </a:prstGeom>
+            <a:solidFill>
+              <a:srgbClr val="B0BEC5">
+                <a:alpha val="100000"/>
+              </a:srgbClr>
+            </a:solidFill>
+          </p:spPr>
+          <p:txBody>
+            <a:bodyPr/>
+            <a:lstStyle/>
+            <a:p/>
+          </p:txBody>
+        </p:sp>
+        <p:sp>
+          <p:nvSpPr>
+            <p:cNvPr id="90" name="rc90"/>
+            <p:cNvSpPr/>
+            <p:nvPr/>
+          </p:nvSpPr>
+          <p:spPr>
+            <a:xfrm>
+              <a:off x="6093378" y="5686532"/>
+              <a:ext cx="1269525" cy="372206"/>
+            </a:xfrm>
+            <a:prstGeom prst="rect">
+              <a:avLst/>
+            </a:prstGeom>
+            <a:solidFill>
+              <a:srgbClr val="2196F3">
+                <a:alpha val="100000"/>
+              </a:srgbClr>
+            </a:solidFill>
+          </p:spPr>
+          <p:txBody>
+            <a:bodyPr/>
+            <a:lstStyle/>
+            <a:p/>
+          </p:txBody>
+        </p:sp>
+        <p:sp>
+          <p:nvSpPr>
+            <p:cNvPr id="91" name="rc91"/>
+            <p:cNvSpPr/>
+            <p:nvPr/>
+          </p:nvSpPr>
+          <p:spPr>
+            <a:xfrm>
+              <a:off x="5833702" y="5686532"/>
+              <a:ext cx="259675" cy="372206"/>
+            </a:xfrm>
+            <a:prstGeom prst="rect">
+              <a:avLst/>
+            </a:prstGeom>
+            <a:solidFill>
+              <a:srgbClr val="4CAF50">
+                <a:alpha val="100000"/>
+              </a:srgbClr>
+            </a:solidFill>
+          </p:spPr>
+          <p:txBody>
+            <a:bodyPr/>
+            <a:lstStyle/>
+            <a:p/>
+          </p:txBody>
+        </p:sp>
+        <p:sp>
+          <p:nvSpPr>
+            <p:cNvPr id="92" name="rc92"/>
+            <p:cNvSpPr/>
+            <p:nvPr/>
+          </p:nvSpPr>
+          <p:spPr>
+            <a:xfrm>
+              <a:off x="5602879" y="5686532"/>
+              <a:ext cx="230822" cy="372206"/>
+            </a:xfrm>
+            <a:prstGeom prst="rect">
+              <a:avLst/>
+            </a:prstGeom>
+            <a:solidFill>
+              <a:srgbClr val="8BC34A">
+                <a:alpha val="100000"/>
+              </a:srgbClr>
+            </a:solidFill>
+          </p:spPr>
+          <p:txBody>
+            <a:bodyPr/>
+            <a:lstStyle/>
+            <a:p/>
+          </p:txBody>
+        </p:sp>
+        <p:sp>
+          <p:nvSpPr>
+            <p:cNvPr id="93" name="rc93"/>
+            <p:cNvSpPr/>
+            <p:nvPr/>
+          </p:nvSpPr>
+          <p:spPr>
+            <a:xfrm>
+              <a:off x="4910411" y="5686532"/>
+              <a:ext cx="692468" cy="372206"/>
+            </a:xfrm>
+            <a:prstGeom prst="rect">
+              <a:avLst/>
+            </a:prstGeom>
+            <a:solidFill>
+              <a:srgbClr val="FFC107">
+                <a:alpha val="100000"/>
+              </a:srgbClr>
+            </a:solidFill>
+          </p:spPr>
+          <p:txBody>
+            <a:bodyPr/>
+            <a:lstStyle/>
+            <a:p/>
+          </p:txBody>
+        </p:sp>
+        <p:sp>
+          <p:nvSpPr>
+            <p:cNvPr id="94" name="rc94"/>
+            <p:cNvSpPr/>
+            <p:nvPr/>
+          </p:nvSpPr>
+          <p:spPr>
+            <a:xfrm>
+              <a:off x="4304501" y="5686532"/>
+              <a:ext cx="605909" cy="372206"/>
+            </a:xfrm>
+            <a:prstGeom prst="rect">
+              <a:avLst/>
+            </a:prstGeom>
+            <a:solidFill>
+              <a:srgbClr val="FF9800">
+                <a:alpha val="100000"/>
+              </a:srgbClr>
+            </a:solidFill>
+          </p:spPr>
+          <p:txBody>
+            <a:bodyPr/>
+            <a:lstStyle/>
+            <a:p/>
+          </p:txBody>
+        </p:sp>
+        <p:sp>
+          <p:nvSpPr>
+            <p:cNvPr id="95" name="rc95"/>
+            <p:cNvSpPr/>
+            <p:nvPr/>
+          </p:nvSpPr>
+          <p:spPr>
+            <a:xfrm>
+              <a:off x="3323505" y="5686532"/>
+              <a:ext cx="980996" cy="372206"/>
+            </a:xfrm>
+            <a:prstGeom prst="rect">
+              <a:avLst/>
+            </a:prstGeom>
+            <a:solidFill>
+              <a:srgbClr val="F44336">
+                <a:alpha val="100000"/>
+              </a:srgbClr>
+            </a:solidFill>
+          </p:spPr>
+          <p:txBody>
+            <a:bodyPr/>
+            <a:lstStyle/>
+            <a:p/>
+          </p:txBody>
+        </p:sp>
+        <p:sp>
+          <p:nvSpPr>
+            <p:cNvPr id="96" name="rc96"/>
+            <p:cNvSpPr/>
+            <p:nvPr/>
+          </p:nvSpPr>
+          <p:spPr>
+            <a:xfrm>
+              <a:off x="7449461" y="2378034"/>
+              <a:ext cx="201969" cy="372206"/>
+            </a:xfrm>
+            <a:prstGeom prst="rect">
+              <a:avLst/>
+            </a:prstGeom>
+            <a:solidFill>
+              <a:srgbClr val="B0BEC5">
+                <a:alpha val="100000"/>
+              </a:srgbClr>
+            </a:solidFill>
+          </p:spPr>
+          <p:txBody>
+            <a:bodyPr/>
+            <a:lstStyle/>
+            <a:p/>
+          </p:txBody>
+        </p:sp>
+        <p:sp>
+          <p:nvSpPr>
+            <p:cNvPr id="97" name="rc97"/>
+            <p:cNvSpPr/>
+            <p:nvPr/>
+          </p:nvSpPr>
+          <p:spPr>
+            <a:xfrm>
+              <a:off x="6872404" y="2378034"/>
+              <a:ext cx="577056" cy="372206"/>
+            </a:xfrm>
+            <a:prstGeom prst="rect">
+              <a:avLst/>
+            </a:prstGeom>
+            <a:solidFill>
+              <a:srgbClr val="2196F3">
+                <a:alpha val="100000"/>
+              </a:srgbClr>
+            </a:solidFill>
+          </p:spPr>
+          <p:txBody>
+            <a:bodyPr/>
+            <a:lstStyle/>
+            <a:p/>
+          </p:txBody>
+        </p:sp>
+        <p:sp>
+          <p:nvSpPr>
+            <p:cNvPr id="98" name="rc98"/>
+            <p:cNvSpPr/>
+            <p:nvPr/>
+          </p:nvSpPr>
+          <p:spPr>
+            <a:xfrm>
+              <a:off x="6612729" y="2378034"/>
+              <a:ext cx="259675" cy="372206"/>
+            </a:xfrm>
+            <a:prstGeom prst="rect">
+              <a:avLst/>
+            </a:prstGeom>
+            <a:solidFill>
+              <a:srgbClr val="4CAF50">
+                <a:alpha val="100000"/>
+              </a:srgbClr>
+            </a:solidFill>
+          </p:spPr>
+          <p:txBody>
+            <a:bodyPr/>
+            <a:lstStyle/>
+            <a:p/>
+          </p:txBody>
+        </p:sp>
+        <p:sp>
+          <p:nvSpPr>
+            <p:cNvPr id="99" name="rc99"/>
+            <p:cNvSpPr/>
+            <p:nvPr/>
+          </p:nvSpPr>
+          <p:spPr>
+            <a:xfrm>
+              <a:off x="6064525" y="2378034"/>
+              <a:ext cx="548203" cy="372206"/>
+            </a:xfrm>
+            <a:prstGeom prst="rect">
+              <a:avLst/>
+            </a:prstGeom>
+            <a:solidFill>
+              <a:srgbClr val="8BC34A">
+                <a:alpha val="100000"/>
+              </a:srgbClr>
+            </a:solidFill>
+          </p:spPr>
+          <p:txBody>
+            <a:bodyPr/>
+            <a:lstStyle/>
+            <a:p/>
+          </p:txBody>
+        </p:sp>
+        <p:sp>
+          <p:nvSpPr>
+            <p:cNvPr id="100" name="rc100"/>
+            <p:cNvSpPr/>
+            <p:nvPr/>
+          </p:nvSpPr>
+          <p:spPr>
+            <a:xfrm>
+              <a:off x="5429762" y="2378034"/>
+              <a:ext cx="634762" cy="372206"/>
+            </a:xfrm>
+            <a:prstGeom prst="rect">
+              <a:avLst/>
+            </a:prstGeom>
+            <a:solidFill>
+              <a:srgbClr val="FFC107">
+                <a:alpha val="100000"/>
+              </a:srgbClr>
+            </a:solidFill>
+          </p:spPr>
+          <p:txBody>
+            <a:bodyPr/>
+            <a:lstStyle/>
+            <a:p/>
+          </p:txBody>
+        </p:sp>
+        <p:sp>
+          <p:nvSpPr>
+            <p:cNvPr id="101" name="rc101"/>
+            <p:cNvSpPr/>
+            <p:nvPr/>
+          </p:nvSpPr>
+          <p:spPr>
+            <a:xfrm>
+              <a:off x="4564177" y="2378034"/>
+              <a:ext cx="865585" cy="372206"/>
+            </a:xfrm>
+            <a:prstGeom prst="rect">
+              <a:avLst/>
+            </a:prstGeom>
+            <a:solidFill>
+              <a:srgbClr val="FF9800">
+                <a:alpha val="100000"/>
+              </a:srgbClr>
+            </a:solidFill>
+          </p:spPr>
+          <p:txBody>
+            <a:bodyPr/>
+            <a:lstStyle/>
+            <a:p/>
+          </p:txBody>
+        </p:sp>
+        <p:sp>
+          <p:nvSpPr>
+            <p:cNvPr id="102" name="rc102"/>
+            <p:cNvSpPr/>
+            <p:nvPr/>
+          </p:nvSpPr>
+          <p:spPr>
+            <a:xfrm>
+              <a:off x="3323505" y="2378034"/>
+              <a:ext cx="1240672" cy="372206"/>
+            </a:xfrm>
+            <a:prstGeom prst="rect">
+              <a:avLst/>
+            </a:prstGeom>
+            <a:solidFill>
+              <a:srgbClr val="F44336">
+                <a:alpha val="100000"/>
+              </a:srgbClr>
+            </a:solidFill>
+          </p:spPr>
+          <p:txBody>
+            <a:bodyPr/>
+            <a:lstStyle/>
+            <a:p/>
+          </p:txBody>
+        </p:sp>
+        <p:sp>
+          <p:nvSpPr>
+            <p:cNvPr id="103" name="rc103"/>
+            <p:cNvSpPr/>
+            <p:nvPr/>
+          </p:nvSpPr>
+          <p:spPr>
+            <a:xfrm>
+              <a:off x="7536020" y="3618721"/>
+              <a:ext cx="115411" cy="372206"/>
+            </a:xfrm>
+            <a:prstGeom prst="rect">
+              <a:avLst/>
+            </a:prstGeom>
+            <a:solidFill>
+              <a:srgbClr val="B0BEC5">
+                <a:alpha val="100000"/>
+              </a:srgbClr>
+            </a:solidFill>
+          </p:spPr>
+          <p:txBody>
+            <a:bodyPr/>
+            <a:lstStyle/>
+            <a:p/>
+          </p:txBody>
+        </p:sp>
+        <p:sp>
+          <p:nvSpPr>
+            <p:cNvPr id="104" name="rc104"/>
+            <p:cNvSpPr/>
+            <p:nvPr/>
+          </p:nvSpPr>
+          <p:spPr>
+            <a:xfrm>
+              <a:off x="7103227" y="3618721"/>
+              <a:ext cx="432792" cy="372206"/>
+            </a:xfrm>
+            <a:prstGeom prst="rect">
+              <a:avLst/>
+            </a:prstGeom>
+            <a:solidFill>
+              <a:srgbClr val="2196F3">
+                <a:alpha val="100000"/>
+              </a:srgbClr>
+            </a:solidFill>
+          </p:spPr>
+          <p:txBody>
+            <a:bodyPr/>
+            <a:lstStyle/>
+            <a:p/>
+          </p:txBody>
+        </p:sp>
+        <p:sp>
+          <p:nvSpPr>
+            <p:cNvPr id="105" name="rc105"/>
+            <p:cNvSpPr/>
+            <p:nvPr/>
+          </p:nvSpPr>
+          <p:spPr>
+            <a:xfrm>
+              <a:off x="6756993" y="3618721"/>
+              <a:ext cx="346234" cy="372206"/>
+            </a:xfrm>
+            <a:prstGeom prst="rect">
+              <a:avLst/>
+            </a:prstGeom>
+            <a:solidFill>
+              <a:srgbClr val="4CAF50">
+                <a:alpha val="100000"/>
+              </a:srgbClr>
+            </a:solidFill>
+          </p:spPr>
+          <p:txBody>
+            <a:bodyPr/>
+            <a:lstStyle/>
+            <a:p/>
+          </p:txBody>
+        </p:sp>
+        <p:sp>
+          <p:nvSpPr>
+            <p:cNvPr id="106" name="rc106"/>
+            <p:cNvSpPr/>
+            <p:nvPr/>
+          </p:nvSpPr>
+          <p:spPr>
+            <a:xfrm>
+              <a:off x="5949113" y="3618721"/>
+              <a:ext cx="807879" cy="372206"/>
+            </a:xfrm>
+            <a:prstGeom prst="rect">
+              <a:avLst/>
+            </a:prstGeom>
+            <a:solidFill>
+              <a:srgbClr val="8BC34A">
+                <a:alpha val="100000"/>
+              </a:srgbClr>
+            </a:solidFill>
+          </p:spPr>
+          <p:txBody>
+            <a:bodyPr/>
+            <a:lstStyle/>
+            <a:p/>
+          </p:txBody>
+        </p:sp>
+        <p:sp>
+          <p:nvSpPr>
+            <p:cNvPr id="107" name="rc107"/>
+            <p:cNvSpPr/>
+            <p:nvPr/>
+          </p:nvSpPr>
+          <p:spPr>
+            <a:xfrm>
+              <a:off x="5141234" y="3618721"/>
+              <a:ext cx="807879" cy="372206"/>
+            </a:xfrm>
+            <a:prstGeom prst="rect">
+              <a:avLst/>
+            </a:prstGeom>
+            <a:solidFill>
+              <a:srgbClr val="FFC107">
+                <a:alpha val="100000"/>
+              </a:srgbClr>
+            </a:solidFill>
+          </p:spPr>
+          <p:txBody>
+            <a:bodyPr/>
+            <a:lstStyle/>
+            <a:p/>
+          </p:txBody>
+        </p:sp>
+        <p:sp>
+          <p:nvSpPr>
+            <p:cNvPr id="108" name="rc108"/>
+            <p:cNvSpPr/>
+            <p:nvPr/>
+          </p:nvSpPr>
+          <p:spPr>
+            <a:xfrm>
+              <a:off x="4217943" y="3618721"/>
+              <a:ext cx="923290" cy="372206"/>
+            </a:xfrm>
+            <a:prstGeom prst="rect">
+              <a:avLst/>
+            </a:prstGeom>
+            <a:solidFill>
+              <a:srgbClr val="FF9800">
+                <a:alpha val="100000"/>
+              </a:srgbClr>
+            </a:solidFill>
+          </p:spPr>
+          <p:txBody>
+            <a:bodyPr/>
+            <a:lstStyle/>
+            <a:p/>
+          </p:txBody>
+        </p:sp>
+        <p:sp>
+          <p:nvSpPr>
+            <p:cNvPr id="109" name="rc109"/>
+            <p:cNvSpPr/>
+            <p:nvPr/>
+          </p:nvSpPr>
+          <p:spPr>
+            <a:xfrm>
+              <a:off x="3323505" y="3618721"/>
+              <a:ext cx="894438" cy="372206"/>
+            </a:xfrm>
+            <a:prstGeom prst="rect">
+              <a:avLst/>
+            </a:prstGeom>
+            <a:solidFill>
+              <a:srgbClr val="F44336">
+                <a:alpha val="100000"/>
+              </a:srgbClr>
+            </a:solidFill>
+          </p:spPr>
+          <p:txBody>
+            <a:bodyPr/>
+            <a:lstStyle/>
+            <a:p/>
+          </p:txBody>
+        </p:sp>
+        <p:sp>
+          <p:nvSpPr>
+            <p:cNvPr id="110" name="rc110"/>
+            <p:cNvSpPr/>
+            <p:nvPr/>
+          </p:nvSpPr>
+          <p:spPr>
+            <a:xfrm>
+              <a:off x="7507167" y="4032283"/>
+              <a:ext cx="144264" cy="372206"/>
+            </a:xfrm>
+            <a:prstGeom prst="rect">
+              <a:avLst/>
+            </a:prstGeom>
+            <a:solidFill>
+              <a:srgbClr val="B0BEC5">
+                <a:alpha val="100000"/>
+              </a:srgbClr>
+            </a:solidFill>
+          </p:spPr>
+          <p:txBody>
+            <a:bodyPr/>
+            <a:lstStyle/>
+            <a:p/>
+          </p:txBody>
+        </p:sp>
+        <p:sp>
+          <p:nvSpPr>
+            <p:cNvPr id="111" name="rc111"/>
+            <p:cNvSpPr/>
+            <p:nvPr/>
+          </p:nvSpPr>
+          <p:spPr>
+            <a:xfrm>
+              <a:off x="7045521" y="4032283"/>
+              <a:ext cx="461645" cy="372206"/>
+            </a:xfrm>
+            <a:prstGeom prst="rect">
+              <a:avLst/>
+            </a:prstGeom>
+            <a:solidFill>
+              <a:srgbClr val="2196F3">
+                <a:alpha val="100000"/>
+              </a:srgbClr>
+            </a:solidFill>
+          </p:spPr>
+          <p:txBody>
+            <a:bodyPr/>
+            <a:lstStyle/>
+            <a:p/>
+          </p:txBody>
+        </p:sp>
+        <p:sp>
+          <p:nvSpPr>
+            <p:cNvPr id="112" name="rc112"/>
+            <p:cNvSpPr/>
+            <p:nvPr/>
+          </p:nvSpPr>
+          <p:spPr>
+            <a:xfrm>
+              <a:off x="6699287" y="4032283"/>
+              <a:ext cx="346234" cy="372206"/>
+            </a:xfrm>
+            <a:prstGeom prst="rect">
+              <a:avLst/>
+            </a:prstGeom>
+            <a:solidFill>
+              <a:srgbClr val="4CAF50">
+                <a:alpha val="100000"/>
+              </a:srgbClr>
+            </a:solidFill>
+          </p:spPr>
+          <p:txBody>
+            <a:bodyPr/>
+            <a:lstStyle/>
+            <a:p/>
+          </p:txBody>
+        </p:sp>
+        <p:sp>
+          <p:nvSpPr>
+            <p:cNvPr id="113" name="rc113"/>
+            <p:cNvSpPr/>
+            <p:nvPr/>
+          </p:nvSpPr>
+          <p:spPr>
+            <a:xfrm>
+              <a:off x="5977966" y="4032283"/>
+              <a:ext cx="721321" cy="372206"/>
+            </a:xfrm>
+            <a:prstGeom prst="rect">
+              <a:avLst/>
+            </a:prstGeom>
+            <a:solidFill>
+              <a:srgbClr val="8BC34A">
+                <a:alpha val="100000"/>
+              </a:srgbClr>
+            </a:solidFill>
+          </p:spPr>
+          <p:txBody>
+            <a:bodyPr/>
+            <a:lstStyle/>
+            <a:p/>
+          </p:txBody>
+        </p:sp>
+        <p:sp>
+          <p:nvSpPr>
+            <p:cNvPr id="114" name="rc114"/>
+            <p:cNvSpPr/>
+            <p:nvPr/>
+          </p:nvSpPr>
+          <p:spPr>
+            <a:xfrm>
+              <a:off x="5112381" y="4032283"/>
+              <a:ext cx="865585" cy="372206"/>
+            </a:xfrm>
+            <a:prstGeom prst="rect">
+              <a:avLst/>
+            </a:prstGeom>
+            <a:solidFill>
+              <a:srgbClr val="FFC107">
+                <a:alpha val="100000"/>
+              </a:srgbClr>
+            </a:solidFill>
+          </p:spPr>
+          <p:txBody>
+            <a:bodyPr/>
+            <a:lstStyle/>
+            <a:p/>
+          </p:txBody>
+        </p:sp>
+        <p:sp>
+          <p:nvSpPr>
+            <p:cNvPr id="115" name="rc115"/>
+            <p:cNvSpPr/>
+            <p:nvPr/>
+          </p:nvSpPr>
+          <p:spPr>
+            <a:xfrm>
+              <a:off x="4246796" y="4032283"/>
+              <a:ext cx="865585" cy="372206"/>
+            </a:xfrm>
+            <a:prstGeom prst="rect">
+              <a:avLst/>
+            </a:prstGeom>
+            <a:solidFill>
+              <a:srgbClr val="FF9800">
+                <a:alpha val="100000"/>
+              </a:srgbClr>
+            </a:solidFill>
+          </p:spPr>
+          <p:txBody>
+            <a:bodyPr/>
+            <a:lstStyle/>
+            <a:p/>
+          </p:txBody>
+        </p:sp>
+        <p:sp>
+          <p:nvSpPr>
+            <p:cNvPr id="116" name="rc116"/>
             <p:cNvSpPr/>
             <p:nvPr/>
           </p:nvSpPr>
           <p:spPr>
             <a:xfrm>
               <a:off x="3323505" y="4032283"/>
-              <a:ext cx="720925" cy="372206"/>
+              <a:ext cx="923290" cy="372206"/>
             </a:xfrm>
             <a:prstGeom prst="rect">
               <a:avLst/>
@@ -3092,14 +5475,14 @@
         </p:sp>
         <p:sp>
           <p:nvSpPr>
-            <p:cNvPr id="26" name="rc26"/>
-            <p:cNvSpPr/>
-            <p:nvPr/>
-          </p:nvSpPr>
-          <p:spPr>
-            <a:xfrm>
-              <a:off x="6117092" y="8581468"/>
-              <a:ext cx="1592044" cy="372206"/>
+            <p:cNvPr id="117" name="rc117"/>
+            <p:cNvSpPr/>
+            <p:nvPr/>
+          </p:nvSpPr>
+          <p:spPr>
+            <a:xfrm>
+              <a:off x="7334050" y="7754344"/>
+              <a:ext cx="346234" cy="372206"/>
             </a:xfrm>
             <a:prstGeom prst="rect">
               <a:avLst/>
@@ -3118,14 +5501,14 @@
         </p:sp>
         <p:sp>
           <p:nvSpPr>
-            <p:cNvPr id="27" name="rc27"/>
-            <p:cNvSpPr/>
-            <p:nvPr/>
-          </p:nvSpPr>
-          <p:spPr>
-            <a:xfrm>
-              <a:off x="3894238" y="8581468"/>
-              <a:ext cx="2222854" cy="372206"/>
+            <p:cNvPr id="118" name="rc118"/>
+            <p:cNvSpPr/>
+            <p:nvPr/>
+          </p:nvSpPr>
+          <p:spPr>
+            <a:xfrm>
+              <a:off x="5660585" y="7754344"/>
+              <a:ext cx="1673464" cy="372206"/>
             </a:xfrm>
             <a:prstGeom prst="rect">
               <a:avLst/>
@@ -3144,14 +5527,14 @@
         </p:sp>
         <p:sp>
           <p:nvSpPr>
-            <p:cNvPr id="28" name="rc28"/>
-            <p:cNvSpPr/>
-            <p:nvPr/>
-          </p:nvSpPr>
-          <p:spPr>
-            <a:xfrm>
-              <a:off x="3834161" y="8581468"/>
-              <a:ext cx="60077" cy="372206"/>
+            <p:cNvPr id="119" name="rc119"/>
+            <p:cNvSpPr/>
+            <p:nvPr/>
+          </p:nvSpPr>
+          <p:spPr>
+            <a:xfrm>
+              <a:off x="5256645" y="7754344"/>
+              <a:ext cx="403939" cy="372206"/>
             </a:xfrm>
             <a:prstGeom prst="rect">
               <a:avLst/>
@@ -3170,14 +5553,40 @@
         </p:sp>
         <p:sp>
           <p:nvSpPr>
-            <p:cNvPr id="29" name="rc29"/>
-            <p:cNvSpPr/>
-            <p:nvPr/>
-          </p:nvSpPr>
-          <p:spPr>
-            <a:xfrm>
-              <a:off x="3774083" y="8581468"/>
-              <a:ext cx="60077" cy="372206"/>
+            <p:cNvPr id="120" name="rc120"/>
+            <p:cNvSpPr/>
+            <p:nvPr/>
+          </p:nvSpPr>
+          <p:spPr>
+            <a:xfrm>
+              <a:off x="4795000" y="7754344"/>
+              <a:ext cx="461645" cy="372206"/>
+            </a:xfrm>
+            <a:prstGeom prst="rect">
+              <a:avLst/>
+            </a:prstGeom>
+            <a:solidFill>
+              <a:srgbClr val="8BC34A">
+                <a:alpha val="100000"/>
+              </a:srgbClr>
+            </a:solidFill>
+          </p:spPr>
+          <p:txBody>
+            <a:bodyPr/>
+            <a:lstStyle/>
+            <a:p/>
+          </p:txBody>
+        </p:sp>
+        <p:sp>
+          <p:nvSpPr>
+            <p:cNvPr id="121" name="rc121"/>
+            <p:cNvSpPr/>
+            <p:nvPr/>
+          </p:nvSpPr>
+          <p:spPr>
+            <a:xfrm>
+              <a:off x="4448766" y="7754344"/>
+              <a:ext cx="346234" cy="372206"/>
             </a:xfrm>
             <a:prstGeom prst="rect">
               <a:avLst/>
@@ -3196,14 +5605,14 @@
         </p:sp>
         <p:sp>
           <p:nvSpPr>
-            <p:cNvPr id="30" name="rc30"/>
-            <p:cNvSpPr/>
-            <p:nvPr/>
-          </p:nvSpPr>
-          <p:spPr>
-            <a:xfrm>
-              <a:off x="3533775" y="8581468"/>
-              <a:ext cx="240308" cy="372206"/>
+            <p:cNvPr id="122" name="rc122"/>
+            <p:cNvSpPr/>
+            <p:nvPr/>
+          </p:nvSpPr>
+          <p:spPr>
+            <a:xfrm>
+              <a:off x="3929415" y="7754344"/>
+              <a:ext cx="519351" cy="372206"/>
             </a:xfrm>
             <a:prstGeom prst="rect">
               <a:avLst/>
@@ -3222,14 +5631,14 @@
         </p:sp>
         <p:sp>
           <p:nvSpPr>
-            <p:cNvPr id="31" name="rc31"/>
-            <p:cNvSpPr/>
-            <p:nvPr/>
-          </p:nvSpPr>
-          <p:spPr>
-            <a:xfrm>
-              <a:off x="3323505" y="8581468"/>
-              <a:ext cx="210270" cy="372206"/>
+            <p:cNvPr id="123" name="rc123"/>
+            <p:cNvSpPr/>
+            <p:nvPr/>
+          </p:nvSpPr>
+          <p:spPr>
+            <a:xfrm>
+              <a:off x="3323505" y="7754344"/>
+              <a:ext cx="605909" cy="372206"/>
             </a:xfrm>
             <a:prstGeom prst="rect">
               <a:avLst/>
@@ -3248,14 +5657,14 @@
         </p:sp>
         <p:sp>
           <p:nvSpPr>
-            <p:cNvPr id="32" name="rc32"/>
-            <p:cNvSpPr/>
-            <p:nvPr/>
-          </p:nvSpPr>
-          <p:spPr>
-            <a:xfrm>
-              <a:off x="7528905" y="8167906"/>
-              <a:ext cx="180231" cy="372206"/>
+            <p:cNvPr id="124" name="rc124"/>
+            <p:cNvSpPr/>
+            <p:nvPr/>
+          </p:nvSpPr>
+          <p:spPr>
+            <a:xfrm>
+              <a:off x="7478314" y="1964472"/>
+              <a:ext cx="173117" cy="372206"/>
             </a:xfrm>
             <a:prstGeom prst="rect">
               <a:avLst/>
@@ -3274,14 +5683,14 @@
         </p:sp>
         <p:sp>
           <p:nvSpPr>
-            <p:cNvPr id="33" name="rc33"/>
-            <p:cNvSpPr/>
-            <p:nvPr/>
-          </p:nvSpPr>
-          <p:spPr>
-            <a:xfrm>
-              <a:off x="5306051" y="8167906"/>
-              <a:ext cx="2222854" cy="372206"/>
+            <p:cNvPr id="125" name="rc125"/>
+            <p:cNvSpPr/>
+            <p:nvPr/>
+          </p:nvSpPr>
+          <p:spPr>
+            <a:xfrm>
+              <a:off x="7103227" y="1964472"/>
+              <a:ext cx="375086" cy="372206"/>
             </a:xfrm>
             <a:prstGeom prst="rect">
               <a:avLst/>
@@ -3300,14 +5709,14 @@
         </p:sp>
         <p:sp>
           <p:nvSpPr>
-            <p:cNvPr id="34" name="rc34"/>
-            <p:cNvSpPr/>
-            <p:nvPr/>
-          </p:nvSpPr>
-          <p:spPr>
-            <a:xfrm>
-              <a:off x="4795395" y="8167906"/>
-              <a:ext cx="510655" cy="372206"/>
+            <p:cNvPr id="126" name="rc126"/>
+            <p:cNvSpPr/>
+            <p:nvPr/>
+          </p:nvSpPr>
+          <p:spPr>
+            <a:xfrm>
+              <a:off x="6901257" y="1964472"/>
+              <a:ext cx="201969" cy="372206"/>
             </a:xfrm>
             <a:prstGeom prst="rect">
               <a:avLst/>
@@ -3326,14 +5735,14 @@
         </p:sp>
         <p:sp>
           <p:nvSpPr>
-            <p:cNvPr id="35" name="rc35"/>
-            <p:cNvSpPr/>
-            <p:nvPr/>
-          </p:nvSpPr>
-          <p:spPr>
-            <a:xfrm>
-              <a:off x="4314778" y="8167906"/>
-              <a:ext cx="480617" cy="372206"/>
+            <p:cNvPr id="127" name="rc127"/>
+            <p:cNvSpPr/>
+            <p:nvPr/>
+          </p:nvSpPr>
+          <p:spPr>
+            <a:xfrm>
+              <a:off x="6151083" y="1964472"/>
+              <a:ext cx="750173" cy="372206"/>
             </a:xfrm>
             <a:prstGeom prst="rect">
               <a:avLst/>
@@ -3352,14 +5761,14 @@
         </p:sp>
         <p:sp>
           <p:nvSpPr>
-            <p:cNvPr id="36" name="rc36"/>
-            <p:cNvSpPr/>
-            <p:nvPr/>
-          </p:nvSpPr>
-          <p:spPr>
-            <a:xfrm>
-              <a:off x="4014392" y="8167906"/>
-              <a:ext cx="300385" cy="372206"/>
+            <p:cNvPr id="128" name="rc128"/>
+            <p:cNvSpPr/>
+            <p:nvPr/>
+          </p:nvSpPr>
+          <p:spPr>
+            <a:xfrm>
+              <a:off x="5458615" y="1964472"/>
+              <a:ext cx="692468" cy="372206"/>
             </a:xfrm>
             <a:prstGeom prst="rect">
               <a:avLst/>
@@ -3378,14 +5787,14 @@
         </p:sp>
         <p:sp>
           <p:nvSpPr>
-            <p:cNvPr id="37" name="rc37"/>
-            <p:cNvSpPr/>
-            <p:nvPr/>
-          </p:nvSpPr>
-          <p:spPr>
-            <a:xfrm>
-              <a:off x="3744045" y="8167906"/>
-              <a:ext cx="270347" cy="372206"/>
+            <p:cNvPr id="129" name="rc129"/>
+            <p:cNvSpPr/>
+            <p:nvPr/>
+          </p:nvSpPr>
+          <p:spPr>
+            <a:xfrm>
+              <a:off x="4333354" y="1964472"/>
+              <a:ext cx="1125260" cy="372206"/>
             </a:xfrm>
             <a:prstGeom prst="rect">
               <a:avLst/>
@@ -3404,14 +5813,14 @@
         </p:sp>
         <p:sp>
           <p:nvSpPr>
-            <p:cNvPr id="38" name="rc38"/>
-            <p:cNvSpPr/>
-            <p:nvPr/>
-          </p:nvSpPr>
-          <p:spPr>
-            <a:xfrm>
-              <a:off x="3323505" y="8167906"/>
-              <a:ext cx="420540" cy="372206"/>
+            <p:cNvPr id="130" name="rc130"/>
+            <p:cNvSpPr/>
+            <p:nvPr/>
+          </p:nvSpPr>
+          <p:spPr>
+            <a:xfrm>
+              <a:off x="3323505" y="1964472"/>
+              <a:ext cx="1009849" cy="372206"/>
             </a:xfrm>
             <a:prstGeom prst="rect">
               <a:avLst/>
@@ -3430,14 +5839,14 @@
         </p:sp>
         <p:sp>
           <p:nvSpPr>
-            <p:cNvPr id="39" name="rc39"/>
-            <p:cNvSpPr/>
-            <p:nvPr/>
-          </p:nvSpPr>
-          <p:spPr>
-            <a:xfrm>
-              <a:off x="7498867" y="6927219"/>
-              <a:ext cx="210270" cy="372206"/>
+            <p:cNvPr id="131" name="rc131"/>
+            <p:cNvSpPr/>
+            <p:nvPr/>
+          </p:nvSpPr>
+          <p:spPr>
+            <a:xfrm>
+              <a:off x="7449461" y="5272970"/>
+              <a:ext cx="201969" cy="372206"/>
             </a:xfrm>
             <a:prstGeom prst="rect">
               <a:avLst/>
@@ -3456,14 +5865,14 @@
         </p:sp>
         <p:sp>
           <p:nvSpPr>
-            <p:cNvPr id="40" name="rc40"/>
-            <p:cNvSpPr/>
-            <p:nvPr/>
-          </p:nvSpPr>
-          <p:spPr>
-            <a:xfrm>
-              <a:off x="5996938" y="6927219"/>
-              <a:ext cx="1501928" cy="372206"/>
+            <p:cNvPr id="132" name="rc132"/>
+            <p:cNvSpPr/>
+            <p:nvPr/>
+          </p:nvSpPr>
+          <p:spPr>
+            <a:xfrm>
+              <a:off x="6410759" y="5272970"/>
+              <a:ext cx="1038702" cy="372206"/>
             </a:xfrm>
             <a:prstGeom prst="rect">
               <a:avLst/>
@@ -3482,14 +5891,14 @@
         </p:sp>
         <p:sp>
           <p:nvSpPr>
-            <p:cNvPr id="41" name="rc41"/>
-            <p:cNvSpPr/>
-            <p:nvPr/>
-          </p:nvSpPr>
-          <p:spPr>
-            <a:xfrm>
-              <a:off x="5636475" y="6927219"/>
-              <a:ext cx="360462" cy="372206"/>
+            <p:cNvPr id="133" name="rc133"/>
+            <p:cNvSpPr/>
+            <p:nvPr/>
+          </p:nvSpPr>
+          <p:spPr>
+            <a:xfrm>
+              <a:off x="6093378" y="5272970"/>
+              <a:ext cx="317381" cy="372206"/>
             </a:xfrm>
             <a:prstGeom prst="rect">
               <a:avLst/>
@@ -3508,14 +5917,14 @@
         </p:sp>
         <p:sp>
           <p:nvSpPr>
-            <p:cNvPr id="42" name="rc42"/>
-            <p:cNvSpPr/>
-            <p:nvPr/>
-          </p:nvSpPr>
-          <p:spPr>
-            <a:xfrm>
-              <a:off x="5065742" y="6927219"/>
-              <a:ext cx="570732" cy="372206"/>
+            <p:cNvPr id="134" name="rc134"/>
+            <p:cNvSpPr/>
+            <p:nvPr/>
+          </p:nvSpPr>
+          <p:spPr>
+            <a:xfrm>
+              <a:off x="5545174" y="5272970"/>
+              <a:ext cx="548203" cy="372206"/>
             </a:xfrm>
             <a:prstGeom prst="rect">
               <a:avLst/>
@@ -3534,14 +5943,14 @@
         </p:sp>
         <p:sp>
           <p:nvSpPr>
-            <p:cNvPr id="43" name="rc43"/>
-            <p:cNvSpPr/>
-            <p:nvPr/>
-          </p:nvSpPr>
-          <p:spPr>
-            <a:xfrm>
-              <a:off x="4705279" y="6927219"/>
-              <a:ext cx="360462" cy="372206"/>
+            <p:cNvPr id="135" name="rc135"/>
+            <p:cNvSpPr/>
+            <p:nvPr/>
+          </p:nvSpPr>
+          <p:spPr>
+            <a:xfrm>
+              <a:off x="4968117" y="5272970"/>
+              <a:ext cx="577056" cy="372206"/>
             </a:xfrm>
             <a:prstGeom prst="rect">
               <a:avLst/>
@@ -3560,14 +5969,14 @@
         </p:sp>
         <p:sp>
           <p:nvSpPr>
-            <p:cNvPr id="44" name="rc44"/>
-            <p:cNvSpPr/>
-            <p:nvPr/>
-          </p:nvSpPr>
-          <p:spPr>
-            <a:xfrm>
-              <a:off x="4164585" y="6927219"/>
-              <a:ext cx="540694" cy="372206"/>
+            <p:cNvPr id="136" name="rc136"/>
+            <p:cNvSpPr/>
+            <p:nvPr/>
+          </p:nvSpPr>
+          <p:spPr>
+            <a:xfrm>
+              <a:off x="3958267" y="5272970"/>
+              <a:ext cx="1009849" cy="372206"/>
             </a:xfrm>
             <a:prstGeom prst="rect">
               <a:avLst/>
@@ -3586,14 +5995,14 @@
         </p:sp>
         <p:sp>
           <p:nvSpPr>
-            <p:cNvPr id="45" name="rc45"/>
-            <p:cNvSpPr/>
-            <p:nvPr/>
-          </p:nvSpPr>
-          <p:spPr>
-            <a:xfrm>
-              <a:off x="3323505" y="6927219"/>
-              <a:ext cx="841080" cy="372206"/>
+            <p:cNvPr id="137" name="rc137"/>
+            <p:cNvSpPr/>
+            <p:nvPr/>
+          </p:nvSpPr>
+          <p:spPr>
+            <a:xfrm>
+              <a:off x="3323505" y="5272970"/>
+              <a:ext cx="634762" cy="372206"/>
             </a:xfrm>
             <a:prstGeom prst="rect">
               <a:avLst/>
@@ -3612,14 +6021,14 @@
         </p:sp>
         <p:sp>
           <p:nvSpPr>
-            <p:cNvPr id="46" name="rc46"/>
-            <p:cNvSpPr/>
-            <p:nvPr/>
-          </p:nvSpPr>
-          <p:spPr>
-            <a:xfrm>
-              <a:off x="7498867" y="6513657"/>
-              <a:ext cx="210270" cy="372206"/>
+            <p:cNvPr id="138" name="rc138"/>
+            <p:cNvSpPr/>
+            <p:nvPr/>
+          </p:nvSpPr>
+          <p:spPr>
+            <a:xfrm>
+              <a:off x="7420608" y="3205159"/>
+              <a:ext cx="230822" cy="372206"/>
             </a:xfrm>
             <a:prstGeom prst="rect">
               <a:avLst/>
@@ -3638,14 +6047,14 @@
         </p:sp>
         <p:sp>
           <p:nvSpPr>
-            <p:cNvPr id="47" name="rc47"/>
-            <p:cNvSpPr/>
-            <p:nvPr/>
-          </p:nvSpPr>
-          <p:spPr>
-            <a:xfrm>
-              <a:off x="6237247" y="6513657"/>
-              <a:ext cx="1261620" cy="372206"/>
+            <p:cNvPr id="139" name="rc139"/>
+            <p:cNvSpPr/>
+            <p:nvPr/>
+          </p:nvSpPr>
+          <p:spPr>
+            <a:xfrm>
+              <a:off x="6987816" y="3205159"/>
+              <a:ext cx="432792" cy="372206"/>
             </a:xfrm>
             <a:prstGeom prst="rect">
               <a:avLst/>
@@ -3664,14 +6073,14 @@
         </p:sp>
         <p:sp>
           <p:nvSpPr>
-            <p:cNvPr id="48" name="rc48"/>
-            <p:cNvSpPr/>
-            <p:nvPr/>
-          </p:nvSpPr>
-          <p:spPr>
-            <a:xfrm>
-              <a:off x="5966899" y="6513657"/>
-              <a:ext cx="270347" cy="372206"/>
+            <p:cNvPr id="140" name="rc140"/>
+            <p:cNvSpPr/>
+            <p:nvPr/>
+          </p:nvSpPr>
+          <p:spPr>
+            <a:xfrm>
+              <a:off x="6670434" y="3205159"/>
+              <a:ext cx="317381" cy="372206"/>
             </a:xfrm>
             <a:prstGeom prst="rect">
               <a:avLst/>
@@ -3690,14 +6099,14 @@
         </p:sp>
         <p:sp>
           <p:nvSpPr>
-            <p:cNvPr id="49" name="rc49"/>
-            <p:cNvSpPr/>
-            <p:nvPr/>
-          </p:nvSpPr>
-          <p:spPr>
-            <a:xfrm>
-              <a:off x="5486282" y="6513657"/>
-              <a:ext cx="480617" cy="372206"/>
+            <p:cNvPr id="141" name="rc141"/>
+            <p:cNvSpPr/>
+            <p:nvPr/>
+          </p:nvSpPr>
+          <p:spPr>
+            <a:xfrm>
+              <a:off x="6006819" y="3205159"/>
+              <a:ext cx="663615" cy="372206"/>
             </a:xfrm>
             <a:prstGeom prst="rect">
               <a:avLst/>
@@ -3716,14 +6125,14 @@
         </p:sp>
         <p:sp>
           <p:nvSpPr>
-            <p:cNvPr id="50" name="rc50"/>
-            <p:cNvSpPr/>
-            <p:nvPr/>
-          </p:nvSpPr>
-          <p:spPr>
-            <a:xfrm>
-              <a:off x="4825434" y="6513657"/>
-              <a:ext cx="660848" cy="372206"/>
+            <p:cNvPr id="142" name="rc142"/>
+            <p:cNvSpPr/>
+            <p:nvPr/>
+          </p:nvSpPr>
+          <p:spPr>
+            <a:xfrm>
+              <a:off x="5285498" y="3205159"/>
+              <a:ext cx="721321" cy="372206"/>
             </a:xfrm>
             <a:prstGeom prst="rect">
               <a:avLst/>
@@ -3742,14 +6151,14 @@
         </p:sp>
         <p:sp>
           <p:nvSpPr>
-            <p:cNvPr id="51" name="rc51"/>
-            <p:cNvSpPr/>
-            <p:nvPr/>
-          </p:nvSpPr>
-          <p:spPr>
-            <a:xfrm>
-              <a:off x="3984353" y="6513657"/>
-              <a:ext cx="841080" cy="372206"/>
+            <p:cNvPr id="143" name="rc143"/>
+            <p:cNvSpPr/>
+            <p:nvPr/>
+          </p:nvSpPr>
+          <p:spPr>
+            <a:xfrm>
+              <a:off x="4304501" y="3205159"/>
+              <a:ext cx="980996" cy="372206"/>
             </a:xfrm>
             <a:prstGeom prst="rect">
               <a:avLst/>
@@ -3768,14 +6177,14 @@
         </p:sp>
         <p:sp>
           <p:nvSpPr>
-            <p:cNvPr id="52" name="rc52"/>
-            <p:cNvSpPr/>
-            <p:nvPr/>
-          </p:nvSpPr>
-          <p:spPr>
-            <a:xfrm>
-              <a:off x="3323505" y="6513657"/>
-              <a:ext cx="660848" cy="372206"/>
+            <p:cNvPr id="144" name="rc144"/>
+            <p:cNvSpPr/>
+            <p:nvPr/>
+          </p:nvSpPr>
+          <p:spPr>
+            <a:xfrm>
+              <a:off x="3323505" y="3205159"/>
+              <a:ext cx="980996" cy="372206"/>
             </a:xfrm>
             <a:prstGeom prst="rect">
               <a:avLst/>
@@ -3794,2373 +6203,7 @@
         </p:sp>
         <p:sp>
           <p:nvSpPr>
-            <p:cNvPr id="53" name="rc53"/>
-            <p:cNvSpPr/>
-            <p:nvPr/>
-          </p:nvSpPr>
-          <p:spPr>
-            <a:xfrm>
-              <a:off x="7498867" y="7340781"/>
-              <a:ext cx="210270" cy="372206"/>
-            </a:xfrm>
-            <a:prstGeom prst="rect">
-              <a:avLst/>
-            </a:prstGeom>
-            <a:solidFill>
-              <a:srgbClr val="B0BEC5">
-                <a:alpha val="100000"/>
-              </a:srgbClr>
-            </a:solidFill>
-          </p:spPr>
-          <p:txBody>
-            <a:bodyPr/>
-            <a:lstStyle/>
-            <a:p/>
-          </p:txBody>
-        </p:sp>
-        <p:sp>
-          <p:nvSpPr>
-            <p:cNvPr id="54" name="rc54"/>
-            <p:cNvSpPr/>
-            <p:nvPr/>
-          </p:nvSpPr>
-          <p:spPr>
-            <a:xfrm>
-              <a:off x="5846745" y="7340781"/>
-              <a:ext cx="1652121" cy="372206"/>
-            </a:xfrm>
-            <a:prstGeom prst="rect">
-              <a:avLst/>
-            </a:prstGeom>
-            <a:solidFill>
-              <a:srgbClr val="2196F3">
-                <a:alpha val="100000"/>
-              </a:srgbClr>
-            </a:solidFill>
-          </p:spPr>
-          <p:txBody>
-            <a:bodyPr/>
-            <a:lstStyle/>
-            <a:p/>
-          </p:txBody>
-        </p:sp>
-        <p:sp>
-          <p:nvSpPr>
-            <p:cNvPr id="55" name="rc55"/>
-            <p:cNvSpPr/>
-            <p:nvPr/>
-          </p:nvSpPr>
-          <p:spPr>
-            <a:xfrm>
-              <a:off x="5486282" y="7340781"/>
-              <a:ext cx="360462" cy="372206"/>
-            </a:xfrm>
-            <a:prstGeom prst="rect">
-              <a:avLst/>
-            </a:prstGeom>
-            <a:solidFill>
-              <a:srgbClr val="4CAF50">
-                <a:alpha val="100000"/>
-              </a:srgbClr>
-            </a:solidFill>
-          </p:spPr>
-          <p:txBody>
-            <a:bodyPr/>
-            <a:lstStyle/>
-            <a:p/>
-          </p:txBody>
-        </p:sp>
-        <p:sp>
-          <p:nvSpPr>
-            <p:cNvPr id="56" name="rc56"/>
-            <p:cNvSpPr/>
-            <p:nvPr/>
-          </p:nvSpPr>
-          <p:spPr>
-            <a:xfrm>
-              <a:off x="5035704" y="7340781"/>
-              <a:ext cx="450578" cy="372206"/>
-            </a:xfrm>
-            <a:prstGeom prst="rect">
-              <a:avLst/>
-            </a:prstGeom>
-            <a:solidFill>
-              <a:srgbClr val="8BC34A">
-                <a:alpha val="100000"/>
-              </a:srgbClr>
-            </a:solidFill>
-          </p:spPr>
-          <p:txBody>
-            <a:bodyPr/>
-            <a:lstStyle/>
-            <a:p/>
-          </p:txBody>
-        </p:sp>
-        <p:sp>
-          <p:nvSpPr>
-            <p:cNvPr id="57" name="rc57"/>
-            <p:cNvSpPr/>
-            <p:nvPr/>
-          </p:nvSpPr>
-          <p:spPr>
-            <a:xfrm>
-              <a:off x="4525048" y="7340781"/>
-              <a:ext cx="510655" cy="372206"/>
-            </a:xfrm>
-            <a:prstGeom prst="rect">
-              <a:avLst/>
-            </a:prstGeom>
-            <a:solidFill>
-              <a:srgbClr val="FFC107">
-                <a:alpha val="100000"/>
-              </a:srgbClr>
-            </a:solidFill>
-          </p:spPr>
-          <p:txBody>
-            <a:bodyPr/>
-            <a:lstStyle/>
-            <a:p/>
-          </p:txBody>
-        </p:sp>
-        <p:sp>
-          <p:nvSpPr>
-            <p:cNvPr id="58" name="rc58"/>
-            <p:cNvSpPr/>
-            <p:nvPr/>
-          </p:nvSpPr>
-          <p:spPr>
-            <a:xfrm>
-              <a:off x="4044431" y="7340781"/>
-              <a:ext cx="480617" cy="372206"/>
-            </a:xfrm>
-            <a:prstGeom prst="rect">
-              <a:avLst/>
-            </a:prstGeom>
-            <a:solidFill>
-              <a:srgbClr val="FF9800">
-                <a:alpha val="100000"/>
-              </a:srgbClr>
-            </a:solidFill>
-          </p:spPr>
-          <p:txBody>
-            <a:bodyPr/>
-            <a:lstStyle/>
-            <a:p/>
-          </p:txBody>
-        </p:sp>
-        <p:sp>
-          <p:nvSpPr>
-            <p:cNvPr id="59" name="rc59"/>
-            <p:cNvSpPr/>
-            <p:nvPr/>
-          </p:nvSpPr>
-          <p:spPr>
-            <a:xfrm>
-              <a:off x="3323505" y="7340781"/>
-              <a:ext cx="720925" cy="372206"/>
-            </a:xfrm>
-            <a:prstGeom prst="rect">
-              <a:avLst/>
-            </a:prstGeom>
-            <a:solidFill>
-              <a:srgbClr val="F44336">
-                <a:alpha val="100000"/>
-              </a:srgbClr>
-            </a:solidFill>
-          </p:spPr>
-          <p:txBody>
-            <a:bodyPr/>
-            <a:lstStyle/>
-            <a:p/>
-          </p:txBody>
-        </p:sp>
-        <p:sp>
-          <p:nvSpPr>
-            <p:cNvPr id="60" name="rc60"/>
-            <p:cNvSpPr/>
-            <p:nvPr/>
-          </p:nvSpPr>
-          <p:spPr>
-            <a:xfrm>
-              <a:off x="7558944" y="1550909"/>
-              <a:ext cx="150192" cy="372206"/>
-            </a:xfrm>
-            <a:prstGeom prst="rect">
-              <a:avLst/>
-            </a:prstGeom>
-            <a:solidFill>
-              <a:srgbClr val="B0BEC5">
-                <a:alpha val="100000"/>
-              </a:srgbClr>
-            </a:solidFill>
-          </p:spPr>
-          <p:txBody>
-            <a:bodyPr/>
-            <a:lstStyle/>
-            <a:p/>
-          </p:txBody>
-        </p:sp>
-        <p:sp>
-          <p:nvSpPr>
-            <p:cNvPr id="61" name="rc61"/>
-            <p:cNvSpPr/>
-            <p:nvPr/>
-          </p:nvSpPr>
-          <p:spPr>
-            <a:xfrm>
-              <a:off x="7228520" y="1550909"/>
-              <a:ext cx="330424" cy="372206"/>
-            </a:xfrm>
-            <a:prstGeom prst="rect">
-              <a:avLst/>
-            </a:prstGeom>
-            <a:solidFill>
-              <a:srgbClr val="2196F3">
-                <a:alpha val="100000"/>
-              </a:srgbClr>
-            </a:solidFill>
-          </p:spPr>
-          <p:txBody>
-            <a:bodyPr/>
-            <a:lstStyle/>
-            <a:p/>
-          </p:txBody>
-        </p:sp>
-        <p:sp>
-          <p:nvSpPr>
-            <p:cNvPr id="62" name="rc62"/>
-            <p:cNvSpPr/>
-            <p:nvPr/>
-          </p:nvSpPr>
-          <p:spPr>
-            <a:xfrm>
-              <a:off x="6958172" y="1550909"/>
-              <a:ext cx="270347" cy="372206"/>
-            </a:xfrm>
-            <a:prstGeom prst="rect">
-              <a:avLst/>
-            </a:prstGeom>
-            <a:solidFill>
-              <a:srgbClr val="4CAF50">
-                <a:alpha val="100000"/>
-              </a:srgbClr>
-            </a:solidFill>
-          </p:spPr>
-          <p:txBody>
-            <a:bodyPr/>
-            <a:lstStyle/>
-            <a:p/>
-          </p:txBody>
-        </p:sp>
-        <p:sp>
-          <p:nvSpPr>
-            <p:cNvPr id="63" name="rc63"/>
-            <p:cNvSpPr/>
-            <p:nvPr/>
-          </p:nvSpPr>
-          <p:spPr>
-            <a:xfrm>
-              <a:off x="6237247" y="1550909"/>
-              <a:ext cx="720925" cy="372206"/>
-            </a:xfrm>
-            <a:prstGeom prst="rect">
-              <a:avLst/>
-            </a:prstGeom>
-            <a:solidFill>
-              <a:srgbClr val="8BC34A">
-                <a:alpha val="100000"/>
-              </a:srgbClr>
-            </a:solidFill>
-          </p:spPr>
-          <p:txBody>
-            <a:bodyPr/>
-            <a:lstStyle/>
-            <a:p/>
-          </p:txBody>
-        </p:sp>
-        <p:sp>
-          <p:nvSpPr>
-            <p:cNvPr id="64" name="rc64"/>
-            <p:cNvSpPr/>
-            <p:nvPr/>
-          </p:nvSpPr>
-          <p:spPr>
-            <a:xfrm>
-              <a:off x="5576398" y="1550909"/>
-              <a:ext cx="660848" cy="372206"/>
-            </a:xfrm>
-            <a:prstGeom prst="rect">
-              <a:avLst/>
-            </a:prstGeom>
-            <a:solidFill>
-              <a:srgbClr val="FFC107">
-                <a:alpha val="100000"/>
-              </a:srgbClr>
-            </a:solidFill>
-          </p:spPr>
-          <p:txBody>
-            <a:bodyPr/>
-            <a:lstStyle/>
-            <a:p/>
-          </p:txBody>
-        </p:sp>
-        <p:sp>
-          <p:nvSpPr>
-            <p:cNvPr id="65" name="rc65"/>
-            <p:cNvSpPr/>
-            <p:nvPr/>
-          </p:nvSpPr>
-          <p:spPr>
-            <a:xfrm>
-              <a:off x="4374855" y="1550909"/>
-              <a:ext cx="1201542" cy="372206"/>
-            </a:xfrm>
-            <a:prstGeom prst="rect">
-              <a:avLst/>
-            </a:prstGeom>
-            <a:solidFill>
-              <a:srgbClr val="FF9800">
-                <a:alpha val="100000"/>
-              </a:srgbClr>
-            </a:solidFill>
-          </p:spPr>
-          <p:txBody>
-            <a:bodyPr/>
-            <a:lstStyle/>
-            <a:p/>
-          </p:txBody>
-        </p:sp>
-        <p:sp>
-          <p:nvSpPr>
-            <p:cNvPr id="66" name="rc66"/>
-            <p:cNvSpPr/>
-            <p:nvPr/>
-          </p:nvSpPr>
-          <p:spPr>
-            <a:xfrm>
-              <a:off x="3323505" y="1550909"/>
-              <a:ext cx="1051350" cy="372206"/>
-            </a:xfrm>
-            <a:prstGeom prst="rect">
-              <a:avLst/>
-            </a:prstGeom>
-            <a:solidFill>
-              <a:srgbClr val="F44336">
-                <a:alpha val="100000"/>
-              </a:srgbClr>
-            </a:solidFill>
-          </p:spPr>
-          <p:txBody>
-            <a:bodyPr/>
-            <a:lstStyle/>
-            <a:p/>
-          </p:txBody>
-        </p:sp>
-        <p:sp>
-          <p:nvSpPr>
-            <p:cNvPr id="67" name="rc67"/>
-            <p:cNvSpPr/>
-            <p:nvPr/>
-          </p:nvSpPr>
-          <p:spPr>
-            <a:xfrm>
-              <a:off x="7558944" y="2791596"/>
-              <a:ext cx="150192" cy="372206"/>
-            </a:xfrm>
-            <a:prstGeom prst="rect">
-              <a:avLst/>
-            </a:prstGeom>
-            <a:solidFill>
-              <a:srgbClr val="B0BEC5">
-                <a:alpha val="100000"/>
-              </a:srgbClr>
-            </a:solidFill>
-          </p:spPr>
-          <p:txBody>
-            <a:bodyPr/>
-            <a:lstStyle/>
-            <a:p/>
-          </p:txBody>
-        </p:sp>
-        <p:sp>
-          <p:nvSpPr>
-            <p:cNvPr id="68" name="rc68"/>
-            <p:cNvSpPr/>
-            <p:nvPr/>
-          </p:nvSpPr>
-          <p:spPr>
-            <a:xfrm>
-              <a:off x="6988211" y="2791596"/>
-              <a:ext cx="570732" cy="372206"/>
-            </a:xfrm>
-            <a:prstGeom prst="rect">
-              <a:avLst/>
-            </a:prstGeom>
-            <a:solidFill>
-              <a:srgbClr val="2196F3">
-                <a:alpha val="100000"/>
-              </a:srgbClr>
-            </a:solidFill>
-          </p:spPr>
-          <p:txBody>
-            <a:bodyPr/>
-            <a:lstStyle/>
-            <a:p/>
-          </p:txBody>
-        </p:sp>
-        <p:sp>
-          <p:nvSpPr>
-            <p:cNvPr id="69" name="rc69"/>
-            <p:cNvSpPr/>
-            <p:nvPr/>
-          </p:nvSpPr>
-          <p:spPr>
-            <a:xfrm>
-              <a:off x="6657787" y="2791596"/>
-              <a:ext cx="330424" cy="372206"/>
-            </a:xfrm>
-            <a:prstGeom prst="rect">
-              <a:avLst/>
-            </a:prstGeom>
-            <a:solidFill>
-              <a:srgbClr val="4CAF50">
-                <a:alpha val="100000"/>
-              </a:srgbClr>
-            </a:solidFill>
-          </p:spPr>
-          <p:txBody>
-            <a:bodyPr/>
-            <a:lstStyle/>
-            <a:p/>
-          </p:txBody>
-        </p:sp>
-        <p:sp>
-          <p:nvSpPr>
-            <p:cNvPr id="70" name="rc70"/>
-            <p:cNvSpPr/>
-            <p:nvPr/>
-          </p:nvSpPr>
-          <p:spPr>
-            <a:xfrm>
-              <a:off x="5996938" y="2791596"/>
-              <a:ext cx="660848" cy="372206"/>
-            </a:xfrm>
-            <a:prstGeom prst="rect">
-              <a:avLst/>
-            </a:prstGeom>
-            <a:solidFill>
-              <a:srgbClr val="8BC34A">
-                <a:alpha val="100000"/>
-              </a:srgbClr>
-            </a:solidFill>
-          </p:spPr>
-          <p:txBody>
-            <a:bodyPr/>
-            <a:lstStyle/>
-            <a:p/>
-          </p:txBody>
-        </p:sp>
-        <p:sp>
-          <p:nvSpPr>
-            <p:cNvPr id="71" name="rc71"/>
-            <p:cNvSpPr/>
-            <p:nvPr/>
-          </p:nvSpPr>
-          <p:spPr>
-            <a:xfrm>
-              <a:off x="5426205" y="2791596"/>
-              <a:ext cx="570732" cy="372206"/>
-            </a:xfrm>
-            <a:prstGeom prst="rect">
-              <a:avLst/>
-            </a:prstGeom>
-            <a:solidFill>
-              <a:srgbClr val="FFC107">
-                <a:alpha val="100000"/>
-              </a:srgbClr>
-            </a:solidFill>
-          </p:spPr>
-          <p:txBody>
-            <a:bodyPr/>
-            <a:lstStyle/>
-            <a:p/>
-          </p:txBody>
-        </p:sp>
-        <p:sp>
-          <p:nvSpPr>
-            <p:cNvPr id="72" name="rc72"/>
-            <p:cNvSpPr/>
-            <p:nvPr/>
-          </p:nvSpPr>
-          <p:spPr>
-            <a:xfrm>
-              <a:off x="4464971" y="2791596"/>
-              <a:ext cx="961234" cy="372206"/>
-            </a:xfrm>
-            <a:prstGeom prst="rect">
-              <a:avLst/>
-            </a:prstGeom>
-            <a:solidFill>
-              <a:srgbClr val="FF9800">
-                <a:alpha val="100000"/>
-              </a:srgbClr>
-            </a:solidFill>
-          </p:spPr>
-          <p:txBody>
-            <a:bodyPr/>
-            <a:lstStyle/>
-            <a:p/>
-          </p:txBody>
-        </p:sp>
-        <p:sp>
-          <p:nvSpPr>
-            <p:cNvPr id="73" name="rc73"/>
-            <p:cNvSpPr/>
-            <p:nvPr/>
-          </p:nvSpPr>
-          <p:spPr>
-            <a:xfrm>
-              <a:off x="3323505" y="2791596"/>
-              <a:ext cx="1141465" cy="372206"/>
-            </a:xfrm>
-            <a:prstGeom prst="rect">
-              <a:avLst/>
-            </a:prstGeom>
-            <a:solidFill>
-              <a:srgbClr val="F44336">
-                <a:alpha val="100000"/>
-              </a:srgbClr>
-            </a:solidFill>
-          </p:spPr>
-          <p:txBody>
-            <a:bodyPr/>
-            <a:lstStyle/>
-            <a:p/>
-          </p:txBody>
-        </p:sp>
-        <p:sp>
-          <p:nvSpPr>
-            <p:cNvPr id="74" name="rc74"/>
-            <p:cNvSpPr/>
-            <p:nvPr/>
-          </p:nvSpPr>
-          <p:spPr>
-            <a:xfrm>
-              <a:off x="7588982" y="3618721"/>
-              <a:ext cx="120154" cy="372206"/>
-            </a:xfrm>
-            <a:prstGeom prst="rect">
-              <a:avLst/>
-            </a:prstGeom>
-            <a:solidFill>
-              <a:srgbClr val="B0BEC5">
-                <a:alpha val="100000"/>
-              </a:srgbClr>
-            </a:solidFill>
-          </p:spPr>
-          <p:txBody>
-            <a:bodyPr/>
-            <a:lstStyle/>
-            <a:p/>
-          </p:txBody>
-        </p:sp>
-        <p:sp>
-          <p:nvSpPr>
-            <p:cNvPr id="75" name="rc75"/>
-            <p:cNvSpPr/>
-            <p:nvPr/>
-          </p:nvSpPr>
-          <p:spPr>
-            <a:xfrm>
-              <a:off x="6988211" y="3618721"/>
-              <a:ext cx="600771" cy="372206"/>
-            </a:xfrm>
-            <a:prstGeom prst="rect">
-              <a:avLst/>
-            </a:prstGeom>
-            <a:solidFill>
-              <a:srgbClr val="2196F3">
-                <a:alpha val="100000"/>
-              </a:srgbClr>
-            </a:solidFill>
-          </p:spPr>
-          <p:txBody>
-            <a:bodyPr/>
-            <a:lstStyle/>
-            <a:p/>
-          </p:txBody>
-        </p:sp>
-        <p:sp>
-          <p:nvSpPr>
-            <p:cNvPr id="76" name="rc76"/>
-            <p:cNvSpPr/>
-            <p:nvPr/>
-          </p:nvSpPr>
-          <p:spPr>
-            <a:xfrm>
-              <a:off x="6567671" y="3618721"/>
-              <a:ext cx="420540" cy="372206"/>
-            </a:xfrm>
-            <a:prstGeom prst="rect">
-              <a:avLst/>
-            </a:prstGeom>
-            <a:solidFill>
-              <a:srgbClr val="4CAF50">
-                <a:alpha val="100000"/>
-              </a:srgbClr>
-            </a:solidFill>
-          </p:spPr>
-          <p:txBody>
-            <a:bodyPr/>
-            <a:lstStyle/>
-            <a:p/>
-          </p:txBody>
-        </p:sp>
-        <p:sp>
-          <p:nvSpPr>
-            <p:cNvPr id="77" name="rc77"/>
-            <p:cNvSpPr/>
-            <p:nvPr/>
-          </p:nvSpPr>
-          <p:spPr>
-            <a:xfrm>
-              <a:off x="5936861" y="3618721"/>
-              <a:ext cx="630810" cy="372206"/>
-            </a:xfrm>
-            <a:prstGeom prst="rect">
-              <a:avLst/>
-            </a:prstGeom>
-            <a:solidFill>
-              <a:srgbClr val="8BC34A">
-                <a:alpha val="100000"/>
-              </a:srgbClr>
-            </a:solidFill>
-          </p:spPr>
-          <p:txBody>
-            <a:bodyPr/>
-            <a:lstStyle/>
-            <a:p/>
-          </p:txBody>
-        </p:sp>
-        <p:sp>
-          <p:nvSpPr>
-            <p:cNvPr id="78" name="rc78"/>
-            <p:cNvSpPr/>
-            <p:nvPr/>
-          </p:nvSpPr>
-          <p:spPr>
-            <a:xfrm>
-              <a:off x="5215935" y="3618721"/>
-              <a:ext cx="720925" cy="372206"/>
-            </a:xfrm>
-            <a:prstGeom prst="rect">
-              <a:avLst/>
-            </a:prstGeom>
-            <a:solidFill>
-              <a:srgbClr val="FFC107">
-                <a:alpha val="100000"/>
-              </a:srgbClr>
-            </a:solidFill>
-          </p:spPr>
-          <p:txBody>
-            <a:bodyPr/>
-            <a:lstStyle/>
-            <a:p/>
-          </p:txBody>
-        </p:sp>
-        <p:sp>
-          <p:nvSpPr>
-            <p:cNvPr id="79" name="rc79"/>
-            <p:cNvSpPr/>
-            <p:nvPr/>
-          </p:nvSpPr>
-          <p:spPr>
-            <a:xfrm>
-              <a:off x="4074469" y="3618721"/>
-              <a:ext cx="1141465" cy="372206"/>
-            </a:xfrm>
-            <a:prstGeom prst="rect">
-              <a:avLst/>
-            </a:prstGeom>
-            <a:solidFill>
-              <a:srgbClr val="FF9800">
-                <a:alpha val="100000"/>
-              </a:srgbClr>
-            </a:solidFill>
-          </p:spPr>
-          <p:txBody>
-            <a:bodyPr/>
-            <a:lstStyle/>
-            <a:p/>
-          </p:txBody>
-        </p:sp>
-        <p:sp>
-          <p:nvSpPr>
-            <p:cNvPr id="80" name="rc80"/>
-            <p:cNvSpPr/>
-            <p:nvPr/>
-          </p:nvSpPr>
-          <p:spPr>
-            <a:xfrm>
-              <a:off x="3323505" y="3618721"/>
-              <a:ext cx="750964" cy="372206"/>
-            </a:xfrm>
-            <a:prstGeom prst="rect">
-              <a:avLst/>
-            </a:prstGeom>
-            <a:solidFill>
-              <a:srgbClr val="F44336">
-                <a:alpha val="100000"/>
-              </a:srgbClr>
-            </a:solidFill>
-          </p:spPr>
-          <p:txBody>
-            <a:bodyPr/>
-            <a:lstStyle/>
-            <a:p/>
-          </p:txBody>
-        </p:sp>
-        <p:sp>
-          <p:nvSpPr>
-            <p:cNvPr id="81" name="rc81"/>
-            <p:cNvSpPr/>
-            <p:nvPr/>
-          </p:nvSpPr>
-          <p:spPr>
-            <a:xfrm>
-              <a:off x="7468828" y="6100095"/>
-              <a:ext cx="240308" cy="372206"/>
-            </a:xfrm>
-            <a:prstGeom prst="rect">
-              <a:avLst/>
-            </a:prstGeom>
-            <a:solidFill>
-              <a:srgbClr val="B0BEC5">
-                <a:alpha val="100000"/>
-              </a:srgbClr>
-            </a:solidFill>
-          </p:spPr>
-          <p:txBody>
-            <a:bodyPr/>
-            <a:lstStyle/>
-            <a:p/>
-          </p:txBody>
-        </p:sp>
-        <p:sp>
-          <p:nvSpPr>
-            <p:cNvPr id="82" name="rc82"/>
-            <p:cNvSpPr/>
-            <p:nvPr/>
-          </p:nvSpPr>
-          <p:spPr>
-            <a:xfrm>
-              <a:off x="5996938" y="6100095"/>
-              <a:ext cx="1471890" cy="372206"/>
-            </a:xfrm>
-            <a:prstGeom prst="rect">
-              <a:avLst/>
-            </a:prstGeom>
-            <a:solidFill>
-              <a:srgbClr val="2196F3">
-                <a:alpha val="100000"/>
-              </a:srgbClr>
-            </a:solidFill>
-          </p:spPr>
-          <p:txBody>
-            <a:bodyPr/>
-            <a:lstStyle/>
-            <a:p/>
-          </p:txBody>
-        </p:sp>
-        <p:sp>
-          <p:nvSpPr>
-            <p:cNvPr id="83" name="rc83"/>
-            <p:cNvSpPr/>
-            <p:nvPr/>
-          </p:nvSpPr>
-          <p:spPr>
-            <a:xfrm>
-              <a:off x="5696552" y="6100095"/>
-              <a:ext cx="300385" cy="372206"/>
-            </a:xfrm>
-            <a:prstGeom prst="rect">
-              <a:avLst/>
-            </a:prstGeom>
-            <a:solidFill>
-              <a:srgbClr val="4CAF50">
-                <a:alpha val="100000"/>
-              </a:srgbClr>
-            </a:solidFill>
-          </p:spPr>
-          <p:txBody>
-            <a:bodyPr/>
-            <a:lstStyle/>
-            <a:p/>
-          </p:txBody>
-        </p:sp>
-        <p:sp>
-          <p:nvSpPr>
-            <p:cNvPr id="84" name="rc84"/>
-            <p:cNvSpPr/>
-            <p:nvPr/>
-          </p:nvSpPr>
-          <p:spPr>
-            <a:xfrm>
-              <a:off x="5125819" y="6100095"/>
-              <a:ext cx="570732" cy="372206"/>
-            </a:xfrm>
-            <a:prstGeom prst="rect">
-              <a:avLst/>
-            </a:prstGeom>
-            <a:solidFill>
-              <a:srgbClr val="8BC34A">
-                <a:alpha val="100000"/>
-              </a:srgbClr>
-            </a:solidFill>
-          </p:spPr>
-          <p:txBody>
-            <a:bodyPr/>
-            <a:lstStyle/>
-            <a:p/>
-          </p:txBody>
-        </p:sp>
-        <p:sp>
-          <p:nvSpPr>
-            <p:cNvPr id="85" name="rc85"/>
-            <p:cNvSpPr/>
-            <p:nvPr/>
-          </p:nvSpPr>
-          <p:spPr>
-            <a:xfrm>
-              <a:off x="4825434" y="6100095"/>
-              <a:ext cx="300385" cy="372206"/>
-            </a:xfrm>
-            <a:prstGeom prst="rect">
-              <a:avLst/>
-            </a:prstGeom>
-            <a:solidFill>
-              <a:srgbClr val="FFC107">
-                <a:alpha val="100000"/>
-              </a:srgbClr>
-            </a:solidFill>
-          </p:spPr>
-          <p:txBody>
-            <a:bodyPr/>
-            <a:lstStyle/>
-            <a:p/>
-          </p:txBody>
-        </p:sp>
-        <p:sp>
-          <p:nvSpPr>
-            <p:cNvPr id="86" name="rc86"/>
-            <p:cNvSpPr/>
-            <p:nvPr/>
-          </p:nvSpPr>
-          <p:spPr>
-            <a:xfrm>
-              <a:off x="4374855" y="6100095"/>
-              <a:ext cx="450578" cy="372206"/>
-            </a:xfrm>
-            <a:prstGeom prst="rect">
-              <a:avLst/>
-            </a:prstGeom>
-            <a:solidFill>
-              <a:srgbClr val="FF9800">
-                <a:alpha val="100000"/>
-              </a:srgbClr>
-            </a:solidFill>
-          </p:spPr>
-          <p:txBody>
-            <a:bodyPr/>
-            <a:lstStyle/>
-            <a:p/>
-          </p:txBody>
-        </p:sp>
-        <p:sp>
-          <p:nvSpPr>
-            <p:cNvPr id="87" name="rc87"/>
-            <p:cNvSpPr/>
-            <p:nvPr/>
-          </p:nvSpPr>
-          <p:spPr>
-            <a:xfrm>
-              <a:off x="3323505" y="6100095"/>
-              <a:ext cx="1051350" cy="372206"/>
-            </a:xfrm>
-            <a:prstGeom prst="rect">
-              <a:avLst/>
-            </a:prstGeom>
-            <a:solidFill>
-              <a:srgbClr val="F44336">
-                <a:alpha val="100000"/>
-              </a:srgbClr>
-            </a:solidFill>
-          </p:spPr>
-          <p:txBody>
-            <a:bodyPr/>
-            <a:lstStyle/>
-            <a:p/>
-          </p:txBody>
-        </p:sp>
-        <p:sp>
-          <p:nvSpPr>
-            <p:cNvPr id="88" name="rc88"/>
-            <p:cNvSpPr/>
-            <p:nvPr/>
-          </p:nvSpPr>
-          <p:spPr>
-            <a:xfrm>
-              <a:off x="7438790" y="5686532"/>
-              <a:ext cx="270347" cy="372206"/>
-            </a:xfrm>
-            <a:prstGeom prst="rect">
-              <a:avLst/>
-            </a:prstGeom>
-            <a:solidFill>
-              <a:srgbClr val="B0BEC5">
-                <a:alpha val="100000"/>
-              </a:srgbClr>
-            </a:solidFill>
-          </p:spPr>
-          <p:txBody>
-            <a:bodyPr/>
-            <a:lstStyle/>
-            <a:p/>
-          </p:txBody>
-        </p:sp>
-        <p:sp>
-          <p:nvSpPr>
-            <p:cNvPr id="89" name="rc89"/>
-            <p:cNvSpPr/>
-            <p:nvPr/>
-          </p:nvSpPr>
-          <p:spPr>
-            <a:xfrm>
-              <a:off x="6117092" y="5686532"/>
-              <a:ext cx="1321697" cy="372206"/>
-            </a:xfrm>
-            <a:prstGeom prst="rect">
-              <a:avLst/>
-            </a:prstGeom>
-            <a:solidFill>
-              <a:srgbClr val="2196F3">
-                <a:alpha val="100000"/>
-              </a:srgbClr>
-            </a:solidFill>
-          </p:spPr>
-          <p:txBody>
-            <a:bodyPr/>
-            <a:lstStyle/>
-            <a:p/>
-          </p:txBody>
-        </p:sp>
-        <p:sp>
-          <p:nvSpPr>
-            <p:cNvPr id="90" name="rc90"/>
-            <p:cNvSpPr/>
-            <p:nvPr/>
-          </p:nvSpPr>
-          <p:spPr>
-            <a:xfrm>
-              <a:off x="5816707" y="5686532"/>
-              <a:ext cx="300385" cy="372206"/>
-            </a:xfrm>
-            <a:prstGeom prst="rect">
-              <a:avLst/>
-            </a:prstGeom>
-            <a:solidFill>
-              <a:srgbClr val="4CAF50">
-                <a:alpha val="100000"/>
-              </a:srgbClr>
-            </a:solidFill>
-          </p:spPr>
-          <p:txBody>
-            <a:bodyPr/>
-            <a:lstStyle/>
-            <a:p/>
-          </p:txBody>
-        </p:sp>
-        <p:sp>
-          <p:nvSpPr>
-            <p:cNvPr id="91" name="rc91"/>
-            <p:cNvSpPr/>
-            <p:nvPr/>
-          </p:nvSpPr>
-          <p:spPr>
-            <a:xfrm>
-              <a:off x="5576398" y="5686532"/>
-              <a:ext cx="240308" cy="372206"/>
-            </a:xfrm>
-            <a:prstGeom prst="rect">
-              <a:avLst/>
-            </a:prstGeom>
-            <a:solidFill>
-              <a:srgbClr val="8BC34A">
-                <a:alpha val="100000"/>
-              </a:srgbClr>
-            </a:solidFill>
-          </p:spPr>
-          <p:txBody>
-            <a:bodyPr/>
-            <a:lstStyle/>
-            <a:p/>
-          </p:txBody>
-        </p:sp>
-        <p:sp>
-          <p:nvSpPr>
-            <p:cNvPr id="92" name="rc92"/>
-            <p:cNvSpPr/>
-            <p:nvPr/>
-          </p:nvSpPr>
-          <p:spPr>
-            <a:xfrm>
-              <a:off x="4915549" y="5686532"/>
-              <a:ext cx="660848" cy="372206"/>
-            </a:xfrm>
-            <a:prstGeom prst="rect">
-              <a:avLst/>
-            </a:prstGeom>
-            <a:solidFill>
-              <a:srgbClr val="FFC107">
-                <a:alpha val="100000"/>
-              </a:srgbClr>
-            </a:solidFill>
-          </p:spPr>
-          <p:txBody>
-            <a:bodyPr/>
-            <a:lstStyle/>
-            <a:p/>
-          </p:txBody>
-        </p:sp>
-        <p:sp>
-          <p:nvSpPr>
-            <p:cNvPr id="93" name="rc93"/>
-            <p:cNvSpPr/>
-            <p:nvPr/>
-          </p:nvSpPr>
-          <p:spPr>
-            <a:xfrm>
-              <a:off x="4314778" y="5686532"/>
-              <a:ext cx="600771" cy="372206"/>
-            </a:xfrm>
-            <a:prstGeom prst="rect">
-              <a:avLst/>
-            </a:prstGeom>
-            <a:solidFill>
-              <a:srgbClr val="FF9800">
-                <a:alpha val="100000"/>
-              </a:srgbClr>
-            </a:solidFill>
-          </p:spPr>
-          <p:txBody>
-            <a:bodyPr/>
-            <a:lstStyle/>
-            <a:p/>
-          </p:txBody>
-        </p:sp>
-        <p:sp>
-          <p:nvSpPr>
-            <p:cNvPr id="94" name="rc94"/>
-            <p:cNvSpPr/>
-            <p:nvPr/>
-          </p:nvSpPr>
-          <p:spPr>
-            <a:xfrm>
-              <a:off x="3323505" y="5686532"/>
-              <a:ext cx="991272" cy="372206"/>
-            </a:xfrm>
-            <a:prstGeom prst="rect">
-              <a:avLst/>
-            </a:prstGeom>
-            <a:solidFill>
-              <a:srgbClr val="F44336">
-                <a:alpha val="100000"/>
-              </a:srgbClr>
-            </a:solidFill>
-          </p:spPr>
-          <p:txBody>
-            <a:bodyPr/>
-            <a:lstStyle/>
-            <a:p/>
-          </p:txBody>
-        </p:sp>
-        <p:sp>
-          <p:nvSpPr>
-            <p:cNvPr id="95" name="rc95"/>
-            <p:cNvSpPr/>
-            <p:nvPr/>
-          </p:nvSpPr>
-          <p:spPr>
-            <a:xfrm>
-              <a:off x="7528905" y="2378034"/>
-              <a:ext cx="180231" cy="372206"/>
-            </a:xfrm>
-            <a:prstGeom prst="rect">
-              <a:avLst/>
-            </a:prstGeom>
-            <a:solidFill>
-              <a:srgbClr val="B0BEC5">
-                <a:alpha val="100000"/>
-              </a:srgbClr>
-            </a:solidFill>
-          </p:spPr>
-          <p:txBody>
-            <a:bodyPr/>
-            <a:lstStyle/>
-            <a:p/>
-          </p:txBody>
-        </p:sp>
-        <p:sp>
-          <p:nvSpPr>
-            <p:cNvPr id="96" name="rc96"/>
-            <p:cNvSpPr/>
-            <p:nvPr/>
-          </p:nvSpPr>
-          <p:spPr>
-            <a:xfrm>
-              <a:off x="6928134" y="2378034"/>
-              <a:ext cx="600771" cy="372206"/>
-            </a:xfrm>
-            <a:prstGeom prst="rect">
-              <a:avLst/>
-            </a:prstGeom>
-            <a:solidFill>
-              <a:srgbClr val="2196F3">
-                <a:alpha val="100000"/>
-              </a:srgbClr>
-            </a:solidFill>
-          </p:spPr>
-          <p:txBody>
-            <a:bodyPr/>
-            <a:lstStyle/>
-            <a:p/>
-          </p:txBody>
-        </p:sp>
-        <p:sp>
-          <p:nvSpPr>
-            <p:cNvPr id="97" name="rc97"/>
-            <p:cNvSpPr/>
-            <p:nvPr/>
-          </p:nvSpPr>
-          <p:spPr>
-            <a:xfrm>
-              <a:off x="6657787" y="2378034"/>
-              <a:ext cx="270347" cy="372206"/>
-            </a:xfrm>
-            <a:prstGeom prst="rect">
-              <a:avLst/>
-            </a:prstGeom>
-            <a:solidFill>
-              <a:srgbClr val="4CAF50">
-                <a:alpha val="100000"/>
-              </a:srgbClr>
-            </a:solidFill>
-          </p:spPr>
-          <p:txBody>
-            <a:bodyPr/>
-            <a:lstStyle/>
-            <a:p/>
-          </p:txBody>
-        </p:sp>
-        <p:sp>
-          <p:nvSpPr>
-            <p:cNvPr id="98" name="rc98"/>
-            <p:cNvSpPr/>
-            <p:nvPr/>
-          </p:nvSpPr>
-          <p:spPr>
-            <a:xfrm>
-              <a:off x="6117092" y="2378034"/>
-              <a:ext cx="540694" cy="372206"/>
-            </a:xfrm>
-            <a:prstGeom prst="rect">
-              <a:avLst/>
-            </a:prstGeom>
-            <a:solidFill>
-              <a:srgbClr val="8BC34A">
-                <a:alpha val="100000"/>
-              </a:srgbClr>
-            </a:solidFill>
-          </p:spPr>
-          <p:txBody>
-            <a:bodyPr/>
-            <a:lstStyle/>
-            <a:p/>
-          </p:txBody>
-        </p:sp>
-        <p:sp>
-          <p:nvSpPr>
-            <p:cNvPr id="99" name="rc99"/>
-            <p:cNvSpPr/>
-            <p:nvPr/>
-          </p:nvSpPr>
-          <p:spPr>
-            <a:xfrm>
-              <a:off x="5456244" y="2378034"/>
-              <a:ext cx="660848" cy="372206"/>
-            </a:xfrm>
-            <a:prstGeom prst="rect">
-              <a:avLst/>
-            </a:prstGeom>
-            <a:solidFill>
-              <a:srgbClr val="FFC107">
-                <a:alpha val="100000"/>
-              </a:srgbClr>
-            </a:solidFill>
-          </p:spPr>
-          <p:txBody>
-            <a:bodyPr/>
-            <a:lstStyle/>
-            <a:p/>
-          </p:txBody>
-        </p:sp>
-        <p:sp>
-          <p:nvSpPr>
-            <p:cNvPr id="100" name="rc100"/>
-            <p:cNvSpPr/>
-            <p:nvPr/>
-          </p:nvSpPr>
-          <p:spPr>
-            <a:xfrm>
-              <a:off x="4525048" y="2378034"/>
-              <a:ext cx="931195" cy="372206"/>
-            </a:xfrm>
-            <a:prstGeom prst="rect">
-              <a:avLst/>
-            </a:prstGeom>
-            <a:solidFill>
-              <a:srgbClr val="FF9800">
-                <a:alpha val="100000"/>
-              </a:srgbClr>
-            </a:solidFill>
-          </p:spPr>
-          <p:txBody>
-            <a:bodyPr/>
-            <a:lstStyle/>
-            <a:p/>
-          </p:txBody>
-        </p:sp>
-        <p:sp>
-          <p:nvSpPr>
-            <p:cNvPr id="101" name="rc101"/>
-            <p:cNvSpPr/>
-            <p:nvPr/>
-          </p:nvSpPr>
-          <p:spPr>
-            <a:xfrm>
-              <a:off x="3323505" y="2378034"/>
-              <a:ext cx="1201542" cy="372206"/>
-            </a:xfrm>
-            <a:prstGeom prst="rect">
-              <a:avLst/>
-            </a:prstGeom>
-            <a:solidFill>
-              <a:srgbClr val="F44336">
-                <a:alpha val="100000"/>
-              </a:srgbClr>
-            </a:solidFill>
-          </p:spPr>
-          <p:txBody>
-            <a:bodyPr/>
-            <a:lstStyle/>
-            <a:p/>
-          </p:txBody>
-        </p:sp>
-        <p:sp>
-          <p:nvSpPr>
-            <p:cNvPr id="102" name="rc102"/>
-            <p:cNvSpPr/>
-            <p:nvPr/>
-          </p:nvSpPr>
-          <p:spPr>
-            <a:xfrm>
-              <a:off x="7588982" y="4859408"/>
-              <a:ext cx="120154" cy="372206"/>
-            </a:xfrm>
-            <a:prstGeom prst="rect">
-              <a:avLst/>
-            </a:prstGeom>
-            <a:solidFill>
-              <a:srgbClr val="B0BEC5">
-                <a:alpha val="100000"/>
-              </a:srgbClr>
-            </a:solidFill>
-          </p:spPr>
-          <p:txBody>
-            <a:bodyPr/>
-            <a:lstStyle/>
-            <a:p/>
-          </p:txBody>
-        </p:sp>
-        <p:sp>
-          <p:nvSpPr>
-            <p:cNvPr id="103" name="rc103"/>
-            <p:cNvSpPr/>
-            <p:nvPr/>
-          </p:nvSpPr>
-          <p:spPr>
-            <a:xfrm>
-              <a:off x="7168442" y="4859408"/>
-              <a:ext cx="420540" cy="372206"/>
-            </a:xfrm>
-            <a:prstGeom prst="rect">
-              <a:avLst/>
-            </a:prstGeom>
-            <a:solidFill>
-              <a:srgbClr val="2196F3">
-                <a:alpha val="100000"/>
-              </a:srgbClr>
-            </a:solidFill>
-          </p:spPr>
-          <p:txBody>
-            <a:bodyPr/>
-            <a:lstStyle/>
-            <a:p/>
-          </p:txBody>
-        </p:sp>
-        <p:sp>
-          <p:nvSpPr>
-            <p:cNvPr id="104" name="rc104"/>
-            <p:cNvSpPr/>
-            <p:nvPr/>
-          </p:nvSpPr>
-          <p:spPr>
-            <a:xfrm>
-              <a:off x="6807979" y="4859408"/>
-              <a:ext cx="360462" cy="372206"/>
-            </a:xfrm>
-            <a:prstGeom prst="rect">
-              <a:avLst/>
-            </a:prstGeom>
-            <a:solidFill>
-              <a:srgbClr val="4CAF50">
-                <a:alpha val="100000"/>
-              </a:srgbClr>
-            </a:solidFill>
-          </p:spPr>
-          <p:txBody>
-            <a:bodyPr/>
-            <a:lstStyle/>
-            <a:p/>
-          </p:txBody>
-        </p:sp>
-        <p:sp>
-          <p:nvSpPr>
-            <p:cNvPr id="105" name="rc105"/>
-            <p:cNvSpPr/>
-            <p:nvPr/>
-          </p:nvSpPr>
-          <p:spPr>
-            <a:xfrm>
-              <a:off x="5966899" y="4859408"/>
-              <a:ext cx="841080" cy="372206"/>
-            </a:xfrm>
-            <a:prstGeom prst="rect">
-              <a:avLst/>
-            </a:prstGeom>
-            <a:solidFill>
-              <a:srgbClr val="8BC34A">
-                <a:alpha val="100000"/>
-              </a:srgbClr>
-            </a:solidFill>
-          </p:spPr>
-          <p:txBody>
-            <a:bodyPr/>
-            <a:lstStyle/>
-            <a:p/>
-          </p:txBody>
-        </p:sp>
-        <p:sp>
-          <p:nvSpPr>
-            <p:cNvPr id="106" name="rc106"/>
-            <p:cNvSpPr/>
-            <p:nvPr/>
-          </p:nvSpPr>
-          <p:spPr>
-            <a:xfrm>
-              <a:off x="5065742" y="4859408"/>
-              <a:ext cx="901157" cy="372206"/>
-            </a:xfrm>
-            <a:prstGeom prst="rect">
-              <a:avLst/>
-            </a:prstGeom>
-            <a:solidFill>
-              <a:srgbClr val="FFC107">
-                <a:alpha val="100000"/>
-              </a:srgbClr>
-            </a:solidFill>
-          </p:spPr>
-          <p:txBody>
-            <a:bodyPr/>
-            <a:lstStyle/>
-            <a:p/>
-          </p:txBody>
-        </p:sp>
-        <p:sp>
-          <p:nvSpPr>
-            <p:cNvPr id="107" name="rc107"/>
-            <p:cNvSpPr/>
-            <p:nvPr/>
-          </p:nvSpPr>
-          <p:spPr>
-            <a:xfrm>
-              <a:off x="4224662" y="4859408"/>
-              <a:ext cx="841080" cy="372206"/>
-            </a:xfrm>
-            <a:prstGeom prst="rect">
-              <a:avLst/>
-            </a:prstGeom>
-            <a:solidFill>
-              <a:srgbClr val="FF9800">
-                <a:alpha val="100000"/>
-              </a:srgbClr>
-            </a:solidFill>
-          </p:spPr>
-          <p:txBody>
-            <a:bodyPr/>
-            <a:lstStyle/>
-            <a:p/>
-          </p:txBody>
-        </p:sp>
-        <p:sp>
-          <p:nvSpPr>
-            <p:cNvPr id="108" name="rc108"/>
-            <p:cNvSpPr/>
-            <p:nvPr/>
-          </p:nvSpPr>
-          <p:spPr>
-            <a:xfrm>
-              <a:off x="3323505" y="4859408"/>
-              <a:ext cx="901157" cy="372206"/>
-            </a:xfrm>
-            <a:prstGeom prst="rect">
-              <a:avLst/>
-            </a:prstGeom>
-            <a:solidFill>
-              <a:srgbClr val="F44336">
-                <a:alpha val="100000"/>
-              </a:srgbClr>
-            </a:solidFill>
-          </p:spPr>
-          <p:txBody>
-            <a:bodyPr/>
-            <a:lstStyle/>
-            <a:p/>
-          </p:txBody>
-        </p:sp>
-        <p:sp>
-          <p:nvSpPr>
-            <p:cNvPr id="109" name="rc109"/>
-            <p:cNvSpPr/>
-            <p:nvPr/>
-          </p:nvSpPr>
-          <p:spPr>
-            <a:xfrm>
-              <a:off x="7588982" y="4445845"/>
-              <a:ext cx="120154" cy="372206"/>
-            </a:xfrm>
-            <a:prstGeom prst="rect">
-              <a:avLst/>
-            </a:prstGeom>
-            <a:solidFill>
-              <a:srgbClr val="B0BEC5">
-                <a:alpha val="100000"/>
-              </a:srgbClr>
-            </a:solidFill>
-          </p:spPr>
-          <p:txBody>
-            <a:bodyPr/>
-            <a:lstStyle/>
-            <a:p/>
-          </p:txBody>
-        </p:sp>
-        <p:sp>
-          <p:nvSpPr>
-            <p:cNvPr id="110" name="rc110"/>
-            <p:cNvSpPr/>
-            <p:nvPr/>
-          </p:nvSpPr>
-          <p:spPr>
-            <a:xfrm>
-              <a:off x="7168442" y="4445845"/>
-              <a:ext cx="420540" cy="372206"/>
-            </a:xfrm>
-            <a:prstGeom prst="rect">
-              <a:avLst/>
-            </a:prstGeom>
-            <a:solidFill>
-              <a:srgbClr val="2196F3">
-                <a:alpha val="100000"/>
-              </a:srgbClr>
-            </a:solidFill>
-          </p:spPr>
-          <p:txBody>
-            <a:bodyPr/>
-            <a:lstStyle/>
-            <a:p/>
-          </p:txBody>
-        </p:sp>
-        <p:sp>
-          <p:nvSpPr>
-            <p:cNvPr id="111" name="rc111"/>
-            <p:cNvSpPr/>
-            <p:nvPr/>
-          </p:nvSpPr>
-          <p:spPr>
-            <a:xfrm>
-              <a:off x="6838018" y="4445845"/>
-              <a:ext cx="330424" cy="372206"/>
-            </a:xfrm>
-            <a:prstGeom prst="rect">
-              <a:avLst/>
-            </a:prstGeom>
-            <a:solidFill>
-              <a:srgbClr val="4CAF50">
-                <a:alpha val="100000"/>
-              </a:srgbClr>
-            </a:solidFill>
-          </p:spPr>
-          <p:txBody>
-            <a:bodyPr/>
-            <a:lstStyle/>
-            <a:p/>
-          </p:txBody>
-        </p:sp>
-        <p:sp>
-          <p:nvSpPr>
-            <p:cNvPr id="112" name="rc112"/>
-            <p:cNvSpPr/>
-            <p:nvPr/>
-          </p:nvSpPr>
-          <p:spPr>
-            <a:xfrm>
-              <a:off x="5996938" y="4445845"/>
-              <a:ext cx="841080" cy="372206"/>
-            </a:xfrm>
-            <a:prstGeom prst="rect">
-              <a:avLst/>
-            </a:prstGeom>
-            <a:solidFill>
-              <a:srgbClr val="8BC34A">
-                <a:alpha val="100000"/>
-              </a:srgbClr>
-            </a:solidFill>
-          </p:spPr>
-          <p:txBody>
-            <a:bodyPr/>
-            <a:lstStyle/>
-            <a:p/>
-          </p:txBody>
-        </p:sp>
-        <p:sp>
-          <p:nvSpPr>
-            <p:cNvPr id="113" name="rc113"/>
-            <p:cNvSpPr/>
-            <p:nvPr/>
-          </p:nvSpPr>
-          <p:spPr>
-            <a:xfrm>
-              <a:off x="5155858" y="4445845"/>
-              <a:ext cx="841080" cy="372206"/>
-            </a:xfrm>
-            <a:prstGeom prst="rect">
-              <a:avLst/>
-            </a:prstGeom>
-            <a:solidFill>
-              <a:srgbClr val="FFC107">
-                <a:alpha val="100000"/>
-              </a:srgbClr>
-            </a:solidFill>
-          </p:spPr>
-          <p:txBody>
-            <a:bodyPr/>
-            <a:lstStyle/>
-            <a:p/>
-          </p:txBody>
-        </p:sp>
-        <p:sp>
-          <p:nvSpPr>
-            <p:cNvPr id="114" name="rc114"/>
-            <p:cNvSpPr/>
-            <p:nvPr/>
-          </p:nvSpPr>
-          <p:spPr>
-            <a:xfrm>
-              <a:off x="4224662" y="4445845"/>
-              <a:ext cx="931195" cy="372206"/>
-            </a:xfrm>
-            <a:prstGeom prst="rect">
-              <a:avLst/>
-            </a:prstGeom>
-            <a:solidFill>
-              <a:srgbClr val="FF9800">
-                <a:alpha val="100000"/>
-              </a:srgbClr>
-            </a:solidFill>
-          </p:spPr>
-          <p:txBody>
-            <a:bodyPr/>
-            <a:lstStyle/>
-            <a:p/>
-          </p:txBody>
-        </p:sp>
-        <p:sp>
-          <p:nvSpPr>
-            <p:cNvPr id="115" name="rc115"/>
-            <p:cNvSpPr/>
-            <p:nvPr/>
-          </p:nvSpPr>
-          <p:spPr>
-            <a:xfrm>
-              <a:off x="3323505" y="4445845"/>
-              <a:ext cx="901157" cy="372206"/>
-            </a:xfrm>
-            <a:prstGeom prst="rect">
-              <a:avLst/>
-            </a:prstGeom>
-            <a:solidFill>
-              <a:srgbClr val="F44336">
-                <a:alpha val="100000"/>
-              </a:srgbClr>
-            </a:solidFill>
-          </p:spPr>
-          <p:txBody>
-            <a:bodyPr/>
-            <a:lstStyle/>
-            <a:p/>
-          </p:txBody>
-        </p:sp>
-        <p:sp>
-          <p:nvSpPr>
-            <p:cNvPr id="116" name="rc116"/>
-            <p:cNvSpPr/>
-            <p:nvPr/>
-          </p:nvSpPr>
-          <p:spPr>
-            <a:xfrm>
-              <a:off x="7438790" y="7754344"/>
-              <a:ext cx="270347" cy="372206"/>
-            </a:xfrm>
-            <a:prstGeom prst="rect">
-              <a:avLst/>
-            </a:prstGeom>
-            <a:solidFill>
-              <a:srgbClr val="B0BEC5">
-                <a:alpha val="100000"/>
-              </a:srgbClr>
-            </a:solidFill>
-          </p:spPr>
-          <p:txBody>
-            <a:bodyPr/>
-            <a:lstStyle/>
-            <a:p/>
-          </p:txBody>
-        </p:sp>
-        <p:sp>
-          <p:nvSpPr>
-            <p:cNvPr id="117" name="rc117"/>
-            <p:cNvSpPr/>
-            <p:nvPr/>
-          </p:nvSpPr>
-          <p:spPr>
-            <a:xfrm>
-              <a:off x="5606437" y="7754344"/>
-              <a:ext cx="1832353" cy="372206"/>
-            </a:xfrm>
-            <a:prstGeom prst="rect">
-              <a:avLst/>
-            </a:prstGeom>
-            <a:solidFill>
-              <a:srgbClr val="2196F3">
-                <a:alpha val="100000"/>
-              </a:srgbClr>
-            </a:solidFill>
-          </p:spPr>
-          <p:txBody>
-            <a:bodyPr/>
-            <a:lstStyle/>
-            <a:p/>
-          </p:txBody>
-        </p:sp>
-        <p:sp>
-          <p:nvSpPr>
-            <p:cNvPr id="118" name="rc118"/>
-            <p:cNvSpPr/>
-            <p:nvPr/>
-          </p:nvSpPr>
-          <p:spPr>
-            <a:xfrm>
-              <a:off x="5215935" y="7754344"/>
-              <a:ext cx="390501" cy="372206"/>
-            </a:xfrm>
-            <a:prstGeom prst="rect">
-              <a:avLst/>
-            </a:prstGeom>
-            <a:solidFill>
-              <a:srgbClr val="4CAF50">
-                <a:alpha val="100000"/>
-              </a:srgbClr>
-            </a:solidFill>
-          </p:spPr>
-          <p:txBody>
-            <a:bodyPr/>
-            <a:lstStyle/>
-            <a:p/>
-          </p:txBody>
-        </p:sp>
-        <p:sp>
-          <p:nvSpPr>
-            <p:cNvPr id="119" name="rc119"/>
-            <p:cNvSpPr/>
-            <p:nvPr/>
-          </p:nvSpPr>
-          <p:spPr>
-            <a:xfrm>
-              <a:off x="4795395" y="7754344"/>
-              <a:ext cx="420540" cy="372206"/>
-            </a:xfrm>
-            <a:prstGeom prst="rect">
-              <a:avLst/>
-            </a:prstGeom>
-            <a:solidFill>
-              <a:srgbClr val="8BC34A">
-                <a:alpha val="100000"/>
-              </a:srgbClr>
-            </a:solidFill>
-          </p:spPr>
-          <p:txBody>
-            <a:bodyPr/>
-            <a:lstStyle/>
-            <a:p/>
-          </p:txBody>
-        </p:sp>
-        <p:sp>
-          <p:nvSpPr>
-            <p:cNvPr id="120" name="rc120"/>
-            <p:cNvSpPr/>
-            <p:nvPr/>
-          </p:nvSpPr>
-          <p:spPr>
-            <a:xfrm>
-              <a:off x="4495009" y="7754344"/>
-              <a:ext cx="300385" cy="372206"/>
-            </a:xfrm>
-            <a:prstGeom prst="rect">
-              <a:avLst/>
-            </a:prstGeom>
-            <a:solidFill>
-              <a:srgbClr val="FFC107">
-                <a:alpha val="100000"/>
-              </a:srgbClr>
-            </a:solidFill>
-          </p:spPr>
-          <p:txBody>
-            <a:bodyPr/>
-            <a:lstStyle/>
-            <a:p/>
-          </p:txBody>
-        </p:sp>
-        <p:sp>
-          <p:nvSpPr>
-            <p:cNvPr id="121" name="rc121"/>
-            <p:cNvSpPr/>
-            <p:nvPr/>
-          </p:nvSpPr>
-          <p:spPr>
-            <a:xfrm>
-              <a:off x="3984353" y="7754344"/>
-              <a:ext cx="510655" cy="372206"/>
-            </a:xfrm>
-            <a:prstGeom prst="rect">
-              <a:avLst/>
-            </a:prstGeom>
-            <a:solidFill>
-              <a:srgbClr val="FF9800">
-                <a:alpha val="100000"/>
-              </a:srgbClr>
-            </a:solidFill>
-          </p:spPr>
-          <p:txBody>
-            <a:bodyPr/>
-            <a:lstStyle/>
-            <a:p/>
-          </p:txBody>
-        </p:sp>
-        <p:sp>
-          <p:nvSpPr>
-            <p:cNvPr id="122" name="rc122"/>
-            <p:cNvSpPr/>
-            <p:nvPr/>
-          </p:nvSpPr>
-          <p:spPr>
-            <a:xfrm>
-              <a:off x="3323505" y="7754344"/>
-              <a:ext cx="660848" cy="372206"/>
-            </a:xfrm>
-            <a:prstGeom prst="rect">
-              <a:avLst/>
-            </a:prstGeom>
-            <a:solidFill>
-              <a:srgbClr val="F44336">
-                <a:alpha val="100000"/>
-              </a:srgbClr>
-            </a:solidFill>
-          </p:spPr>
-          <p:txBody>
-            <a:bodyPr/>
-            <a:lstStyle/>
-            <a:p/>
-          </p:txBody>
-        </p:sp>
-        <p:sp>
-          <p:nvSpPr>
-            <p:cNvPr id="123" name="rc123"/>
-            <p:cNvSpPr/>
-            <p:nvPr/>
-          </p:nvSpPr>
-          <p:spPr>
-            <a:xfrm>
-              <a:off x="7558944" y="1964472"/>
-              <a:ext cx="150192" cy="372206"/>
-            </a:xfrm>
-            <a:prstGeom prst="rect">
-              <a:avLst/>
-            </a:prstGeom>
-            <a:solidFill>
-              <a:srgbClr val="B0BEC5">
-                <a:alpha val="100000"/>
-              </a:srgbClr>
-            </a:solidFill>
-          </p:spPr>
-          <p:txBody>
-            <a:bodyPr/>
-            <a:lstStyle/>
-            <a:p/>
-          </p:txBody>
-        </p:sp>
-        <p:sp>
-          <p:nvSpPr>
-            <p:cNvPr id="124" name="rc124"/>
-            <p:cNvSpPr/>
-            <p:nvPr/>
-          </p:nvSpPr>
-          <p:spPr>
-            <a:xfrm>
-              <a:off x="7198481" y="1964472"/>
-              <a:ext cx="360462" cy="372206"/>
-            </a:xfrm>
-            <a:prstGeom prst="rect">
-              <a:avLst/>
-            </a:prstGeom>
-            <a:solidFill>
-              <a:srgbClr val="2196F3">
-                <a:alpha val="100000"/>
-              </a:srgbClr>
-            </a:solidFill>
-          </p:spPr>
-          <p:txBody>
-            <a:bodyPr/>
-            <a:lstStyle/>
-            <a:p/>
-          </p:txBody>
-        </p:sp>
-        <p:sp>
-          <p:nvSpPr>
-            <p:cNvPr id="125" name="rc125"/>
-            <p:cNvSpPr/>
-            <p:nvPr/>
-          </p:nvSpPr>
-          <p:spPr>
-            <a:xfrm>
-              <a:off x="6988211" y="1964472"/>
-              <a:ext cx="210270" cy="372206"/>
-            </a:xfrm>
-            <a:prstGeom prst="rect">
-              <a:avLst/>
-            </a:prstGeom>
-            <a:solidFill>
-              <a:srgbClr val="4CAF50">
-                <a:alpha val="100000"/>
-              </a:srgbClr>
-            </a:solidFill>
-          </p:spPr>
-          <p:txBody>
-            <a:bodyPr/>
-            <a:lstStyle/>
-            <a:p/>
-          </p:txBody>
-        </p:sp>
-        <p:sp>
-          <p:nvSpPr>
-            <p:cNvPr id="126" name="rc126"/>
-            <p:cNvSpPr/>
-            <p:nvPr/>
-          </p:nvSpPr>
-          <p:spPr>
-            <a:xfrm>
-              <a:off x="6297324" y="1964472"/>
-              <a:ext cx="690887" cy="372206"/>
-            </a:xfrm>
-            <a:prstGeom prst="rect">
-              <a:avLst/>
-            </a:prstGeom>
-            <a:solidFill>
-              <a:srgbClr val="8BC34A">
-                <a:alpha val="100000"/>
-              </a:srgbClr>
-            </a:solidFill>
-          </p:spPr>
-          <p:txBody>
-            <a:bodyPr/>
-            <a:lstStyle/>
-            <a:p/>
-          </p:txBody>
-        </p:sp>
-        <p:sp>
-          <p:nvSpPr>
-            <p:cNvPr id="127" name="rc127"/>
-            <p:cNvSpPr/>
-            <p:nvPr/>
-          </p:nvSpPr>
-          <p:spPr>
-            <a:xfrm>
-              <a:off x="5486282" y="1964472"/>
-              <a:ext cx="811041" cy="372206"/>
-            </a:xfrm>
-            <a:prstGeom prst="rect">
-              <a:avLst/>
-            </a:prstGeom>
-            <a:solidFill>
-              <a:srgbClr val="FFC107">
-                <a:alpha val="100000"/>
-              </a:srgbClr>
-            </a:solidFill>
-          </p:spPr>
-          <p:txBody>
-            <a:bodyPr/>
-            <a:lstStyle/>
-            <a:p/>
-          </p:txBody>
-        </p:sp>
-        <p:sp>
-          <p:nvSpPr>
-            <p:cNvPr id="128" name="rc128"/>
-            <p:cNvSpPr/>
-            <p:nvPr/>
-          </p:nvSpPr>
-          <p:spPr>
-            <a:xfrm>
-              <a:off x="4314778" y="1964472"/>
-              <a:ext cx="1171504" cy="372206"/>
-            </a:xfrm>
-            <a:prstGeom prst="rect">
-              <a:avLst/>
-            </a:prstGeom>
-            <a:solidFill>
-              <a:srgbClr val="FF9800">
-                <a:alpha val="100000"/>
-              </a:srgbClr>
-            </a:solidFill>
-          </p:spPr>
-          <p:txBody>
-            <a:bodyPr/>
-            <a:lstStyle/>
-            <a:p/>
-          </p:txBody>
-        </p:sp>
-        <p:sp>
-          <p:nvSpPr>
-            <p:cNvPr id="129" name="rc129"/>
-            <p:cNvSpPr/>
-            <p:nvPr/>
-          </p:nvSpPr>
-          <p:spPr>
-            <a:xfrm>
-              <a:off x="3323505" y="1964472"/>
-              <a:ext cx="991272" cy="372206"/>
-            </a:xfrm>
-            <a:prstGeom prst="rect">
-              <a:avLst/>
-            </a:prstGeom>
-            <a:solidFill>
-              <a:srgbClr val="F44336">
-                <a:alpha val="100000"/>
-              </a:srgbClr>
-            </a:solidFill>
-          </p:spPr>
-          <p:txBody>
-            <a:bodyPr/>
-            <a:lstStyle/>
-            <a:p/>
-          </p:txBody>
-        </p:sp>
-        <p:sp>
-          <p:nvSpPr>
-            <p:cNvPr id="130" name="rc130"/>
-            <p:cNvSpPr/>
-            <p:nvPr/>
-          </p:nvSpPr>
-          <p:spPr>
-            <a:xfrm>
-              <a:off x="7498867" y="5272970"/>
-              <a:ext cx="210270" cy="372206"/>
-            </a:xfrm>
-            <a:prstGeom prst="rect">
-              <a:avLst/>
-            </a:prstGeom>
-            <a:solidFill>
-              <a:srgbClr val="B0BEC5">
-                <a:alpha val="100000"/>
-              </a:srgbClr>
-            </a:solidFill>
-          </p:spPr>
-          <p:txBody>
-            <a:bodyPr/>
-            <a:lstStyle/>
-            <a:p/>
-          </p:txBody>
-        </p:sp>
-        <p:sp>
-          <p:nvSpPr>
-            <p:cNvPr id="131" name="rc131"/>
-            <p:cNvSpPr/>
-            <p:nvPr/>
-          </p:nvSpPr>
-          <p:spPr>
-            <a:xfrm>
-              <a:off x="6357401" y="5272970"/>
-              <a:ext cx="1141465" cy="372206"/>
-            </a:xfrm>
-            <a:prstGeom prst="rect">
-              <a:avLst/>
-            </a:prstGeom>
-            <a:solidFill>
-              <a:srgbClr val="2196F3">
-                <a:alpha val="100000"/>
-              </a:srgbClr>
-            </a:solidFill>
-          </p:spPr>
-          <p:txBody>
-            <a:bodyPr/>
-            <a:lstStyle/>
-            <a:p/>
-          </p:txBody>
-        </p:sp>
-        <p:sp>
-          <p:nvSpPr>
-            <p:cNvPr id="132" name="rc132"/>
-            <p:cNvSpPr/>
-            <p:nvPr/>
-          </p:nvSpPr>
-          <p:spPr>
-            <a:xfrm>
-              <a:off x="6026977" y="5272970"/>
-              <a:ext cx="330424" cy="372206"/>
-            </a:xfrm>
-            <a:prstGeom prst="rect">
-              <a:avLst/>
-            </a:prstGeom>
-            <a:solidFill>
-              <a:srgbClr val="4CAF50">
-                <a:alpha val="100000"/>
-              </a:srgbClr>
-            </a:solidFill>
-          </p:spPr>
-          <p:txBody>
-            <a:bodyPr/>
-            <a:lstStyle/>
-            <a:p/>
-          </p:txBody>
-        </p:sp>
-        <p:sp>
-          <p:nvSpPr>
-            <p:cNvPr id="133" name="rc133"/>
-            <p:cNvSpPr/>
-            <p:nvPr/>
-          </p:nvSpPr>
-          <p:spPr>
-            <a:xfrm>
-              <a:off x="5516321" y="5272970"/>
-              <a:ext cx="510655" cy="372206"/>
-            </a:xfrm>
-            <a:prstGeom prst="rect">
-              <a:avLst/>
-            </a:prstGeom>
-            <a:solidFill>
-              <a:srgbClr val="8BC34A">
-                <a:alpha val="100000"/>
-              </a:srgbClr>
-            </a:solidFill>
-          </p:spPr>
-          <p:txBody>
-            <a:bodyPr/>
-            <a:lstStyle/>
-            <a:p/>
-          </p:txBody>
-        </p:sp>
-        <p:sp>
-          <p:nvSpPr>
-            <p:cNvPr id="134" name="rc134"/>
-            <p:cNvSpPr/>
-            <p:nvPr/>
-          </p:nvSpPr>
-          <p:spPr>
-            <a:xfrm>
-              <a:off x="4945588" y="5272970"/>
-              <a:ext cx="570732" cy="372206"/>
-            </a:xfrm>
-            <a:prstGeom prst="rect">
-              <a:avLst/>
-            </a:prstGeom>
-            <a:solidFill>
-              <a:srgbClr val="FFC107">
-                <a:alpha val="100000"/>
-              </a:srgbClr>
-            </a:solidFill>
-          </p:spPr>
-          <p:txBody>
-            <a:bodyPr/>
-            <a:lstStyle/>
-            <a:p/>
-          </p:txBody>
-        </p:sp>
-        <p:sp>
-          <p:nvSpPr>
-            <p:cNvPr id="135" name="rc135"/>
-            <p:cNvSpPr/>
-            <p:nvPr/>
-          </p:nvSpPr>
-          <p:spPr>
-            <a:xfrm>
-              <a:off x="3924276" y="5272970"/>
-              <a:ext cx="1021311" cy="372206"/>
-            </a:xfrm>
-            <a:prstGeom prst="rect">
-              <a:avLst/>
-            </a:prstGeom>
-            <a:solidFill>
-              <a:srgbClr val="FF9800">
-                <a:alpha val="100000"/>
-              </a:srgbClr>
-            </a:solidFill>
-          </p:spPr>
-          <p:txBody>
-            <a:bodyPr/>
-            <a:lstStyle/>
-            <a:p/>
-          </p:txBody>
-        </p:sp>
-        <p:sp>
-          <p:nvSpPr>
-            <p:cNvPr id="136" name="rc136"/>
-            <p:cNvSpPr/>
-            <p:nvPr/>
-          </p:nvSpPr>
-          <p:spPr>
-            <a:xfrm>
-              <a:off x="3323505" y="5272970"/>
-              <a:ext cx="600771" cy="372206"/>
-            </a:xfrm>
-            <a:prstGeom prst="rect">
-              <a:avLst/>
-            </a:prstGeom>
-            <a:solidFill>
-              <a:srgbClr val="F44336">
-                <a:alpha val="100000"/>
-              </a:srgbClr>
-            </a:solidFill>
-          </p:spPr>
-          <p:txBody>
-            <a:bodyPr/>
-            <a:lstStyle/>
-            <a:p/>
-          </p:txBody>
-        </p:sp>
-        <p:sp>
-          <p:nvSpPr>
-            <p:cNvPr id="137" name="rc137"/>
-            <p:cNvSpPr/>
-            <p:nvPr/>
-          </p:nvSpPr>
-          <p:spPr>
-            <a:xfrm>
-              <a:off x="7498867" y="3205159"/>
-              <a:ext cx="210270" cy="372206"/>
-            </a:xfrm>
-            <a:prstGeom prst="rect">
-              <a:avLst/>
-            </a:prstGeom>
-            <a:solidFill>
-              <a:srgbClr val="B0BEC5">
-                <a:alpha val="100000"/>
-              </a:srgbClr>
-            </a:solidFill>
-          </p:spPr>
-          <p:txBody>
-            <a:bodyPr/>
-            <a:lstStyle/>
-            <a:p/>
-          </p:txBody>
-        </p:sp>
-        <p:sp>
-          <p:nvSpPr>
-            <p:cNvPr id="138" name="rc138"/>
-            <p:cNvSpPr/>
-            <p:nvPr/>
-          </p:nvSpPr>
-          <p:spPr>
-            <a:xfrm>
-              <a:off x="7018250" y="3205159"/>
-              <a:ext cx="480617" cy="372206"/>
-            </a:xfrm>
-            <a:prstGeom prst="rect">
-              <a:avLst/>
-            </a:prstGeom>
-            <a:solidFill>
-              <a:srgbClr val="2196F3">
-                <a:alpha val="100000"/>
-              </a:srgbClr>
-            </a:solidFill>
-          </p:spPr>
-          <p:txBody>
-            <a:bodyPr/>
-            <a:lstStyle/>
-            <a:p/>
-          </p:txBody>
-        </p:sp>
-        <p:sp>
-          <p:nvSpPr>
-            <p:cNvPr id="139" name="rc139"/>
-            <p:cNvSpPr/>
-            <p:nvPr/>
-          </p:nvSpPr>
-          <p:spPr>
-            <a:xfrm>
-              <a:off x="6717864" y="3205159"/>
-              <a:ext cx="300385" cy="372206"/>
-            </a:xfrm>
-            <a:prstGeom prst="rect">
-              <a:avLst/>
-            </a:prstGeom>
-            <a:solidFill>
-              <a:srgbClr val="4CAF50">
-                <a:alpha val="100000"/>
-              </a:srgbClr>
-            </a:solidFill>
-          </p:spPr>
-          <p:txBody>
-            <a:bodyPr/>
-            <a:lstStyle/>
-            <a:p/>
-          </p:txBody>
-        </p:sp>
-        <p:sp>
-          <p:nvSpPr>
-            <p:cNvPr id="140" name="rc140"/>
-            <p:cNvSpPr/>
-            <p:nvPr/>
-          </p:nvSpPr>
-          <p:spPr>
-            <a:xfrm>
-              <a:off x="6057015" y="3205159"/>
-              <a:ext cx="660848" cy="372206"/>
-            </a:xfrm>
-            <a:prstGeom prst="rect">
-              <a:avLst/>
-            </a:prstGeom>
-            <a:solidFill>
-              <a:srgbClr val="8BC34A">
-                <a:alpha val="100000"/>
-              </a:srgbClr>
-            </a:solidFill>
-          </p:spPr>
-          <p:txBody>
-            <a:bodyPr/>
-            <a:lstStyle/>
-            <a:p/>
-          </p:txBody>
-        </p:sp>
-        <p:sp>
-          <p:nvSpPr>
-            <p:cNvPr id="141" name="rc141"/>
-            <p:cNvSpPr/>
-            <p:nvPr/>
-          </p:nvSpPr>
-          <p:spPr>
-            <a:xfrm>
-              <a:off x="5306051" y="3205159"/>
-              <a:ext cx="750964" cy="372206"/>
-            </a:xfrm>
-            <a:prstGeom prst="rect">
-              <a:avLst/>
-            </a:prstGeom>
-            <a:solidFill>
-              <a:srgbClr val="FFC107">
-                <a:alpha val="100000"/>
-              </a:srgbClr>
-            </a:solidFill>
-          </p:spPr>
-          <p:txBody>
-            <a:bodyPr/>
-            <a:lstStyle/>
-            <a:p/>
-          </p:txBody>
-        </p:sp>
-        <p:sp>
-          <p:nvSpPr>
-            <p:cNvPr id="142" name="rc142"/>
-            <p:cNvSpPr/>
-            <p:nvPr/>
-          </p:nvSpPr>
-          <p:spPr>
-            <a:xfrm>
-              <a:off x="4194624" y="3205159"/>
-              <a:ext cx="1111427" cy="372206"/>
-            </a:xfrm>
-            <a:prstGeom prst="rect">
-              <a:avLst/>
-            </a:prstGeom>
-            <a:solidFill>
-              <a:srgbClr val="FF9800">
-                <a:alpha val="100000"/>
-              </a:srgbClr>
-            </a:solidFill>
-          </p:spPr>
-          <p:txBody>
-            <a:bodyPr/>
-            <a:lstStyle/>
-            <a:p/>
-          </p:txBody>
-        </p:sp>
-        <p:sp>
-          <p:nvSpPr>
-            <p:cNvPr id="143" name="rc143"/>
-            <p:cNvSpPr/>
-            <p:nvPr/>
-          </p:nvSpPr>
-          <p:spPr>
-            <a:xfrm>
-              <a:off x="3323505" y="3205159"/>
-              <a:ext cx="871118" cy="372206"/>
-            </a:xfrm>
-            <a:prstGeom prst="rect">
-              <a:avLst/>
-            </a:prstGeom>
-            <a:solidFill>
-              <a:srgbClr val="F44336">
-                <a:alpha val="100000"/>
-              </a:srgbClr>
-            </a:solidFill>
-          </p:spPr>
-          <p:txBody>
-            <a:bodyPr/>
-            <a:lstStyle/>
-            <a:p/>
-          </p:txBody>
-        </p:sp>
-        <p:sp>
-          <p:nvSpPr>
-            <p:cNvPr id="144" name="pl144"/>
+            <p:cNvPr id="145" name="pl145"/>
             <p:cNvSpPr/>
             <p:nvPr/>
           </p:nvSpPr>
@@ -6200,7 +6243,7 @@
         </p:sp>
         <p:sp>
           <p:nvSpPr>
-            <p:cNvPr id="145" name="tx145"/>
+            <p:cNvPr id="146" name="tx146"/>
             <p:cNvSpPr/>
             <p:nvPr/>
           </p:nvSpPr>
@@ -6246,7 +6289,7 @@
         </p:sp>
         <p:sp>
           <p:nvSpPr>
-            <p:cNvPr id="146" name="tx146"/>
+            <p:cNvPr id="147" name="tx147"/>
             <p:cNvSpPr/>
             <p:nvPr/>
           </p:nvSpPr>
@@ -6292,7 +6335,7 @@
         </p:sp>
         <p:sp>
           <p:nvSpPr>
-            <p:cNvPr id="147" name="tx147"/>
+            <p:cNvPr id="148" name="tx148"/>
             <p:cNvSpPr/>
             <p:nvPr/>
           </p:nvSpPr>
@@ -6338,7 +6381,7 @@
         </p:sp>
         <p:sp>
           <p:nvSpPr>
-            <p:cNvPr id="148" name="tx148"/>
+            <p:cNvPr id="149" name="tx149"/>
             <p:cNvSpPr/>
             <p:nvPr/>
           </p:nvSpPr>
@@ -6384,7 +6427,7 @@
         </p:sp>
         <p:sp>
           <p:nvSpPr>
-            <p:cNvPr id="149" name="tx149"/>
+            <p:cNvPr id="150" name="tx150"/>
             <p:cNvSpPr/>
             <p:nvPr/>
           </p:nvSpPr>
@@ -6430,7 +6473,7 @@
         </p:sp>
         <p:sp>
           <p:nvSpPr>
-            <p:cNvPr id="150" name="tx150"/>
+            <p:cNvPr id="151" name="tx151"/>
             <p:cNvSpPr/>
             <p:nvPr/>
           </p:nvSpPr>
@@ -6476,7 +6519,7 @@
         </p:sp>
         <p:sp>
           <p:nvSpPr>
-            <p:cNvPr id="151" name="tx151"/>
+            <p:cNvPr id="152" name="tx152"/>
             <p:cNvSpPr/>
             <p:nvPr/>
           </p:nvSpPr>
@@ -6522,7 +6565,7 @@
         </p:sp>
         <p:sp>
           <p:nvSpPr>
-            <p:cNvPr id="152" name="tx152"/>
+            <p:cNvPr id="153" name="tx153"/>
             <p:cNvSpPr/>
             <p:nvPr/>
           </p:nvSpPr>
@@ -6568,7 +6611,7 @@
         </p:sp>
         <p:sp>
           <p:nvSpPr>
-            <p:cNvPr id="153" name="tx153"/>
+            <p:cNvPr id="154" name="tx154"/>
             <p:cNvSpPr/>
             <p:nvPr/>
           </p:nvSpPr>
@@ -6614,13 +6657,243 @@
         </p:sp>
         <p:sp>
           <p:nvSpPr>
-            <p:cNvPr id="154" name="tx154"/>
-            <p:cNvSpPr/>
-            <p:nvPr/>
-          </p:nvSpPr>
-          <p:spPr>
-            <a:xfrm>
-              <a:off x="1074170" y="7231159"/>
+            <p:cNvPr id="155" name="tx155"/>
+            <p:cNvSpPr/>
+            <p:nvPr/>
+          </p:nvSpPr>
+          <p:spPr>
+            <a:xfrm>
+              <a:off x="789909" y="7229458"/>
+              <a:ext cx="2474852" cy="101256"/>
+            </a:xfrm>
+            <a:prstGeom prst="rect">
+              <a:avLst/>
+            </a:prstGeom>
+            <a:noFill/>
+          </p:spPr>
+          <p:txBody>
+            <a:bodyPr lIns="0" rIns="0" tIns="0" bIns="0" anchorCtr="1" anchor="ctr" wrap="none"/>
+            <a:lstStyle/>
+            <a:p>
+              <a:pPr algn="l" marL="0" marR="0" indent="0">
+                <a:lnSpc>
+                  <a:spcPts val="857"/>
+                </a:lnSpc>
+                <a:spcBef>
+                  <a:spcPts val="0"/>
+                </a:spcBef>
+                <a:spcAft>
+                  <a:spcPts val="0"/>
+                </a:spcAft>
+              </a:pPr>
+              <a:r>
+                <a:rPr sz="857">
+                  <a:solidFill>
+                    <a:srgbClr val="000000">
+                      <a:alpha val="100000"/>
+                    </a:srgbClr>
+                  </a:solidFill>
+                  <a:latin typeface="Arial"/>
+                  <a:cs typeface="Arial"/>
+                </a:rPr>
+                <a:t>Désorganisation de la pensée, comme le sentiment</a:t>
+              </a:r>
+            </a:p>
+          </p:txBody>
+        </p:sp>
+        <p:sp>
+          <p:nvSpPr>
+            <p:cNvPr id="156" name="tx156"/>
+            <p:cNvSpPr/>
+            <p:nvPr/>
+          </p:nvSpPr>
+          <p:spPr>
+            <a:xfrm>
+              <a:off x="1174736" y="7347927"/>
+              <a:ext cx="2090025" cy="100352"/>
+            </a:xfrm>
+            <a:prstGeom prst="rect">
+              <a:avLst/>
+            </a:prstGeom>
+            <a:noFill/>
+          </p:spPr>
+          <p:txBody>
+            <a:bodyPr lIns="0" rIns="0" tIns="0" bIns="0" anchorCtr="1" anchor="ctr" wrap="none"/>
+            <a:lstStyle/>
+            <a:p>
+              <a:pPr algn="l" marL="0" marR="0" indent="0">
+                <a:lnSpc>
+                  <a:spcPts val="857"/>
+                </a:lnSpc>
+                <a:spcBef>
+                  <a:spcPts val="0"/>
+                </a:spcBef>
+                <a:spcAft>
+                  <a:spcPts val="0"/>
+                </a:spcAft>
+              </a:pPr>
+              <a:r>
+                <a:rPr sz="857">
+                  <a:solidFill>
+                    <a:srgbClr val="000000">
+                      <a:alpha val="100000"/>
+                    </a:srgbClr>
+                  </a:solidFill>
+                  <a:latin typeface="Arial"/>
+                  <a:cs typeface="Arial"/>
+                </a:rPr>
+                <a:t>d’avoir l’esprit vide, ou l'impression que vos</a:t>
+              </a:r>
+            </a:p>
+          </p:txBody>
+        </p:sp>
+        <p:sp>
+          <p:nvSpPr>
+            <p:cNvPr id="157" name="tx157"/>
+            <p:cNvSpPr/>
+            <p:nvPr/>
+          </p:nvSpPr>
+          <p:spPr>
+            <a:xfrm>
+              <a:off x="1007517" y="7465865"/>
+              <a:ext cx="2257244" cy="99980"/>
+            </a:xfrm>
+            <a:prstGeom prst="rect">
+              <a:avLst/>
+            </a:prstGeom>
+            <a:noFill/>
+          </p:spPr>
+          <p:txBody>
+            <a:bodyPr lIns="0" rIns="0" tIns="0" bIns="0" anchorCtr="1" anchor="ctr" wrap="none"/>
+            <a:lstStyle/>
+            <a:p>
+              <a:pPr algn="l" marL="0" marR="0" indent="0">
+                <a:lnSpc>
+                  <a:spcPts val="857"/>
+                </a:lnSpc>
+                <a:spcBef>
+                  <a:spcPts val="0"/>
+                </a:spcBef>
+                <a:spcAft>
+                  <a:spcPts val="0"/>
+                </a:spcAft>
+              </a:pPr>
+              <a:r>
+                <a:rPr sz="857">
+                  <a:solidFill>
+                    <a:srgbClr val="000000">
+                      <a:alpha val="100000"/>
+                    </a:srgbClr>
+                  </a:solidFill>
+                  <a:latin typeface="Arial"/>
+                  <a:cs typeface="Arial"/>
+                </a:rPr>
+                <a:t>pensées ont été enlevées ou extraites de votre</a:t>
+              </a:r>
+            </a:p>
+          </p:txBody>
+        </p:sp>
+        <p:sp>
+          <p:nvSpPr>
+            <p:cNvPr id="158" name="tx158"/>
+            <p:cNvSpPr/>
+            <p:nvPr/>
+          </p:nvSpPr>
+          <p:spPr>
+            <a:xfrm>
+              <a:off x="944318" y="7583431"/>
+              <a:ext cx="2320443" cy="99980"/>
+            </a:xfrm>
+            <a:prstGeom prst="rect">
+              <a:avLst/>
+            </a:prstGeom>
+            <a:noFill/>
+          </p:spPr>
+          <p:txBody>
+            <a:bodyPr lIns="0" rIns="0" tIns="0" bIns="0" anchorCtr="1" anchor="ctr" wrap="none"/>
+            <a:lstStyle/>
+            <a:p>
+              <a:pPr algn="l" marL="0" marR="0" indent="0">
+                <a:lnSpc>
+                  <a:spcPts val="857"/>
+                </a:lnSpc>
+                <a:spcBef>
+                  <a:spcPts val="0"/>
+                </a:spcBef>
+                <a:spcAft>
+                  <a:spcPts val="0"/>
+                </a:spcAft>
+              </a:pPr>
+              <a:r>
+                <a:rPr sz="857">
+                  <a:solidFill>
+                    <a:srgbClr val="000000">
+                      <a:alpha val="100000"/>
+                    </a:srgbClr>
+                  </a:solidFill>
+                  <a:latin typeface="Arial"/>
+                  <a:cs typeface="Arial"/>
+                </a:rPr>
+                <a:t>tête, ou d'avoir dans votre tête des pensées que</a:t>
+              </a:r>
+            </a:p>
+          </p:txBody>
+        </p:sp>
+        <p:sp>
+          <p:nvSpPr>
+            <p:cNvPr id="159" name="tx159"/>
+            <p:cNvSpPr/>
+            <p:nvPr/>
+          </p:nvSpPr>
+          <p:spPr>
+            <a:xfrm>
+              <a:off x="1122912" y="7700996"/>
+              <a:ext cx="2141849" cy="99980"/>
+            </a:xfrm>
+            <a:prstGeom prst="rect">
+              <a:avLst/>
+            </a:prstGeom>
+            <a:noFill/>
+          </p:spPr>
+          <p:txBody>
+            <a:bodyPr lIns="0" rIns="0" tIns="0" bIns="0" anchorCtr="1" anchor="ctr" wrap="none"/>
+            <a:lstStyle/>
+            <a:p>
+              <a:pPr algn="l" marL="0" marR="0" indent="0">
+                <a:lnSpc>
+                  <a:spcPts val="857"/>
+                </a:lnSpc>
+                <a:spcBef>
+                  <a:spcPts val="0"/>
+                </a:spcBef>
+                <a:spcAft>
+                  <a:spcPts val="0"/>
+                </a:spcAft>
+              </a:pPr>
+              <a:r>
+                <a:rPr sz="857">
+                  <a:solidFill>
+                    <a:srgbClr val="000000">
+                      <a:alpha val="100000"/>
+                    </a:srgbClr>
+                  </a:solidFill>
+                  <a:latin typeface="Arial"/>
+                  <a:cs typeface="Arial"/>
+                </a:rPr>
+                <a:t>vous ne reconnaissez pas comme les vôtres</a:t>
+              </a:r>
+            </a:p>
+          </p:txBody>
+        </p:sp>
+        <p:sp>
+          <p:nvSpPr>
+            <p:cNvPr id="160" name="tx160"/>
+            <p:cNvSpPr/>
+            <p:nvPr/>
+          </p:nvSpPr>
+          <p:spPr>
+            <a:xfrm>
+              <a:off x="1074170" y="6817596"/>
               <a:ext cx="2190590" cy="99555"/>
             </a:xfrm>
             <a:prstGeom prst="rect">
@@ -6660,13 +6933,13 @@
         </p:sp>
         <p:sp>
           <p:nvSpPr>
-            <p:cNvPr id="155" name="tx155"/>
-            <p:cNvSpPr/>
-            <p:nvPr/>
-          </p:nvSpPr>
-          <p:spPr>
-            <a:xfrm>
-              <a:off x="1189087" y="7347927"/>
+            <p:cNvPr id="161" name="tx161"/>
+            <p:cNvSpPr/>
+            <p:nvPr/>
+          </p:nvSpPr>
+          <p:spPr>
+            <a:xfrm>
+              <a:off x="1189087" y="6934365"/>
               <a:ext cx="2075673" cy="100352"/>
             </a:xfrm>
             <a:prstGeom prst="rect">
@@ -6706,13 +6979,13 @@
         </p:sp>
         <p:sp>
           <p:nvSpPr>
-            <p:cNvPr id="156" name="tx156"/>
-            <p:cNvSpPr/>
-            <p:nvPr/>
-          </p:nvSpPr>
-          <p:spPr>
-            <a:xfrm>
-              <a:off x="1286197" y="7463686"/>
+            <p:cNvPr id="162" name="tx162"/>
+            <p:cNvSpPr/>
+            <p:nvPr/>
+          </p:nvSpPr>
+          <p:spPr>
+            <a:xfrm>
+              <a:off x="1286197" y="7050123"/>
               <a:ext cx="1978563" cy="102159"/>
             </a:xfrm>
             <a:prstGeom prst="rect">
@@ -6752,13 +7025,13 @@
         </p:sp>
         <p:sp>
           <p:nvSpPr>
-            <p:cNvPr id="157" name="tx157"/>
-            <p:cNvSpPr/>
-            <p:nvPr/>
-          </p:nvSpPr>
-          <p:spPr>
-            <a:xfrm>
-              <a:off x="1007729" y="7581251"/>
+            <p:cNvPr id="163" name="tx163"/>
+            <p:cNvSpPr/>
+            <p:nvPr/>
+          </p:nvSpPr>
+          <p:spPr>
+            <a:xfrm>
+              <a:off x="1007729" y="7167689"/>
               <a:ext cx="2257031" cy="102159"/>
             </a:xfrm>
             <a:prstGeom prst="rect">
@@ -6798,13 +7071,13 @@
         </p:sp>
         <p:sp>
           <p:nvSpPr>
-            <p:cNvPr id="158" name="tx158"/>
-            <p:cNvSpPr/>
-            <p:nvPr/>
-          </p:nvSpPr>
-          <p:spPr>
-            <a:xfrm>
-              <a:off x="892600" y="7701422"/>
+            <p:cNvPr id="164" name="tx164"/>
+            <p:cNvSpPr/>
+            <p:nvPr/>
+          </p:nvSpPr>
+          <p:spPr>
+            <a:xfrm>
+              <a:off x="892600" y="7287859"/>
               <a:ext cx="2372160" cy="99555"/>
             </a:xfrm>
             <a:prstGeom prst="rect">
@@ -6844,14 +7117,14 @@
         </p:sp>
         <p:sp>
           <p:nvSpPr>
-            <p:cNvPr id="159" name="tx159"/>
-            <p:cNvSpPr/>
-            <p:nvPr/>
-          </p:nvSpPr>
-          <p:spPr>
-            <a:xfrm>
-              <a:off x="789909" y="6815896"/>
-              <a:ext cx="2474852" cy="101256"/>
+            <p:cNvPr id="165" name="tx165"/>
+            <p:cNvSpPr/>
+            <p:nvPr/>
+          </p:nvSpPr>
+          <p:spPr>
+            <a:xfrm>
+              <a:off x="1226453" y="6639166"/>
+              <a:ext cx="2038307" cy="99555"/>
             </a:xfrm>
             <a:prstGeom prst="rect">
               <a:avLst/>
@@ -6883,204 +7156,20 @@
                   <a:latin typeface="Arial"/>
                   <a:cs typeface="Arial"/>
                 </a:rPr>
-                <a:t>Désorganisation de la pensée, comme le sentiment</a:t>
+                <a:t>L'impression de n'avoir plus envie de vivre</a:t>
               </a:r>
             </a:p>
           </p:txBody>
         </p:sp>
         <p:sp>
           <p:nvSpPr>
-            <p:cNvPr id="160" name="tx160"/>
-            <p:cNvSpPr/>
-            <p:nvPr/>
-          </p:nvSpPr>
-          <p:spPr>
-            <a:xfrm>
-              <a:off x="1174736" y="6934365"/>
-              <a:ext cx="2090025" cy="100352"/>
-            </a:xfrm>
-            <a:prstGeom prst="rect">
-              <a:avLst/>
-            </a:prstGeom>
-            <a:noFill/>
-          </p:spPr>
-          <p:txBody>
-            <a:bodyPr lIns="0" rIns="0" tIns="0" bIns="0" anchorCtr="1" anchor="ctr" wrap="none"/>
-            <a:lstStyle/>
-            <a:p>
-              <a:pPr algn="l" marL="0" marR="0" indent="0">
-                <a:lnSpc>
-                  <a:spcPts val="857"/>
-                </a:lnSpc>
-                <a:spcBef>
-                  <a:spcPts val="0"/>
-                </a:spcBef>
-                <a:spcAft>
-                  <a:spcPts val="0"/>
-                </a:spcAft>
-              </a:pPr>
-              <a:r>
-                <a:rPr sz="857">
-                  <a:solidFill>
-                    <a:srgbClr val="000000">
-                      <a:alpha val="100000"/>
-                    </a:srgbClr>
-                  </a:solidFill>
-                  <a:latin typeface="Arial"/>
-                  <a:cs typeface="Arial"/>
-                </a:rPr>
-                <a:t>d’avoir l’esprit vide, ou l'impression que vos</a:t>
-              </a:r>
-            </a:p>
-          </p:txBody>
-        </p:sp>
-        <p:sp>
-          <p:nvSpPr>
-            <p:cNvPr id="161" name="tx161"/>
-            <p:cNvSpPr/>
-            <p:nvPr/>
-          </p:nvSpPr>
-          <p:spPr>
-            <a:xfrm>
-              <a:off x="1007517" y="7052303"/>
-              <a:ext cx="2257244" cy="99980"/>
-            </a:xfrm>
-            <a:prstGeom prst="rect">
-              <a:avLst/>
-            </a:prstGeom>
-            <a:noFill/>
-          </p:spPr>
-          <p:txBody>
-            <a:bodyPr lIns="0" rIns="0" tIns="0" bIns="0" anchorCtr="1" anchor="ctr" wrap="none"/>
-            <a:lstStyle/>
-            <a:p>
-              <a:pPr algn="l" marL="0" marR="0" indent="0">
-                <a:lnSpc>
-                  <a:spcPts val="857"/>
-                </a:lnSpc>
-                <a:spcBef>
-                  <a:spcPts val="0"/>
-                </a:spcBef>
-                <a:spcAft>
-                  <a:spcPts val="0"/>
-                </a:spcAft>
-              </a:pPr>
-              <a:r>
-                <a:rPr sz="857">
-                  <a:solidFill>
-                    <a:srgbClr val="000000">
-                      <a:alpha val="100000"/>
-                    </a:srgbClr>
-                  </a:solidFill>
-                  <a:latin typeface="Arial"/>
-                  <a:cs typeface="Arial"/>
-                </a:rPr>
-                <a:t>pensées ont été enlevées ou extraites de votre</a:t>
-              </a:r>
-            </a:p>
-          </p:txBody>
-        </p:sp>
-        <p:sp>
-          <p:nvSpPr>
-            <p:cNvPr id="162" name="tx162"/>
-            <p:cNvSpPr/>
-            <p:nvPr/>
-          </p:nvSpPr>
-          <p:spPr>
-            <a:xfrm>
-              <a:off x="944318" y="7169868"/>
-              <a:ext cx="2320443" cy="99980"/>
-            </a:xfrm>
-            <a:prstGeom prst="rect">
-              <a:avLst/>
-            </a:prstGeom>
-            <a:noFill/>
-          </p:spPr>
-          <p:txBody>
-            <a:bodyPr lIns="0" rIns="0" tIns="0" bIns="0" anchorCtr="1" anchor="ctr" wrap="none"/>
-            <a:lstStyle/>
-            <a:p>
-              <a:pPr algn="l" marL="0" marR="0" indent="0">
-                <a:lnSpc>
-                  <a:spcPts val="857"/>
-                </a:lnSpc>
-                <a:spcBef>
-                  <a:spcPts val="0"/>
-                </a:spcBef>
-                <a:spcAft>
-                  <a:spcPts val="0"/>
-                </a:spcAft>
-              </a:pPr>
-              <a:r>
-                <a:rPr sz="857">
-                  <a:solidFill>
-                    <a:srgbClr val="000000">
-                      <a:alpha val="100000"/>
-                    </a:srgbClr>
-                  </a:solidFill>
-                  <a:latin typeface="Arial"/>
-                  <a:cs typeface="Arial"/>
-                </a:rPr>
-                <a:t>tête, ou d'avoir dans votre tête des pensées que</a:t>
-              </a:r>
-            </a:p>
-          </p:txBody>
-        </p:sp>
-        <p:sp>
-          <p:nvSpPr>
-            <p:cNvPr id="163" name="tx163"/>
-            <p:cNvSpPr/>
-            <p:nvPr/>
-          </p:nvSpPr>
-          <p:spPr>
-            <a:xfrm>
-              <a:off x="1122912" y="7287434"/>
-              <a:ext cx="2141849" cy="99980"/>
-            </a:xfrm>
-            <a:prstGeom prst="rect">
-              <a:avLst/>
-            </a:prstGeom>
-            <a:noFill/>
-          </p:spPr>
-          <p:txBody>
-            <a:bodyPr lIns="0" rIns="0" tIns="0" bIns="0" anchorCtr="1" anchor="ctr" wrap="none"/>
-            <a:lstStyle/>
-            <a:p>
-              <a:pPr algn="l" marL="0" marR="0" indent="0">
-                <a:lnSpc>
-                  <a:spcPts val="857"/>
-                </a:lnSpc>
-                <a:spcBef>
-                  <a:spcPts val="0"/>
-                </a:spcBef>
-                <a:spcAft>
-                  <a:spcPts val="0"/>
-                </a:spcAft>
-              </a:pPr>
-              <a:r>
-                <a:rPr sz="857">
-                  <a:solidFill>
-                    <a:srgbClr val="000000">
-                      <a:alpha val="100000"/>
-                    </a:srgbClr>
-                  </a:solidFill>
-                  <a:latin typeface="Arial"/>
-                  <a:cs typeface="Arial"/>
-                </a:rPr>
-                <a:t>vous ne reconnaissez pas comme les vôtres</a:t>
-              </a:r>
-            </a:p>
-          </p:txBody>
-        </p:sp>
-        <p:sp>
-          <p:nvSpPr>
-            <p:cNvPr id="164" name="tx164"/>
-            <p:cNvSpPr/>
-            <p:nvPr/>
-          </p:nvSpPr>
-          <p:spPr>
-            <a:xfrm>
-              <a:off x="898925" y="6402333"/>
+            <p:cNvPr id="166" name="tx166"/>
+            <p:cNvSpPr/>
+            <p:nvPr/>
+          </p:nvSpPr>
+          <p:spPr>
+            <a:xfrm>
+              <a:off x="898925" y="5988771"/>
               <a:ext cx="2365835" cy="101256"/>
             </a:xfrm>
             <a:prstGeom prst="rect">
@@ -7120,13 +7209,13 @@
         </p:sp>
         <p:sp>
           <p:nvSpPr>
-            <p:cNvPr id="165" name="tx165"/>
-            <p:cNvSpPr/>
-            <p:nvPr/>
-          </p:nvSpPr>
-          <p:spPr>
-            <a:xfrm>
-              <a:off x="953088" y="6519899"/>
+            <p:cNvPr id="167" name="tx167"/>
+            <p:cNvSpPr/>
+            <p:nvPr/>
+          </p:nvSpPr>
+          <p:spPr>
+            <a:xfrm>
+              <a:off x="953088" y="6106337"/>
               <a:ext cx="2311672" cy="101256"/>
             </a:xfrm>
             <a:prstGeom prst="rect">
@@ -7166,13 +7255,13 @@
         </p:sp>
         <p:sp>
           <p:nvSpPr>
-            <p:cNvPr id="166" name="tx166"/>
-            <p:cNvSpPr/>
-            <p:nvPr/>
-          </p:nvSpPr>
-          <p:spPr>
-            <a:xfrm>
-              <a:off x="1068058" y="6637465"/>
+            <p:cNvPr id="168" name="tx168"/>
+            <p:cNvSpPr/>
+            <p:nvPr/>
+          </p:nvSpPr>
+          <p:spPr>
+            <a:xfrm>
+              <a:off x="1068058" y="6223902"/>
               <a:ext cx="2196703" cy="101256"/>
             </a:xfrm>
             <a:prstGeom prst="rect">
@@ -7212,13 +7301,13 @@
         </p:sp>
         <p:sp>
           <p:nvSpPr>
-            <p:cNvPr id="167" name="tx167"/>
-            <p:cNvSpPr/>
-            <p:nvPr/>
-          </p:nvSpPr>
-          <p:spPr>
-            <a:xfrm>
-              <a:off x="899031" y="6754658"/>
+            <p:cNvPr id="169" name="tx169"/>
+            <p:cNvSpPr/>
+            <p:nvPr/>
+          </p:nvSpPr>
+          <p:spPr>
+            <a:xfrm>
+              <a:off x="899031" y="6341096"/>
               <a:ext cx="2365729" cy="101628"/>
             </a:xfrm>
             <a:prstGeom prst="rect">
@@ -7258,13 +7347,13 @@
         </p:sp>
         <p:sp>
           <p:nvSpPr>
-            <p:cNvPr id="168" name="tx168"/>
-            <p:cNvSpPr/>
-            <p:nvPr/>
-          </p:nvSpPr>
-          <p:spPr>
-            <a:xfrm>
-              <a:off x="2974333" y="6893326"/>
+            <p:cNvPr id="170" name="tx170"/>
+            <p:cNvSpPr/>
+            <p:nvPr/>
+          </p:nvSpPr>
+          <p:spPr>
+            <a:xfrm>
+              <a:off x="2974333" y="6479763"/>
               <a:ext cx="290427" cy="80526"/>
             </a:xfrm>
             <a:prstGeom prst="rect">
@@ -7304,53 +7393,7 @@
         </p:sp>
         <p:sp>
           <p:nvSpPr>
-            <p:cNvPr id="169" name="tx169"/>
-            <p:cNvSpPr/>
-            <p:nvPr/>
-          </p:nvSpPr>
-          <p:spPr>
-            <a:xfrm>
-              <a:off x="1226453" y="6225603"/>
-              <a:ext cx="2038307" cy="99555"/>
-            </a:xfrm>
-            <a:prstGeom prst="rect">
-              <a:avLst/>
-            </a:prstGeom>
-            <a:noFill/>
-          </p:spPr>
-          <p:txBody>
-            <a:bodyPr lIns="0" rIns="0" tIns="0" bIns="0" anchorCtr="1" anchor="ctr" wrap="none"/>
-            <a:lstStyle/>
-            <a:p>
-              <a:pPr algn="l" marL="0" marR="0" indent="0">
-                <a:lnSpc>
-                  <a:spcPts val="857"/>
-                </a:lnSpc>
-                <a:spcBef>
-                  <a:spcPts val="0"/>
-                </a:spcBef>
-                <a:spcAft>
-                  <a:spcPts val="0"/>
-                </a:spcAft>
-              </a:pPr>
-              <a:r>
-                <a:rPr sz="857">
-                  <a:solidFill>
-                    <a:srgbClr val="000000">
-                      <a:alpha val="100000"/>
-                    </a:srgbClr>
-                  </a:solidFill>
-                  <a:latin typeface="Arial"/>
-                  <a:cs typeface="Arial"/>
-                </a:rPr>
-                <a:t>L'impression de n'avoir plus envie de vivre</a:t>
-              </a:r>
-            </a:p>
-          </p:txBody>
-        </p:sp>
-        <p:sp>
-          <p:nvSpPr>
-            <p:cNvPr id="170" name="tx170"/>
+            <p:cNvPr id="171" name="tx171"/>
             <p:cNvSpPr/>
             <p:nvPr/>
           </p:nvSpPr>
@@ -7396,7 +7439,7 @@
         </p:sp>
         <p:sp>
           <p:nvSpPr>
-            <p:cNvPr id="171" name="tx171"/>
+            <p:cNvPr id="172" name="tx172"/>
             <p:cNvSpPr/>
             <p:nvPr/>
           </p:nvSpPr>
@@ -7442,7 +7485,7 @@
         </p:sp>
         <p:sp>
           <p:nvSpPr>
-            <p:cNvPr id="172" name="tx172"/>
+            <p:cNvPr id="173" name="tx173"/>
             <p:cNvSpPr/>
             <p:nvPr/>
           </p:nvSpPr>
@@ -7488,7 +7531,7 @@
         </p:sp>
         <p:sp>
           <p:nvSpPr>
-            <p:cNvPr id="173" name="tx173"/>
+            <p:cNvPr id="174" name="tx174"/>
             <p:cNvSpPr/>
             <p:nvPr/>
           </p:nvSpPr>
@@ -7534,7 +7577,7 @@
         </p:sp>
         <p:sp>
           <p:nvSpPr>
-            <p:cNvPr id="174" name="tx174"/>
+            <p:cNvPr id="175" name="tx175"/>
             <p:cNvSpPr/>
             <p:nvPr/>
           </p:nvSpPr>
@@ -7580,7 +7623,7 @@
         </p:sp>
         <p:sp>
           <p:nvSpPr>
-            <p:cNvPr id="175" name="tx175"/>
+            <p:cNvPr id="176" name="tx176"/>
             <p:cNvSpPr/>
             <p:nvPr/>
           </p:nvSpPr>
@@ -7626,7 +7669,7 @@
         </p:sp>
         <p:sp>
           <p:nvSpPr>
-            <p:cNvPr id="176" name="tx176"/>
+            <p:cNvPr id="177" name="tx177"/>
             <p:cNvSpPr/>
             <p:nvPr/>
           </p:nvSpPr>
@@ -7672,7 +7715,7 @@
         </p:sp>
         <p:sp>
           <p:nvSpPr>
-            <p:cNvPr id="177" name="tx177"/>
+            <p:cNvPr id="178" name="tx178"/>
             <p:cNvSpPr/>
             <p:nvPr/>
           </p:nvSpPr>
@@ -7718,7 +7761,7 @@
         </p:sp>
         <p:sp>
           <p:nvSpPr>
-            <p:cNvPr id="178" name="tx178"/>
+            <p:cNvPr id="179" name="tx179"/>
             <p:cNvSpPr/>
             <p:nvPr/>
           </p:nvSpPr>
@@ -7764,13 +7807,243 @@
         </p:sp>
         <p:sp>
           <p:nvSpPr>
-            <p:cNvPr id="179" name="tx179"/>
-            <p:cNvSpPr/>
-            <p:nvPr/>
-          </p:nvSpPr>
-          <p:spPr>
-            <a:xfrm>
-              <a:off x="2502229" y="5004849"/>
+            <p:cNvPr id="180" name="tx180"/>
+            <p:cNvSpPr/>
+            <p:nvPr/>
+          </p:nvSpPr>
+          <p:spPr>
+            <a:xfrm>
+              <a:off x="1213484" y="4867351"/>
+              <a:ext cx="2051276" cy="99555"/>
+            </a:xfrm>
+            <a:prstGeom prst="rect">
+              <a:avLst/>
+            </a:prstGeom>
+            <a:noFill/>
+          </p:spPr>
+          <p:txBody>
+            <a:bodyPr lIns="0" rIns="0" tIns="0" bIns="0" anchorCtr="1" anchor="ctr" wrap="none"/>
+            <a:lstStyle/>
+            <a:p>
+              <a:pPr algn="l" marL="0" marR="0" indent="0">
+                <a:lnSpc>
+                  <a:spcPts val="857"/>
+                </a:lnSpc>
+                <a:spcBef>
+                  <a:spcPts val="0"/>
+                </a:spcBef>
+                <a:spcAft>
+                  <a:spcPts val="0"/>
+                </a:spcAft>
+              </a:pPr>
+              <a:r>
+                <a:rPr sz="857">
+                  <a:solidFill>
+                    <a:srgbClr val="000000">
+                      <a:alpha val="100000"/>
+                    </a:srgbClr>
+                  </a:solidFill>
+                  <a:latin typeface="Arial"/>
+                  <a:cs typeface="Arial"/>
+                </a:rPr>
+                <a:t>Isolement social, ou le sentiment que vous</a:t>
+              </a:r>
+            </a:p>
+          </p:txBody>
+        </p:sp>
+        <p:sp>
+          <p:nvSpPr>
+            <p:cNvPr id="181" name="tx181"/>
+            <p:cNvSpPr/>
+            <p:nvPr/>
+          </p:nvSpPr>
+          <p:spPr>
+            <a:xfrm>
+              <a:off x="1122646" y="4984119"/>
+              <a:ext cx="2142115" cy="100352"/>
+            </a:xfrm>
+            <a:prstGeom prst="rect">
+              <a:avLst/>
+            </a:prstGeom>
+            <a:noFill/>
+          </p:spPr>
+          <p:txBody>
+            <a:bodyPr lIns="0" rIns="0" tIns="0" bIns="0" anchorCtr="1" anchor="ctr" wrap="none"/>
+            <a:lstStyle/>
+            <a:p>
+              <a:pPr algn="l" marL="0" marR="0" indent="0">
+                <a:lnSpc>
+                  <a:spcPts val="857"/>
+                </a:lnSpc>
+                <a:spcBef>
+                  <a:spcPts val="0"/>
+                </a:spcBef>
+                <a:spcAft>
+                  <a:spcPts val="0"/>
+                </a:spcAft>
+              </a:pPr>
+              <a:r>
+                <a:rPr sz="857">
+                  <a:solidFill>
+                    <a:srgbClr val="000000">
+                      <a:alpha val="100000"/>
+                    </a:srgbClr>
+                  </a:solidFill>
+                  <a:latin typeface="Arial"/>
+                  <a:cs typeface="Arial"/>
+                </a:rPr>
+                <a:t>n’éprouvez pas d’intérêt à être avec d’autres</a:t>
+              </a:r>
+            </a:p>
+          </p:txBody>
+        </p:sp>
+        <p:sp>
+          <p:nvSpPr>
+            <p:cNvPr id="182" name="tx182"/>
+            <p:cNvSpPr/>
+            <p:nvPr/>
+          </p:nvSpPr>
+          <p:spPr>
+            <a:xfrm>
+              <a:off x="2726162" y="5122680"/>
+              <a:ext cx="538598" cy="79357"/>
+            </a:xfrm>
+            <a:prstGeom prst="rect">
+              <a:avLst/>
+            </a:prstGeom>
+            <a:noFill/>
+          </p:spPr>
+          <p:txBody>
+            <a:bodyPr lIns="0" rIns="0" tIns="0" bIns="0" anchorCtr="1" anchor="ctr" wrap="none"/>
+            <a:lstStyle/>
+            <a:p>
+              <a:pPr algn="l" marL="0" marR="0" indent="0">
+                <a:lnSpc>
+                  <a:spcPts val="857"/>
+                </a:lnSpc>
+                <a:spcBef>
+                  <a:spcPts val="0"/>
+                </a:spcBef>
+                <a:spcAft>
+                  <a:spcPts val="0"/>
+                </a:spcAft>
+              </a:pPr>
+              <a:r>
+                <a:rPr sz="857">
+                  <a:solidFill>
+                    <a:srgbClr val="000000">
+                      <a:alpha val="100000"/>
+                    </a:srgbClr>
+                  </a:solidFill>
+                  <a:latin typeface="Arial"/>
+                  <a:cs typeface="Arial"/>
+                </a:rPr>
+                <a:t>personnes.</a:t>
+              </a:r>
+            </a:p>
+          </p:txBody>
+        </p:sp>
+        <p:sp>
+          <p:nvSpPr>
+            <p:cNvPr id="183" name="tx183"/>
+            <p:cNvSpPr/>
+            <p:nvPr/>
+          </p:nvSpPr>
+          <p:spPr>
+            <a:xfrm>
+              <a:off x="1624781" y="4570078"/>
+              <a:ext cx="1639979" cy="100831"/>
+            </a:xfrm>
+            <a:prstGeom prst="rect">
+              <a:avLst/>
+            </a:prstGeom>
+            <a:noFill/>
+          </p:spPr>
+          <p:txBody>
+            <a:bodyPr lIns="0" rIns="0" tIns="0" bIns="0" anchorCtr="1" anchor="ctr" wrap="none"/>
+            <a:lstStyle/>
+            <a:p>
+              <a:pPr algn="l" marL="0" marR="0" indent="0">
+                <a:lnSpc>
+                  <a:spcPts val="857"/>
+                </a:lnSpc>
+                <a:spcBef>
+                  <a:spcPts val="0"/>
+                </a:spcBef>
+                <a:spcAft>
+                  <a:spcPts val="0"/>
+                </a:spcAft>
+              </a:pPr>
+              <a:r>
+                <a:rPr sz="857">
+                  <a:solidFill>
+                    <a:srgbClr val="000000">
+                      <a:alpha val="100000"/>
+                    </a:srgbClr>
+                  </a:solidFill>
+                  <a:latin typeface="Arial"/>
+                  <a:cs typeface="Arial"/>
+                </a:rPr>
+                <a:t>Agitation, ou sentiment de tension</a:t>
+              </a:r>
+            </a:p>
+          </p:txBody>
+        </p:sp>
+        <p:sp>
+          <p:nvSpPr>
+            <p:cNvPr id="184" name="tx184"/>
+            <p:cNvSpPr/>
+            <p:nvPr/>
+          </p:nvSpPr>
+          <p:spPr>
+            <a:xfrm>
+              <a:off x="1909309" y="4177724"/>
+              <a:ext cx="1355452" cy="79623"/>
+            </a:xfrm>
+            <a:prstGeom prst="rect">
+              <a:avLst/>
+            </a:prstGeom>
+            <a:noFill/>
+          </p:spPr>
+          <p:txBody>
+            <a:bodyPr lIns="0" rIns="0" tIns="0" bIns="0" anchorCtr="1" anchor="ctr" wrap="none"/>
+            <a:lstStyle/>
+            <a:p>
+              <a:pPr algn="l" marL="0" marR="0" indent="0">
+                <a:lnSpc>
+                  <a:spcPts val="857"/>
+                </a:lnSpc>
+                <a:spcBef>
+                  <a:spcPts val="0"/>
+                </a:spcBef>
+                <a:spcAft>
+                  <a:spcPts val="0"/>
+                </a:spcAft>
+              </a:pPr>
+              <a:r>
+                <a:rPr sz="857">
+                  <a:solidFill>
+                    <a:srgbClr val="000000">
+                      <a:alpha val="100000"/>
+                    </a:srgbClr>
+                  </a:solidFill>
+                  <a:latin typeface="Arial"/>
+                  <a:cs typeface="Arial"/>
+                </a:rPr>
+                <a:t>Problèmes de concentration</a:t>
+              </a:r>
+            </a:p>
+          </p:txBody>
+        </p:sp>
+        <p:sp>
+          <p:nvSpPr>
+            <p:cNvPr id="185" name="tx185"/>
+            <p:cNvSpPr/>
+            <p:nvPr/>
+          </p:nvSpPr>
+          <p:spPr>
+            <a:xfrm>
+              <a:off x="2502229" y="3764162"/>
               <a:ext cx="762531" cy="79623"/>
             </a:xfrm>
             <a:prstGeom prst="rect">
@@ -7810,237 +8083,7 @@
         </p:sp>
         <p:sp>
           <p:nvSpPr>
-            <p:cNvPr id="180" name="tx180"/>
-            <p:cNvSpPr/>
-            <p:nvPr/>
-          </p:nvSpPr>
-          <p:spPr>
-            <a:xfrm>
-              <a:off x="1909309" y="4591286"/>
-              <a:ext cx="1355452" cy="79623"/>
-            </a:xfrm>
-            <a:prstGeom prst="rect">
-              <a:avLst/>
-            </a:prstGeom>
-            <a:noFill/>
-          </p:spPr>
-          <p:txBody>
-            <a:bodyPr lIns="0" rIns="0" tIns="0" bIns="0" anchorCtr="1" anchor="ctr" wrap="none"/>
-            <a:lstStyle/>
-            <a:p>
-              <a:pPr algn="l" marL="0" marR="0" indent="0">
-                <a:lnSpc>
-                  <a:spcPts val="857"/>
-                </a:lnSpc>
-                <a:spcBef>
-                  <a:spcPts val="0"/>
-                </a:spcBef>
-                <a:spcAft>
-                  <a:spcPts val="0"/>
-                </a:spcAft>
-              </a:pPr>
-              <a:r>
-                <a:rPr sz="857">
-                  <a:solidFill>
-                    <a:srgbClr val="000000">
-                      <a:alpha val="100000"/>
-                    </a:srgbClr>
-                  </a:solidFill>
-                  <a:latin typeface="Arial"/>
-                  <a:cs typeface="Arial"/>
-                </a:rPr>
-                <a:t>Problèmes de concentration</a:t>
-              </a:r>
-            </a:p>
-          </p:txBody>
-        </p:sp>
-        <p:sp>
-          <p:nvSpPr>
-            <p:cNvPr id="181" name="tx181"/>
-            <p:cNvSpPr/>
-            <p:nvPr/>
-          </p:nvSpPr>
-          <p:spPr>
-            <a:xfrm>
-              <a:off x="1624781" y="4156516"/>
-              <a:ext cx="1639979" cy="100831"/>
-            </a:xfrm>
-            <a:prstGeom prst="rect">
-              <a:avLst/>
-            </a:prstGeom>
-            <a:noFill/>
-          </p:spPr>
-          <p:txBody>
-            <a:bodyPr lIns="0" rIns="0" tIns="0" bIns="0" anchorCtr="1" anchor="ctr" wrap="none"/>
-            <a:lstStyle/>
-            <a:p>
-              <a:pPr algn="l" marL="0" marR="0" indent="0">
-                <a:lnSpc>
-                  <a:spcPts val="857"/>
-                </a:lnSpc>
-                <a:spcBef>
-                  <a:spcPts val="0"/>
-                </a:spcBef>
-                <a:spcAft>
-                  <a:spcPts val="0"/>
-                </a:spcAft>
-              </a:pPr>
-              <a:r>
-                <a:rPr sz="857">
-                  <a:solidFill>
-                    <a:srgbClr val="000000">
-                      <a:alpha val="100000"/>
-                    </a:srgbClr>
-                  </a:solidFill>
-                  <a:latin typeface="Arial"/>
-                  <a:cs typeface="Arial"/>
-                </a:rPr>
-                <a:t>Agitation, ou sentiment de tension</a:t>
-              </a:r>
-            </a:p>
-          </p:txBody>
-        </p:sp>
-        <p:sp>
-          <p:nvSpPr>
-            <p:cNvPr id="182" name="tx182"/>
-            <p:cNvSpPr/>
-            <p:nvPr/>
-          </p:nvSpPr>
-          <p:spPr>
-            <a:xfrm>
-              <a:off x="1213484" y="3626664"/>
-              <a:ext cx="2051276" cy="99555"/>
-            </a:xfrm>
-            <a:prstGeom prst="rect">
-              <a:avLst/>
-            </a:prstGeom>
-            <a:noFill/>
-          </p:spPr>
-          <p:txBody>
-            <a:bodyPr lIns="0" rIns="0" tIns="0" bIns="0" anchorCtr="1" anchor="ctr" wrap="none"/>
-            <a:lstStyle/>
-            <a:p>
-              <a:pPr algn="l" marL="0" marR="0" indent="0">
-                <a:lnSpc>
-                  <a:spcPts val="857"/>
-                </a:lnSpc>
-                <a:spcBef>
-                  <a:spcPts val="0"/>
-                </a:spcBef>
-                <a:spcAft>
-                  <a:spcPts val="0"/>
-                </a:spcAft>
-              </a:pPr>
-              <a:r>
-                <a:rPr sz="857">
-                  <a:solidFill>
-                    <a:srgbClr val="000000">
-                      <a:alpha val="100000"/>
-                    </a:srgbClr>
-                  </a:solidFill>
-                  <a:latin typeface="Arial"/>
-                  <a:cs typeface="Arial"/>
-                </a:rPr>
-                <a:t>Isolement social, ou le sentiment que vous</a:t>
-              </a:r>
-            </a:p>
-          </p:txBody>
-        </p:sp>
-        <p:sp>
-          <p:nvSpPr>
-            <p:cNvPr id="183" name="tx183"/>
-            <p:cNvSpPr/>
-            <p:nvPr/>
-          </p:nvSpPr>
-          <p:spPr>
-            <a:xfrm>
-              <a:off x="1122646" y="3743432"/>
-              <a:ext cx="2142115" cy="100352"/>
-            </a:xfrm>
-            <a:prstGeom prst="rect">
-              <a:avLst/>
-            </a:prstGeom>
-            <a:noFill/>
-          </p:spPr>
-          <p:txBody>
-            <a:bodyPr lIns="0" rIns="0" tIns="0" bIns="0" anchorCtr="1" anchor="ctr" wrap="none"/>
-            <a:lstStyle/>
-            <a:p>
-              <a:pPr algn="l" marL="0" marR="0" indent="0">
-                <a:lnSpc>
-                  <a:spcPts val="857"/>
-                </a:lnSpc>
-                <a:spcBef>
-                  <a:spcPts val="0"/>
-                </a:spcBef>
-                <a:spcAft>
-                  <a:spcPts val="0"/>
-                </a:spcAft>
-              </a:pPr>
-              <a:r>
-                <a:rPr sz="857">
-                  <a:solidFill>
-                    <a:srgbClr val="000000">
-                      <a:alpha val="100000"/>
-                    </a:srgbClr>
-                  </a:solidFill>
-                  <a:latin typeface="Arial"/>
-                  <a:cs typeface="Arial"/>
-                </a:rPr>
-                <a:t>n’éprouvez pas d’intérêt à être avec d’autres</a:t>
-              </a:r>
-            </a:p>
-          </p:txBody>
-        </p:sp>
-        <p:sp>
-          <p:nvSpPr>
-            <p:cNvPr id="184" name="tx184"/>
-            <p:cNvSpPr/>
-            <p:nvPr/>
-          </p:nvSpPr>
-          <p:spPr>
-            <a:xfrm>
-              <a:off x="2726162" y="3881993"/>
-              <a:ext cx="538598" cy="79357"/>
-            </a:xfrm>
-            <a:prstGeom prst="rect">
-              <a:avLst/>
-            </a:prstGeom>
-            <a:noFill/>
-          </p:spPr>
-          <p:txBody>
-            <a:bodyPr lIns="0" rIns="0" tIns="0" bIns="0" anchorCtr="1" anchor="ctr" wrap="none"/>
-            <a:lstStyle/>
-            <a:p>
-              <a:pPr algn="l" marL="0" marR="0" indent="0">
-                <a:lnSpc>
-                  <a:spcPts val="857"/>
-                </a:lnSpc>
-                <a:spcBef>
-                  <a:spcPts val="0"/>
-                </a:spcBef>
-                <a:spcAft>
-                  <a:spcPts val="0"/>
-                </a:spcAft>
-              </a:pPr>
-              <a:r>
-                <a:rPr sz="857">
-                  <a:solidFill>
-                    <a:srgbClr val="000000">
-                      <a:alpha val="100000"/>
-                    </a:srgbClr>
-                  </a:solidFill>
-                  <a:latin typeface="Arial"/>
-                  <a:cs typeface="Arial"/>
-                </a:rPr>
-                <a:t>personnes.</a:t>
-              </a:r>
-            </a:p>
-          </p:txBody>
-        </p:sp>
-        <p:sp>
-          <p:nvSpPr>
-            <p:cNvPr id="185" name="tx185"/>
+            <p:cNvPr id="186" name="tx186"/>
             <p:cNvSpPr/>
             <p:nvPr/>
           </p:nvSpPr>
@@ -8086,7 +8129,7 @@
         </p:sp>
         <p:sp>
           <p:nvSpPr>
-            <p:cNvPr id="186" name="tx186"/>
+            <p:cNvPr id="187" name="tx187"/>
             <p:cNvSpPr/>
             <p:nvPr/>
           </p:nvSpPr>
@@ -8132,7 +8175,7 @@
         </p:sp>
         <p:sp>
           <p:nvSpPr>
-            <p:cNvPr id="187" name="tx187"/>
+            <p:cNvPr id="188" name="tx188"/>
             <p:cNvSpPr/>
             <p:nvPr/>
           </p:nvSpPr>
@@ -8178,7 +8221,7 @@
         </p:sp>
         <p:sp>
           <p:nvSpPr>
-            <p:cNvPr id="188" name="tx188"/>
+            <p:cNvPr id="189" name="tx189"/>
             <p:cNvSpPr/>
             <p:nvPr/>
           </p:nvSpPr>
@@ -8224,7 +8267,7 @@
         </p:sp>
         <p:sp>
           <p:nvSpPr>
-            <p:cNvPr id="189" name="tx189"/>
+            <p:cNvPr id="190" name="tx190"/>
             <p:cNvSpPr/>
             <p:nvPr/>
           </p:nvSpPr>
@@ -8270,7 +8313,7 @@
         </p:sp>
         <p:sp>
           <p:nvSpPr>
-            <p:cNvPr id="190" name="tx190"/>
+            <p:cNvPr id="191" name="tx191"/>
             <p:cNvSpPr/>
             <p:nvPr/>
           </p:nvSpPr>
@@ -8316,7 +8359,7 @@
         </p:sp>
         <p:sp>
           <p:nvSpPr>
-            <p:cNvPr id="191" name="tx191"/>
+            <p:cNvPr id="192" name="tx192"/>
             <p:cNvSpPr/>
             <p:nvPr/>
           </p:nvSpPr>
@@ -8362,7 +8405,7 @@
         </p:sp>
         <p:sp>
           <p:nvSpPr>
-            <p:cNvPr id="192" name="tx192"/>
+            <p:cNvPr id="193" name="tx193"/>
             <p:cNvSpPr/>
             <p:nvPr/>
           </p:nvSpPr>
@@ -8408,7 +8451,7 @@
         </p:sp>
         <p:sp>
           <p:nvSpPr>
-            <p:cNvPr id="193" name="pl193"/>
+            <p:cNvPr id="194" name="pl194"/>
             <p:cNvSpPr/>
             <p:nvPr/>
           </p:nvSpPr>
@@ -8448,7 +8491,7 @@
         </p:sp>
         <p:sp>
           <p:nvSpPr>
-            <p:cNvPr id="194" name="pl194"/>
+            <p:cNvPr id="195" name="pl195"/>
             <p:cNvSpPr/>
             <p:nvPr/>
           </p:nvSpPr>
@@ -8488,7 +8531,7 @@
         </p:sp>
         <p:sp>
           <p:nvSpPr>
-            <p:cNvPr id="195" name="pl195"/>
+            <p:cNvPr id="196" name="pl196"/>
             <p:cNvSpPr/>
             <p:nvPr/>
           </p:nvSpPr>
@@ -8528,7 +8571,7 @@
         </p:sp>
         <p:sp>
           <p:nvSpPr>
-            <p:cNvPr id="196" name="pl196"/>
+            <p:cNvPr id="197" name="pl197"/>
             <p:cNvSpPr/>
             <p:nvPr/>
           </p:nvSpPr>
@@ -8568,7 +8611,7 @@
         </p:sp>
         <p:sp>
           <p:nvSpPr>
-            <p:cNvPr id="197" name="pl197"/>
+            <p:cNvPr id="198" name="pl198"/>
             <p:cNvSpPr/>
             <p:nvPr/>
           </p:nvSpPr>
@@ -8608,7 +8651,7 @@
         </p:sp>
         <p:sp>
           <p:nvSpPr>
-            <p:cNvPr id="198" name="pl198"/>
+            <p:cNvPr id="199" name="pl199"/>
             <p:cNvSpPr/>
             <p:nvPr/>
           </p:nvSpPr>
@@ -8648,7 +8691,7 @@
         </p:sp>
         <p:sp>
           <p:nvSpPr>
-            <p:cNvPr id="199" name="pl199"/>
+            <p:cNvPr id="200" name="pl200"/>
             <p:cNvSpPr/>
             <p:nvPr/>
           </p:nvSpPr>
@@ -8688,7 +8731,7 @@
         </p:sp>
         <p:sp>
           <p:nvSpPr>
-            <p:cNvPr id="200" name="pl200"/>
+            <p:cNvPr id="201" name="pl201"/>
             <p:cNvSpPr/>
             <p:nvPr/>
           </p:nvSpPr>
@@ -8728,7 +8771,7 @@
         </p:sp>
         <p:sp>
           <p:nvSpPr>
-            <p:cNvPr id="201" name="pl201"/>
+            <p:cNvPr id="202" name="pl202"/>
             <p:cNvSpPr/>
             <p:nvPr/>
           </p:nvSpPr>
@@ -8768,7 +8811,7 @@
         </p:sp>
         <p:sp>
           <p:nvSpPr>
-            <p:cNvPr id="202" name="pl202"/>
+            <p:cNvPr id="203" name="pl203"/>
             <p:cNvSpPr/>
             <p:nvPr/>
           </p:nvSpPr>
@@ -8808,7 +8851,7 @@
         </p:sp>
         <p:sp>
           <p:nvSpPr>
-            <p:cNvPr id="203" name="pl203"/>
+            <p:cNvPr id="204" name="pl204"/>
             <p:cNvSpPr/>
             <p:nvPr/>
           </p:nvSpPr>
@@ -8848,7 +8891,7 @@
         </p:sp>
         <p:sp>
           <p:nvSpPr>
-            <p:cNvPr id="204" name="pl204"/>
+            <p:cNvPr id="205" name="pl205"/>
             <p:cNvSpPr/>
             <p:nvPr/>
           </p:nvSpPr>
@@ -8888,7 +8931,7 @@
         </p:sp>
         <p:sp>
           <p:nvSpPr>
-            <p:cNvPr id="205" name="pl205"/>
+            <p:cNvPr id="206" name="pl206"/>
             <p:cNvSpPr/>
             <p:nvPr/>
           </p:nvSpPr>
@@ -8928,7 +8971,7 @@
         </p:sp>
         <p:sp>
           <p:nvSpPr>
-            <p:cNvPr id="206" name="pl206"/>
+            <p:cNvPr id="207" name="pl207"/>
             <p:cNvSpPr/>
             <p:nvPr/>
           </p:nvSpPr>
@@ -8968,7 +9011,7 @@
         </p:sp>
         <p:sp>
           <p:nvSpPr>
-            <p:cNvPr id="207" name="pl207"/>
+            <p:cNvPr id="208" name="pl208"/>
             <p:cNvSpPr/>
             <p:nvPr/>
           </p:nvSpPr>
@@ -9008,7 +9051,7 @@
         </p:sp>
         <p:sp>
           <p:nvSpPr>
-            <p:cNvPr id="208" name="pl208"/>
+            <p:cNvPr id="209" name="pl209"/>
             <p:cNvSpPr/>
             <p:nvPr/>
           </p:nvSpPr>
@@ -9048,7 +9091,7 @@
         </p:sp>
         <p:sp>
           <p:nvSpPr>
-            <p:cNvPr id="209" name="pl209"/>
+            <p:cNvPr id="210" name="pl210"/>
             <p:cNvSpPr/>
             <p:nvPr/>
           </p:nvSpPr>
@@ -9088,7 +9131,7 @@
         </p:sp>
         <p:sp>
           <p:nvSpPr>
-            <p:cNvPr id="210" name="pl210"/>
+            <p:cNvPr id="211" name="pl211"/>
             <p:cNvSpPr/>
             <p:nvPr/>
           </p:nvSpPr>
@@ -9128,7 +9171,7 @@
         </p:sp>
         <p:sp>
           <p:nvSpPr>
-            <p:cNvPr id="211" name="pl211"/>
+            <p:cNvPr id="212" name="pl212"/>
             <p:cNvSpPr/>
             <p:nvPr/>
           </p:nvSpPr>
@@ -9168,7 +9211,7 @@
         </p:sp>
         <p:sp>
           <p:nvSpPr>
-            <p:cNvPr id="212" name="pl212"/>
+            <p:cNvPr id="213" name="pl213"/>
             <p:cNvSpPr/>
             <p:nvPr/>
           </p:nvSpPr>
@@ -9208,13 +9251,13 @@
         </p:sp>
         <p:sp>
           <p:nvSpPr>
-            <p:cNvPr id="213" name="pl213"/>
-            <p:cNvSpPr/>
-            <p:nvPr/>
-          </p:nvSpPr>
-          <p:spPr>
-            <a:xfrm>
-              <a:off x="3623891" y="9015709"/>
+            <p:cNvPr id="214" name="pl214"/>
+            <p:cNvSpPr/>
+            <p:nvPr/>
+          </p:nvSpPr>
+          <p:spPr>
+            <a:xfrm>
+              <a:off x="3612033" y="9015709"/>
               <a:ext cx="0" cy="31631"/>
             </a:xfrm>
             <a:custGeom>
@@ -9248,13 +9291,13 @@
         </p:sp>
         <p:sp>
           <p:nvSpPr>
-            <p:cNvPr id="214" name="pl214"/>
-            <p:cNvSpPr/>
-            <p:nvPr/>
-          </p:nvSpPr>
-          <p:spPr>
-            <a:xfrm>
-              <a:off x="3924276" y="9015709"/>
+            <p:cNvPr id="215" name="pl215"/>
+            <p:cNvSpPr/>
+            <p:nvPr/>
+          </p:nvSpPr>
+          <p:spPr>
+            <a:xfrm>
+              <a:off x="3900562" y="9015709"/>
               <a:ext cx="0" cy="31631"/>
             </a:xfrm>
             <a:custGeom>
@@ -9288,13 +9331,13 @@
         </p:sp>
         <p:sp>
           <p:nvSpPr>
-            <p:cNvPr id="215" name="pl215"/>
-            <p:cNvSpPr/>
-            <p:nvPr/>
-          </p:nvSpPr>
-          <p:spPr>
-            <a:xfrm>
-              <a:off x="4224662" y="9015709"/>
+            <p:cNvPr id="216" name="pl216"/>
+            <p:cNvSpPr/>
+            <p:nvPr/>
+          </p:nvSpPr>
+          <p:spPr>
+            <a:xfrm>
+              <a:off x="4189090" y="9015709"/>
               <a:ext cx="0" cy="31631"/>
             </a:xfrm>
             <a:custGeom>
@@ -9328,13 +9371,13 @@
         </p:sp>
         <p:sp>
           <p:nvSpPr>
-            <p:cNvPr id="216" name="pl216"/>
-            <p:cNvSpPr/>
-            <p:nvPr/>
-          </p:nvSpPr>
-          <p:spPr>
-            <a:xfrm>
-              <a:off x="4525048" y="9015709"/>
+            <p:cNvPr id="217" name="pl217"/>
+            <p:cNvSpPr/>
+            <p:nvPr/>
+          </p:nvSpPr>
+          <p:spPr>
+            <a:xfrm>
+              <a:off x="4477618" y="9015709"/>
               <a:ext cx="0" cy="31631"/>
             </a:xfrm>
             <a:custGeom>
@@ -9368,13 +9411,13 @@
         </p:sp>
         <p:sp>
           <p:nvSpPr>
-            <p:cNvPr id="217" name="pl217"/>
-            <p:cNvSpPr/>
-            <p:nvPr/>
-          </p:nvSpPr>
-          <p:spPr>
-            <a:xfrm>
-              <a:off x="4825434" y="9015709"/>
+            <p:cNvPr id="218" name="pl218"/>
+            <p:cNvSpPr/>
+            <p:nvPr/>
+          </p:nvSpPr>
+          <p:spPr>
+            <a:xfrm>
+              <a:off x="4766147" y="9015709"/>
               <a:ext cx="0" cy="31631"/>
             </a:xfrm>
             <a:custGeom>
@@ -9408,13 +9451,13 @@
         </p:sp>
         <p:sp>
           <p:nvSpPr>
-            <p:cNvPr id="218" name="pl218"/>
-            <p:cNvSpPr/>
-            <p:nvPr/>
-          </p:nvSpPr>
-          <p:spPr>
-            <a:xfrm>
-              <a:off x="5125819" y="9015709"/>
+            <p:cNvPr id="219" name="pl219"/>
+            <p:cNvSpPr/>
+            <p:nvPr/>
+          </p:nvSpPr>
+          <p:spPr>
+            <a:xfrm>
+              <a:off x="5054675" y="9015709"/>
               <a:ext cx="0" cy="31631"/>
             </a:xfrm>
             <a:custGeom>
@@ -9448,13 +9491,13 @@
         </p:sp>
         <p:sp>
           <p:nvSpPr>
-            <p:cNvPr id="219" name="pl219"/>
-            <p:cNvSpPr/>
-            <p:nvPr/>
-          </p:nvSpPr>
-          <p:spPr>
-            <a:xfrm>
-              <a:off x="5426205" y="9015709"/>
+            <p:cNvPr id="220" name="pl220"/>
+            <p:cNvSpPr/>
+            <p:nvPr/>
+          </p:nvSpPr>
+          <p:spPr>
+            <a:xfrm>
+              <a:off x="5343204" y="9015709"/>
               <a:ext cx="0" cy="31631"/>
             </a:xfrm>
             <a:custGeom>
@@ -9488,13 +9531,13 @@
         </p:sp>
         <p:sp>
           <p:nvSpPr>
-            <p:cNvPr id="220" name="pl220"/>
-            <p:cNvSpPr/>
-            <p:nvPr/>
-          </p:nvSpPr>
-          <p:spPr>
-            <a:xfrm>
-              <a:off x="5726591" y="9015709"/>
+            <p:cNvPr id="221" name="pl221"/>
+            <p:cNvSpPr/>
+            <p:nvPr/>
+          </p:nvSpPr>
+          <p:spPr>
+            <a:xfrm>
+              <a:off x="5631732" y="9015709"/>
               <a:ext cx="0" cy="31631"/>
             </a:xfrm>
             <a:custGeom>
@@ -9528,13 +9571,13 @@
         </p:sp>
         <p:sp>
           <p:nvSpPr>
-            <p:cNvPr id="221" name="pl221"/>
-            <p:cNvSpPr/>
-            <p:nvPr/>
-          </p:nvSpPr>
-          <p:spPr>
-            <a:xfrm>
-              <a:off x="6026977" y="9015709"/>
+            <p:cNvPr id="222" name="pl222"/>
+            <p:cNvSpPr/>
+            <p:nvPr/>
+          </p:nvSpPr>
+          <p:spPr>
+            <a:xfrm>
+              <a:off x="5920261" y="9015709"/>
               <a:ext cx="0" cy="31631"/>
             </a:xfrm>
             <a:custGeom>
@@ -9568,13 +9611,13 @@
         </p:sp>
         <p:sp>
           <p:nvSpPr>
-            <p:cNvPr id="222" name="pl222"/>
-            <p:cNvSpPr/>
-            <p:nvPr/>
-          </p:nvSpPr>
-          <p:spPr>
-            <a:xfrm>
-              <a:off x="6327362" y="9015709"/>
+            <p:cNvPr id="223" name="pl223"/>
+            <p:cNvSpPr/>
+            <p:nvPr/>
+          </p:nvSpPr>
+          <p:spPr>
+            <a:xfrm>
+              <a:off x="6208789" y="9015709"/>
               <a:ext cx="0" cy="31631"/>
             </a:xfrm>
             <a:custGeom>
@@ -9608,13 +9651,13 @@
         </p:sp>
         <p:sp>
           <p:nvSpPr>
-            <p:cNvPr id="223" name="pl223"/>
-            <p:cNvSpPr/>
-            <p:nvPr/>
-          </p:nvSpPr>
-          <p:spPr>
-            <a:xfrm>
-              <a:off x="6627748" y="9015709"/>
+            <p:cNvPr id="224" name="pl224"/>
+            <p:cNvSpPr/>
+            <p:nvPr/>
+          </p:nvSpPr>
+          <p:spPr>
+            <a:xfrm>
+              <a:off x="6497317" y="9015709"/>
               <a:ext cx="0" cy="31631"/>
             </a:xfrm>
             <a:custGeom>
@@ -9648,13 +9691,13 @@
         </p:sp>
         <p:sp>
           <p:nvSpPr>
-            <p:cNvPr id="224" name="pl224"/>
-            <p:cNvSpPr/>
-            <p:nvPr/>
-          </p:nvSpPr>
-          <p:spPr>
-            <a:xfrm>
-              <a:off x="6928134" y="9015709"/>
+            <p:cNvPr id="225" name="pl225"/>
+            <p:cNvSpPr/>
+            <p:nvPr/>
+          </p:nvSpPr>
+          <p:spPr>
+            <a:xfrm>
+              <a:off x="6785846" y="9015709"/>
               <a:ext cx="0" cy="31631"/>
             </a:xfrm>
             <a:custGeom>
@@ -9688,13 +9731,13 @@
         </p:sp>
         <p:sp>
           <p:nvSpPr>
-            <p:cNvPr id="225" name="pl225"/>
-            <p:cNvSpPr/>
-            <p:nvPr/>
-          </p:nvSpPr>
-          <p:spPr>
-            <a:xfrm>
-              <a:off x="7228520" y="9015709"/>
+            <p:cNvPr id="226" name="pl226"/>
+            <p:cNvSpPr/>
+            <p:nvPr/>
+          </p:nvSpPr>
+          <p:spPr>
+            <a:xfrm>
+              <a:off x="7074374" y="9015709"/>
               <a:ext cx="0" cy="31631"/>
             </a:xfrm>
             <a:custGeom>
@@ -9728,13 +9771,13 @@
         </p:sp>
         <p:sp>
           <p:nvSpPr>
-            <p:cNvPr id="226" name="pl226"/>
-            <p:cNvSpPr/>
-            <p:nvPr/>
-          </p:nvSpPr>
-          <p:spPr>
-            <a:xfrm>
-              <a:off x="7528905" y="9015709"/>
+            <p:cNvPr id="227" name="pl227"/>
+            <p:cNvSpPr/>
+            <p:nvPr/>
+          </p:nvSpPr>
+          <p:spPr>
+            <a:xfrm>
+              <a:off x="7362903" y="9015709"/>
               <a:ext cx="0" cy="31631"/>
             </a:xfrm>
             <a:custGeom>
@@ -9768,7 +9811,47 @@
         </p:sp>
         <p:sp>
           <p:nvSpPr>
-            <p:cNvPr id="227" name="tx227"/>
+            <p:cNvPr id="228" name="pl228"/>
+            <p:cNvSpPr/>
+            <p:nvPr/>
+          </p:nvSpPr>
+          <p:spPr>
+            <a:xfrm>
+              <a:off x="7651431" y="9015709"/>
+              <a:ext cx="0" cy="31631"/>
+            </a:xfrm>
+            <a:custGeom>
+              <a:avLst/>
+              <a:pathLst>
+                <a:path w="0" h="31631">
+                  <a:moveTo>
+                    <a:pt x="0" y="31631"/>
+                  </a:moveTo>
+                  <a:lnTo>
+                    <a:pt x="0" y="0"/>
+                  </a:lnTo>
+                </a:path>
+              </a:pathLst>
+            </a:custGeom>
+            <a:ln w="13550" cap="flat">
+              <a:solidFill>
+                <a:srgbClr val="000000">
+                  <a:alpha val="100000"/>
+                </a:srgbClr>
+              </a:solidFill>
+              <a:prstDash val="solid"/>
+              <a:round/>
+            </a:ln>
+          </p:spPr>
+          <p:txBody>
+            <a:bodyPr/>
+            <a:lstStyle/>
+            <a:p/>
+          </p:txBody>
+        </p:sp>
+        <p:sp>
+          <p:nvSpPr>
+            <p:cNvPr id="229" name="tx229"/>
             <p:cNvSpPr/>
             <p:nvPr/>
           </p:nvSpPr>
@@ -9814,13 +9897,13 @@
         </p:sp>
         <p:sp>
           <p:nvSpPr>
-            <p:cNvPr id="228" name="tx228"/>
-            <p:cNvSpPr/>
-            <p:nvPr/>
-          </p:nvSpPr>
-          <p:spPr>
-            <a:xfrm>
-              <a:off x="3563349" y="9072805"/>
+            <p:cNvPr id="230" name="tx230"/>
+            <p:cNvSpPr/>
+            <p:nvPr/>
+          </p:nvSpPr>
+          <p:spPr>
+            <a:xfrm>
+              <a:off x="3551492" y="9072805"/>
               <a:ext cx="121082" cy="79569"/>
             </a:xfrm>
             <a:prstGeom prst="rect">
@@ -9860,13 +9943,13 @@
         </p:sp>
         <p:sp>
           <p:nvSpPr>
-            <p:cNvPr id="229" name="tx229"/>
-            <p:cNvSpPr/>
-            <p:nvPr/>
-          </p:nvSpPr>
-          <p:spPr>
-            <a:xfrm>
-              <a:off x="3863735" y="9072805"/>
+            <p:cNvPr id="231" name="tx231"/>
+            <p:cNvSpPr/>
+            <p:nvPr/>
+          </p:nvSpPr>
+          <p:spPr>
+            <a:xfrm>
+              <a:off x="3840021" y="9072805"/>
               <a:ext cx="121082" cy="79569"/>
             </a:xfrm>
             <a:prstGeom prst="rect">
@@ -9906,13 +9989,13 @@
         </p:sp>
         <p:sp>
           <p:nvSpPr>
-            <p:cNvPr id="230" name="tx230"/>
-            <p:cNvSpPr/>
-            <p:nvPr/>
-          </p:nvSpPr>
-          <p:spPr>
-            <a:xfrm>
-              <a:off x="4164121" y="9072752"/>
+            <p:cNvPr id="232" name="tx232"/>
+            <p:cNvSpPr/>
+            <p:nvPr/>
+          </p:nvSpPr>
+          <p:spPr>
+            <a:xfrm>
+              <a:off x="4128549" y="9072752"/>
               <a:ext cx="121082" cy="79623"/>
             </a:xfrm>
             <a:prstGeom prst="rect">
@@ -9952,13 +10035,13 @@
         </p:sp>
         <p:sp>
           <p:nvSpPr>
-            <p:cNvPr id="231" name="tx231"/>
-            <p:cNvSpPr/>
-            <p:nvPr/>
-          </p:nvSpPr>
-          <p:spPr>
-            <a:xfrm>
-              <a:off x="4464507" y="9072805"/>
+            <p:cNvPr id="233" name="tx233"/>
+            <p:cNvSpPr/>
+            <p:nvPr/>
+          </p:nvSpPr>
+          <p:spPr>
+            <a:xfrm>
+              <a:off x="4417077" y="9072805"/>
               <a:ext cx="121082" cy="79569"/>
             </a:xfrm>
             <a:prstGeom prst="rect">
@@ -9998,13 +10081,13 @@
         </p:sp>
         <p:sp>
           <p:nvSpPr>
-            <p:cNvPr id="232" name="tx232"/>
-            <p:cNvSpPr/>
-            <p:nvPr/>
-          </p:nvSpPr>
-          <p:spPr>
-            <a:xfrm>
-              <a:off x="4764892" y="9072805"/>
+            <p:cNvPr id="234" name="tx234"/>
+            <p:cNvSpPr/>
+            <p:nvPr/>
+          </p:nvSpPr>
+          <p:spPr>
+            <a:xfrm>
+              <a:off x="4705606" y="9072805"/>
               <a:ext cx="121082" cy="79569"/>
             </a:xfrm>
             <a:prstGeom prst="rect">
@@ -10044,13 +10127,13 @@
         </p:sp>
         <p:sp>
           <p:nvSpPr>
-            <p:cNvPr id="233" name="tx233"/>
-            <p:cNvSpPr/>
-            <p:nvPr/>
-          </p:nvSpPr>
-          <p:spPr>
-            <a:xfrm>
-              <a:off x="5065278" y="9072805"/>
+            <p:cNvPr id="235" name="tx235"/>
+            <p:cNvSpPr/>
+            <p:nvPr/>
+          </p:nvSpPr>
+          <p:spPr>
+            <a:xfrm>
+              <a:off x="4994134" y="9072805"/>
               <a:ext cx="121082" cy="79569"/>
             </a:xfrm>
             <a:prstGeom prst="rect">
@@ -10090,13 +10173,13 @@
         </p:sp>
         <p:sp>
           <p:nvSpPr>
-            <p:cNvPr id="234" name="tx234"/>
-            <p:cNvSpPr/>
-            <p:nvPr/>
-          </p:nvSpPr>
-          <p:spPr>
-            <a:xfrm>
-              <a:off x="5365664" y="9072805"/>
+            <p:cNvPr id="236" name="tx236"/>
+            <p:cNvSpPr/>
+            <p:nvPr/>
+          </p:nvSpPr>
+          <p:spPr>
+            <a:xfrm>
+              <a:off x="5282663" y="9072805"/>
               <a:ext cx="121082" cy="79569"/>
             </a:xfrm>
             <a:prstGeom prst="rect">
@@ -10136,13 +10219,13 @@
         </p:sp>
         <p:sp>
           <p:nvSpPr>
-            <p:cNvPr id="235" name="tx235"/>
-            <p:cNvSpPr/>
-            <p:nvPr/>
-          </p:nvSpPr>
-          <p:spPr>
-            <a:xfrm>
-              <a:off x="5666050" y="9072805"/>
+            <p:cNvPr id="237" name="tx237"/>
+            <p:cNvSpPr/>
+            <p:nvPr/>
+          </p:nvSpPr>
+          <p:spPr>
+            <a:xfrm>
+              <a:off x="5571191" y="9072805"/>
               <a:ext cx="121082" cy="79569"/>
             </a:xfrm>
             <a:prstGeom prst="rect">
@@ -10182,13 +10265,13 @@
         </p:sp>
         <p:sp>
           <p:nvSpPr>
-            <p:cNvPr id="236" name="tx236"/>
-            <p:cNvSpPr/>
-            <p:nvPr/>
-          </p:nvSpPr>
-          <p:spPr>
-            <a:xfrm>
-              <a:off x="5966435" y="9072805"/>
+            <p:cNvPr id="238" name="tx238"/>
+            <p:cNvSpPr/>
+            <p:nvPr/>
+          </p:nvSpPr>
+          <p:spPr>
+            <a:xfrm>
+              <a:off x="5859719" y="9072805"/>
               <a:ext cx="121082" cy="79569"/>
             </a:xfrm>
             <a:prstGeom prst="rect">
@@ -10228,13 +10311,13 @@
         </p:sp>
         <p:sp>
           <p:nvSpPr>
-            <p:cNvPr id="237" name="tx237"/>
-            <p:cNvSpPr/>
-            <p:nvPr/>
-          </p:nvSpPr>
-          <p:spPr>
-            <a:xfrm>
-              <a:off x="6236551" y="9072805"/>
+            <p:cNvPr id="239" name="tx239"/>
+            <p:cNvSpPr/>
+            <p:nvPr/>
+          </p:nvSpPr>
+          <p:spPr>
+            <a:xfrm>
+              <a:off x="6117977" y="9072805"/>
               <a:ext cx="181623" cy="79569"/>
             </a:xfrm>
             <a:prstGeom prst="rect">
@@ -10274,13 +10357,13 @@
         </p:sp>
         <p:sp>
           <p:nvSpPr>
-            <p:cNvPr id="238" name="tx238"/>
-            <p:cNvSpPr/>
-            <p:nvPr/>
-          </p:nvSpPr>
-          <p:spPr>
-            <a:xfrm>
-              <a:off x="6536936" y="9072805"/>
+            <p:cNvPr id="240" name="tx240"/>
+            <p:cNvSpPr/>
+            <p:nvPr/>
+          </p:nvSpPr>
+          <p:spPr>
+            <a:xfrm>
+              <a:off x="6406506" y="9072805"/>
               <a:ext cx="181623" cy="79569"/>
             </a:xfrm>
             <a:prstGeom prst="rect">
@@ -10320,13 +10403,13 @@
         </p:sp>
         <p:sp>
           <p:nvSpPr>
-            <p:cNvPr id="239" name="tx239"/>
-            <p:cNvSpPr/>
-            <p:nvPr/>
-          </p:nvSpPr>
-          <p:spPr>
-            <a:xfrm>
-              <a:off x="6837322" y="9072805"/>
+            <p:cNvPr id="241" name="tx241"/>
+            <p:cNvSpPr/>
+            <p:nvPr/>
+          </p:nvSpPr>
+          <p:spPr>
+            <a:xfrm>
+              <a:off x="6695034" y="9072805"/>
               <a:ext cx="181623" cy="79569"/>
             </a:xfrm>
             <a:prstGeom prst="rect">
@@ -10366,13 +10449,13 @@
         </p:sp>
         <p:sp>
           <p:nvSpPr>
-            <p:cNvPr id="240" name="tx240"/>
-            <p:cNvSpPr/>
-            <p:nvPr/>
-          </p:nvSpPr>
-          <p:spPr>
-            <a:xfrm>
-              <a:off x="7137708" y="9072752"/>
+            <p:cNvPr id="242" name="tx242"/>
+            <p:cNvSpPr/>
+            <p:nvPr/>
+          </p:nvSpPr>
+          <p:spPr>
+            <a:xfrm>
+              <a:off x="6983562" y="9072752"/>
               <a:ext cx="181623" cy="79623"/>
             </a:xfrm>
             <a:prstGeom prst="rect">
@@ -10412,13 +10495,13 @@
         </p:sp>
         <p:sp>
           <p:nvSpPr>
-            <p:cNvPr id="241" name="tx241"/>
-            <p:cNvSpPr/>
-            <p:nvPr/>
-          </p:nvSpPr>
-          <p:spPr>
-            <a:xfrm>
-              <a:off x="7438094" y="9072805"/>
+            <p:cNvPr id="243" name="tx243"/>
+            <p:cNvSpPr/>
+            <p:nvPr/>
+          </p:nvSpPr>
+          <p:spPr>
+            <a:xfrm>
+              <a:off x="7272091" y="9072805"/>
               <a:ext cx="181623" cy="79569"/>
             </a:xfrm>
             <a:prstGeom prst="rect">
@@ -10458,7 +10541,53 @@
         </p:sp>
         <p:sp>
           <p:nvSpPr>
-            <p:cNvPr id="242" name="tx242"/>
+            <p:cNvPr id="244" name="tx244"/>
+            <p:cNvSpPr/>
+            <p:nvPr/>
+          </p:nvSpPr>
+          <p:spPr>
+            <a:xfrm>
+              <a:off x="7560619" y="9072805"/>
+              <a:ext cx="181623" cy="79569"/>
+            </a:xfrm>
+            <a:prstGeom prst="rect">
+              <a:avLst/>
+            </a:prstGeom>
+            <a:noFill/>
+          </p:spPr>
+          <p:txBody>
+            <a:bodyPr lIns="0" rIns="0" tIns="0" bIns="0" anchorCtr="1" anchor="ctr" wrap="none"/>
+            <a:lstStyle/>
+            <a:p>
+              <a:pPr algn="l" marL="0" marR="0" indent="0">
+                <a:lnSpc>
+                  <a:spcPts val="857"/>
+                </a:lnSpc>
+                <a:spcBef>
+                  <a:spcPts val="0"/>
+                </a:spcBef>
+                <a:spcAft>
+                  <a:spcPts val="0"/>
+                </a:spcAft>
+              </a:pPr>
+              <a:r>
+                <a:rPr sz="857">
+                  <a:solidFill>
+                    <a:srgbClr val="000000">
+                      <a:alpha val="100000"/>
+                    </a:srgbClr>
+                  </a:solidFill>
+                  <a:latin typeface="Arial"/>
+                  <a:cs typeface="Arial"/>
+                </a:rPr>
+                <a:t>150</a:t>
+              </a:r>
+            </a:p>
+          </p:txBody>
+        </p:sp>
+        <p:sp>
+          <p:nvSpPr>
+            <p:cNvPr id="245" name="tx245"/>
             <p:cNvSpPr/>
             <p:nvPr/>
           </p:nvSpPr>
@@ -10504,7 +10633,7 @@
         </p:sp>
         <p:sp>
           <p:nvSpPr>
-            <p:cNvPr id="243" name="rc243"/>
+            <p:cNvPr id="246" name="rc246"/>
             <p:cNvSpPr/>
             <p:nvPr/>
           </p:nvSpPr>
@@ -10530,7 +10659,7 @@
         </p:sp>
         <p:sp>
           <p:nvSpPr>
-            <p:cNvPr id="244" name="rc244"/>
+            <p:cNvPr id="247" name="rc247"/>
             <p:cNvSpPr/>
             <p:nvPr/>
           </p:nvSpPr>
@@ -10556,7 +10685,7 @@
         </p:sp>
         <p:sp>
           <p:nvSpPr>
-            <p:cNvPr id="245" name="rc245"/>
+            <p:cNvPr id="248" name="rc248"/>
             <p:cNvSpPr/>
             <p:nvPr/>
           </p:nvSpPr>
@@ -10582,7 +10711,7 @@
         </p:sp>
         <p:sp>
           <p:nvSpPr>
-            <p:cNvPr id="246" name="rc246"/>
+            <p:cNvPr id="249" name="rc249"/>
             <p:cNvSpPr/>
             <p:nvPr/>
           </p:nvSpPr>
@@ -10608,7 +10737,7 @@
         </p:sp>
         <p:sp>
           <p:nvSpPr>
-            <p:cNvPr id="247" name="rc247"/>
+            <p:cNvPr id="250" name="rc250"/>
             <p:cNvSpPr/>
             <p:nvPr/>
           </p:nvSpPr>
@@ -10634,7 +10763,7 @@
         </p:sp>
         <p:sp>
           <p:nvSpPr>
-            <p:cNvPr id="248" name="rc248"/>
+            <p:cNvPr id="251" name="rc251"/>
             <p:cNvSpPr/>
             <p:nvPr/>
           </p:nvSpPr>
@@ -10660,7 +10789,7 @@
         </p:sp>
         <p:sp>
           <p:nvSpPr>
-            <p:cNvPr id="249" name="rc249"/>
+            <p:cNvPr id="252" name="rc252"/>
             <p:cNvSpPr/>
             <p:nvPr/>
           </p:nvSpPr>
@@ -10686,7 +10815,7 @@
         </p:sp>
         <p:sp>
           <p:nvSpPr>
-            <p:cNvPr id="250" name="tx250"/>
+            <p:cNvPr id="253" name="tx253"/>
             <p:cNvSpPr/>
             <p:nvPr/>
           </p:nvSpPr>
@@ -10732,7 +10861,7 @@
         </p:sp>
         <p:sp>
           <p:nvSpPr>
-            <p:cNvPr id="251" name="tx251"/>
+            <p:cNvPr id="254" name="tx254"/>
             <p:cNvSpPr/>
             <p:nvPr/>
           </p:nvSpPr>
@@ -10778,7 +10907,7 @@
         </p:sp>
         <p:sp>
           <p:nvSpPr>
-            <p:cNvPr id="252" name="tx252"/>
+            <p:cNvPr id="255" name="tx255"/>
             <p:cNvSpPr/>
             <p:nvPr/>
           </p:nvSpPr>
@@ -10824,7 +10953,7 @@
         </p:sp>
         <p:sp>
           <p:nvSpPr>
-            <p:cNvPr id="253" name="tx253"/>
+            <p:cNvPr id="256" name="tx256"/>
             <p:cNvSpPr/>
             <p:nvPr/>
           </p:nvSpPr>
@@ -10870,7 +10999,7 @@
         </p:sp>
         <p:sp>
           <p:nvSpPr>
-            <p:cNvPr id="254" name="tx254"/>
+            <p:cNvPr id="257" name="tx257"/>
             <p:cNvSpPr/>
             <p:nvPr/>
           </p:nvSpPr>
@@ -10916,7 +11045,7 @@
         </p:sp>
         <p:sp>
           <p:nvSpPr>
-            <p:cNvPr id="255" name="tx255"/>
+            <p:cNvPr id="258" name="tx258"/>
             <p:cNvSpPr/>
             <p:nvPr/>
           </p:nvSpPr>
@@ -10962,7 +11091,7 @@
         </p:sp>
         <p:sp>
           <p:nvSpPr>
-            <p:cNvPr id="256" name="tx256"/>
+            <p:cNvPr id="259" name="tx259"/>
             <p:cNvSpPr/>
             <p:nvPr/>
           </p:nvSpPr>
@@ -11008,7 +11137,7 @@
         </p:sp>
         <p:sp>
           <p:nvSpPr>
-            <p:cNvPr id="257" name="tx257"/>
+            <p:cNvPr id="260" name="tx260"/>
             <p:cNvSpPr/>
             <p:nvPr/>
           </p:nvSpPr>
@@ -11054,7 +11183,7 @@
         </p:sp>
         <p:sp>
           <p:nvSpPr>
-            <p:cNvPr id="258" name="tx258"/>
+            <p:cNvPr id="261" name="tx261"/>
             <p:cNvSpPr/>
             <p:nvPr/>
           </p:nvSpPr>
@@ -11100,7 +11229,7 @@
         </p:sp>
         <p:sp>
           <p:nvSpPr>
-            <p:cNvPr id="259" name="tx259"/>
+            <p:cNvPr id="262" name="tx262"/>
             <p:cNvSpPr/>
             <p:nvPr/>
           </p:nvSpPr>
@@ -11139,7 +11268,7 @@
                   <a:latin typeface="Arial"/>
                   <a:cs typeface="Arial"/>
                 </a:rPr>
-                <a:t>(N=146).</a:t>
+                <a:t>(N=152).</a:t>
               </a:r>
             </a:p>
           </p:txBody>
